--- a/Chien.do - Azure Functional.pptx
+++ b/Chien.do - Azure Functional.pptx
@@ -27,44 +27,45 @@
     <p:sldId id="581" r:id="rId20"/>
     <p:sldId id="765" r:id="rId21"/>
     <p:sldId id="694" r:id="rId22"/>
-    <p:sldId id="766" r:id="rId23"/>
-    <p:sldId id="693" r:id="rId24"/>
-    <p:sldId id="725" r:id="rId25"/>
-    <p:sldId id="726" r:id="rId26"/>
-    <p:sldId id="727" r:id="rId27"/>
-    <p:sldId id="728" r:id="rId28"/>
-    <p:sldId id="729" r:id="rId29"/>
-    <p:sldId id="730" r:id="rId30"/>
-    <p:sldId id="800" r:id="rId31"/>
-    <p:sldId id="279" r:id="rId32"/>
-    <p:sldId id="801" r:id="rId33"/>
-    <p:sldId id="724" r:id="rId34"/>
-    <p:sldId id="802" r:id="rId35"/>
-    <p:sldId id="731" r:id="rId36"/>
-    <p:sldId id="803" r:id="rId37"/>
-    <p:sldId id="804" r:id="rId38"/>
-    <p:sldId id="805" r:id="rId39"/>
-    <p:sldId id="707" r:id="rId40"/>
-    <p:sldId id="476" r:id="rId41"/>
-    <p:sldId id="360" r:id="rId42"/>
+    <p:sldId id="279" r:id="rId23"/>
+    <p:sldId id="766" r:id="rId24"/>
+    <p:sldId id="693" r:id="rId25"/>
+    <p:sldId id="725" r:id="rId26"/>
+    <p:sldId id="726" r:id="rId27"/>
+    <p:sldId id="727" r:id="rId28"/>
+    <p:sldId id="728" r:id="rId29"/>
+    <p:sldId id="729" r:id="rId30"/>
+    <p:sldId id="730" r:id="rId31"/>
+    <p:sldId id="800" r:id="rId32"/>
+    <p:sldId id="812" r:id="rId33"/>
+    <p:sldId id="801" r:id="rId34"/>
+    <p:sldId id="724" r:id="rId35"/>
+    <p:sldId id="802" r:id="rId36"/>
+    <p:sldId id="731" r:id="rId37"/>
+    <p:sldId id="803" r:id="rId38"/>
+    <p:sldId id="804" r:id="rId39"/>
+    <p:sldId id="805" r:id="rId40"/>
+    <p:sldId id="707" r:id="rId41"/>
+    <p:sldId id="476" r:id="rId42"/>
+    <p:sldId id="360" r:id="rId43"/>
   </p:sldIdLst>
   <p:sldSz cx="9144000" cy="5143500" type="screen16x9"/>
   <p:notesSz cx="6858000" cy="9144000"/>
   <p:embeddedFontLst>
     <p:embeddedFont>
+      <p:font typeface="Tahoma" panose="020B0604030504040204" charset="0"/>
+      <p:regular r:id="rId48"/>
+      <p:bold r:id="rId49"/>
+    </p:embeddedFont>
+    <p:embeddedFont>
       <p:font typeface="Roboto Black" panose="020B0704020202020204"/>
-      <p:bold r:id="rId47"/>
-      <p:boldItalic r:id="rId48"/>
+      <p:bold r:id="rId50"/>
+      <p:boldItalic r:id="rId51"/>
     </p:embeddedFont>
     <p:embeddedFont>
       <p:font typeface="Roboto" panose="020B0704020202020204"/>
-      <p:bold r:id="rId49"/>
-      <p:boldItalic r:id="rId50"/>
-    </p:embeddedFont>
-    <p:embeddedFont>
-      <p:font typeface="Tahoma" panose="020B0604030504040204" charset="0"/>
-      <p:regular r:id="rId51"/>
       <p:bold r:id="rId52"/>
+      <p:boldItalic r:id="rId53"/>
     </p:embeddedFont>
   </p:embeddedFontLst>
   <p:defaultTextStyle>
@@ -4160,7 +4161,6 @@
             <a:spcAft>
               <a:spcPct val="35000"/>
             </a:spcAft>
-            <a:buNone/>
           </a:pPr>
           <a:r>
             <a:rPr lang="en-US"/>
@@ -10309,6 +10309,109 @@
   <p:cSld>
     <p:spTree>
       <p:nvGrpSpPr>
+        <p:cNvPr id="1" name="Shape 515"/>
+        <p:cNvGrpSpPr/>
+        <p:nvPr/>
+      </p:nvGrpSpPr>
+      <p:grpSpPr>
+        <a:xfrm>
+          <a:off x="0" y="0"/>
+          <a:ext cx="0" cy="0"/>
+          <a:chOff x="0" y="0"/>
+          <a:chExt cx="0" cy="0"/>
+        </a:xfrm>
+      </p:grpSpPr>
+      <p:sp>
+        <p:nvSpPr>
+          <p:cNvPr id="516" name="Google Shape;516;g123574bb244_0_0:notes"/>
+          <p:cNvSpPr>
+            <a:spLocks noGrp="1" noRot="1" noChangeAspect="1"/>
+          </p:cNvSpPr>
+          <p:nvPr>
+            <p:ph type="sldImg" idx="2"/>
+          </p:nvPr>
+        </p:nvSpPr>
+        <p:spPr>
+          <a:xfrm>
+            <a:off x="381300" y="685800"/>
+            <a:ext cx="6096000" cy="3429000"/>
+          </a:xfrm>
+          <a:custGeom>
+            <a:avLst/>
+            <a:gdLst/>
+            <a:ahLst/>
+            <a:cxnLst/>
+            <a:rect l="l" t="t" r="r" b="b"/>
+            <a:pathLst>
+              <a:path w="120000" h="120000" extrusionOk="0">
+                <a:moveTo>
+                  <a:pt x="0" y="0"/>
+                </a:moveTo>
+                <a:lnTo>
+                  <a:pt x="120000" y="0"/>
+                </a:lnTo>
+                <a:lnTo>
+                  <a:pt x="120000" y="120000"/>
+                </a:lnTo>
+                <a:lnTo>
+                  <a:pt x="0" y="120000"/>
+                </a:lnTo>
+                <a:close/>
+              </a:path>
+            </a:pathLst>
+          </a:custGeom>
+        </p:spPr>
+      </p:sp>
+      <p:sp>
+        <p:nvSpPr>
+          <p:cNvPr id="517" name="Google Shape;517;g123574bb244_0_0:notes"/>
+          <p:cNvSpPr txBox="1">
+            <a:spLocks noGrp="1"/>
+          </p:cNvSpPr>
+          <p:nvPr>
+            <p:ph type="body" idx="1"/>
+          </p:nvPr>
+        </p:nvSpPr>
+        <p:spPr>
+          <a:xfrm>
+            <a:off x="685800" y="4343400"/>
+            <a:ext cx="5486400" cy="4114800"/>
+          </a:xfrm>
+          <a:prstGeom prst="rect">
+            <a:avLst/>
+          </a:prstGeom>
+        </p:spPr>
+        <p:txBody>
+          <a:bodyPr spcFirstLastPara="1" wrap="square" lIns="91425" tIns="91425" rIns="91425" bIns="91425" anchor="t" anchorCtr="0">
+            <a:noAutofit/>
+          </a:bodyPr>
+          <a:lstStyle/>
+          <a:p>
+            <a:pPr marL="0" lvl="0" indent="0" algn="l" rtl="0">
+              <a:spcBef>
+                <a:spcPts val="0"/>
+              </a:spcBef>
+              <a:spcAft>
+                <a:spcPts val="0"/>
+              </a:spcAft>
+              <a:buNone/>
+            </a:pPr>
+          </a:p>
+        </p:txBody>
+      </p:sp>
+    </p:spTree>
+  </p:cSld>
+  <p:clrMapOvr>
+    <a:masterClrMapping/>
+  </p:clrMapOvr>
+</p:notes>
+</file>
+
+<file path=ppt/notesSlides/notesSlide21.xml><?xml version="1.0" encoding="utf-8"?>
+<p:notes xmlns:a="http://schemas.openxmlformats.org/drawingml/2006/main" xmlns:r="http://schemas.openxmlformats.org/officeDocument/2006/relationships" xmlns:p="http://schemas.openxmlformats.org/presentationml/2006/main" showMasterPhAnim="0" showMasterSp="0">
+  <p:cSld>
+    <p:spTree>
+      <p:nvGrpSpPr>
         <p:cNvPr id="1" name="Shape 88"/>
         <p:cNvGrpSpPr/>
         <p:nvPr/>
@@ -10396,110 +10499,6 @@
               </a:spcAft>
               <a:buNone/>
             </a:pPr>
-          </a:p>
-        </p:txBody>
-      </p:sp>
-    </p:spTree>
-  </p:cSld>
-  <p:clrMapOvr>
-    <a:masterClrMapping/>
-  </p:clrMapOvr>
-</p:notes>
-</file>
-
-<file path=ppt/notesSlides/notesSlide21.xml><?xml version="1.0" encoding="utf-8"?>
-<p:notes xmlns:a="http://schemas.openxmlformats.org/drawingml/2006/main" xmlns:r="http://schemas.openxmlformats.org/officeDocument/2006/relationships" xmlns:p="http://schemas.openxmlformats.org/presentationml/2006/main" showMasterPhAnim="0" showMasterSp="0">
-  <p:cSld>
-    <p:spTree>
-      <p:nvGrpSpPr>
-        <p:cNvPr id="1" name="Shape 95"/>
-        <p:cNvGrpSpPr/>
-        <p:nvPr/>
-      </p:nvGrpSpPr>
-      <p:grpSpPr>
-        <a:xfrm>
-          <a:off x="0" y="0"/>
-          <a:ext cx="0" cy="0"/>
-          <a:chOff x="0" y="0"/>
-          <a:chExt cx="0" cy="0"/>
-        </a:xfrm>
-      </p:grpSpPr>
-      <p:sp>
-        <p:nvSpPr>
-          <p:cNvPr id="96" name="Google Shape;96;g12330345b61_0_1:notes"/>
-          <p:cNvSpPr>
-            <a:spLocks noGrp="1" noRot="1" noChangeAspect="1"/>
-          </p:cNvSpPr>
-          <p:nvPr>
-            <p:ph type="sldImg" idx="2"/>
-          </p:nvPr>
-        </p:nvSpPr>
-        <p:spPr>
-          <a:xfrm>
-            <a:off x="381000" y="685800"/>
-            <a:ext cx="6096000" cy="3429000"/>
-          </a:xfrm>
-          <a:custGeom>
-            <a:avLst/>
-            <a:gdLst/>
-            <a:ahLst/>
-            <a:cxnLst/>
-            <a:rect l="l" t="t" r="r" b="b"/>
-            <a:pathLst>
-              <a:path w="120000" h="120000" extrusionOk="0">
-                <a:moveTo>
-                  <a:pt x="0" y="0"/>
-                </a:moveTo>
-                <a:lnTo>
-                  <a:pt x="120000" y="0"/>
-                </a:lnTo>
-                <a:lnTo>
-                  <a:pt x="120000" y="120000"/>
-                </a:lnTo>
-                <a:lnTo>
-                  <a:pt x="0" y="120000"/>
-                </a:lnTo>
-                <a:close/>
-              </a:path>
-            </a:pathLst>
-          </a:custGeom>
-        </p:spPr>
-      </p:sp>
-      <p:sp>
-        <p:nvSpPr>
-          <p:cNvPr id="97" name="Google Shape;97;g12330345b61_0_1:notes"/>
-          <p:cNvSpPr txBox="1">
-            <a:spLocks noGrp="1"/>
-          </p:cNvSpPr>
-          <p:nvPr>
-            <p:ph type="body" idx="1"/>
-          </p:nvPr>
-        </p:nvSpPr>
-        <p:spPr>
-          <a:xfrm>
-            <a:off x="685800" y="4343400"/>
-            <a:ext cx="5486400" cy="4114800"/>
-          </a:xfrm>
-          <a:prstGeom prst="rect">
-            <a:avLst/>
-          </a:prstGeom>
-        </p:spPr>
-        <p:txBody>
-          <a:bodyPr spcFirstLastPara="1" wrap="square" lIns="91425" tIns="91425" rIns="91425" bIns="91425" anchor="t" anchorCtr="0">
-            <a:noAutofit/>
-          </a:bodyPr>
-          <a:lstStyle/>
-          <a:p>
-            <a:pPr marL="0" lvl="0" indent="0" algn="l" rtl="0">
-              <a:spcBef>
-                <a:spcPts val="0"/>
-              </a:spcBef>
-              <a:spcAft>
-                <a:spcPts val="0"/>
-              </a:spcAft>
-              <a:buNone/>
-            </a:pPr>
-            <a:endParaRPr lang="en-US"/>
           </a:p>
         </p:txBody>
       </p:sp>
@@ -11244,7 +11243,7 @@
   <p:cSld>
     <p:spTree>
       <p:nvGrpSpPr>
-        <p:cNvPr id="1" name="Shape 515"/>
+        <p:cNvPr id="1" name="Shape 95"/>
         <p:cNvGrpSpPr/>
         <p:nvPr/>
       </p:nvGrpSpPr>
@@ -11258,7 +11257,7 @@
       </p:grpSpPr>
       <p:sp>
         <p:nvSpPr>
-          <p:cNvPr id="516" name="Google Shape;516;g123574bb244_0_0:notes"/>
+          <p:cNvPr id="96" name="Google Shape;96;g12330345b61_0_1:notes"/>
           <p:cNvSpPr>
             <a:spLocks noGrp="1" noRot="1" noChangeAspect="1"/>
           </p:cNvSpPr>
@@ -11268,7 +11267,7 @@
         </p:nvSpPr>
         <p:spPr>
           <a:xfrm>
-            <a:off x="381300" y="685800"/>
+            <a:off x="381000" y="685800"/>
             <a:ext cx="6096000" cy="3429000"/>
           </a:xfrm>
           <a:custGeom>
@@ -11299,7 +11298,7 @@
       </p:sp>
       <p:sp>
         <p:nvSpPr>
-          <p:cNvPr id="517" name="Google Shape;517;g123574bb244_0_0:notes"/>
+          <p:cNvPr id="97" name="Google Shape;97;g12330345b61_0_1:notes"/>
           <p:cNvSpPr txBox="1">
             <a:spLocks noGrp="1"/>
           </p:cNvSpPr>
@@ -11331,6 +11330,7 @@
               </a:spcAft>
               <a:buNone/>
             </a:pPr>
+            <a:endParaRPr lang="en-US"/>
           </a:p>
         </p:txBody>
       </p:sp>
@@ -11450,6 +11450,109 @@
   <p:cSld>
     <p:spTree>
       <p:nvGrpSpPr>
+        <p:cNvPr id="1" name="Shape 515"/>
+        <p:cNvGrpSpPr/>
+        <p:nvPr/>
+      </p:nvGrpSpPr>
+      <p:grpSpPr>
+        <a:xfrm>
+          <a:off x="0" y="0"/>
+          <a:ext cx="0" cy="0"/>
+          <a:chOff x="0" y="0"/>
+          <a:chExt cx="0" cy="0"/>
+        </a:xfrm>
+      </p:grpSpPr>
+      <p:sp>
+        <p:nvSpPr>
+          <p:cNvPr id="516" name="Google Shape;516;g123574bb244_0_0:notes"/>
+          <p:cNvSpPr>
+            <a:spLocks noGrp="1" noRot="1" noChangeAspect="1"/>
+          </p:cNvSpPr>
+          <p:nvPr>
+            <p:ph type="sldImg" idx="2"/>
+          </p:nvPr>
+        </p:nvSpPr>
+        <p:spPr>
+          <a:xfrm>
+            <a:off x="381300" y="685800"/>
+            <a:ext cx="6096000" cy="3429000"/>
+          </a:xfrm>
+          <a:custGeom>
+            <a:avLst/>
+            <a:gdLst/>
+            <a:ahLst/>
+            <a:cxnLst/>
+            <a:rect l="l" t="t" r="r" b="b"/>
+            <a:pathLst>
+              <a:path w="120000" h="120000" extrusionOk="0">
+                <a:moveTo>
+                  <a:pt x="0" y="0"/>
+                </a:moveTo>
+                <a:lnTo>
+                  <a:pt x="120000" y="0"/>
+                </a:lnTo>
+                <a:lnTo>
+                  <a:pt x="120000" y="120000"/>
+                </a:lnTo>
+                <a:lnTo>
+                  <a:pt x="0" y="120000"/>
+                </a:lnTo>
+                <a:close/>
+              </a:path>
+            </a:pathLst>
+          </a:custGeom>
+        </p:spPr>
+      </p:sp>
+      <p:sp>
+        <p:nvSpPr>
+          <p:cNvPr id="517" name="Google Shape;517;g123574bb244_0_0:notes"/>
+          <p:cNvSpPr txBox="1">
+            <a:spLocks noGrp="1"/>
+          </p:cNvSpPr>
+          <p:nvPr>
+            <p:ph type="body" idx="1"/>
+          </p:nvPr>
+        </p:nvSpPr>
+        <p:spPr>
+          <a:xfrm>
+            <a:off x="685800" y="4343400"/>
+            <a:ext cx="5486400" cy="4114800"/>
+          </a:xfrm>
+          <a:prstGeom prst="rect">
+            <a:avLst/>
+          </a:prstGeom>
+        </p:spPr>
+        <p:txBody>
+          <a:bodyPr spcFirstLastPara="1" wrap="square" lIns="91425" tIns="91425" rIns="91425" bIns="91425" anchor="t" anchorCtr="0">
+            <a:noAutofit/>
+          </a:bodyPr>
+          <a:lstStyle/>
+          <a:p>
+            <a:pPr marL="0" lvl="0" indent="0" algn="l" rtl="0">
+              <a:spcBef>
+                <a:spcPts val="0"/>
+              </a:spcBef>
+              <a:spcAft>
+                <a:spcPts val="0"/>
+              </a:spcAft>
+              <a:buNone/>
+            </a:pPr>
+          </a:p>
+        </p:txBody>
+      </p:sp>
+    </p:spTree>
+  </p:cSld>
+  <p:clrMapOvr>
+    <a:masterClrMapping/>
+  </p:clrMapOvr>
+</p:notes>
+</file>
+
+<file path=ppt/notesSlides/notesSlide31.xml><?xml version="1.0" encoding="utf-8"?>
+<p:notes xmlns:a="http://schemas.openxmlformats.org/drawingml/2006/main" xmlns:r="http://schemas.openxmlformats.org/officeDocument/2006/relationships" xmlns:p="http://schemas.openxmlformats.org/presentationml/2006/main" showMasterPhAnim="0" showMasterSp="0">
+  <p:cSld>
+    <p:spTree>
+      <p:nvGrpSpPr>
         <p:cNvPr id="1" name="Shape 88"/>
         <p:cNvGrpSpPr/>
         <p:nvPr/>
@@ -11537,142 +11640,6 @@
               </a:spcAft>
               <a:buNone/>
             </a:pPr>
-          </a:p>
-        </p:txBody>
-      </p:sp>
-    </p:spTree>
-  </p:cSld>
-  <p:clrMapOvr>
-    <a:masterClrMapping/>
-  </p:clrMapOvr>
-</p:notes>
-</file>
-
-<file path=ppt/notesSlides/notesSlide31.xml><?xml version="1.0" encoding="utf-8"?>
-<p:notes xmlns:a="http://schemas.openxmlformats.org/drawingml/2006/main" xmlns:r="http://schemas.openxmlformats.org/officeDocument/2006/relationships" xmlns:p="http://schemas.openxmlformats.org/presentationml/2006/main" showMasterPhAnim="0" showMasterSp="0">
-  <p:cSld>
-    <p:spTree>
-      <p:nvGrpSpPr>
-        <p:cNvPr id="1" name="Shape 95"/>
-        <p:cNvGrpSpPr/>
-        <p:nvPr/>
-      </p:nvGrpSpPr>
-      <p:grpSpPr>
-        <a:xfrm>
-          <a:off x="0" y="0"/>
-          <a:ext cx="0" cy="0"/>
-          <a:chOff x="0" y="0"/>
-          <a:chExt cx="0" cy="0"/>
-        </a:xfrm>
-      </p:grpSpPr>
-      <p:sp>
-        <p:nvSpPr>
-          <p:cNvPr id="96" name="Google Shape;96;g12330345b61_0_1:notes"/>
-          <p:cNvSpPr>
-            <a:spLocks noGrp="1" noRot="1" noChangeAspect="1"/>
-          </p:cNvSpPr>
-          <p:nvPr>
-            <p:ph type="sldImg" idx="2"/>
-          </p:nvPr>
-        </p:nvSpPr>
-        <p:spPr>
-          <a:xfrm>
-            <a:off x="381000" y="685800"/>
-            <a:ext cx="6096000" cy="3429000"/>
-          </a:xfrm>
-          <a:custGeom>
-            <a:avLst/>
-            <a:gdLst/>
-            <a:ahLst/>
-            <a:cxnLst/>
-            <a:rect l="l" t="t" r="r" b="b"/>
-            <a:pathLst>
-              <a:path w="120000" h="120000" extrusionOk="0">
-                <a:moveTo>
-                  <a:pt x="0" y="0"/>
-                </a:moveTo>
-                <a:lnTo>
-                  <a:pt x="120000" y="0"/>
-                </a:lnTo>
-                <a:lnTo>
-                  <a:pt x="120000" y="120000"/>
-                </a:lnTo>
-                <a:lnTo>
-                  <a:pt x="0" y="120000"/>
-                </a:lnTo>
-                <a:close/>
-              </a:path>
-            </a:pathLst>
-          </a:custGeom>
-        </p:spPr>
-      </p:sp>
-      <p:sp>
-        <p:nvSpPr>
-          <p:cNvPr id="97" name="Google Shape;97;g12330345b61_0_1:notes"/>
-          <p:cNvSpPr txBox="1">
-            <a:spLocks noGrp="1"/>
-          </p:cNvSpPr>
-          <p:nvPr>
-            <p:ph type="body" idx="1"/>
-          </p:nvPr>
-        </p:nvSpPr>
-        <p:spPr>
-          <a:xfrm>
-            <a:off x="685800" y="4343400"/>
-            <a:ext cx="5486400" cy="4114800"/>
-          </a:xfrm>
-          <a:prstGeom prst="rect">
-            <a:avLst/>
-          </a:prstGeom>
-        </p:spPr>
-        <p:txBody>
-          <a:bodyPr spcFirstLastPara="1" wrap="square" lIns="91425" tIns="91425" rIns="91425" bIns="91425" anchor="t" anchorCtr="0">
-            <a:noAutofit/>
-          </a:bodyPr>
-          <a:lstStyle/>
-          <a:p>
-            <a:pPr marL="0" lvl="0" indent="0" algn="l" rtl="0">
-              <a:spcBef>
-                <a:spcPts val="0"/>
-              </a:spcBef>
-              <a:spcAft>
-                <a:spcPts val="0"/>
-              </a:spcAft>
-              <a:buNone/>
-            </a:pPr>
-            <a:r>
-              <a:rPr lang="en-US" dirty="0">
-                <a:solidFill>
-                  <a:schemeClr val="tx1"/>
-                </a:solidFill>
-                <a:latin typeface="Times New Roman" panose="02020603050405020304"/>
-                <a:ea typeface="Times New Roman" panose="02020603050405020304"/>
-                <a:cs typeface="Times New Roman" panose="02020603050405020304"/>
-                <a:sym typeface="Times New Roman" panose="02020603050405020304"/>
-              </a:rPr>
-              <a:t>Because generally Microsoft Azure better supports compute running Windows.</a:t>
-            </a:r>
-            <a:endParaRPr lang="en-US" dirty="0">
-              <a:solidFill>
-                <a:schemeClr val="tx1"/>
-              </a:solidFill>
-              <a:latin typeface="Times New Roman" panose="02020603050405020304"/>
-              <a:ea typeface="Times New Roman" panose="02020603050405020304"/>
-              <a:cs typeface="Times New Roman" panose="02020603050405020304"/>
-              <a:sym typeface="Times New Roman" panose="02020603050405020304"/>
-            </a:endParaRPr>
-          </a:p>
-          <a:p>
-            <a:pPr marL="0" lvl="0" indent="0" algn="l" rtl="0">
-              <a:spcBef>
-                <a:spcPts val="0"/>
-              </a:spcBef>
-              <a:spcAft>
-                <a:spcPts val="0"/>
-              </a:spcAft>
-              <a:buNone/>
-            </a:pPr>
-            <a:endParaRPr lang="en-US"/>
           </a:p>
         </p:txBody>
       </p:sp>
@@ -11766,6 +11733,38 @@
             <a:noAutofit/>
           </a:bodyPr>
           <a:lstStyle/>
+          <a:p>
+            <a:pPr marL="0" lvl="0" indent="0" algn="l" rtl="0">
+              <a:spcBef>
+                <a:spcPts val="0"/>
+              </a:spcBef>
+              <a:spcAft>
+                <a:spcPts val="0"/>
+              </a:spcAft>
+              <a:buNone/>
+            </a:pPr>
+            <a:r>
+              <a:rPr lang="en-US" dirty="0">
+                <a:solidFill>
+                  <a:schemeClr val="tx1"/>
+                </a:solidFill>
+                <a:latin typeface="Times New Roman" panose="02020603050405020304"/>
+                <a:ea typeface="Times New Roman" panose="02020603050405020304"/>
+                <a:cs typeface="Times New Roman" panose="02020603050405020304"/>
+                <a:sym typeface="Times New Roman" panose="02020603050405020304"/>
+              </a:rPr>
+              <a:t>Because generally Microsoft Azure better supports compute running Windows.</a:t>
+            </a:r>
+            <a:endParaRPr lang="en-US" dirty="0">
+              <a:solidFill>
+                <a:schemeClr val="tx1"/>
+              </a:solidFill>
+              <a:latin typeface="Times New Roman" panose="02020603050405020304"/>
+              <a:ea typeface="Times New Roman" panose="02020603050405020304"/>
+              <a:cs typeface="Times New Roman" panose="02020603050405020304"/>
+              <a:sym typeface="Times New Roman" panose="02020603050405020304"/>
+            </a:endParaRPr>
+          </a:p>
           <a:p>
             <a:pPr marL="0" lvl="0" indent="0" algn="l" rtl="0">
               <a:spcBef>
@@ -11880,63 +11879,6 @@
               </a:spcAft>
               <a:buNone/>
             </a:pPr>
-            <a:endParaRPr lang="en-US"/>
-          </a:p>
-          <a:p>
-            <a:pPr marL="0" lvl="0" indent="0" algn="l" rtl="0">
-              <a:spcBef>
-                <a:spcPts val="0"/>
-              </a:spcBef>
-              <a:spcAft>
-                <a:spcPts val="0"/>
-              </a:spcAft>
-              <a:buNone/>
-            </a:pPr>
-            <a:r>
-              <a:rPr lang="en-US"/>
-              <a:t>Consumtion : disadvantage: frezze, not always start. Usage for small function</a:t>
-            </a:r>
-            <a:endParaRPr lang="en-US"/>
-          </a:p>
-          <a:p>
-            <a:pPr marL="0" lvl="0" indent="0" algn="l" rtl="0">
-              <a:spcBef>
-                <a:spcPts val="0"/>
-              </a:spcBef>
-              <a:spcAft>
-                <a:spcPts val="0"/>
-              </a:spcAft>
-              <a:buNone/>
-            </a:pPr>
-            <a:endParaRPr lang="en-US"/>
-          </a:p>
-          <a:p>
-            <a:pPr marL="0" lvl="0" indent="0" algn="l" rtl="0">
-              <a:spcBef>
-                <a:spcPts val="0"/>
-              </a:spcBef>
-              <a:spcAft>
-                <a:spcPts val="0"/>
-              </a:spcAft>
-              <a:buNone/>
-            </a:pPr>
-            <a:r>
-              <a:rPr lang="en-US"/>
-              <a:t>Premium Plan:</a:t>
-            </a:r>
-            <a:br>
-              <a:rPr lang="en-US"/>
-            </a:br>
-            <a:br>
-              <a:rPr lang="en-US"/>
-            </a:br>
-            <a:br>
-              <a:rPr lang="en-US"/>
-            </a:br>
-            <a:r>
-              <a:rPr lang="en-US"/>
-              <a:t>Dedicated Plan</a:t>
-            </a:r>
             <a:endParaRPr lang="en-US"/>
           </a:p>
         </p:txBody>
@@ -12526,6 +12468,63 @@
             </a:pPr>
             <a:endParaRPr lang="en-US"/>
           </a:p>
+          <a:p>
+            <a:pPr marL="0" lvl="0" indent="0" algn="l" rtl="0">
+              <a:spcBef>
+                <a:spcPts val="0"/>
+              </a:spcBef>
+              <a:spcAft>
+                <a:spcPts val="0"/>
+              </a:spcAft>
+              <a:buNone/>
+            </a:pPr>
+            <a:r>
+              <a:rPr lang="en-US"/>
+              <a:t>Consumtion : disadvantage: frezze, not always start. Usage for small function</a:t>
+            </a:r>
+            <a:endParaRPr lang="en-US"/>
+          </a:p>
+          <a:p>
+            <a:pPr marL="0" lvl="0" indent="0" algn="l" rtl="0">
+              <a:spcBef>
+                <a:spcPts val="0"/>
+              </a:spcBef>
+              <a:spcAft>
+                <a:spcPts val="0"/>
+              </a:spcAft>
+              <a:buNone/>
+            </a:pPr>
+            <a:endParaRPr lang="en-US"/>
+          </a:p>
+          <a:p>
+            <a:pPr marL="0" lvl="0" indent="0" algn="l" rtl="0">
+              <a:spcBef>
+                <a:spcPts val="0"/>
+              </a:spcBef>
+              <a:spcAft>
+                <a:spcPts val="0"/>
+              </a:spcAft>
+              <a:buNone/>
+            </a:pPr>
+            <a:r>
+              <a:rPr lang="en-US"/>
+              <a:t>Premium Plan:</a:t>
+            </a:r>
+            <a:br>
+              <a:rPr lang="en-US"/>
+            </a:br>
+            <a:br>
+              <a:rPr lang="en-US"/>
+            </a:br>
+            <a:br>
+              <a:rPr lang="en-US"/>
+            </a:br>
+            <a:r>
+              <a:rPr lang="en-US"/>
+              <a:t>Dedicated Plan</a:t>
+            </a:r>
+            <a:endParaRPr lang="en-US"/>
+          </a:p>
         </p:txBody>
       </p:sp>
     </p:spTree>
@@ -12541,7 +12540,7 @@
   <p:cSld>
     <p:spTree>
       <p:nvGrpSpPr>
-        <p:cNvPr id="1" name="Shape 515"/>
+        <p:cNvPr id="1" name="Shape 95"/>
         <p:cNvGrpSpPr/>
         <p:nvPr/>
       </p:nvGrpSpPr>
@@ -12555,7 +12554,7 @@
       </p:grpSpPr>
       <p:sp>
         <p:nvSpPr>
-          <p:cNvPr id="516" name="Google Shape;516;g123574bb244_0_0:notes"/>
+          <p:cNvPr id="96" name="Google Shape;96;g12330345b61_0_1:notes"/>
           <p:cNvSpPr>
             <a:spLocks noGrp="1" noRot="1" noChangeAspect="1"/>
           </p:cNvSpPr>
@@ -12565,7 +12564,7 @@
         </p:nvSpPr>
         <p:spPr>
           <a:xfrm>
-            <a:off x="381300" y="685800"/>
+            <a:off x="381000" y="685800"/>
             <a:ext cx="6096000" cy="3429000"/>
           </a:xfrm>
           <a:custGeom>
@@ -12596,7 +12595,7 @@
       </p:sp>
       <p:sp>
         <p:nvSpPr>
-          <p:cNvPr id="517" name="Google Shape;517;g123574bb244_0_0:notes"/>
+          <p:cNvPr id="97" name="Google Shape;97;g12330345b61_0_1:notes"/>
           <p:cNvSpPr txBox="1">
             <a:spLocks noGrp="1"/>
           </p:cNvSpPr>
@@ -12628,6 +12627,7 @@
               </a:spcAft>
               <a:buNone/>
             </a:pPr>
+            <a:endParaRPr lang="en-US"/>
           </a:p>
         </p:txBody>
       </p:sp>
@@ -12887,6 +12887,109 @@
               <a:t>Best practice</a:t>
             </a:r>
             <a:endParaRPr lang="en-US"/>
+          </a:p>
+        </p:txBody>
+      </p:sp>
+    </p:spTree>
+  </p:cSld>
+  <p:clrMapOvr>
+    <a:masterClrMapping/>
+  </p:clrMapOvr>
+</p:notes>
+</file>
+
+<file path=ppt/notesSlides/notesSlide40.xml><?xml version="1.0" encoding="utf-8"?>
+<p:notes xmlns:a="http://schemas.openxmlformats.org/drawingml/2006/main" xmlns:r="http://schemas.openxmlformats.org/officeDocument/2006/relationships" xmlns:p="http://schemas.openxmlformats.org/presentationml/2006/main" showMasterPhAnim="0" showMasterSp="0">
+  <p:cSld>
+    <p:spTree>
+      <p:nvGrpSpPr>
+        <p:cNvPr id="1" name="Shape 515"/>
+        <p:cNvGrpSpPr/>
+        <p:nvPr/>
+      </p:nvGrpSpPr>
+      <p:grpSpPr>
+        <a:xfrm>
+          <a:off x="0" y="0"/>
+          <a:ext cx="0" cy="0"/>
+          <a:chOff x="0" y="0"/>
+          <a:chExt cx="0" cy="0"/>
+        </a:xfrm>
+      </p:grpSpPr>
+      <p:sp>
+        <p:nvSpPr>
+          <p:cNvPr id="516" name="Google Shape;516;g123574bb244_0_0:notes"/>
+          <p:cNvSpPr>
+            <a:spLocks noGrp="1" noRot="1" noChangeAspect="1"/>
+          </p:cNvSpPr>
+          <p:nvPr>
+            <p:ph type="sldImg" idx="2"/>
+          </p:nvPr>
+        </p:nvSpPr>
+        <p:spPr>
+          <a:xfrm>
+            <a:off x="381300" y="685800"/>
+            <a:ext cx="6096000" cy="3429000"/>
+          </a:xfrm>
+          <a:custGeom>
+            <a:avLst/>
+            <a:gdLst/>
+            <a:ahLst/>
+            <a:cxnLst/>
+            <a:rect l="l" t="t" r="r" b="b"/>
+            <a:pathLst>
+              <a:path w="120000" h="120000" extrusionOk="0">
+                <a:moveTo>
+                  <a:pt x="0" y="0"/>
+                </a:moveTo>
+                <a:lnTo>
+                  <a:pt x="120000" y="0"/>
+                </a:lnTo>
+                <a:lnTo>
+                  <a:pt x="120000" y="120000"/>
+                </a:lnTo>
+                <a:lnTo>
+                  <a:pt x="0" y="120000"/>
+                </a:lnTo>
+                <a:close/>
+              </a:path>
+            </a:pathLst>
+          </a:custGeom>
+        </p:spPr>
+      </p:sp>
+      <p:sp>
+        <p:nvSpPr>
+          <p:cNvPr id="517" name="Google Shape;517;g123574bb244_0_0:notes"/>
+          <p:cNvSpPr txBox="1">
+            <a:spLocks noGrp="1"/>
+          </p:cNvSpPr>
+          <p:nvPr>
+            <p:ph type="body" idx="1"/>
+          </p:nvPr>
+        </p:nvSpPr>
+        <p:spPr>
+          <a:xfrm>
+            <a:off x="685800" y="4343400"/>
+            <a:ext cx="5486400" cy="4114800"/>
+          </a:xfrm>
+          <a:prstGeom prst="rect">
+            <a:avLst/>
+          </a:prstGeom>
+        </p:spPr>
+        <p:txBody>
+          <a:bodyPr spcFirstLastPara="1" wrap="square" lIns="91425" tIns="91425" rIns="91425" bIns="91425" anchor="t" anchorCtr="0">
+            <a:noAutofit/>
+          </a:bodyPr>
+          <a:lstStyle/>
+          <a:p>
+            <a:pPr marL="0" lvl="0" indent="0" algn="l" rtl="0">
+              <a:spcBef>
+                <a:spcPts val="0"/>
+              </a:spcBef>
+              <a:spcAft>
+                <a:spcPts val="0"/>
+              </a:spcAft>
+              <a:buNone/>
+            </a:pPr>
           </a:p>
         </p:txBody>
       </p:sp>
@@ -19161,7 +19264,7 @@
         <p:spPr>
           <a:xfrm>
             <a:off x="2868490" y="1860803"/>
-            <a:ext cx="3172003" cy="923299"/>
+            <a:ext cx="3172003" cy="920115"/>
           </a:xfrm>
           <a:prstGeom prst="rect">
             <a:avLst/>
@@ -19207,7 +19310,7 @@
               <a:rPr lang="en-US">
                 <a:sym typeface="Times New Roman" panose="02020603050405020304"/>
               </a:rPr>
-              <a:t>HTTP Request</a:t>
+              <a:t>HTTP Trigger</a:t>
             </a:r>
             <a:endParaRPr lang="en-US">
               <a:sym typeface="Times New Roman" panose="02020603050405020304"/>
@@ -19630,166 +19733,30 @@
           </a:prstGeom>
         </p:spPr>
       </p:pic>
-      <p:graphicFrame>
-        <p:nvGraphicFramePr>
-          <p:cNvPr id="4" name="Table 3"/>
-          <p:cNvGraphicFramePr/>
+      <p:pic>
+        <p:nvPicPr>
+          <p:cNvPr id="5" name="Picture 4"/>
+          <p:cNvPicPr>
+            <a:picLocks noChangeAspect="1"/>
+          </p:cNvPicPr>
           <p:nvPr/>
-        </p:nvGraphicFramePr>
-        <p:xfrm>
-          <a:off x="1200150" y="1459230"/>
-          <a:ext cx="6568440" cy="2427605"/>
-        </p:xfrm>
-        <a:graphic>
-          <a:graphicData uri="http://schemas.openxmlformats.org/drawingml/2006/table">
-            <a:tbl>
-              <a:tblPr firstRow="1" bandRow="1">
-                <a:tableStyleId>{5C22544A-7EE6-4342-B048-85BDC9FD1C3A}</a:tableStyleId>
-              </a:tblPr>
-              <a:tblGrid>
-                <a:gridCol w="3284220"/>
-                <a:gridCol w="3284220"/>
-              </a:tblGrid>
-              <a:tr h="391795">
-                <a:tc>
-                  <a:txBody>
-                    <a:bodyPr/>
-                    <a:p>
-                      <a:pPr>
-                        <a:buNone/>
-                      </a:pPr>
-                      <a:r>
-                        <a:rPr lang="en-US"/>
-                        <a:t>Attribute property</a:t>
-                      </a:r>
-                      <a:endParaRPr lang="en-US"/>
-                    </a:p>
-                  </a:txBody>
-                  <a:tcPr/>
-                </a:tc>
-                <a:tc>
-                  <a:txBody>
-                    <a:bodyPr/>
-                    <a:p>
-                      <a:pPr>
-                        <a:buNone/>
-                      </a:pPr>
-                      <a:r>
-                        <a:rPr lang="en-US"/>
-                        <a:t>Description</a:t>
-                      </a:r>
-                      <a:endParaRPr lang="en-US"/>
-                    </a:p>
-                  </a:txBody>
-                  <a:tcPr/>
-                </a:tc>
-              </a:tr>
-              <a:tr h="532130">
-                <a:tc>
-                  <a:txBody>
-                    <a:bodyPr/>
-                    <a:p>
-                      <a:pPr>
-                        <a:buNone/>
-                      </a:pPr>
-                      <a:r>
-                        <a:rPr lang="en-US"/>
-                        <a:t>Schedule</a:t>
-                      </a:r>
-                      <a:endParaRPr lang="en-US"/>
-                    </a:p>
-                  </a:txBody>
-                  <a:tcPr/>
-                </a:tc>
-                <a:tc>
-                  <a:txBody>
-                    <a:bodyPr/>
-                    <a:p>
-                      <a:pPr>
-                        <a:buNone/>
-                      </a:pPr>
-                      <a:r>
-                        <a:rPr lang="en-US"/>
-                        <a:t>A CRON expression or a TimeSpan value. </a:t>
-                      </a:r>
-                      <a:endParaRPr lang="en-US"/>
-                    </a:p>
-                  </a:txBody>
-                  <a:tcPr/>
-                </a:tc>
-              </a:tr>
-              <a:tr h="751840">
-                <a:tc>
-                  <a:txBody>
-                    <a:bodyPr/>
-                    <a:p>
-                      <a:pPr>
-                        <a:buNone/>
-                      </a:pPr>
-                      <a:r>
-                        <a:rPr lang="en-US"/>
-                        <a:t>RunOnStartup</a:t>
-                      </a:r>
-                      <a:endParaRPr lang="en-US"/>
-                    </a:p>
-                  </a:txBody>
-                  <a:tcPr/>
-                </a:tc>
-                <a:tc>
-                  <a:txBody>
-                    <a:bodyPr/>
-                    <a:p>
-                      <a:pPr>
-                        <a:buNone/>
-                      </a:pPr>
-                      <a:r>
-                        <a:rPr lang="en-US"/>
-                        <a:t>If true, the function is invoked when the runtime starts</a:t>
-                      </a:r>
-                      <a:endParaRPr lang="en-US"/>
-                    </a:p>
-                  </a:txBody>
-                  <a:tcPr/>
-                </a:tc>
-              </a:tr>
-              <a:tr h="751840">
-                <a:tc>
-                  <a:txBody>
-                    <a:bodyPr/>
-                    <a:p>
-                      <a:pPr>
-                        <a:buNone/>
-                      </a:pPr>
-                      <a:r>
-                        <a:rPr lang="en-US"/>
-                        <a:t>UseMonitor</a:t>
-                      </a:r>
-                      <a:endParaRPr lang="en-US"/>
-                    </a:p>
-                  </a:txBody>
-                  <a:tcPr/>
-                </a:tc>
-                <a:tc>
-                  <a:txBody>
-                    <a:bodyPr/>
-                    <a:p>
-                      <a:pPr>
-                        <a:buNone/>
-                      </a:pPr>
-                      <a:r>
-                        <a:rPr lang="en-US"/>
-                        <a:t>If not set explicitly, the default is true for schedules that have a recurrence interval greater than or equal to 1 minute.</a:t>
-                      </a:r>
-                      <a:endParaRPr lang="en-US"/>
-                    </a:p>
-                  </a:txBody>
-                  <a:tcPr/>
-                </a:tc>
-              </a:tr>
-            </a:tbl>
-          </a:graphicData>
-        </a:graphic>
-      </p:graphicFrame>
+        </p:nvPicPr>
+        <p:blipFill>
+          <a:blip r:embed="rId4"/>
+          <a:stretch>
+            <a:fillRect/>
+          </a:stretch>
+        </p:blipFill>
+        <p:spPr>
+          <a:xfrm>
+            <a:off x="633095" y="1795145"/>
+            <a:ext cx="7877175" cy="1981200"/>
+          </a:xfrm>
+          <a:prstGeom prst="rect">
+            <a:avLst/>
+          </a:prstGeom>
+        </p:spPr>
+      </p:pic>
     </p:spTree>
   </p:cSld>
   <p:clrMapOvr>
@@ -20176,7 +20143,7 @@
                       </a:pPr>
                       <a:r>
                         <a:rPr lang="en-US"/>
-                        <a:t>0 5 * * * *</a:t>
+                        <a:t>0 */5 * * * *</a:t>
                       </a:r>
                       <a:endParaRPr lang="en-US"/>
                     </a:p>
@@ -20192,7 +20159,7 @@
                       </a:pPr>
                       <a:r>
                         <a:rPr lang="en-US"/>
-                        <a:t>Once every hour of the day at minute 5 of each hour</a:t>
+                        <a:t>Once every five minutes</a:t>
                       </a:r>
                       <a:endParaRPr lang="en-US"/>
                     </a:p>
@@ -20244,7 +20211,7 @@
                       </a:pPr>
                       <a:r>
                         <a:rPr lang="en-US"/>
-                        <a:t>5-7 * * * * *</a:t>
+                        <a:t>0 0 */2 * * *</a:t>
                       </a:r>
                       <a:endParaRPr lang="en-US"/>
                     </a:p>
@@ -20260,7 +20227,7 @@
                       </a:pPr>
                       <a:r>
                         <a:rPr lang="en-US"/>
-                        <a:t>Three times a minute - at seconds 5 through 7 during every minute of every hour of each day</a:t>
+                        <a:t>Once every two hours</a:t>
                       </a:r>
                       <a:endParaRPr lang="en-US"/>
                     </a:p>
@@ -21281,7 +21248,7 @@
         </p:blipFill>
         <p:spPr>
           <a:xfrm>
-            <a:off x="3210560" y="1880235"/>
+            <a:off x="1634490" y="1880235"/>
             <a:ext cx="5875655" cy="3084195"/>
           </a:xfrm>
           <a:prstGeom prst="rect">
@@ -21306,6 +21273,233 @@
       </p:transition>
     </mc:Fallback>
   </mc:AlternateContent>
+  <p:timing>
+    <p:tnLst>
+      <p:par>
+        <p:cTn id="1" dur="indefinite" restart="never" nodeType="tmRoot">
+          <p:childTnLst>
+            <p:seq concurrent="1" nextAc="seek">
+              <p:cTn id="2" dur="indefinite" nodeType="mainSeq">
+                <p:childTnLst>
+                  <p:par>
+                    <p:cTn id="3" fill="hold">
+                      <p:stCondLst>
+                        <p:cond delay="indefinite"/>
+                      </p:stCondLst>
+                      <p:childTnLst>
+                        <p:par>
+                          <p:cTn id="4" fill="hold">
+                            <p:stCondLst>
+                              <p:cond delay="0"/>
+                            </p:stCondLst>
+                            <p:childTnLst>
+                              <p:par>
+                                <p:cTn id="5" presetID="7" presetClass="entr" presetSubtype="4" fill="hold" nodeType="clickEffect">
+                                  <p:stCondLst>
+                                    <p:cond delay="0"/>
+                                  </p:stCondLst>
+                                  <p:childTnLst>
+                                    <p:set>
+                                      <p:cBhvr>
+                                        <p:cTn id="6" dur="500" fill="hold">
+                                          <p:stCondLst>
+                                            <p:cond delay="0"/>
+                                          </p:stCondLst>
+                                        </p:cTn>
+                                        <p:tgtEl>
+                                          <p:spTgt spid="4"/>
+                                        </p:tgtEl>
+                                        <p:attrNameLst>
+                                          <p:attrName>style.visibility</p:attrName>
+                                        </p:attrNameLst>
+                                      </p:cBhvr>
+                                      <p:to>
+                                        <p:strVal val="visible"/>
+                                      </p:to>
+                                    </p:set>
+                                    <p:anim calcmode="lin" valueType="num">
+                                      <p:cBhvr additive="base">
+                                        <p:cTn id="7" dur="500" fill="hold"/>
+                                        <p:tgtEl>
+                                          <p:spTgt spid="4"/>
+                                        </p:tgtEl>
+                                        <p:attrNameLst>
+                                          <p:attrName>ppt_x</p:attrName>
+                                        </p:attrNameLst>
+                                      </p:cBhvr>
+                                      <p:tavLst>
+                                        <p:tav tm="0">
+                                          <p:val>
+                                            <p:strVal val="#ppt_x"/>
+                                          </p:val>
+                                        </p:tav>
+                                        <p:tav tm="100000">
+                                          <p:val>
+                                            <p:strVal val="#ppt_x"/>
+                                          </p:val>
+                                        </p:tav>
+                                      </p:tavLst>
+                                    </p:anim>
+                                    <p:anim calcmode="lin" valueType="num">
+                                      <p:cBhvr additive="base">
+                                        <p:cTn id="8" dur="500" fill="hold"/>
+                                        <p:tgtEl>
+                                          <p:spTgt spid="4"/>
+                                        </p:tgtEl>
+                                        <p:attrNameLst>
+                                          <p:attrName>ppt_y</p:attrName>
+                                        </p:attrNameLst>
+                                      </p:cBhvr>
+                                      <p:tavLst>
+                                        <p:tav tm="0">
+                                          <p:val>
+                                            <p:strVal val="1+#ppt_h/2"/>
+                                          </p:val>
+                                        </p:tav>
+                                        <p:tav tm="100000">
+                                          <p:val>
+                                            <p:strVal val="#ppt_y"/>
+                                          </p:val>
+                                        </p:tav>
+                                      </p:tavLst>
+                                    </p:anim>
+                                  </p:childTnLst>
+                                </p:cTn>
+                              </p:par>
+                            </p:childTnLst>
+                          </p:cTn>
+                        </p:par>
+                      </p:childTnLst>
+                    </p:cTn>
+                  </p:par>
+                  <p:par>
+                    <p:cTn id="9" fill="hold">
+                      <p:stCondLst>
+                        <p:cond delay="indefinite"/>
+                      </p:stCondLst>
+                      <p:childTnLst>
+                        <p:par>
+                          <p:cTn id="10" fill="hold">
+                            <p:stCondLst>
+                              <p:cond delay="0"/>
+                            </p:stCondLst>
+                            <p:childTnLst>
+                              <p:par>
+                                <p:cTn id="11" presetID="3" presetClass="exit" presetSubtype="10" fill="hold" nodeType="clickEffect">
+                                  <p:stCondLst>
+                                    <p:cond delay="0"/>
+                                  </p:stCondLst>
+                                  <p:childTnLst>
+                                    <p:animEffect transition="out" filter="blinds(horizontal)">
+                                      <p:cBhvr>
+                                        <p:cTn id="12" dur="500"/>
+                                        <p:tgtEl>
+                                          <p:spTgt spid="4"/>
+                                        </p:tgtEl>
+                                      </p:cBhvr>
+                                    </p:animEffect>
+                                    <p:set>
+                                      <p:cBhvr>
+                                        <p:cTn id="13" dur="1" fill="hold">
+                                          <p:stCondLst>
+                                            <p:cond delay="499"/>
+                                          </p:stCondLst>
+                                        </p:cTn>
+                                        <p:tgtEl>
+                                          <p:spTgt spid="4"/>
+                                        </p:tgtEl>
+                                        <p:attrNameLst>
+                                          <p:attrName>style.visibility</p:attrName>
+                                        </p:attrNameLst>
+                                      </p:cBhvr>
+                                      <p:to>
+                                        <p:strVal val="hidden"/>
+                                      </p:to>
+                                    </p:set>
+                                  </p:childTnLst>
+                                </p:cTn>
+                              </p:par>
+                            </p:childTnLst>
+                          </p:cTn>
+                        </p:par>
+                      </p:childTnLst>
+                    </p:cTn>
+                  </p:par>
+                  <p:par>
+                    <p:cTn id="14" fill="hold">
+                      <p:stCondLst>
+                        <p:cond delay="indefinite"/>
+                      </p:stCondLst>
+                      <p:childTnLst>
+                        <p:par>
+                          <p:cTn id="15" fill="hold">
+                            <p:stCondLst>
+                              <p:cond delay="0"/>
+                            </p:stCondLst>
+                            <p:childTnLst>
+                              <p:par>
+                                <p:cTn id="16" presetID="3" presetClass="entr" presetSubtype="10" fill="hold" nodeType="clickEffect">
+                                  <p:stCondLst>
+                                    <p:cond delay="0"/>
+                                  </p:stCondLst>
+                                  <p:childTnLst>
+                                    <p:set>
+                                      <p:cBhvr>
+                                        <p:cTn id="17" dur="1" fill="hold">
+                                          <p:stCondLst>
+                                            <p:cond delay="0"/>
+                                          </p:stCondLst>
+                                        </p:cTn>
+                                        <p:tgtEl>
+                                          <p:spTgt spid="5"/>
+                                        </p:tgtEl>
+                                        <p:attrNameLst>
+                                          <p:attrName>style.visibility</p:attrName>
+                                        </p:attrNameLst>
+                                      </p:cBhvr>
+                                      <p:to>
+                                        <p:strVal val="visible"/>
+                                      </p:to>
+                                    </p:set>
+                                    <p:animEffect transition="in" filter="blinds(horizontal)">
+                                      <p:cBhvr>
+                                        <p:cTn id="18" dur="500"/>
+                                        <p:tgtEl>
+                                          <p:spTgt spid="5"/>
+                                        </p:tgtEl>
+                                      </p:cBhvr>
+                                    </p:animEffect>
+                                  </p:childTnLst>
+                                </p:cTn>
+                              </p:par>
+                            </p:childTnLst>
+                          </p:cTn>
+                        </p:par>
+                      </p:childTnLst>
+                    </p:cTn>
+                  </p:par>
+                </p:childTnLst>
+              </p:cTn>
+              <p:prevCondLst>
+                <p:cond evt="onPrev" delay="0">
+                  <p:tgtEl>
+                    <p:sldTgt/>
+                  </p:tgtEl>
+                </p:cond>
+              </p:prevCondLst>
+              <p:nextCondLst>
+                <p:cond evt="onNext" delay="0">
+                  <p:tgtEl>
+                    <p:sldTgt/>
+                  </p:tgtEl>
+                </p:cond>
+              </p:nextCondLst>
+            </p:seq>
+          </p:childTnLst>
+        </p:cTn>
+      </p:par>
+    </p:tnLst>
+  </p:timing>
 </p:sld>
 </file>
 
@@ -23937,7 +24131,7 @@
                   <a:cs typeface="Tahoma" panose="020B0604030504040204" charset="0"/>
                   <a:sym typeface="Roboto" panose="020B0704020202020204"/>
                 </a:rPr>
-                <a:t>DURABLE FUNCTION</a:t>
+                <a:t>PROXIES</a:t>
               </a:r>
               <a:endParaRPr lang="en-US" altLang="en-GB" sz="1600" b="1">
                 <a:solidFill>
@@ -24279,7 +24473,7 @@
                   <a:cs typeface="Tahoma" panose="020B0604030504040204" charset="0"/>
                   <a:sym typeface="Roboto" panose="020B0704020202020204"/>
                 </a:rPr>
-                <a:t>PROXIES</a:t>
+                <a:t>DURABLE FUNCTION</a:t>
               </a:r>
               <a:endParaRPr lang="en-US" altLang="en-GB" sz="1600" b="1">
                 <a:solidFill>
@@ -24876,6 +25070,294 @@
 <file path=ppt/slides/slide20.xml><?xml version="1.0" encoding="utf-8"?>
 <p:sld xmlns:a="http://schemas.openxmlformats.org/drawingml/2006/main" xmlns:r="http://schemas.openxmlformats.org/officeDocument/2006/relationships" xmlns:p="http://schemas.openxmlformats.org/presentationml/2006/main">
   <p:cSld>
+    <p:bg>
+      <p:bgPr>
+        <a:solidFill>
+          <a:srgbClr val="151B22"/>
+        </a:solidFill>
+        <a:effectLst/>
+      </p:bgPr>
+    </p:bg>
+    <p:spTree>
+      <p:nvGrpSpPr>
+        <p:cNvPr id="1" name="Shape 518"/>
+        <p:cNvGrpSpPr/>
+        <p:nvPr/>
+      </p:nvGrpSpPr>
+      <p:grpSpPr>
+        <a:xfrm>
+          <a:off x="0" y="0"/>
+          <a:ext cx="0" cy="0"/>
+          <a:chOff x="0" y="0"/>
+          <a:chExt cx="0" cy="0"/>
+        </a:xfrm>
+      </p:grpSpPr>
+      <p:pic>
+        <p:nvPicPr>
+          <p:cNvPr id="519" name="Google Shape;519;p36"/>
+          <p:cNvPicPr preferRelativeResize="0"/>
+          <p:nvPr/>
+        </p:nvPicPr>
+        <p:blipFill>
+          <a:blip r:embed="rId1"/>
+          <a:stretch>
+            <a:fillRect/>
+          </a:stretch>
+        </p:blipFill>
+        <p:spPr>
+          <a:xfrm>
+            <a:off x="0" y="0"/>
+            <a:ext cx="9144000" cy="5143500"/>
+          </a:xfrm>
+          <a:prstGeom prst="rect">
+            <a:avLst/>
+          </a:prstGeom>
+          <a:noFill/>
+          <a:ln>
+            <a:noFill/>
+          </a:ln>
+        </p:spPr>
+      </p:pic>
+      <p:sp>
+        <p:nvSpPr>
+          <p:cNvPr id="520" name="Google Shape;520;p36"/>
+          <p:cNvSpPr txBox="1"/>
+          <p:nvPr/>
+        </p:nvSpPr>
+        <p:spPr>
+          <a:xfrm>
+            <a:off x="2908935" y="273050"/>
+            <a:ext cx="3335655" cy="735330"/>
+          </a:xfrm>
+          <a:prstGeom prst="rect">
+            <a:avLst/>
+          </a:prstGeom>
+          <a:noFill/>
+          <a:ln>
+            <a:noFill/>
+          </a:ln>
+        </p:spPr>
+        <p:txBody>
+          <a:bodyPr spcFirstLastPara="1" wrap="square" lIns="91425" tIns="91425" rIns="91425" bIns="91425" anchor="t" anchorCtr="0">
+            <a:spAutoFit/>
+          </a:bodyPr>
+          <a:lstStyle/>
+          <a:p>
+            <a:pPr marL="0" lvl="0" indent="0" algn="ctr" rtl="0">
+              <a:spcBef>
+                <a:spcPts val="0"/>
+              </a:spcBef>
+              <a:spcAft>
+                <a:spcPts val="0"/>
+              </a:spcAft>
+              <a:buNone/>
+            </a:pPr>
+            <a:r>
+              <a:rPr lang="en-US" altLang="en-GB" sz="3600" b="1">
+                <a:solidFill>
+                  <a:schemeClr val="lt1"/>
+                </a:solidFill>
+                <a:latin typeface="Times New Roman" panose="02020603050405020304" charset="0"/>
+                <a:ea typeface="Roboto" panose="020B0704020202020204"/>
+                <a:cs typeface="Times New Roman" panose="02020603050405020304" charset="0"/>
+                <a:sym typeface="Roboto" panose="020B0704020202020204"/>
+              </a:rPr>
+              <a:t>DEMO</a:t>
+            </a:r>
+            <a:endParaRPr lang="en-US" altLang="en-GB" sz="3600" b="1">
+              <a:solidFill>
+                <a:schemeClr val="lt1"/>
+              </a:solidFill>
+              <a:latin typeface="Times New Roman" panose="02020603050405020304" charset="0"/>
+              <a:ea typeface="Roboto" panose="020B0704020202020204"/>
+              <a:cs typeface="Times New Roman" panose="02020603050405020304" charset="0"/>
+              <a:sym typeface="Roboto" panose="020B0704020202020204"/>
+            </a:endParaRPr>
+          </a:p>
+        </p:txBody>
+      </p:sp>
+      <p:sp>
+        <p:nvSpPr>
+          <p:cNvPr id="521" name="Google Shape;521;p36"/>
+          <p:cNvSpPr/>
+          <p:nvPr/>
+        </p:nvSpPr>
+        <p:spPr>
+          <a:xfrm>
+            <a:off x="0" y="4557200"/>
+            <a:ext cx="9153000" cy="586200"/>
+          </a:xfrm>
+          <a:prstGeom prst="rect">
+            <a:avLst/>
+          </a:prstGeom>
+          <a:solidFill>
+            <a:schemeClr val="lt1"/>
+          </a:solidFill>
+          <a:ln>
+            <a:noFill/>
+          </a:ln>
+        </p:spPr>
+        <p:txBody>
+          <a:bodyPr spcFirstLastPara="1" wrap="square" lIns="91425" tIns="91425" rIns="91425" bIns="91425" anchor="ctr" anchorCtr="0">
+            <a:noAutofit/>
+          </a:bodyPr>
+          <a:lstStyle/>
+          <a:p>
+            <a:pPr marL="0" lvl="0" indent="0" algn="l" rtl="0">
+              <a:spcBef>
+                <a:spcPts val="0"/>
+              </a:spcBef>
+              <a:spcAft>
+                <a:spcPts val="0"/>
+              </a:spcAft>
+              <a:buNone/>
+            </a:pPr>
+          </a:p>
+        </p:txBody>
+      </p:sp>
+      <p:pic>
+        <p:nvPicPr>
+          <p:cNvPr id="522" name="Google Shape;522;p36"/>
+          <p:cNvPicPr preferRelativeResize="0"/>
+          <p:nvPr/>
+        </p:nvPicPr>
+        <p:blipFill>
+          <a:blip r:embed="rId2"/>
+          <a:stretch>
+            <a:fillRect/>
+          </a:stretch>
+        </p:blipFill>
+        <p:spPr>
+          <a:xfrm>
+            <a:off x="114300" y="4689483"/>
+            <a:ext cx="1518224" cy="383150"/>
+          </a:xfrm>
+          <a:prstGeom prst="rect">
+            <a:avLst/>
+          </a:prstGeom>
+          <a:noFill/>
+          <a:ln>
+            <a:noFill/>
+          </a:ln>
+        </p:spPr>
+      </p:pic>
+      <p:sp>
+        <p:nvSpPr>
+          <p:cNvPr id="523" name="Google Shape;523;p36"/>
+          <p:cNvSpPr/>
+          <p:nvPr/>
+        </p:nvSpPr>
+        <p:spPr>
+          <a:xfrm>
+            <a:off x="1760625" y="4964175"/>
+            <a:ext cx="7269000" cy="30600"/>
+          </a:xfrm>
+          <a:prstGeom prst="rect">
+            <a:avLst/>
+          </a:prstGeom>
+          <a:solidFill>
+            <a:schemeClr val="lt2"/>
+          </a:solidFill>
+          <a:ln>
+            <a:noFill/>
+          </a:ln>
+        </p:spPr>
+        <p:txBody>
+          <a:bodyPr spcFirstLastPara="1" wrap="square" lIns="91425" tIns="91425" rIns="91425" bIns="91425" anchor="ctr" anchorCtr="0">
+            <a:noAutofit/>
+          </a:bodyPr>
+          <a:lstStyle/>
+          <a:p>
+            <a:pPr marL="0" lvl="0" indent="0" algn="l" rtl="0">
+              <a:spcBef>
+                <a:spcPts val="0"/>
+              </a:spcBef>
+              <a:spcAft>
+                <a:spcPts val="0"/>
+              </a:spcAft>
+              <a:buNone/>
+            </a:pPr>
+          </a:p>
+        </p:txBody>
+      </p:sp>
+      <p:sp>
+        <p:nvSpPr>
+          <p:cNvPr id="2" name="Slide Number Placeholder 1"/>
+          <p:cNvSpPr>
+            <a:spLocks noGrp="1"/>
+          </p:cNvSpPr>
+          <p:nvPr>
+            <p:ph type="sldNum" idx="12"/>
+          </p:nvPr>
+        </p:nvSpPr>
+        <p:spPr/>
+        <p:txBody>
+          <a:bodyPr/>
+          <a:lstStyle/>
+          <a:p>
+            <a:pPr marL="0" lvl="0" indent="0" algn="r" rtl="0">
+              <a:spcBef>
+                <a:spcPts val="0"/>
+              </a:spcBef>
+              <a:spcAft>
+                <a:spcPts val="0"/>
+              </a:spcAft>
+              <a:buNone/>
+            </a:pPr>
+            <a:fld id="{00000000-1234-1234-1234-123412341234}" type="slidenum">
+              <a:rPr lang="en-GB"/>
+            </a:fld>
+            <a:endParaRPr lang="en-GB"/>
+          </a:p>
+        </p:txBody>
+      </p:sp>
+      <p:pic>
+        <p:nvPicPr>
+          <p:cNvPr id="3" name="Picture 2"/>
+          <p:cNvPicPr>
+            <a:picLocks noChangeAspect="1"/>
+          </p:cNvPicPr>
+          <p:nvPr/>
+        </p:nvPicPr>
+        <p:blipFill>
+          <a:blip r:embed="rId3"/>
+          <a:stretch>
+            <a:fillRect/>
+          </a:stretch>
+        </p:blipFill>
+        <p:spPr>
+          <a:xfrm>
+            <a:off x="2248535" y="1258570"/>
+            <a:ext cx="4656455" cy="2626360"/>
+          </a:xfrm>
+          <a:prstGeom prst="rect">
+            <a:avLst/>
+          </a:prstGeom>
+        </p:spPr>
+      </p:pic>
+    </p:spTree>
+  </p:cSld>
+  <p:clrMapOvr>
+    <a:masterClrMapping/>
+  </p:clrMapOvr>
+  <mc:AlternateContent xmlns:mc="http://schemas.openxmlformats.org/markup-compatibility/2006">
+    <mc:Choice xmlns:p14="http://schemas.microsoft.com/office/powerpoint/2010/main" Requires="p14">
+      <p:transition spd="med" p14:dur="699">
+        <p:fade/>
+      </p:transition>
+    </mc:Choice>
+    <mc:Fallback>
+      <p:transition spd="med">
+        <p:fade/>
+      </p:transition>
+    </mc:Fallback>
+  </mc:AlternateContent>
+</p:sld>
+</file>
+
+<file path=ppt/slides/slide21.xml><?xml version="1.0" encoding="utf-8"?>
+<p:sld xmlns:a="http://schemas.openxmlformats.org/drawingml/2006/main" xmlns:r="http://schemas.openxmlformats.org/officeDocument/2006/relationships" xmlns:p="http://schemas.openxmlformats.org/presentationml/2006/main">
+  <p:cSld>
     <p:spTree>
       <p:nvGrpSpPr>
         <p:cNvPr id="1" name="Shape 91"/>
@@ -25060,417 +25542,6 @@
   </p:cSld>
   <p:clrMapOvr>
     <a:masterClrMapping/>
-  </p:clrMapOvr>
-  <mc:AlternateContent xmlns:mc="http://schemas.openxmlformats.org/markup-compatibility/2006">
-    <mc:Choice xmlns:p14="http://schemas.microsoft.com/office/powerpoint/2010/main" Requires="p14">
-      <p:transition spd="med" p14:dur="699">
-        <p:fade/>
-      </p:transition>
-    </mc:Choice>
-    <mc:Fallback>
-      <p:transition spd="med">
-        <p:fade/>
-      </p:transition>
-    </mc:Fallback>
-  </mc:AlternateContent>
-</p:sld>
-</file>
-
-<file path=ppt/slides/slide21.xml><?xml version="1.0" encoding="utf-8"?>
-<p:sld xmlns:a="http://schemas.openxmlformats.org/drawingml/2006/main" xmlns:r="http://schemas.openxmlformats.org/officeDocument/2006/relationships" xmlns:p="http://schemas.openxmlformats.org/presentationml/2006/main">
-  <p:cSld>
-    <p:bg>
-      <p:bgPr>
-        <a:noFill/>
-        <a:effectLst/>
-      </p:bgPr>
-    </p:bg>
-    <p:spTree>
-      <p:nvGrpSpPr>
-        <p:cNvPr id="1" name="Shape 98"/>
-        <p:cNvGrpSpPr/>
-        <p:nvPr/>
-      </p:nvGrpSpPr>
-      <p:grpSpPr>
-        <a:xfrm>
-          <a:off x="0" y="0"/>
-          <a:ext cx="0" cy="0"/>
-          <a:chOff x="0" y="0"/>
-          <a:chExt cx="0" cy="0"/>
-        </a:xfrm>
-      </p:grpSpPr>
-      <p:grpSp>
-        <p:nvGrpSpPr>
-          <p:cNvPr id="99" name="Google Shape;99;p16"/>
-          <p:cNvGrpSpPr/>
-          <p:nvPr/>
-        </p:nvGrpSpPr>
-        <p:grpSpPr>
-          <a:xfrm>
-            <a:off x="114300" y="4689483"/>
-            <a:ext cx="8915325" cy="383150"/>
-            <a:chOff x="114300" y="4689483"/>
-            <a:chExt cx="8915325" cy="383150"/>
-          </a:xfrm>
-        </p:grpSpPr>
-        <p:pic>
-          <p:nvPicPr>
-            <p:cNvPr id="100" name="Google Shape;100;p16"/>
-            <p:cNvPicPr preferRelativeResize="0"/>
-            <p:nvPr/>
-          </p:nvPicPr>
-          <p:blipFill>
-            <a:blip r:embed="rId1"/>
-            <a:stretch>
-              <a:fillRect/>
-            </a:stretch>
-          </p:blipFill>
-          <p:spPr>
-            <a:xfrm>
-              <a:off x="114300" y="4689483"/>
-              <a:ext cx="1518224" cy="383150"/>
-            </a:xfrm>
-            <a:prstGeom prst="rect">
-              <a:avLst/>
-            </a:prstGeom>
-            <a:noFill/>
-            <a:ln>
-              <a:noFill/>
-            </a:ln>
-          </p:spPr>
-        </p:pic>
-        <p:sp>
-          <p:nvSpPr>
-            <p:cNvPr id="101" name="Google Shape;101;p16"/>
-            <p:cNvSpPr/>
-            <p:nvPr/>
-          </p:nvSpPr>
-          <p:spPr>
-            <a:xfrm>
-              <a:off x="1760625" y="4964175"/>
-              <a:ext cx="7269000" cy="30600"/>
-            </a:xfrm>
-            <a:prstGeom prst="rect">
-              <a:avLst/>
-            </a:prstGeom>
-            <a:solidFill>
-              <a:schemeClr val="lt2"/>
-            </a:solidFill>
-            <a:ln>
-              <a:noFill/>
-            </a:ln>
-          </p:spPr>
-          <p:txBody>
-            <a:bodyPr spcFirstLastPara="1" wrap="square" lIns="91425" tIns="91425" rIns="91425" bIns="91425" anchor="ctr" anchorCtr="0">
-              <a:noAutofit/>
-            </a:bodyPr>
-            <a:lstStyle/>
-            <a:p>
-              <a:pPr marL="0" lvl="0" indent="0" algn="l" rtl="0">
-                <a:spcBef>
-                  <a:spcPts val="0"/>
-                </a:spcBef>
-                <a:spcAft>
-                  <a:spcPts val="0"/>
-                </a:spcAft>
-                <a:buNone/>
-              </a:pPr>
-            </a:p>
-          </p:txBody>
-        </p:sp>
-      </p:grpSp>
-      <p:pic>
-        <p:nvPicPr>
-          <p:cNvPr id="102" name="Google Shape;102;p16"/>
-          <p:cNvPicPr preferRelativeResize="0"/>
-          <p:nvPr/>
-        </p:nvPicPr>
-        <p:blipFill>
-          <a:blip r:embed="rId2"/>
-          <a:stretch>
-            <a:fillRect/>
-          </a:stretch>
-        </p:blipFill>
-        <p:spPr>
-          <a:xfrm>
-            <a:off x="114300" y="167250"/>
-            <a:ext cx="202499" cy="440248"/>
-          </a:xfrm>
-          <a:prstGeom prst="rect">
-            <a:avLst/>
-          </a:prstGeom>
-          <a:noFill/>
-          <a:ln>
-            <a:noFill/>
-          </a:ln>
-        </p:spPr>
-      </p:pic>
-      <p:sp>
-        <p:nvSpPr>
-          <p:cNvPr id="103" name="Google Shape;103;p16"/>
-          <p:cNvSpPr txBox="1"/>
-          <p:nvPr/>
-        </p:nvSpPr>
-        <p:spPr>
-          <a:xfrm>
-            <a:off x="403795" y="142345"/>
-            <a:ext cx="5636700" cy="488950"/>
-          </a:xfrm>
-          <a:prstGeom prst="rect">
-            <a:avLst/>
-          </a:prstGeom>
-          <a:noFill/>
-          <a:ln>
-            <a:noFill/>
-          </a:ln>
-        </p:spPr>
-        <p:txBody>
-          <a:bodyPr spcFirstLastPara="1" wrap="square" lIns="91425" tIns="91425" rIns="91425" bIns="91425" anchor="t" anchorCtr="0">
-            <a:spAutoFit/>
-          </a:bodyPr>
-          <a:lstStyle/>
-          <a:p>
-            <a:pPr marL="0" lvl="0" indent="0" algn="l" rtl="0">
-              <a:spcBef>
-                <a:spcPts val="0"/>
-              </a:spcBef>
-              <a:spcAft>
-                <a:spcPts val="0"/>
-              </a:spcAft>
-              <a:buNone/>
-            </a:pPr>
-            <a:r>
-              <a:rPr lang="en-US" altLang="en-GB" sz="2000" b="1">
-                <a:solidFill>
-                  <a:srgbClr val="8DC63F"/>
-                </a:solidFill>
-                <a:latin typeface="Tahoma" panose="020B0604030504040204" charset="0"/>
-                <a:ea typeface="Roboto" panose="020B0704020202020204"/>
-                <a:cs typeface="Tahoma" panose="020B0604030504040204" charset="0"/>
-                <a:sym typeface="Roboto" panose="020B0704020202020204"/>
-              </a:rPr>
-              <a:t>Durable Function </a:t>
-            </a:r>
-            <a:endParaRPr lang="en-US" altLang="en-GB" sz="2000" b="1">
-              <a:solidFill>
-                <a:srgbClr val="8DC63F"/>
-              </a:solidFill>
-              <a:latin typeface="Tahoma" panose="020B0604030504040204" charset="0"/>
-              <a:ea typeface="Roboto" panose="020B0704020202020204"/>
-              <a:cs typeface="Tahoma" panose="020B0604030504040204" charset="0"/>
-              <a:sym typeface="Roboto" panose="020B0704020202020204"/>
-            </a:endParaRPr>
-          </a:p>
-        </p:txBody>
-      </p:sp>
-      <p:sp>
-        <p:nvSpPr>
-          <p:cNvPr id="2" name="Slide Number Placeholder 1"/>
-          <p:cNvSpPr>
-            <a:spLocks noGrp="1"/>
-          </p:cNvSpPr>
-          <p:nvPr>
-            <p:ph type="sldNum" idx="12"/>
-          </p:nvPr>
-        </p:nvSpPr>
-        <p:spPr/>
-        <p:txBody>
-          <a:bodyPr/>
-          <a:lstStyle/>
-          <a:p>
-            <a:pPr marL="0" lvl="0" indent="0" algn="r" rtl="0">
-              <a:spcBef>
-                <a:spcPts val="0"/>
-              </a:spcBef>
-              <a:spcAft>
-                <a:spcPts val="0"/>
-              </a:spcAft>
-              <a:buNone/>
-            </a:pPr>
-            <a:fld id="{00000000-1234-1234-1234-123412341234}" type="slidenum">
-              <a:rPr lang="en-GB"/>
-            </a:fld>
-            <a:endParaRPr lang="en-GB"/>
-          </a:p>
-        </p:txBody>
-      </p:sp>
-      <p:sp>
-        <p:nvSpPr>
-          <p:cNvPr id="4" name="Google Shape;104;p16"/>
-          <p:cNvSpPr txBox="1"/>
-          <p:nvPr/>
-        </p:nvSpPr>
-        <p:spPr>
-          <a:xfrm>
-            <a:off x="316799" y="750159"/>
-            <a:ext cx="8335645" cy="3628390"/>
-          </a:xfrm>
-          <a:prstGeom prst="rect">
-            <a:avLst/>
-          </a:prstGeom>
-          <a:noFill/>
-          <a:ln>
-            <a:noFill/>
-          </a:ln>
-        </p:spPr>
-        <p:txBody>
-          <a:bodyPr spcFirstLastPara="1" wrap="square" lIns="91425" tIns="91425" rIns="91425" bIns="91425" anchor="t" anchorCtr="0">
-            <a:spAutoFit/>
-          </a:bodyPr>
-          <a:p>
-            <a:pPr marL="365760" lvl="0" indent="-228600" algn="l" rtl="0">
-              <a:lnSpc>
-                <a:spcPct val="200000"/>
-              </a:lnSpc>
-              <a:spcBef>
-                <a:spcPts val="0"/>
-              </a:spcBef>
-              <a:spcAft>
-                <a:spcPts val="0"/>
-              </a:spcAft>
-              <a:buClr>
-                <a:srgbClr val="000000"/>
-              </a:buClr>
-              <a:buSzPts val="1440"/>
-              <a:buFont typeface="Arial" panose="020B0604020202020204" pitchFamily="34" charset="0"/>
-              <a:buChar char="•"/>
-            </a:pPr>
-            <a:r>
-              <a:rPr lang="en-US" sz="1600" dirty="0">
-                <a:solidFill>
-                  <a:schemeClr val="tx1"/>
-                </a:solidFill>
-                <a:latin typeface="Times New Roman" panose="02020603050405020304"/>
-                <a:ea typeface="Times New Roman" panose="02020603050405020304"/>
-                <a:cs typeface="Times New Roman" panose="02020603050405020304"/>
-                <a:sym typeface="Times New Roman" panose="02020603050405020304"/>
-              </a:rPr>
-              <a:t>This is an extension of Azure Functions that lets you write stateful functions in a serverless compute environment. </a:t>
-            </a:r>
-            <a:endParaRPr lang="en-US" sz="1600" dirty="0">
-              <a:solidFill>
-                <a:schemeClr val="tx1"/>
-              </a:solidFill>
-              <a:latin typeface="Times New Roman" panose="02020603050405020304"/>
-              <a:ea typeface="Times New Roman" panose="02020603050405020304"/>
-              <a:cs typeface="Times New Roman" panose="02020603050405020304"/>
-              <a:sym typeface="Times New Roman" panose="02020603050405020304"/>
-            </a:endParaRPr>
-          </a:p>
-          <a:p>
-            <a:pPr marL="365760" lvl="0" indent="-228600" algn="l" rtl="0">
-              <a:lnSpc>
-                <a:spcPct val="200000"/>
-              </a:lnSpc>
-              <a:spcBef>
-                <a:spcPts val="0"/>
-              </a:spcBef>
-              <a:spcAft>
-                <a:spcPts val="0"/>
-              </a:spcAft>
-              <a:buClr>
-                <a:srgbClr val="000000"/>
-              </a:buClr>
-              <a:buSzPts val="1440"/>
-              <a:buFont typeface="Arial" panose="020B0604020202020204" pitchFamily="34" charset="0"/>
-              <a:buChar char="•"/>
-            </a:pPr>
-            <a:r>
-              <a:rPr lang="en-US" sz="1600" dirty="0">
-                <a:solidFill>
-                  <a:schemeClr val="tx1"/>
-                </a:solidFill>
-                <a:latin typeface="Times New Roman" panose="02020603050405020304"/>
-                <a:ea typeface="Times New Roman" panose="02020603050405020304"/>
-                <a:cs typeface="Times New Roman" panose="02020603050405020304"/>
-                <a:sym typeface="Times New Roman" panose="02020603050405020304"/>
-              </a:rPr>
-              <a:t>The extension lets you define stateful workflows by writing orchestrator functions and stateful entities by writing entity functions using the Azure Functions programming model. </a:t>
-            </a:r>
-            <a:endParaRPr lang="en-US" sz="1600" dirty="0">
-              <a:solidFill>
-                <a:schemeClr val="tx1"/>
-              </a:solidFill>
-              <a:latin typeface="Times New Roman" panose="02020603050405020304"/>
-              <a:ea typeface="Times New Roman" panose="02020603050405020304"/>
-              <a:cs typeface="Times New Roman" panose="02020603050405020304"/>
-              <a:sym typeface="Times New Roman" panose="02020603050405020304"/>
-            </a:endParaRPr>
-          </a:p>
-          <a:p>
-            <a:pPr marL="365760" lvl="0" indent="-228600" algn="l" rtl="0">
-              <a:lnSpc>
-                <a:spcPct val="200000"/>
-              </a:lnSpc>
-              <a:spcBef>
-                <a:spcPts val="0"/>
-              </a:spcBef>
-              <a:spcAft>
-                <a:spcPts val="0"/>
-              </a:spcAft>
-              <a:buClr>
-                <a:srgbClr val="000000"/>
-              </a:buClr>
-              <a:buSzPts val="1440"/>
-              <a:buFont typeface="Arial" panose="020B0604020202020204" pitchFamily="34" charset="0"/>
-              <a:buChar char="•"/>
-            </a:pPr>
-            <a:r>
-              <a:rPr lang="en-US" sz="1600" dirty="0">
-                <a:solidFill>
-                  <a:schemeClr val="tx1"/>
-                </a:solidFill>
-                <a:latin typeface="Times New Roman" panose="02020603050405020304"/>
-                <a:ea typeface="Times New Roman" panose="02020603050405020304"/>
-                <a:cs typeface="Times New Roman" panose="02020603050405020304"/>
-                <a:sym typeface="Times New Roman" panose="02020603050405020304"/>
-              </a:rPr>
-              <a:t>Behind the scenes, the extension manages state, checkpoints, and restarts for you, allowing you to focus on your business logic.</a:t>
-            </a:r>
-            <a:endParaRPr lang="en-US" sz="1600" dirty="0">
-              <a:solidFill>
-                <a:schemeClr val="tx1"/>
-              </a:solidFill>
-              <a:latin typeface="Times New Roman" panose="02020603050405020304"/>
-              <a:ea typeface="Times New Roman" panose="02020603050405020304"/>
-              <a:cs typeface="Times New Roman" panose="02020603050405020304"/>
-              <a:sym typeface="Times New Roman" panose="02020603050405020304"/>
-            </a:endParaRPr>
-          </a:p>
-          <a:p>
-            <a:pPr marL="365760" lvl="0" indent="-228600" algn="l" rtl="0">
-              <a:lnSpc>
-                <a:spcPct val="200000"/>
-              </a:lnSpc>
-              <a:spcBef>
-                <a:spcPts val="0"/>
-              </a:spcBef>
-              <a:spcAft>
-                <a:spcPts val="0"/>
-              </a:spcAft>
-              <a:buClr>
-                <a:srgbClr val="000000"/>
-              </a:buClr>
-              <a:buSzPts val="1440"/>
-              <a:buFont typeface="Arial" panose="020B0604020202020204" pitchFamily="34" charset="0"/>
-              <a:buChar char="•"/>
-            </a:pPr>
-            <a:endParaRPr lang="en-US" sz="1600" dirty="0">
-              <a:solidFill>
-                <a:schemeClr val="tx1"/>
-              </a:solidFill>
-              <a:latin typeface="Times New Roman" panose="02020603050405020304"/>
-              <a:ea typeface="Times New Roman" panose="02020603050405020304"/>
-              <a:cs typeface="Times New Roman" panose="02020603050405020304"/>
-              <a:sym typeface="Times New Roman" panose="02020603050405020304"/>
-            </a:endParaRPr>
-          </a:p>
-        </p:txBody>
-      </p:sp>
-    </p:spTree>
-  </p:cSld>
-  <p:clrMapOvr>
-    <a:overrideClrMapping bg1="lt1" tx1="dk1" bg2="dk2" tx2="lt2" accent1="accent1" accent2="accent2" accent3="accent3" accent4="accent4" accent5="accent5" accent6="accent6" hlink="hlink" folHlink="folHlink"/>
   </p:clrMapOvr>
   <mc:AlternateContent xmlns:mc="http://schemas.openxmlformats.org/markup-compatibility/2006">
     <mc:Choice xmlns:p14="http://schemas.microsoft.com/office/powerpoint/2010/main" Requires="p14">
@@ -25713,8 +25784,8 @@
         </p:nvSpPr>
         <p:spPr>
           <a:xfrm>
-            <a:off x="316799" y="530449"/>
-            <a:ext cx="8335645" cy="4121150"/>
+            <a:off x="316799" y="750159"/>
+            <a:ext cx="8335645" cy="3628390"/>
           </a:xfrm>
           <a:prstGeom prst="rect">
             <a:avLst/>
@@ -25756,7 +25827,7 @@
                 <a:cs typeface="Times New Roman" panose="02020603050405020304"/>
                 <a:sym typeface="Times New Roman" panose="02020603050405020304"/>
               </a:rPr>
-              <a:t>The primary use case for Durable Functions is simplifying complex, stateful coordination requirements in serverless applications.  Application Pattern benefit from Durablre Function:</a:t>
+              <a:t>This is an extension of Azure Functions that lets you write stateful functions in a serverless compute environment. </a:t>
             </a:r>
             <a:endParaRPr lang="en-US" sz="1600" dirty="0">
               <a:solidFill>
@@ -25769,7 +25840,7 @@
             </a:endParaRPr>
           </a:p>
           <a:p>
-            <a:pPr marL="822960" lvl="1" indent="-228600" algn="l" rtl="0">
+            <a:pPr marL="365760" lvl="0" indent="-228600" algn="l" rtl="0">
               <a:lnSpc>
                 <a:spcPct val="200000"/>
               </a:lnSpc>
@@ -25796,7 +25867,7 @@
                 <a:cs typeface="Times New Roman" panose="02020603050405020304"/>
                 <a:sym typeface="Times New Roman" panose="02020603050405020304"/>
               </a:rPr>
-              <a:t>Function chaining</a:t>
+              <a:t>The extension lets you define stateful workflows by writing orchestrator functions and stateful entities by writing entity functions using the Azure Functions programming model. </a:t>
             </a:r>
             <a:endParaRPr lang="en-US" sz="1600" dirty="0">
               <a:solidFill>
@@ -25809,7 +25880,7 @@
             </a:endParaRPr>
           </a:p>
           <a:p>
-            <a:pPr marL="822960" lvl="1" indent="-228600" algn="l" rtl="0">
+            <a:pPr marL="365760" lvl="0" indent="-228600" algn="l" rtl="0">
               <a:lnSpc>
                 <a:spcPct val="200000"/>
               </a:lnSpc>
@@ -25836,7 +25907,7 @@
                 <a:cs typeface="Times New Roman" panose="02020603050405020304"/>
                 <a:sym typeface="Times New Roman" panose="02020603050405020304"/>
               </a:rPr>
-              <a:t>Fan-out/fan-in</a:t>
+              <a:t>Behind the scenes, the extension manages state, checkpoints, and restarts for you, allowing you to focus on your business logic.</a:t>
             </a:r>
             <a:endParaRPr lang="en-US" sz="1600" dirty="0">
               <a:solidFill>
@@ -25849,7 +25920,7 @@
             </a:endParaRPr>
           </a:p>
           <a:p>
-            <a:pPr marL="822960" lvl="1" indent="-228600" algn="l" rtl="0">
+            <a:pPr marL="365760" lvl="0" indent="-228600" algn="l" rtl="0">
               <a:lnSpc>
                 <a:spcPct val="200000"/>
               </a:lnSpc>
@@ -25866,138 +25937,6 @@
               <a:buFont typeface="Arial" panose="020B0604020202020204" pitchFamily="34" charset="0"/>
               <a:buChar char="•"/>
             </a:pPr>
-            <a:r>
-              <a:rPr lang="en-US" sz="1600" dirty="0">
-                <a:solidFill>
-                  <a:schemeClr val="tx1"/>
-                </a:solidFill>
-                <a:latin typeface="Times New Roman" panose="02020603050405020304"/>
-                <a:ea typeface="Times New Roman" panose="02020603050405020304"/>
-                <a:cs typeface="Times New Roman" panose="02020603050405020304"/>
-                <a:sym typeface="Times New Roman" panose="02020603050405020304"/>
-              </a:rPr>
-              <a:t>Async HTTP APIs</a:t>
-            </a:r>
-            <a:endParaRPr lang="en-US" sz="1600" dirty="0">
-              <a:solidFill>
-                <a:schemeClr val="tx1"/>
-              </a:solidFill>
-              <a:latin typeface="Times New Roman" panose="02020603050405020304"/>
-              <a:ea typeface="Times New Roman" panose="02020603050405020304"/>
-              <a:cs typeface="Times New Roman" panose="02020603050405020304"/>
-              <a:sym typeface="Times New Roman" panose="02020603050405020304"/>
-            </a:endParaRPr>
-          </a:p>
-          <a:p>
-            <a:pPr marL="822960" lvl="1" indent="-228600" algn="l" rtl="0">
-              <a:lnSpc>
-                <a:spcPct val="200000"/>
-              </a:lnSpc>
-              <a:spcBef>
-                <a:spcPts val="0"/>
-              </a:spcBef>
-              <a:spcAft>
-                <a:spcPts val="0"/>
-              </a:spcAft>
-              <a:buClr>
-                <a:srgbClr val="000000"/>
-              </a:buClr>
-              <a:buSzPts val="1440"/>
-              <a:buFont typeface="Arial" panose="020B0604020202020204" pitchFamily="34" charset="0"/>
-              <a:buChar char="•"/>
-            </a:pPr>
-            <a:r>
-              <a:rPr lang="en-US" sz="1600" dirty="0">
-                <a:solidFill>
-                  <a:schemeClr val="tx1"/>
-                </a:solidFill>
-                <a:latin typeface="Times New Roman" panose="02020603050405020304"/>
-                <a:ea typeface="Times New Roman" panose="02020603050405020304"/>
-                <a:cs typeface="Times New Roman" panose="02020603050405020304"/>
-                <a:sym typeface="Times New Roman" panose="02020603050405020304"/>
-              </a:rPr>
-              <a:t>Monitoring</a:t>
-            </a:r>
-            <a:endParaRPr lang="en-US" sz="1600" dirty="0">
-              <a:solidFill>
-                <a:schemeClr val="tx1"/>
-              </a:solidFill>
-              <a:latin typeface="Times New Roman" panose="02020603050405020304"/>
-              <a:ea typeface="Times New Roman" panose="02020603050405020304"/>
-              <a:cs typeface="Times New Roman" panose="02020603050405020304"/>
-              <a:sym typeface="Times New Roman" panose="02020603050405020304"/>
-            </a:endParaRPr>
-          </a:p>
-          <a:p>
-            <a:pPr marL="822960" lvl="1" indent="-228600" algn="l" rtl="0">
-              <a:lnSpc>
-                <a:spcPct val="200000"/>
-              </a:lnSpc>
-              <a:spcBef>
-                <a:spcPts val="0"/>
-              </a:spcBef>
-              <a:spcAft>
-                <a:spcPts val="0"/>
-              </a:spcAft>
-              <a:buClr>
-                <a:srgbClr val="000000"/>
-              </a:buClr>
-              <a:buSzPts val="1440"/>
-              <a:buFont typeface="Arial" panose="020B0604020202020204" pitchFamily="34" charset="0"/>
-              <a:buChar char="•"/>
-            </a:pPr>
-            <a:r>
-              <a:rPr lang="en-US" sz="1600" dirty="0">
-                <a:solidFill>
-                  <a:schemeClr val="tx1"/>
-                </a:solidFill>
-                <a:latin typeface="Times New Roman" panose="02020603050405020304"/>
-                <a:ea typeface="Times New Roman" panose="02020603050405020304"/>
-                <a:cs typeface="Times New Roman" panose="02020603050405020304"/>
-                <a:sym typeface="Times New Roman" panose="02020603050405020304"/>
-              </a:rPr>
-              <a:t>Human interaction</a:t>
-            </a:r>
-            <a:endParaRPr lang="en-US" sz="1600" dirty="0">
-              <a:solidFill>
-                <a:schemeClr val="tx1"/>
-              </a:solidFill>
-              <a:latin typeface="Times New Roman" panose="02020603050405020304"/>
-              <a:ea typeface="Times New Roman" panose="02020603050405020304"/>
-              <a:cs typeface="Times New Roman" panose="02020603050405020304"/>
-              <a:sym typeface="Times New Roman" panose="02020603050405020304"/>
-            </a:endParaRPr>
-          </a:p>
-          <a:p>
-            <a:pPr marL="822960" lvl="1" indent="-228600" algn="l" rtl="0">
-              <a:lnSpc>
-                <a:spcPct val="200000"/>
-              </a:lnSpc>
-              <a:spcBef>
-                <a:spcPts val="0"/>
-              </a:spcBef>
-              <a:spcAft>
-                <a:spcPts val="0"/>
-              </a:spcAft>
-              <a:buClr>
-                <a:srgbClr val="000000"/>
-              </a:buClr>
-              <a:buSzPts val="1440"/>
-              <a:buFont typeface="Arial" panose="020B0604020202020204" pitchFamily="34" charset="0"/>
-              <a:buChar char="•"/>
-            </a:pPr>
-            <a:r>
-              <a:rPr lang="en-US" sz="1600" dirty="0">
-                <a:solidFill>
-                  <a:schemeClr val="tx1"/>
-                </a:solidFill>
-                <a:latin typeface="Times New Roman" panose="02020603050405020304"/>
-                <a:ea typeface="Times New Roman" panose="02020603050405020304"/>
-                <a:cs typeface="Times New Roman" panose="02020603050405020304"/>
-                <a:sym typeface="Times New Roman" panose="02020603050405020304"/>
-              </a:rPr>
-              <a:t>Aggregator (stateful entities)</a:t>
-            </a:r>
             <a:endParaRPr lang="en-US" sz="1600" dirty="0">
               <a:solidFill>
                 <a:schemeClr val="tx1"/>
@@ -26167,8 +26106,8 @@
         </p:nvSpPr>
         <p:spPr>
           <a:xfrm>
-            <a:off x="403860" y="142240"/>
-            <a:ext cx="6054725" cy="488950"/>
+            <a:off x="403795" y="142345"/>
+            <a:ext cx="5636700" cy="488950"/>
           </a:xfrm>
           <a:prstGeom prst="rect">
             <a:avLst/>
@@ -26203,7 +26142,7 @@
                 <a:cs typeface="Tahoma" panose="020B0604030504040204" charset="0"/>
                 <a:sym typeface="Roboto" panose="020B0704020202020204"/>
               </a:rPr>
-              <a:t>Durable Function - #1: Function chaining  * </a:t>
+              <a:t>Durable Function </a:t>
             </a:r>
             <a:endParaRPr lang="en-US" altLang="en-GB" sz="2000" b="1">
               <a:solidFill>
@@ -26257,7 +26196,7 @@
         <p:spPr>
           <a:xfrm>
             <a:off x="316799" y="530449"/>
-            <a:ext cx="8335645" cy="673735"/>
+            <a:ext cx="8335645" cy="4121150"/>
           </a:xfrm>
           <a:prstGeom prst="rect">
             <a:avLst/>
@@ -26289,6 +26228,18 @@
               <a:buFont typeface="Arial" panose="020B0604020202020204" pitchFamily="34" charset="0"/>
               <a:buChar char="•"/>
             </a:pPr>
+            <a:r>
+              <a:rPr lang="en-US" sz="1600" dirty="0">
+                <a:solidFill>
+                  <a:schemeClr val="tx1"/>
+                </a:solidFill>
+                <a:latin typeface="Times New Roman" panose="02020603050405020304"/>
+                <a:ea typeface="Times New Roman" panose="02020603050405020304"/>
+                <a:cs typeface="Times New Roman" panose="02020603050405020304"/>
+                <a:sym typeface="Times New Roman" panose="02020603050405020304"/>
+              </a:rPr>
+              <a:t>The primary use case for Durable Functions is simplifying complex, stateful coordination requirements in serverless applications. Application Pattern benefit from Durablre Function:</a:t>
+            </a:r>
             <a:endParaRPr lang="en-US" sz="1600" dirty="0">
               <a:solidFill>
                 <a:schemeClr val="tx1"/>
@@ -26299,33 +26250,8 @@
               <a:sym typeface="Times New Roman" panose="02020603050405020304"/>
             </a:endParaRPr>
           </a:p>
-        </p:txBody>
-      </p:sp>
-      <p:sp>
-        <p:nvSpPr>
-          <p:cNvPr id="3" name="Google Shape;104;p16"/>
-          <p:cNvSpPr txBox="1"/>
-          <p:nvPr/>
-        </p:nvSpPr>
-        <p:spPr>
-          <a:xfrm>
-            <a:off x="316799" y="530449"/>
-            <a:ext cx="8335645" cy="1166495"/>
-          </a:xfrm>
-          <a:prstGeom prst="rect">
-            <a:avLst/>
-          </a:prstGeom>
-          <a:noFill/>
-          <a:ln>
-            <a:noFill/>
-          </a:ln>
-        </p:spPr>
-        <p:txBody>
-          <a:bodyPr spcFirstLastPara="1" wrap="square" lIns="91425" tIns="91425" rIns="91425" bIns="91425" anchor="t" anchorCtr="0">
-            <a:spAutoFit/>
-          </a:bodyPr>
           <a:p>
-            <a:pPr marL="365760" lvl="0" indent="-228600" algn="l" rtl="0">
+            <a:pPr marL="822960" lvl="1" indent="-228600" algn="l" rtl="0">
               <a:lnSpc>
                 <a:spcPct val="200000"/>
               </a:lnSpc>
@@ -26352,7 +26278,207 @@
                 <a:cs typeface="Times New Roman" panose="02020603050405020304"/>
                 <a:sym typeface="Times New Roman" panose="02020603050405020304"/>
               </a:rPr>
-              <a:t>executing a sequence of functions in a specific order. In this pattern, the output of one function is applied to the input of another function.</a:t>
+              <a:t>Function chaining</a:t>
+            </a:r>
+            <a:endParaRPr lang="en-US" sz="1600" dirty="0">
+              <a:solidFill>
+                <a:schemeClr val="tx1"/>
+              </a:solidFill>
+              <a:latin typeface="Times New Roman" panose="02020603050405020304"/>
+              <a:ea typeface="Times New Roman" panose="02020603050405020304"/>
+              <a:cs typeface="Times New Roman" panose="02020603050405020304"/>
+              <a:sym typeface="Times New Roman" panose="02020603050405020304"/>
+            </a:endParaRPr>
+          </a:p>
+          <a:p>
+            <a:pPr marL="822960" lvl="1" indent="-228600" algn="l" rtl="0">
+              <a:lnSpc>
+                <a:spcPct val="200000"/>
+              </a:lnSpc>
+              <a:spcBef>
+                <a:spcPts val="0"/>
+              </a:spcBef>
+              <a:spcAft>
+                <a:spcPts val="0"/>
+              </a:spcAft>
+              <a:buClr>
+                <a:srgbClr val="000000"/>
+              </a:buClr>
+              <a:buSzPts val="1440"/>
+              <a:buFont typeface="Arial" panose="020B0604020202020204" pitchFamily="34" charset="0"/>
+              <a:buChar char="•"/>
+            </a:pPr>
+            <a:r>
+              <a:rPr lang="en-US" sz="1600" dirty="0">
+                <a:solidFill>
+                  <a:schemeClr val="tx1"/>
+                </a:solidFill>
+                <a:latin typeface="Times New Roman" panose="02020603050405020304"/>
+                <a:ea typeface="Times New Roman" panose="02020603050405020304"/>
+                <a:cs typeface="Times New Roman" panose="02020603050405020304"/>
+                <a:sym typeface="Times New Roman" panose="02020603050405020304"/>
+              </a:rPr>
+              <a:t>Fan-out/fan-in</a:t>
+            </a:r>
+            <a:endParaRPr lang="en-US" sz="1600" dirty="0">
+              <a:solidFill>
+                <a:schemeClr val="tx1"/>
+              </a:solidFill>
+              <a:latin typeface="Times New Roman" panose="02020603050405020304"/>
+              <a:ea typeface="Times New Roman" panose="02020603050405020304"/>
+              <a:cs typeface="Times New Roman" panose="02020603050405020304"/>
+              <a:sym typeface="Times New Roman" panose="02020603050405020304"/>
+            </a:endParaRPr>
+          </a:p>
+          <a:p>
+            <a:pPr marL="822960" lvl="1" indent="-228600" algn="l" rtl="0">
+              <a:lnSpc>
+                <a:spcPct val="200000"/>
+              </a:lnSpc>
+              <a:spcBef>
+                <a:spcPts val="0"/>
+              </a:spcBef>
+              <a:spcAft>
+                <a:spcPts val="0"/>
+              </a:spcAft>
+              <a:buClr>
+                <a:srgbClr val="000000"/>
+              </a:buClr>
+              <a:buSzPts val="1440"/>
+              <a:buFont typeface="Arial" panose="020B0604020202020204" pitchFamily="34" charset="0"/>
+              <a:buChar char="•"/>
+            </a:pPr>
+            <a:r>
+              <a:rPr lang="en-US" sz="1600" dirty="0">
+                <a:solidFill>
+                  <a:schemeClr val="tx1"/>
+                </a:solidFill>
+                <a:latin typeface="Times New Roman" panose="02020603050405020304"/>
+                <a:ea typeface="Times New Roman" panose="02020603050405020304"/>
+                <a:cs typeface="Times New Roman" panose="02020603050405020304"/>
+                <a:sym typeface="Times New Roman" panose="02020603050405020304"/>
+              </a:rPr>
+              <a:t>Async HTTP APIs</a:t>
+            </a:r>
+            <a:endParaRPr lang="en-US" sz="1600" dirty="0">
+              <a:solidFill>
+                <a:schemeClr val="tx1"/>
+              </a:solidFill>
+              <a:latin typeface="Times New Roman" panose="02020603050405020304"/>
+              <a:ea typeface="Times New Roman" panose="02020603050405020304"/>
+              <a:cs typeface="Times New Roman" panose="02020603050405020304"/>
+              <a:sym typeface="Times New Roman" panose="02020603050405020304"/>
+            </a:endParaRPr>
+          </a:p>
+          <a:p>
+            <a:pPr marL="822960" lvl="1" indent="-228600" algn="l" rtl="0">
+              <a:lnSpc>
+                <a:spcPct val="200000"/>
+              </a:lnSpc>
+              <a:spcBef>
+                <a:spcPts val="0"/>
+              </a:spcBef>
+              <a:spcAft>
+                <a:spcPts val="0"/>
+              </a:spcAft>
+              <a:buClr>
+                <a:srgbClr val="000000"/>
+              </a:buClr>
+              <a:buSzPts val="1440"/>
+              <a:buFont typeface="Arial" panose="020B0604020202020204" pitchFamily="34" charset="0"/>
+              <a:buChar char="•"/>
+            </a:pPr>
+            <a:r>
+              <a:rPr lang="en-US" sz="1600" dirty="0">
+                <a:solidFill>
+                  <a:schemeClr val="tx1"/>
+                </a:solidFill>
+                <a:latin typeface="Times New Roman" panose="02020603050405020304"/>
+                <a:ea typeface="Times New Roman" panose="02020603050405020304"/>
+                <a:cs typeface="Times New Roman" panose="02020603050405020304"/>
+                <a:sym typeface="Times New Roman" panose="02020603050405020304"/>
+              </a:rPr>
+              <a:t>Monitoring</a:t>
+            </a:r>
+            <a:endParaRPr lang="en-US" sz="1600" dirty="0">
+              <a:solidFill>
+                <a:schemeClr val="tx1"/>
+              </a:solidFill>
+              <a:latin typeface="Times New Roman" panose="02020603050405020304"/>
+              <a:ea typeface="Times New Roman" panose="02020603050405020304"/>
+              <a:cs typeface="Times New Roman" panose="02020603050405020304"/>
+              <a:sym typeface="Times New Roman" panose="02020603050405020304"/>
+            </a:endParaRPr>
+          </a:p>
+          <a:p>
+            <a:pPr marL="822960" lvl="1" indent="-228600" algn="l" rtl="0">
+              <a:lnSpc>
+                <a:spcPct val="200000"/>
+              </a:lnSpc>
+              <a:spcBef>
+                <a:spcPts val="0"/>
+              </a:spcBef>
+              <a:spcAft>
+                <a:spcPts val="0"/>
+              </a:spcAft>
+              <a:buClr>
+                <a:srgbClr val="000000"/>
+              </a:buClr>
+              <a:buSzPts val="1440"/>
+              <a:buFont typeface="Arial" panose="020B0604020202020204" pitchFamily="34" charset="0"/>
+              <a:buChar char="•"/>
+            </a:pPr>
+            <a:r>
+              <a:rPr lang="en-US" sz="1600" dirty="0">
+                <a:solidFill>
+                  <a:schemeClr val="tx1"/>
+                </a:solidFill>
+                <a:latin typeface="Times New Roman" panose="02020603050405020304"/>
+                <a:ea typeface="Times New Roman" panose="02020603050405020304"/>
+                <a:cs typeface="Times New Roman" panose="02020603050405020304"/>
+                <a:sym typeface="Times New Roman" panose="02020603050405020304"/>
+              </a:rPr>
+              <a:t>Human interaction</a:t>
+            </a:r>
+            <a:endParaRPr lang="en-US" sz="1600" dirty="0">
+              <a:solidFill>
+                <a:schemeClr val="tx1"/>
+              </a:solidFill>
+              <a:latin typeface="Times New Roman" panose="02020603050405020304"/>
+              <a:ea typeface="Times New Roman" panose="02020603050405020304"/>
+              <a:cs typeface="Times New Roman" panose="02020603050405020304"/>
+              <a:sym typeface="Times New Roman" panose="02020603050405020304"/>
+            </a:endParaRPr>
+          </a:p>
+          <a:p>
+            <a:pPr marL="822960" lvl="1" indent="-228600" algn="l" rtl="0">
+              <a:lnSpc>
+                <a:spcPct val="200000"/>
+              </a:lnSpc>
+              <a:spcBef>
+                <a:spcPts val="0"/>
+              </a:spcBef>
+              <a:spcAft>
+                <a:spcPts val="0"/>
+              </a:spcAft>
+              <a:buClr>
+                <a:srgbClr val="000000"/>
+              </a:buClr>
+              <a:buSzPts val="1440"/>
+              <a:buFont typeface="Arial" panose="020B0604020202020204" pitchFamily="34" charset="0"/>
+              <a:buChar char="•"/>
+            </a:pPr>
+            <a:r>
+              <a:rPr lang="en-US" sz="1600" dirty="0">
+                <a:solidFill>
+                  <a:schemeClr val="tx1"/>
+                </a:solidFill>
+                <a:latin typeface="Times New Roman" panose="02020603050405020304"/>
+                <a:ea typeface="Times New Roman" panose="02020603050405020304"/>
+                <a:cs typeface="Times New Roman" panose="02020603050405020304"/>
+                <a:sym typeface="Times New Roman" panose="02020603050405020304"/>
+              </a:rPr>
+              <a:t>Aggregator (stateful entities)</a:t>
             </a:r>
             <a:endParaRPr lang="en-US" sz="1600" dirty="0">
               <a:solidFill>
@@ -26366,30 +26492,6 @@
           </a:p>
         </p:txBody>
       </p:sp>
-      <p:pic>
-        <p:nvPicPr>
-          <p:cNvPr id="6" name="Picture 5"/>
-          <p:cNvPicPr>
-            <a:picLocks noChangeAspect="1"/>
-          </p:cNvPicPr>
-          <p:nvPr/>
-        </p:nvPicPr>
-        <p:blipFill>
-          <a:blip r:embed="rId3"/>
-          <a:stretch>
-            <a:fillRect/>
-          </a:stretch>
-        </p:blipFill>
-        <p:spPr>
-          <a:xfrm>
-            <a:off x="748030" y="2120900"/>
-            <a:ext cx="6926580" cy="1447800"/>
-          </a:xfrm>
-          <a:prstGeom prst="rect">
-            <a:avLst/>
-          </a:prstGeom>
-        </p:spPr>
-      </p:pic>
     </p:spTree>
   </p:cSld>
   <p:clrMapOvr>
@@ -26547,8 +26649,8 @@
         </p:nvSpPr>
         <p:spPr>
           <a:xfrm>
-            <a:off x="403795" y="142345"/>
-            <a:ext cx="5636700" cy="488950"/>
+            <a:off x="403860" y="142240"/>
+            <a:ext cx="6054725" cy="488950"/>
           </a:xfrm>
           <a:prstGeom prst="rect">
             <a:avLst/>
@@ -26583,7 +26685,7 @@
                 <a:cs typeface="Tahoma" panose="020B0604030504040204" charset="0"/>
                 <a:sym typeface="Roboto" panose="020B0704020202020204"/>
               </a:rPr>
-              <a:t>Durable Function -  #2: Fan out/fan in</a:t>
+              <a:t>Durable Function - #1: Function chaining  * </a:t>
             </a:r>
             <a:endParaRPr lang="en-US" altLang="en-GB" sz="2000" b="1">
               <a:solidFill>
@@ -26630,13 +26732,66 @@
       </p:sp>
       <p:sp>
         <p:nvSpPr>
+          <p:cNvPr id="4" name="Google Shape;104;p16"/>
+          <p:cNvSpPr txBox="1"/>
+          <p:nvPr/>
+        </p:nvSpPr>
+        <p:spPr>
+          <a:xfrm>
+            <a:off x="316799" y="530449"/>
+            <a:ext cx="8335645" cy="673735"/>
+          </a:xfrm>
+          <a:prstGeom prst="rect">
+            <a:avLst/>
+          </a:prstGeom>
+          <a:noFill/>
+          <a:ln>
+            <a:noFill/>
+          </a:ln>
+        </p:spPr>
+        <p:txBody>
+          <a:bodyPr spcFirstLastPara="1" wrap="square" lIns="91425" tIns="91425" rIns="91425" bIns="91425" anchor="t" anchorCtr="0">
+            <a:spAutoFit/>
+          </a:bodyPr>
+          <a:p>
+            <a:pPr marL="365760" lvl="0" indent="-228600" algn="l" rtl="0">
+              <a:lnSpc>
+                <a:spcPct val="200000"/>
+              </a:lnSpc>
+              <a:spcBef>
+                <a:spcPts val="0"/>
+              </a:spcBef>
+              <a:spcAft>
+                <a:spcPts val="0"/>
+              </a:spcAft>
+              <a:buClr>
+                <a:srgbClr val="000000"/>
+              </a:buClr>
+              <a:buSzPts val="1440"/>
+              <a:buFont typeface="Arial" panose="020B0604020202020204" pitchFamily="34" charset="0"/>
+              <a:buChar char="•"/>
+            </a:pPr>
+            <a:endParaRPr lang="en-US" sz="1600" dirty="0">
+              <a:solidFill>
+                <a:schemeClr val="tx1"/>
+              </a:solidFill>
+              <a:latin typeface="Times New Roman" panose="02020603050405020304"/>
+              <a:ea typeface="Times New Roman" panose="02020603050405020304"/>
+              <a:cs typeface="Times New Roman" panose="02020603050405020304"/>
+              <a:sym typeface="Times New Roman" panose="02020603050405020304"/>
+            </a:endParaRPr>
+          </a:p>
+        </p:txBody>
+      </p:sp>
+      <p:sp>
+        <p:nvSpPr>
           <p:cNvPr id="3" name="Google Shape;104;p16"/>
           <p:cNvSpPr txBox="1"/>
           <p:nvPr/>
         </p:nvSpPr>
         <p:spPr>
           <a:xfrm>
-            <a:off x="316799" y="750159"/>
+            <a:off x="316799" y="530449"/>
             <a:ext cx="8335645" cy="1166495"/>
           </a:xfrm>
           <a:prstGeom prst="rect">
@@ -26679,7 +26834,7 @@
                 <a:cs typeface="Times New Roman" panose="02020603050405020304"/>
                 <a:sym typeface="Times New Roman" panose="02020603050405020304"/>
               </a:rPr>
-              <a:t>Fan-out/fan-in: the pattern of executing multiple functions in parallel and then waiting for them all to finish.</a:t>
+              <a:t>executing a sequence of functions in a specific order. In this pattern, the output of one function is applied to the input of another function.</a:t>
             </a:r>
             <a:endParaRPr lang="en-US" sz="1600" dirty="0">
               <a:solidFill>
@@ -26695,7 +26850,7 @@
       </p:sp>
       <p:pic>
         <p:nvPicPr>
-          <p:cNvPr id="4" name="Picture 3"/>
+          <p:cNvPr id="6" name="Picture 5"/>
           <p:cNvPicPr>
             <a:picLocks noChangeAspect="1"/>
           </p:cNvPicPr>
@@ -26709,8 +26864,8 @@
         </p:blipFill>
         <p:spPr>
           <a:xfrm>
-            <a:off x="1534160" y="1858645"/>
-            <a:ext cx="6713220" cy="2720340"/>
+            <a:off x="748030" y="2120900"/>
+            <a:ext cx="6926580" cy="1447800"/>
           </a:xfrm>
           <a:prstGeom prst="rect">
             <a:avLst/>
@@ -26910,7 +27065,7 @@
                 <a:cs typeface="Tahoma" panose="020B0604030504040204" charset="0"/>
                 <a:sym typeface="Roboto" panose="020B0704020202020204"/>
               </a:rPr>
-              <a:t>Durable Function - #3: Async HTTP APIs</a:t>
+              <a:t>Durable Function -  #2: Fan out/fan in</a:t>
             </a:r>
             <a:endParaRPr lang="en-US" altLang="en-GB" sz="2000" b="1">
               <a:solidFill>
@@ -26963,8 +27118,8 @@
         </p:nvSpPr>
         <p:spPr>
           <a:xfrm>
-            <a:off x="316865" y="563880"/>
-            <a:ext cx="4987290" cy="3628390"/>
+            <a:off x="316799" y="750159"/>
+            <a:ext cx="8335645" cy="1166495"/>
           </a:xfrm>
           <a:prstGeom prst="rect">
             <a:avLst/>
@@ -27006,47 +27161,7 @@
                 <a:cs typeface="Times New Roman" panose="02020603050405020304"/>
                 <a:sym typeface="Times New Roman" panose="02020603050405020304"/>
               </a:rPr>
-              <a:t>The async HTTP API pattern addresses the problem of coordinating the state of long-running operations with external clients.</a:t>
-            </a:r>
-            <a:endParaRPr lang="en-US" sz="1600" dirty="0">
-              <a:solidFill>
-                <a:schemeClr val="tx1"/>
-              </a:solidFill>
-              <a:latin typeface="Times New Roman" panose="02020603050405020304"/>
-              <a:ea typeface="Times New Roman" panose="02020603050405020304"/>
-              <a:cs typeface="Times New Roman" panose="02020603050405020304"/>
-              <a:sym typeface="Times New Roman" panose="02020603050405020304"/>
-            </a:endParaRPr>
-          </a:p>
-          <a:p>
-            <a:pPr marL="365760" lvl="0" indent="-228600" algn="l" rtl="0">
-              <a:lnSpc>
-                <a:spcPct val="200000"/>
-              </a:lnSpc>
-              <a:spcBef>
-                <a:spcPts val="0"/>
-              </a:spcBef>
-              <a:spcAft>
-                <a:spcPts val="0"/>
-              </a:spcAft>
-              <a:buClr>
-                <a:srgbClr val="000000"/>
-              </a:buClr>
-              <a:buSzPts val="1440"/>
-              <a:buFont typeface="Arial" panose="020B0604020202020204" pitchFamily="34" charset="0"/>
-              <a:buChar char="•"/>
-            </a:pPr>
-            <a:r>
-              <a:rPr lang="en-US" sz="1600" dirty="0">
-                <a:solidFill>
-                  <a:schemeClr val="tx1"/>
-                </a:solidFill>
-                <a:latin typeface="Times New Roman" panose="02020603050405020304"/>
-                <a:ea typeface="Times New Roman" panose="02020603050405020304"/>
-                <a:cs typeface="Times New Roman" panose="02020603050405020304"/>
-                <a:sym typeface="Times New Roman" panose="02020603050405020304"/>
-              </a:rPr>
-              <a:t>A common way to implement this pattern is by having an HTTP endpoint trigger the long-running action. Then, redirect the client to a status endpoint that the client polls to learn when the operation is finished.</a:t>
+              <a:t>Fan-out/fan-in: the pattern of executing multiple functions in parallel and then waiting for them all to finish.</a:t>
             </a:r>
             <a:endParaRPr lang="en-US" sz="1600" dirty="0">
               <a:solidFill>
@@ -27062,7 +27177,7 @@
       </p:sp>
       <p:pic>
         <p:nvPicPr>
-          <p:cNvPr id="5" name="Picture 4"/>
+          <p:cNvPr id="4" name="Picture 3"/>
           <p:cNvPicPr>
             <a:picLocks noChangeAspect="1"/>
           </p:cNvPicPr>
@@ -27076,8 +27191,8 @@
         </p:blipFill>
         <p:spPr>
           <a:xfrm>
-            <a:off x="5711190" y="833120"/>
-            <a:ext cx="2866390" cy="2102485"/>
+            <a:off x="1534160" y="1858645"/>
+            <a:ext cx="6713220" cy="2720340"/>
           </a:xfrm>
           <a:prstGeom prst="rect">
             <a:avLst/>
@@ -27277,7 +27392,7 @@
                 <a:cs typeface="Tahoma" panose="020B0604030504040204" charset="0"/>
                 <a:sym typeface="Roboto" panose="020B0704020202020204"/>
               </a:rPr>
-              <a:t>Durable Function - #4: Monitor</a:t>
+              <a:t>Durable Function - #3: Async HTTP APIs</a:t>
             </a:r>
             <a:endParaRPr lang="en-US" altLang="en-GB" sz="2000" b="1">
               <a:solidFill>
@@ -27330,8 +27445,8 @@
         </p:nvSpPr>
         <p:spPr>
           <a:xfrm>
-            <a:off x="316865" y="565785"/>
-            <a:ext cx="4895850" cy="2643505"/>
+            <a:off x="316865" y="563880"/>
+            <a:ext cx="4987290" cy="3628390"/>
           </a:xfrm>
           <a:prstGeom prst="rect">
             <a:avLst/>
@@ -27373,7 +27488,7 @@
                 <a:cs typeface="Times New Roman" panose="02020603050405020304"/>
                 <a:sym typeface="Times New Roman" panose="02020603050405020304"/>
               </a:rPr>
-              <a:t>The monitor pattern refers to a flexible, recurring process in a workflow. </a:t>
+              <a:t>The async HTTP API pattern addresses the problem of coordinating the state of long-running operations with external clients.</a:t>
             </a:r>
             <a:endParaRPr lang="en-US" sz="1600" dirty="0">
               <a:solidFill>
@@ -27413,7 +27528,7 @@
                 <a:cs typeface="Times New Roman" panose="02020603050405020304"/>
                 <a:sym typeface="Times New Roman" panose="02020603050405020304"/>
               </a:rPr>
-              <a:t>The Monitor pattern refers to a flexible recurring process in a workflow such as polling until certain conditions are met.</a:t>
+              <a:t>A common way to implement this pattern is by having an HTTP endpoint trigger the long-running action. Then, redirect the client to a status endpoint that the client polls to learn when the operation is finished.</a:t>
             </a:r>
             <a:endParaRPr lang="en-US" sz="1600" dirty="0">
               <a:solidFill>
@@ -27443,8 +27558,8 @@
         </p:blipFill>
         <p:spPr>
           <a:xfrm>
-            <a:off x="5547995" y="607695"/>
-            <a:ext cx="3481705" cy="2221230"/>
+            <a:off x="5711190" y="833120"/>
+            <a:ext cx="2866390" cy="2102485"/>
           </a:xfrm>
           <a:prstGeom prst="rect">
             <a:avLst/>
@@ -27608,8 +27723,8 @@
         </p:nvSpPr>
         <p:spPr>
           <a:xfrm>
-            <a:off x="403860" y="142240"/>
-            <a:ext cx="8617585" cy="488950"/>
+            <a:off x="403795" y="142345"/>
+            <a:ext cx="5636700" cy="488950"/>
           </a:xfrm>
           <a:prstGeom prst="rect">
             <a:avLst/>
@@ -27644,7 +27759,7 @@
                 <a:cs typeface="Tahoma" panose="020B0604030504040204" charset="0"/>
                 <a:sym typeface="Roboto" panose="020B0704020202020204"/>
               </a:rPr>
-              <a:t>Durable Function -  #5: Human interaction</a:t>
+              <a:t>Durable Function - #4: Monitor</a:t>
             </a:r>
             <a:endParaRPr lang="en-US" altLang="en-GB" sz="2000" b="1">
               <a:solidFill>
@@ -27689,40 +27804,16 @@
           </a:p>
         </p:txBody>
       </p:sp>
-      <p:pic>
-        <p:nvPicPr>
-          <p:cNvPr id="3" name="Picture 2"/>
-          <p:cNvPicPr>
-            <a:picLocks noChangeAspect="1"/>
-          </p:cNvPicPr>
-          <p:nvPr/>
-        </p:nvPicPr>
-        <p:blipFill>
-          <a:blip r:embed="rId3"/>
-          <a:stretch>
-            <a:fillRect/>
-          </a:stretch>
-        </p:blipFill>
-        <p:spPr>
-          <a:xfrm>
-            <a:off x="1499870" y="2395855"/>
-            <a:ext cx="6865620" cy="2293620"/>
-          </a:xfrm>
-          <a:prstGeom prst="rect">
-            <a:avLst/>
-          </a:prstGeom>
-        </p:spPr>
-      </p:pic>
       <p:sp>
         <p:nvSpPr>
-          <p:cNvPr id="5" name="Google Shape;104;p16"/>
+          <p:cNvPr id="3" name="Google Shape;104;p16"/>
           <p:cNvSpPr txBox="1"/>
           <p:nvPr/>
         </p:nvSpPr>
         <p:spPr>
           <a:xfrm>
-            <a:off x="203835" y="385445"/>
-            <a:ext cx="8435340" cy="2151380"/>
+            <a:off x="316865" y="565785"/>
+            <a:ext cx="4895850" cy="2643505"/>
           </a:xfrm>
           <a:prstGeom prst="rect">
             <a:avLst/>
@@ -27764,7 +27855,7 @@
                 <a:cs typeface="Times New Roman" panose="02020603050405020304"/>
                 <a:sym typeface="Times New Roman" panose="02020603050405020304"/>
               </a:rPr>
-              <a:t>Many automated processes involve some kind of human interaction. Involving humans in an automated process is tricky because people aren't as highly available and as responsive as cloud services</a:t>
+              <a:t>The monitor pattern refers to a flexible, recurring process in a workflow. </a:t>
             </a:r>
             <a:endParaRPr lang="en-US" sz="1600" dirty="0">
               <a:solidFill>
@@ -27804,7 +27895,7 @@
                 <a:cs typeface="Times New Roman" panose="02020603050405020304"/>
                 <a:sym typeface="Times New Roman" panose="02020603050405020304"/>
               </a:rPr>
-              <a:t>An automated process might allow for this interaction by using timeouts and compensation logic.</a:t>
+              <a:t>The Monitor pattern refers to a flexible recurring process in a workflow such as polling until certain conditions are met.</a:t>
             </a:r>
             <a:endParaRPr lang="en-US" sz="1600" dirty="0">
               <a:solidFill>
@@ -27818,6 +27909,30 @@
           </a:p>
         </p:txBody>
       </p:sp>
+      <p:pic>
+        <p:nvPicPr>
+          <p:cNvPr id="5" name="Picture 4"/>
+          <p:cNvPicPr>
+            <a:picLocks noChangeAspect="1"/>
+          </p:cNvPicPr>
+          <p:nvPr/>
+        </p:nvPicPr>
+        <p:blipFill>
+          <a:blip r:embed="rId3"/>
+          <a:stretch>
+            <a:fillRect/>
+          </a:stretch>
+        </p:blipFill>
+        <p:spPr>
+          <a:xfrm>
+            <a:off x="5547995" y="607695"/>
+            <a:ext cx="3481705" cy="2221230"/>
+          </a:xfrm>
+          <a:prstGeom prst="rect">
+            <a:avLst/>
+          </a:prstGeom>
+        </p:spPr>
+      </p:pic>
     </p:spTree>
   </p:cSld>
   <p:clrMapOvr>
@@ -28011,7 +28126,7 @@
                 <a:cs typeface="Tahoma" panose="020B0604030504040204" charset="0"/>
                 <a:sym typeface="Roboto" panose="020B0704020202020204"/>
               </a:rPr>
-              <a:t>Durable Function -  #6: Aggregator (stateful entities)</a:t>
+              <a:t>Durable Function -  #5: Human interaction</a:t>
             </a:r>
             <a:endParaRPr lang="en-US" altLang="en-GB" sz="2000" b="1">
               <a:solidFill>
@@ -28058,7 +28173,7 @@
       </p:sp>
       <p:pic>
         <p:nvPicPr>
-          <p:cNvPr id="4" name="Picture 3"/>
+          <p:cNvPr id="3" name="Picture 2"/>
           <p:cNvPicPr>
             <a:picLocks noChangeAspect="1"/>
           </p:cNvPicPr>
@@ -28072,8 +28187,8 @@
         </p:blipFill>
         <p:spPr>
           <a:xfrm>
-            <a:off x="5219065" y="1102360"/>
-            <a:ext cx="3386455" cy="1423035"/>
+            <a:off x="1499870" y="2395855"/>
+            <a:ext cx="6865620" cy="2293620"/>
           </a:xfrm>
           <a:prstGeom prst="rect">
             <a:avLst/>
@@ -28088,8 +28203,8 @@
         </p:nvSpPr>
         <p:spPr>
           <a:xfrm>
-            <a:off x="203200" y="631190"/>
-            <a:ext cx="5015865" cy="4121150"/>
+            <a:off x="203835" y="385445"/>
+            <a:ext cx="8435340" cy="2151380"/>
           </a:xfrm>
           <a:prstGeom prst="rect">
             <a:avLst/>
@@ -28131,31 +28246,7 @@
                 <a:cs typeface="Times New Roman" panose="02020603050405020304"/>
                 <a:sym typeface="Times New Roman" panose="02020603050405020304"/>
               </a:rPr>
-              <a:t>This pattern about aggregating event data over a period of time into a single, addressable </a:t>
-            </a:r>
-            <a:r>
-              <a:rPr lang="en-US" sz="1600" i="1" dirty="0">
-                <a:solidFill>
-                  <a:schemeClr val="tx1"/>
-                </a:solidFill>
-                <a:latin typeface="Times New Roman" panose="02020603050405020304"/>
-                <a:ea typeface="Times New Roman" panose="02020603050405020304"/>
-                <a:cs typeface="Times New Roman" panose="02020603050405020304"/>
-                <a:sym typeface="Times New Roman" panose="02020603050405020304"/>
-              </a:rPr>
-              <a:t>entity</a:t>
-            </a:r>
-            <a:r>
-              <a:rPr lang="en-US" sz="1600" dirty="0">
-                <a:solidFill>
-                  <a:schemeClr val="tx1"/>
-                </a:solidFill>
-                <a:latin typeface="Times New Roman" panose="02020603050405020304"/>
-                <a:ea typeface="Times New Roman" panose="02020603050405020304"/>
-                <a:cs typeface="Times New Roman" panose="02020603050405020304"/>
-                <a:sym typeface="Times New Roman" panose="02020603050405020304"/>
-              </a:rPr>
-              <a:t>.</a:t>
+              <a:t>Many automated processes involve some kind of human interaction. Involving humans in an automated process is tricky because people aren't as highly available and as responsive as cloud services</a:t>
             </a:r>
             <a:endParaRPr lang="en-US" sz="1600" dirty="0">
               <a:solidFill>
@@ -28195,47 +28286,7 @@
                 <a:cs typeface="Times New Roman" panose="02020603050405020304"/>
                 <a:sym typeface="Times New Roman" panose="02020603050405020304"/>
               </a:rPr>
-              <a:t>Data being aggregated may come from multiple sources, may be delivered in batches, or may be scattered over long-periods of time. </a:t>
-            </a:r>
-            <a:endParaRPr lang="en-US" sz="1600" dirty="0">
-              <a:solidFill>
-                <a:schemeClr val="tx1"/>
-              </a:solidFill>
-              <a:latin typeface="Times New Roman" panose="02020603050405020304"/>
-              <a:ea typeface="Times New Roman" panose="02020603050405020304"/>
-              <a:cs typeface="Times New Roman" panose="02020603050405020304"/>
-              <a:sym typeface="Times New Roman" panose="02020603050405020304"/>
-            </a:endParaRPr>
-          </a:p>
-          <a:p>
-            <a:pPr marL="365760" lvl="0" indent="-228600" algn="l" rtl="0">
-              <a:lnSpc>
-                <a:spcPct val="200000"/>
-              </a:lnSpc>
-              <a:spcBef>
-                <a:spcPts val="0"/>
-              </a:spcBef>
-              <a:spcAft>
-                <a:spcPts val="0"/>
-              </a:spcAft>
-              <a:buClr>
-                <a:srgbClr val="000000"/>
-              </a:buClr>
-              <a:buSzPts val="1440"/>
-              <a:buFont typeface="Arial" panose="020B0604020202020204" pitchFamily="34" charset="0"/>
-              <a:buChar char="•"/>
-            </a:pPr>
-            <a:r>
-              <a:rPr lang="en-US" sz="1600" dirty="0">
-                <a:solidFill>
-                  <a:schemeClr val="tx1"/>
-                </a:solidFill>
-                <a:latin typeface="Times New Roman" panose="02020603050405020304"/>
-                <a:ea typeface="Times New Roman" panose="02020603050405020304"/>
-                <a:cs typeface="Times New Roman" panose="02020603050405020304"/>
-                <a:sym typeface="Times New Roman" panose="02020603050405020304"/>
-              </a:rPr>
-              <a:t>The aggregator might need to take action on event data as it arrives, and external clients may need to query the aggregated data.</a:t>
+              <a:t>An automated process might allow for this interaction by using timeouts and compensation logic.</a:t>
             </a:r>
             <a:endParaRPr lang="en-US" sz="1600" dirty="0">
               <a:solidFill>
@@ -28270,708 +28321,6 @@
 </file>
 
 <file path=ppt/slides/slide29.xml><?xml version="1.0" encoding="utf-8"?>
-<p:sld xmlns:a="http://schemas.openxmlformats.org/drawingml/2006/main" xmlns:r="http://schemas.openxmlformats.org/officeDocument/2006/relationships" xmlns:p="http://schemas.openxmlformats.org/presentationml/2006/main">
-  <p:cSld>
-    <p:bg>
-      <p:bgPr>
-        <a:solidFill>
-          <a:srgbClr val="151B22"/>
-        </a:solidFill>
-        <a:effectLst/>
-      </p:bgPr>
-    </p:bg>
-    <p:spTree>
-      <p:nvGrpSpPr>
-        <p:cNvPr id="1" name="Shape 518"/>
-        <p:cNvGrpSpPr/>
-        <p:nvPr/>
-      </p:nvGrpSpPr>
-      <p:grpSpPr>
-        <a:xfrm>
-          <a:off x="0" y="0"/>
-          <a:ext cx="0" cy="0"/>
-          <a:chOff x="0" y="0"/>
-          <a:chExt cx="0" cy="0"/>
-        </a:xfrm>
-      </p:grpSpPr>
-      <p:pic>
-        <p:nvPicPr>
-          <p:cNvPr id="519" name="Google Shape;519;p36"/>
-          <p:cNvPicPr preferRelativeResize="0"/>
-          <p:nvPr/>
-        </p:nvPicPr>
-        <p:blipFill>
-          <a:blip r:embed="rId1"/>
-          <a:stretch>
-            <a:fillRect/>
-          </a:stretch>
-        </p:blipFill>
-        <p:spPr>
-          <a:xfrm>
-            <a:off x="0" y="0"/>
-            <a:ext cx="9144000" cy="5143500"/>
-          </a:xfrm>
-          <a:prstGeom prst="rect">
-            <a:avLst/>
-          </a:prstGeom>
-          <a:noFill/>
-          <a:ln>
-            <a:noFill/>
-          </a:ln>
-        </p:spPr>
-      </p:pic>
-      <p:sp>
-        <p:nvSpPr>
-          <p:cNvPr id="520" name="Google Shape;520;p36"/>
-          <p:cNvSpPr txBox="1"/>
-          <p:nvPr/>
-        </p:nvSpPr>
-        <p:spPr>
-          <a:xfrm>
-            <a:off x="1895400" y="2202308"/>
-            <a:ext cx="5353200" cy="735330"/>
-          </a:xfrm>
-          <a:prstGeom prst="rect">
-            <a:avLst/>
-          </a:prstGeom>
-          <a:noFill/>
-          <a:ln>
-            <a:noFill/>
-          </a:ln>
-        </p:spPr>
-        <p:txBody>
-          <a:bodyPr spcFirstLastPara="1" wrap="square" lIns="91425" tIns="91425" rIns="91425" bIns="91425" anchor="t" anchorCtr="0">
-            <a:spAutoFit/>
-          </a:bodyPr>
-          <a:lstStyle/>
-          <a:p>
-            <a:pPr marL="0" lvl="0" indent="0" algn="ctr" rtl="0">
-              <a:spcBef>
-                <a:spcPts val="0"/>
-              </a:spcBef>
-              <a:spcAft>
-                <a:spcPts val="0"/>
-              </a:spcAft>
-              <a:buNone/>
-            </a:pPr>
-            <a:r>
-              <a:rPr lang="en-US" altLang="en-GB" sz="3600" b="1">
-                <a:solidFill>
-                  <a:schemeClr val="lt1"/>
-                </a:solidFill>
-                <a:latin typeface="Times New Roman" panose="02020603050405020304" charset="0"/>
-                <a:ea typeface="Roboto" panose="020B0704020202020204"/>
-                <a:cs typeface="Times New Roman" panose="02020603050405020304" charset="0"/>
-                <a:sym typeface="Roboto" panose="020B0704020202020204"/>
-              </a:rPr>
-              <a:t>DEMO</a:t>
-            </a:r>
-            <a:endParaRPr lang="en-US" altLang="en-GB" sz="3600" b="1">
-              <a:solidFill>
-                <a:schemeClr val="lt1"/>
-              </a:solidFill>
-              <a:latin typeface="Times New Roman" panose="02020603050405020304" charset="0"/>
-              <a:ea typeface="Roboto" panose="020B0704020202020204"/>
-              <a:cs typeface="Times New Roman" panose="02020603050405020304" charset="0"/>
-              <a:sym typeface="Roboto" panose="020B0704020202020204"/>
-            </a:endParaRPr>
-          </a:p>
-        </p:txBody>
-      </p:sp>
-      <p:sp>
-        <p:nvSpPr>
-          <p:cNvPr id="521" name="Google Shape;521;p36"/>
-          <p:cNvSpPr/>
-          <p:nvPr/>
-        </p:nvSpPr>
-        <p:spPr>
-          <a:xfrm>
-            <a:off x="0" y="4557200"/>
-            <a:ext cx="9153000" cy="586200"/>
-          </a:xfrm>
-          <a:prstGeom prst="rect">
-            <a:avLst/>
-          </a:prstGeom>
-          <a:solidFill>
-            <a:schemeClr val="lt1"/>
-          </a:solidFill>
-          <a:ln>
-            <a:noFill/>
-          </a:ln>
-        </p:spPr>
-        <p:txBody>
-          <a:bodyPr spcFirstLastPara="1" wrap="square" lIns="91425" tIns="91425" rIns="91425" bIns="91425" anchor="ctr" anchorCtr="0">
-            <a:noAutofit/>
-          </a:bodyPr>
-          <a:lstStyle/>
-          <a:p>
-            <a:pPr marL="0" lvl="0" indent="0" algn="l" rtl="0">
-              <a:spcBef>
-                <a:spcPts val="0"/>
-              </a:spcBef>
-              <a:spcAft>
-                <a:spcPts val="0"/>
-              </a:spcAft>
-              <a:buNone/>
-            </a:pPr>
-          </a:p>
-        </p:txBody>
-      </p:sp>
-      <p:pic>
-        <p:nvPicPr>
-          <p:cNvPr id="522" name="Google Shape;522;p36"/>
-          <p:cNvPicPr preferRelativeResize="0"/>
-          <p:nvPr/>
-        </p:nvPicPr>
-        <p:blipFill>
-          <a:blip r:embed="rId2"/>
-          <a:stretch>
-            <a:fillRect/>
-          </a:stretch>
-        </p:blipFill>
-        <p:spPr>
-          <a:xfrm>
-            <a:off x="114300" y="4689483"/>
-            <a:ext cx="1518224" cy="383150"/>
-          </a:xfrm>
-          <a:prstGeom prst="rect">
-            <a:avLst/>
-          </a:prstGeom>
-          <a:noFill/>
-          <a:ln>
-            <a:noFill/>
-          </a:ln>
-        </p:spPr>
-      </p:pic>
-      <p:sp>
-        <p:nvSpPr>
-          <p:cNvPr id="523" name="Google Shape;523;p36"/>
-          <p:cNvSpPr/>
-          <p:nvPr/>
-        </p:nvSpPr>
-        <p:spPr>
-          <a:xfrm>
-            <a:off x="1760625" y="4964175"/>
-            <a:ext cx="7269000" cy="30600"/>
-          </a:xfrm>
-          <a:prstGeom prst="rect">
-            <a:avLst/>
-          </a:prstGeom>
-          <a:solidFill>
-            <a:schemeClr val="lt2"/>
-          </a:solidFill>
-          <a:ln>
-            <a:noFill/>
-          </a:ln>
-        </p:spPr>
-        <p:txBody>
-          <a:bodyPr spcFirstLastPara="1" wrap="square" lIns="91425" tIns="91425" rIns="91425" bIns="91425" anchor="ctr" anchorCtr="0">
-            <a:noAutofit/>
-          </a:bodyPr>
-          <a:lstStyle/>
-          <a:p>
-            <a:pPr marL="0" lvl="0" indent="0" algn="l" rtl="0">
-              <a:spcBef>
-                <a:spcPts val="0"/>
-              </a:spcBef>
-              <a:spcAft>
-                <a:spcPts val="0"/>
-              </a:spcAft>
-              <a:buNone/>
-            </a:pPr>
-          </a:p>
-        </p:txBody>
-      </p:sp>
-      <p:sp>
-        <p:nvSpPr>
-          <p:cNvPr id="2" name="Slide Number Placeholder 1"/>
-          <p:cNvSpPr>
-            <a:spLocks noGrp="1"/>
-          </p:cNvSpPr>
-          <p:nvPr>
-            <p:ph type="sldNum" idx="12"/>
-          </p:nvPr>
-        </p:nvSpPr>
-        <p:spPr/>
-        <p:txBody>
-          <a:bodyPr/>
-          <a:lstStyle/>
-          <a:p>
-            <a:pPr marL="0" lvl="0" indent="0" algn="r" rtl="0">
-              <a:spcBef>
-                <a:spcPts val="0"/>
-              </a:spcBef>
-              <a:spcAft>
-                <a:spcPts val="0"/>
-              </a:spcAft>
-              <a:buNone/>
-            </a:pPr>
-            <a:fld id="{00000000-1234-1234-1234-123412341234}" type="slidenum">
-              <a:rPr lang="en-GB"/>
-            </a:fld>
-            <a:endParaRPr lang="en-GB"/>
-          </a:p>
-        </p:txBody>
-      </p:sp>
-    </p:spTree>
-  </p:cSld>
-  <p:clrMapOvr>
-    <a:masterClrMapping/>
-  </p:clrMapOvr>
-  <mc:AlternateContent xmlns:mc="http://schemas.openxmlformats.org/markup-compatibility/2006">
-    <mc:Choice xmlns:p14="http://schemas.microsoft.com/office/powerpoint/2010/main" Requires="p14">
-      <p:transition spd="med" p14:dur="699">
-        <p:fade/>
-      </p:transition>
-    </mc:Choice>
-    <mc:Fallback>
-      <p:transition spd="med">
-        <p:fade/>
-      </p:transition>
-    </mc:Fallback>
-  </mc:AlternateContent>
-</p:sld>
-</file>
-
-<file path=ppt/slides/slide3.xml><?xml version="1.0" encoding="utf-8"?>
-<p:sld xmlns:a="http://schemas.openxmlformats.org/drawingml/2006/main" xmlns:r="http://schemas.openxmlformats.org/officeDocument/2006/relationships" xmlns:p="http://schemas.openxmlformats.org/presentationml/2006/main">
-  <p:cSld>
-    <p:spTree>
-      <p:nvGrpSpPr>
-        <p:cNvPr id="1" name="Shape 91"/>
-        <p:cNvGrpSpPr/>
-        <p:nvPr/>
-      </p:nvGrpSpPr>
-      <p:grpSpPr>
-        <a:xfrm>
-          <a:off x="0" y="0"/>
-          <a:ext cx="0" cy="0"/>
-          <a:chOff x="0" y="0"/>
-          <a:chExt cx="0" cy="0"/>
-        </a:xfrm>
-      </p:grpSpPr>
-      <p:pic>
-        <p:nvPicPr>
-          <p:cNvPr id="92" name="Google Shape;92;p15"/>
-          <p:cNvPicPr preferRelativeResize="0"/>
-          <p:nvPr/>
-        </p:nvPicPr>
-        <p:blipFill rotWithShape="1">
-          <a:blip r:embed="rId1"/>
-          <a:srcRect/>
-          <a:stretch>
-            <a:fillRect/>
-          </a:stretch>
-        </p:blipFill>
-        <p:spPr>
-          <a:xfrm>
-            <a:off x="300" y="0"/>
-            <a:ext cx="9143700" cy="5143500"/>
-          </a:xfrm>
-          <a:prstGeom prst="rect">
-            <a:avLst/>
-          </a:prstGeom>
-          <a:noFill/>
-          <a:ln>
-            <a:noFill/>
-          </a:ln>
-        </p:spPr>
-      </p:pic>
-      <p:pic>
-        <p:nvPicPr>
-          <p:cNvPr id="93" name="Google Shape;93;p15"/>
-          <p:cNvPicPr preferRelativeResize="0"/>
-          <p:nvPr/>
-        </p:nvPicPr>
-        <p:blipFill>
-          <a:blip r:embed="rId2"/>
-          <a:stretch>
-            <a:fillRect/>
-          </a:stretch>
-        </p:blipFill>
-        <p:spPr>
-          <a:xfrm>
-            <a:off x="114300" y="4689483"/>
-            <a:ext cx="1518224" cy="383150"/>
-          </a:xfrm>
-          <a:prstGeom prst="rect">
-            <a:avLst/>
-          </a:prstGeom>
-          <a:noFill/>
-          <a:ln>
-            <a:noFill/>
-          </a:ln>
-        </p:spPr>
-      </p:pic>
-      <p:sp>
-        <p:nvSpPr>
-          <p:cNvPr id="94" name="Google Shape;94;p15"/>
-          <p:cNvSpPr txBox="1"/>
-          <p:nvPr/>
-        </p:nvSpPr>
-        <p:spPr>
-          <a:xfrm>
-            <a:off x="114300" y="1513051"/>
-            <a:ext cx="3160059" cy="1843405"/>
-          </a:xfrm>
-          <a:prstGeom prst="rect">
-            <a:avLst/>
-          </a:prstGeom>
-          <a:noFill/>
-          <a:ln>
-            <a:noFill/>
-          </a:ln>
-        </p:spPr>
-        <p:txBody>
-          <a:bodyPr spcFirstLastPara="1" wrap="square" lIns="91425" tIns="91425" rIns="91425" bIns="91425" anchor="t" anchorCtr="0">
-            <a:spAutoFit/>
-          </a:bodyPr>
-          <a:lstStyle/>
-          <a:p>
-            <a:pPr marL="0" lvl="0" indent="0" algn="l" rtl="0">
-              <a:spcBef>
-                <a:spcPts val="0"/>
-              </a:spcBef>
-              <a:spcAft>
-                <a:spcPts val="0"/>
-              </a:spcAft>
-              <a:buNone/>
-            </a:pPr>
-            <a:r>
-              <a:rPr lang="en-US" altLang="en-GB" sz="3600" b="1">
-                <a:solidFill>
-                  <a:srgbClr val="8DC63F"/>
-                </a:solidFill>
-                <a:latin typeface="Tahoma" panose="020B0604030504040204" charset="0"/>
-                <a:ea typeface="Roboto" panose="020B0704020202020204"/>
-                <a:cs typeface="Tahoma" panose="020B0604030504040204" charset="0"/>
-                <a:sym typeface="Roboto" panose="020B0704020202020204"/>
-              </a:rPr>
-              <a:t>WHAT IS </a:t>
-            </a:r>
-            <a:endParaRPr lang="en-US" altLang="en-GB" sz="3600" b="1">
-              <a:solidFill>
-                <a:srgbClr val="8DC63F"/>
-              </a:solidFill>
-              <a:latin typeface="Tahoma" panose="020B0604030504040204" charset="0"/>
-              <a:ea typeface="Roboto" panose="020B0704020202020204"/>
-              <a:cs typeface="Tahoma" panose="020B0604030504040204" charset="0"/>
-              <a:sym typeface="Roboto" panose="020B0704020202020204"/>
-            </a:endParaRPr>
-          </a:p>
-          <a:p>
-            <a:pPr marL="0" lvl="0" indent="0" algn="l" rtl="0">
-              <a:spcBef>
-                <a:spcPts val="0"/>
-              </a:spcBef>
-              <a:spcAft>
-                <a:spcPts val="0"/>
-              </a:spcAft>
-              <a:buNone/>
-            </a:pPr>
-            <a:r>
-              <a:rPr lang="en-US" altLang="en-GB" sz="3600" b="1">
-                <a:solidFill>
-                  <a:srgbClr val="8DC63F"/>
-                </a:solidFill>
-                <a:latin typeface="Tahoma" panose="020B0604030504040204" charset="0"/>
-                <a:ea typeface="Roboto" panose="020B0704020202020204"/>
-                <a:cs typeface="Tahoma" panose="020B0604030504040204" charset="0"/>
-                <a:sym typeface="Roboto" panose="020B0704020202020204"/>
-              </a:rPr>
-              <a:t>AZURE FUNCTION ?</a:t>
-            </a:r>
-            <a:endParaRPr lang="en-US" altLang="en-GB" sz="3600" b="1">
-              <a:solidFill>
-                <a:srgbClr val="8DC63F"/>
-              </a:solidFill>
-              <a:latin typeface="Tahoma" panose="020B0604030504040204" charset="0"/>
-              <a:ea typeface="Roboto" panose="020B0704020202020204"/>
-              <a:cs typeface="Tahoma" panose="020B0604030504040204" charset="0"/>
-              <a:sym typeface="Roboto" panose="020B0704020202020204"/>
-            </a:endParaRPr>
-          </a:p>
-        </p:txBody>
-      </p:sp>
-      <p:sp>
-        <p:nvSpPr>
-          <p:cNvPr id="2" name="Slide Number Placeholder 1"/>
-          <p:cNvSpPr>
-            <a:spLocks noGrp="1"/>
-          </p:cNvSpPr>
-          <p:nvPr>
-            <p:ph type="sldNum" idx="12"/>
-          </p:nvPr>
-        </p:nvSpPr>
-        <p:spPr/>
-        <p:txBody>
-          <a:bodyPr/>
-          <a:lstStyle/>
-          <a:p>
-            <a:pPr marL="0" lvl="0" indent="0" algn="r" rtl="0">
-              <a:spcBef>
-                <a:spcPts val="0"/>
-              </a:spcBef>
-              <a:spcAft>
-                <a:spcPts val="0"/>
-              </a:spcAft>
-              <a:buNone/>
-            </a:pPr>
-            <a:fld id="{00000000-1234-1234-1234-123412341234}" type="slidenum">
-              <a:rPr lang="en-GB"/>
-            </a:fld>
-            <a:endParaRPr lang="en-GB"/>
-          </a:p>
-        </p:txBody>
-      </p:sp>
-      <p:pic>
-        <p:nvPicPr>
-          <p:cNvPr id="6" name="Picture 5"/>
-          <p:cNvPicPr>
-            <a:picLocks noChangeAspect="1"/>
-          </p:cNvPicPr>
-          <p:nvPr/>
-        </p:nvPicPr>
-        <p:blipFill>
-          <a:blip r:embed="rId3"/>
-          <a:stretch>
-            <a:fillRect/>
-          </a:stretch>
-        </p:blipFill>
-        <p:spPr>
-          <a:xfrm>
-            <a:off x="3714750" y="1513051"/>
-            <a:ext cx="1714500" cy="1714500"/>
-          </a:xfrm>
-          <a:prstGeom prst="rect">
-            <a:avLst/>
-          </a:prstGeom>
-        </p:spPr>
-      </p:pic>
-    </p:spTree>
-  </p:cSld>
-  <p:clrMapOvr>
-    <a:masterClrMapping/>
-  </p:clrMapOvr>
-  <mc:AlternateContent xmlns:mc="http://schemas.openxmlformats.org/markup-compatibility/2006">
-    <mc:Choice xmlns:p14="http://schemas.microsoft.com/office/powerpoint/2010/main" Requires="p14">
-      <p:transition spd="med" p14:dur="699">
-        <p:fade/>
-      </p:transition>
-    </mc:Choice>
-    <mc:Fallback>
-      <p:transition spd="med">
-        <p:fade/>
-      </p:transition>
-    </mc:Fallback>
-  </mc:AlternateContent>
-</p:sld>
-</file>
-
-<file path=ppt/slides/slide30.xml><?xml version="1.0" encoding="utf-8"?>
-<p:sld xmlns:a="http://schemas.openxmlformats.org/drawingml/2006/main" xmlns:r="http://schemas.openxmlformats.org/officeDocument/2006/relationships" xmlns:p="http://schemas.openxmlformats.org/presentationml/2006/main">
-  <p:cSld>
-    <p:spTree>
-      <p:nvGrpSpPr>
-        <p:cNvPr id="1" name="Shape 91"/>
-        <p:cNvGrpSpPr/>
-        <p:nvPr/>
-      </p:nvGrpSpPr>
-      <p:grpSpPr>
-        <a:xfrm>
-          <a:off x="0" y="0"/>
-          <a:ext cx="0" cy="0"/>
-          <a:chOff x="0" y="0"/>
-          <a:chExt cx="0" cy="0"/>
-        </a:xfrm>
-      </p:grpSpPr>
-      <p:pic>
-        <p:nvPicPr>
-          <p:cNvPr id="92" name="Google Shape;92;p15"/>
-          <p:cNvPicPr preferRelativeResize="0"/>
-          <p:nvPr/>
-        </p:nvPicPr>
-        <p:blipFill rotWithShape="1">
-          <a:blip r:embed="rId1"/>
-          <a:srcRect/>
-          <a:stretch>
-            <a:fillRect/>
-          </a:stretch>
-        </p:blipFill>
-        <p:spPr>
-          <a:xfrm>
-            <a:off x="300" y="0"/>
-            <a:ext cx="9143700" cy="5143500"/>
-          </a:xfrm>
-          <a:prstGeom prst="rect">
-            <a:avLst/>
-          </a:prstGeom>
-          <a:noFill/>
-          <a:ln>
-            <a:noFill/>
-          </a:ln>
-        </p:spPr>
-      </p:pic>
-      <p:pic>
-        <p:nvPicPr>
-          <p:cNvPr id="93" name="Google Shape;93;p15"/>
-          <p:cNvPicPr preferRelativeResize="0"/>
-          <p:nvPr/>
-        </p:nvPicPr>
-        <p:blipFill>
-          <a:blip r:embed="rId2"/>
-          <a:stretch>
-            <a:fillRect/>
-          </a:stretch>
-        </p:blipFill>
-        <p:spPr>
-          <a:xfrm>
-            <a:off x="114300" y="4689483"/>
-            <a:ext cx="1518224" cy="383150"/>
-          </a:xfrm>
-          <a:prstGeom prst="rect">
-            <a:avLst/>
-          </a:prstGeom>
-          <a:noFill/>
-          <a:ln>
-            <a:noFill/>
-          </a:ln>
-        </p:spPr>
-      </p:pic>
-      <p:sp>
-        <p:nvSpPr>
-          <p:cNvPr id="94" name="Google Shape;94;p15"/>
-          <p:cNvSpPr txBox="1"/>
-          <p:nvPr/>
-        </p:nvSpPr>
-        <p:spPr>
-          <a:xfrm>
-            <a:off x="114300" y="1513205"/>
-            <a:ext cx="3986530" cy="1289050"/>
-          </a:xfrm>
-          <a:prstGeom prst="rect">
-            <a:avLst/>
-          </a:prstGeom>
-          <a:noFill/>
-          <a:ln>
-            <a:noFill/>
-          </a:ln>
-        </p:spPr>
-        <p:txBody>
-          <a:bodyPr spcFirstLastPara="1" wrap="square" lIns="91425" tIns="91425" rIns="91425" bIns="91425" anchor="t" anchorCtr="0">
-            <a:spAutoFit/>
-          </a:bodyPr>
-          <a:lstStyle/>
-          <a:p>
-            <a:pPr marL="0" lvl="0" indent="0" algn="l" rtl="0">
-              <a:spcBef>
-                <a:spcPts val="0"/>
-              </a:spcBef>
-              <a:spcAft>
-                <a:spcPts val="0"/>
-              </a:spcAft>
-              <a:buNone/>
-            </a:pPr>
-            <a:r>
-              <a:rPr lang="en-US" altLang="en-GB" sz="3600" b="1">
-                <a:solidFill>
-                  <a:srgbClr val="8DC63F"/>
-                </a:solidFill>
-                <a:latin typeface="Tahoma" panose="020B0604030504040204" charset="0"/>
-                <a:ea typeface="Roboto" panose="020B0704020202020204"/>
-                <a:cs typeface="Tahoma" panose="020B0604030504040204" charset="0"/>
-                <a:sym typeface="Roboto" panose="020B0704020202020204"/>
-              </a:rPr>
-              <a:t>BEST PRATICES &amp; SCENARIO</a:t>
-            </a:r>
-            <a:endParaRPr lang="en-US" altLang="en-GB" sz="3600" b="1">
-              <a:solidFill>
-                <a:srgbClr val="8DC63F"/>
-              </a:solidFill>
-              <a:latin typeface="Tahoma" panose="020B0604030504040204" charset="0"/>
-              <a:ea typeface="Roboto" panose="020B0704020202020204"/>
-              <a:cs typeface="Tahoma" panose="020B0604030504040204" charset="0"/>
-              <a:sym typeface="Roboto" panose="020B0704020202020204"/>
-            </a:endParaRPr>
-          </a:p>
-        </p:txBody>
-      </p:sp>
-      <p:sp>
-        <p:nvSpPr>
-          <p:cNvPr id="2" name="Slide Number Placeholder 1"/>
-          <p:cNvSpPr>
-            <a:spLocks noGrp="1"/>
-          </p:cNvSpPr>
-          <p:nvPr>
-            <p:ph type="sldNum" idx="12"/>
-          </p:nvPr>
-        </p:nvSpPr>
-        <p:spPr/>
-        <p:txBody>
-          <a:bodyPr/>
-          <a:lstStyle/>
-          <a:p>
-            <a:pPr marL="0" lvl="0" indent="0" algn="r" rtl="0">
-              <a:spcBef>
-                <a:spcPts val="0"/>
-              </a:spcBef>
-              <a:spcAft>
-                <a:spcPts val="0"/>
-              </a:spcAft>
-              <a:buNone/>
-            </a:pPr>
-            <a:fld id="{00000000-1234-1234-1234-123412341234}" type="slidenum">
-              <a:rPr lang="en-GB"/>
-            </a:fld>
-            <a:endParaRPr lang="en-GB"/>
-          </a:p>
-        </p:txBody>
-      </p:sp>
-      <p:pic>
-        <p:nvPicPr>
-          <p:cNvPr id="6" name="Picture 5"/>
-          <p:cNvPicPr>
-            <a:picLocks noChangeAspect="1"/>
-          </p:cNvPicPr>
-          <p:nvPr/>
-        </p:nvPicPr>
-        <p:blipFill>
-          <a:blip r:embed="rId3"/>
-          <a:stretch>
-            <a:fillRect/>
-          </a:stretch>
-        </p:blipFill>
-        <p:spPr>
-          <a:xfrm>
-            <a:off x="4004945" y="1347316"/>
-            <a:ext cx="1714500" cy="1714500"/>
-          </a:xfrm>
-          <a:prstGeom prst="rect">
-            <a:avLst/>
-          </a:prstGeom>
-        </p:spPr>
-      </p:pic>
-    </p:spTree>
-  </p:cSld>
-  <p:clrMapOvr>
-    <a:masterClrMapping/>
-  </p:clrMapOvr>
-  <mc:AlternateContent xmlns:mc="http://schemas.openxmlformats.org/markup-compatibility/2006">
-    <mc:Choice xmlns:p14="http://schemas.microsoft.com/office/powerpoint/2010/main" Requires="p14">
-      <p:transition spd="med" p14:dur="699">
-        <p:fade/>
-      </p:transition>
-    </mc:Choice>
-    <mc:Fallback>
-      <p:transition spd="med">
-        <p:fade/>
-      </p:transition>
-    </mc:Fallback>
-  </mc:AlternateContent>
-</p:sld>
-</file>
-
-<file path=ppt/slides/slide31.xml><?xml version="1.0" encoding="utf-8"?>
 <p:sld xmlns:a="http://schemas.openxmlformats.org/drawingml/2006/main" xmlns:r="http://schemas.openxmlformats.org/officeDocument/2006/relationships" xmlns:p="http://schemas.openxmlformats.org/presentationml/2006/main">
   <p:cSld>
     <p:bg>
@@ -29108,8 +28457,8 @@
         </p:nvSpPr>
         <p:spPr>
           <a:xfrm>
-            <a:off x="403795" y="142345"/>
-            <a:ext cx="5636700" cy="488950"/>
+            <a:off x="403860" y="142240"/>
+            <a:ext cx="8617585" cy="488950"/>
           </a:xfrm>
           <a:prstGeom prst="rect">
             <a:avLst/>
@@ -29144,7 +28493,7 @@
                 <a:cs typeface="Tahoma" panose="020B0604030504040204" charset="0"/>
                 <a:sym typeface="Roboto" panose="020B0704020202020204"/>
               </a:rPr>
-              <a:t>Best practices</a:t>
+              <a:t>Durable Function -  #6: Aggregator (stateful entities)</a:t>
             </a:r>
             <a:endParaRPr lang="en-US" altLang="en-GB" sz="2000" b="1">
               <a:solidFill>
@@ -29189,69 +28538,40 @@
           </a:p>
         </p:txBody>
       </p:sp>
+      <p:pic>
+        <p:nvPicPr>
+          <p:cNvPr id="4" name="Picture 3"/>
+          <p:cNvPicPr>
+            <a:picLocks noChangeAspect="1"/>
+          </p:cNvPicPr>
+          <p:nvPr/>
+        </p:nvPicPr>
+        <p:blipFill>
+          <a:blip r:embed="rId3"/>
+          <a:stretch>
+            <a:fillRect/>
+          </a:stretch>
+        </p:blipFill>
+        <p:spPr>
+          <a:xfrm>
+            <a:off x="5219065" y="1102360"/>
+            <a:ext cx="3386455" cy="1423035"/>
+          </a:xfrm>
+          <a:prstGeom prst="rect">
+            <a:avLst/>
+          </a:prstGeom>
+        </p:spPr>
+      </p:pic>
       <p:sp>
         <p:nvSpPr>
-          <p:cNvPr id="4" name="Google Shape;104;p16"/>
+          <p:cNvPr id="5" name="Google Shape;104;p16"/>
           <p:cNvSpPr txBox="1"/>
           <p:nvPr/>
         </p:nvSpPr>
         <p:spPr>
           <a:xfrm>
-            <a:off x="316799" y="750159"/>
-            <a:ext cx="8335645" cy="673735"/>
-          </a:xfrm>
-          <a:prstGeom prst="rect">
-            <a:avLst/>
-          </a:prstGeom>
-          <a:noFill/>
-          <a:ln>
-            <a:noFill/>
-          </a:ln>
-        </p:spPr>
-        <p:txBody>
-          <a:bodyPr spcFirstLastPara="1" wrap="square" lIns="91425" tIns="91425" rIns="91425" bIns="91425" anchor="t" anchorCtr="0">
-            <a:spAutoFit/>
-          </a:bodyPr>
-          <a:p>
-            <a:pPr marL="137160" lvl="0" indent="0" algn="l" rtl="0">
-              <a:lnSpc>
-                <a:spcPct val="200000"/>
-              </a:lnSpc>
-              <a:spcBef>
-                <a:spcPts val="0"/>
-              </a:spcBef>
-              <a:spcAft>
-                <a:spcPts val="0"/>
-              </a:spcAft>
-              <a:buClr>
-                <a:srgbClr val="000000"/>
-              </a:buClr>
-              <a:buSzPts val="1440"/>
-              <a:buFont typeface="Arial" panose="020B0604020202020204" pitchFamily="34" charset="0"/>
-              <a:buNone/>
-            </a:pPr>
-            <a:endParaRPr lang="en-US" sz="1600" dirty="0">
-              <a:solidFill>
-                <a:schemeClr val="tx1"/>
-              </a:solidFill>
-              <a:latin typeface="Times New Roman" panose="02020603050405020304"/>
-              <a:ea typeface="Times New Roman" panose="02020603050405020304"/>
-              <a:cs typeface="Times New Roman" panose="02020603050405020304"/>
-              <a:sym typeface="Times New Roman" panose="02020603050405020304"/>
-            </a:endParaRPr>
-          </a:p>
-        </p:txBody>
-      </p:sp>
-      <p:sp>
-        <p:nvSpPr>
-          <p:cNvPr id="3" name="Google Shape;104;p16"/>
-          <p:cNvSpPr txBox="1"/>
-          <p:nvPr/>
-        </p:nvSpPr>
-        <p:spPr>
-          <a:xfrm>
-            <a:off x="316799" y="552039"/>
-            <a:ext cx="8335645" cy="1658620"/>
+            <a:off x="203200" y="631190"/>
+            <a:ext cx="5015865" cy="4121150"/>
           </a:xfrm>
           <a:prstGeom prst="rect">
             <a:avLst/>
@@ -29293,7 +28613,31 @@
                 <a:cs typeface="Times New Roman" panose="02020603050405020304"/>
                 <a:sym typeface="Times New Roman" panose="02020603050405020304"/>
               </a:rPr>
-              <a:t>Functions should "do one thing“.</a:t>
+              <a:t>This pattern about aggregating event data over a period of time into a single, addressable </a:t>
+            </a:r>
+            <a:r>
+              <a:rPr lang="en-US" sz="1600" i="1" dirty="0">
+                <a:solidFill>
+                  <a:schemeClr val="tx1"/>
+                </a:solidFill>
+                <a:latin typeface="Times New Roman" panose="02020603050405020304"/>
+                <a:ea typeface="Times New Roman" panose="02020603050405020304"/>
+                <a:cs typeface="Times New Roman" panose="02020603050405020304"/>
+                <a:sym typeface="Times New Roman" panose="02020603050405020304"/>
+              </a:rPr>
+              <a:t>entity</a:t>
+            </a:r>
+            <a:r>
+              <a:rPr lang="en-US" sz="1600" dirty="0">
+                <a:solidFill>
+                  <a:schemeClr val="tx1"/>
+                </a:solidFill>
+                <a:latin typeface="Times New Roman" panose="02020603050405020304"/>
+                <a:ea typeface="Times New Roman" panose="02020603050405020304"/>
+                <a:cs typeface="Times New Roman" panose="02020603050405020304"/>
+                <a:sym typeface="Times New Roman" panose="02020603050405020304"/>
+              </a:rPr>
+              <a:t>.</a:t>
             </a:r>
             <a:endParaRPr lang="en-US" sz="1600" dirty="0">
               <a:solidFill>
@@ -29333,7 +28677,7 @@
                 <a:cs typeface="Times New Roman" panose="02020603050405020304"/>
                 <a:sym typeface="Times New Roman" panose="02020603050405020304"/>
               </a:rPr>
-              <a:t>Functions should finish as quickly as possible.</a:t>
+              <a:t>Data being aggregated may come from multiple sources, may be delivered in batches, or may be scattered over long-periods of time. </a:t>
             </a:r>
             <a:endParaRPr lang="en-US" sz="1600" dirty="0">
               <a:solidFill>
@@ -29373,7 +28717,7 @@
                 <a:cs typeface="Times New Roman" panose="02020603050405020304"/>
                 <a:sym typeface="Times New Roman" panose="02020603050405020304"/>
               </a:rPr>
-              <a:t>Should choose Windows host when create Function. </a:t>
+              <a:t>The aggregator might need to take action on event data as it arrives, and external clients may need to query the aggregated data.</a:t>
             </a:r>
             <a:endParaRPr lang="en-US" sz="1600" dirty="0">
               <a:solidFill>
@@ -29391,6 +28735,708 @@
   </p:cSld>
   <p:clrMapOvr>
     <a:overrideClrMapping bg1="lt1" tx1="dk1" bg2="dk2" tx2="lt2" accent1="accent1" accent2="accent2" accent3="accent3" accent4="accent4" accent5="accent5" accent6="accent6" hlink="hlink" folHlink="folHlink"/>
+  </p:clrMapOvr>
+  <mc:AlternateContent xmlns:mc="http://schemas.openxmlformats.org/markup-compatibility/2006">
+    <mc:Choice xmlns:p14="http://schemas.microsoft.com/office/powerpoint/2010/main" Requires="p14">
+      <p:transition spd="med" p14:dur="699">
+        <p:fade/>
+      </p:transition>
+    </mc:Choice>
+    <mc:Fallback>
+      <p:transition spd="med">
+        <p:fade/>
+      </p:transition>
+    </mc:Fallback>
+  </mc:AlternateContent>
+</p:sld>
+</file>
+
+<file path=ppt/slides/slide3.xml><?xml version="1.0" encoding="utf-8"?>
+<p:sld xmlns:a="http://schemas.openxmlformats.org/drawingml/2006/main" xmlns:r="http://schemas.openxmlformats.org/officeDocument/2006/relationships" xmlns:p="http://schemas.openxmlformats.org/presentationml/2006/main">
+  <p:cSld>
+    <p:spTree>
+      <p:nvGrpSpPr>
+        <p:cNvPr id="1" name="Shape 91"/>
+        <p:cNvGrpSpPr/>
+        <p:nvPr/>
+      </p:nvGrpSpPr>
+      <p:grpSpPr>
+        <a:xfrm>
+          <a:off x="0" y="0"/>
+          <a:ext cx="0" cy="0"/>
+          <a:chOff x="0" y="0"/>
+          <a:chExt cx="0" cy="0"/>
+        </a:xfrm>
+      </p:grpSpPr>
+      <p:pic>
+        <p:nvPicPr>
+          <p:cNvPr id="92" name="Google Shape;92;p15"/>
+          <p:cNvPicPr preferRelativeResize="0"/>
+          <p:nvPr/>
+        </p:nvPicPr>
+        <p:blipFill rotWithShape="1">
+          <a:blip r:embed="rId1"/>
+          <a:srcRect/>
+          <a:stretch>
+            <a:fillRect/>
+          </a:stretch>
+        </p:blipFill>
+        <p:spPr>
+          <a:xfrm>
+            <a:off x="300" y="0"/>
+            <a:ext cx="9143700" cy="5143500"/>
+          </a:xfrm>
+          <a:prstGeom prst="rect">
+            <a:avLst/>
+          </a:prstGeom>
+          <a:noFill/>
+          <a:ln>
+            <a:noFill/>
+          </a:ln>
+        </p:spPr>
+      </p:pic>
+      <p:pic>
+        <p:nvPicPr>
+          <p:cNvPr id="93" name="Google Shape;93;p15"/>
+          <p:cNvPicPr preferRelativeResize="0"/>
+          <p:nvPr/>
+        </p:nvPicPr>
+        <p:blipFill>
+          <a:blip r:embed="rId2"/>
+          <a:stretch>
+            <a:fillRect/>
+          </a:stretch>
+        </p:blipFill>
+        <p:spPr>
+          <a:xfrm>
+            <a:off x="114300" y="4689483"/>
+            <a:ext cx="1518224" cy="383150"/>
+          </a:xfrm>
+          <a:prstGeom prst="rect">
+            <a:avLst/>
+          </a:prstGeom>
+          <a:noFill/>
+          <a:ln>
+            <a:noFill/>
+          </a:ln>
+        </p:spPr>
+      </p:pic>
+      <p:sp>
+        <p:nvSpPr>
+          <p:cNvPr id="94" name="Google Shape;94;p15"/>
+          <p:cNvSpPr txBox="1"/>
+          <p:nvPr/>
+        </p:nvSpPr>
+        <p:spPr>
+          <a:xfrm>
+            <a:off x="114300" y="1513051"/>
+            <a:ext cx="3160059" cy="1843405"/>
+          </a:xfrm>
+          <a:prstGeom prst="rect">
+            <a:avLst/>
+          </a:prstGeom>
+          <a:noFill/>
+          <a:ln>
+            <a:noFill/>
+          </a:ln>
+        </p:spPr>
+        <p:txBody>
+          <a:bodyPr spcFirstLastPara="1" wrap="square" lIns="91425" tIns="91425" rIns="91425" bIns="91425" anchor="t" anchorCtr="0">
+            <a:spAutoFit/>
+          </a:bodyPr>
+          <a:lstStyle/>
+          <a:p>
+            <a:pPr marL="0" lvl="0" indent="0" algn="l" rtl="0">
+              <a:spcBef>
+                <a:spcPts val="0"/>
+              </a:spcBef>
+              <a:spcAft>
+                <a:spcPts val="0"/>
+              </a:spcAft>
+              <a:buNone/>
+            </a:pPr>
+            <a:r>
+              <a:rPr lang="en-US" altLang="en-GB" sz="3600" b="1">
+                <a:solidFill>
+                  <a:srgbClr val="8DC63F"/>
+                </a:solidFill>
+                <a:latin typeface="Tahoma" panose="020B0604030504040204" charset="0"/>
+                <a:ea typeface="Roboto" panose="020B0704020202020204"/>
+                <a:cs typeface="Tahoma" panose="020B0604030504040204" charset="0"/>
+                <a:sym typeface="Roboto" panose="020B0704020202020204"/>
+              </a:rPr>
+              <a:t>WHAT IS </a:t>
+            </a:r>
+            <a:endParaRPr lang="en-US" altLang="en-GB" sz="3600" b="1">
+              <a:solidFill>
+                <a:srgbClr val="8DC63F"/>
+              </a:solidFill>
+              <a:latin typeface="Tahoma" panose="020B0604030504040204" charset="0"/>
+              <a:ea typeface="Roboto" panose="020B0704020202020204"/>
+              <a:cs typeface="Tahoma" panose="020B0604030504040204" charset="0"/>
+              <a:sym typeface="Roboto" panose="020B0704020202020204"/>
+            </a:endParaRPr>
+          </a:p>
+          <a:p>
+            <a:pPr marL="0" lvl="0" indent="0" algn="l" rtl="0">
+              <a:spcBef>
+                <a:spcPts val="0"/>
+              </a:spcBef>
+              <a:spcAft>
+                <a:spcPts val="0"/>
+              </a:spcAft>
+              <a:buNone/>
+            </a:pPr>
+            <a:r>
+              <a:rPr lang="en-US" altLang="en-GB" sz="3600" b="1">
+                <a:solidFill>
+                  <a:srgbClr val="8DC63F"/>
+                </a:solidFill>
+                <a:latin typeface="Tahoma" panose="020B0604030504040204" charset="0"/>
+                <a:ea typeface="Roboto" panose="020B0704020202020204"/>
+                <a:cs typeface="Tahoma" panose="020B0604030504040204" charset="0"/>
+                <a:sym typeface="Roboto" panose="020B0704020202020204"/>
+              </a:rPr>
+              <a:t>AZURE FUNCTION ?</a:t>
+            </a:r>
+            <a:endParaRPr lang="en-US" altLang="en-GB" sz="3600" b="1">
+              <a:solidFill>
+                <a:srgbClr val="8DC63F"/>
+              </a:solidFill>
+              <a:latin typeface="Tahoma" panose="020B0604030504040204" charset="0"/>
+              <a:ea typeface="Roboto" panose="020B0704020202020204"/>
+              <a:cs typeface="Tahoma" panose="020B0604030504040204" charset="0"/>
+              <a:sym typeface="Roboto" panose="020B0704020202020204"/>
+            </a:endParaRPr>
+          </a:p>
+        </p:txBody>
+      </p:sp>
+      <p:sp>
+        <p:nvSpPr>
+          <p:cNvPr id="2" name="Slide Number Placeholder 1"/>
+          <p:cNvSpPr>
+            <a:spLocks noGrp="1"/>
+          </p:cNvSpPr>
+          <p:nvPr>
+            <p:ph type="sldNum" idx="12"/>
+          </p:nvPr>
+        </p:nvSpPr>
+        <p:spPr/>
+        <p:txBody>
+          <a:bodyPr/>
+          <a:lstStyle/>
+          <a:p>
+            <a:pPr marL="0" lvl="0" indent="0" algn="r" rtl="0">
+              <a:spcBef>
+                <a:spcPts val="0"/>
+              </a:spcBef>
+              <a:spcAft>
+                <a:spcPts val="0"/>
+              </a:spcAft>
+              <a:buNone/>
+            </a:pPr>
+            <a:fld id="{00000000-1234-1234-1234-123412341234}" type="slidenum">
+              <a:rPr lang="en-GB"/>
+            </a:fld>
+            <a:endParaRPr lang="en-GB"/>
+          </a:p>
+        </p:txBody>
+      </p:sp>
+      <p:pic>
+        <p:nvPicPr>
+          <p:cNvPr id="6" name="Picture 5"/>
+          <p:cNvPicPr>
+            <a:picLocks noChangeAspect="1"/>
+          </p:cNvPicPr>
+          <p:nvPr/>
+        </p:nvPicPr>
+        <p:blipFill>
+          <a:blip r:embed="rId3"/>
+          <a:stretch>
+            <a:fillRect/>
+          </a:stretch>
+        </p:blipFill>
+        <p:spPr>
+          <a:xfrm>
+            <a:off x="3714750" y="1513051"/>
+            <a:ext cx="1714500" cy="1714500"/>
+          </a:xfrm>
+          <a:prstGeom prst="rect">
+            <a:avLst/>
+          </a:prstGeom>
+        </p:spPr>
+      </p:pic>
+    </p:spTree>
+  </p:cSld>
+  <p:clrMapOvr>
+    <a:masterClrMapping/>
+  </p:clrMapOvr>
+  <mc:AlternateContent xmlns:mc="http://schemas.openxmlformats.org/markup-compatibility/2006">
+    <mc:Choice xmlns:p14="http://schemas.microsoft.com/office/powerpoint/2010/main" Requires="p14">
+      <p:transition spd="med" p14:dur="699">
+        <p:fade/>
+      </p:transition>
+    </mc:Choice>
+    <mc:Fallback>
+      <p:transition spd="med">
+        <p:fade/>
+      </p:transition>
+    </mc:Fallback>
+  </mc:AlternateContent>
+</p:sld>
+</file>
+
+<file path=ppt/slides/slide30.xml><?xml version="1.0" encoding="utf-8"?>
+<p:sld xmlns:a="http://schemas.openxmlformats.org/drawingml/2006/main" xmlns:r="http://schemas.openxmlformats.org/officeDocument/2006/relationships" xmlns:p="http://schemas.openxmlformats.org/presentationml/2006/main">
+  <p:cSld>
+    <p:bg>
+      <p:bgPr>
+        <a:solidFill>
+          <a:srgbClr val="151B22"/>
+        </a:solidFill>
+        <a:effectLst/>
+      </p:bgPr>
+    </p:bg>
+    <p:spTree>
+      <p:nvGrpSpPr>
+        <p:cNvPr id="1" name="Shape 518"/>
+        <p:cNvGrpSpPr/>
+        <p:nvPr/>
+      </p:nvGrpSpPr>
+      <p:grpSpPr>
+        <a:xfrm>
+          <a:off x="0" y="0"/>
+          <a:ext cx="0" cy="0"/>
+          <a:chOff x="0" y="0"/>
+          <a:chExt cx="0" cy="0"/>
+        </a:xfrm>
+      </p:grpSpPr>
+      <p:pic>
+        <p:nvPicPr>
+          <p:cNvPr id="519" name="Google Shape;519;p36"/>
+          <p:cNvPicPr preferRelativeResize="0"/>
+          <p:nvPr/>
+        </p:nvPicPr>
+        <p:blipFill>
+          <a:blip r:embed="rId1"/>
+          <a:stretch>
+            <a:fillRect/>
+          </a:stretch>
+        </p:blipFill>
+        <p:spPr>
+          <a:xfrm>
+            <a:off x="0" y="0"/>
+            <a:ext cx="9144000" cy="5143500"/>
+          </a:xfrm>
+          <a:prstGeom prst="rect">
+            <a:avLst/>
+          </a:prstGeom>
+          <a:noFill/>
+          <a:ln>
+            <a:noFill/>
+          </a:ln>
+        </p:spPr>
+      </p:pic>
+      <p:sp>
+        <p:nvSpPr>
+          <p:cNvPr id="520" name="Google Shape;520;p36"/>
+          <p:cNvSpPr txBox="1"/>
+          <p:nvPr/>
+        </p:nvSpPr>
+        <p:spPr>
+          <a:xfrm>
+            <a:off x="1895400" y="2202308"/>
+            <a:ext cx="5353200" cy="735330"/>
+          </a:xfrm>
+          <a:prstGeom prst="rect">
+            <a:avLst/>
+          </a:prstGeom>
+          <a:noFill/>
+          <a:ln>
+            <a:noFill/>
+          </a:ln>
+        </p:spPr>
+        <p:txBody>
+          <a:bodyPr spcFirstLastPara="1" wrap="square" lIns="91425" tIns="91425" rIns="91425" bIns="91425" anchor="t" anchorCtr="0">
+            <a:spAutoFit/>
+          </a:bodyPr>
+          <a:lstStyle/>
+          <a:p>
+            <a:pPr marL="0" lvl="0" indent="0" algn="ctr" rtl="0">
+              <a:spcBef>
+                <a:spcPts val="0"/>
+              </a:spcBef>
+              <a:spcAft>
+                <a:spcPts val="0"/>
+              </a:spcAft>
+              <a:buNone/>
+            </a:pPr>
+            <a:r>
+              <a:rPr lang="en-US" altLang="en-GB" sz="3600" b="1">
+                <a:solidFill>
+                  <a:schemeClr val="lt1"/>
+                </a:solidFill>
+                <a:latin typeface="Times New Roman" panose="02020603050405020304" charset="0"/>
+                <a:ea typeface="Roboto" panose="020B0704020202020204"/>
+                <a:cs typeface="Times New Roman" panose="02020603050405020304" charset="0"/>
+                <a:sym typeface="Roboto" panose="020B0704020202020204"/>
+              </a:rPr>
+              <a:t>DEMO</a:t>
+            </a:r>
+            <a:endParaRPr lang="en-US" altLang="en-GB" sz="3600" b="1">
+              <a:solidFill>
+                <a:schemeClr val="lt1"/>
+              </a:solidFill>
+              <a:latin typeface="Times New Roman" panose="02020603050405020304" charset="0"/>
+              <a:ea typeface="Roboto" panose="020B0704020202020204"/>
+              <a:cs typeface="Times New Roman" panose="02020603050405020304" charset="0"/>
+              <a:sym typeface="Roboto" panose="020B0704020202020204"/>
+            </a:endParaRPr>
+          </a:p>
+        </p:txBody>
+      </p:sp>
+      <p:sp>
+        <p:nvSpPr>
+          <p:cNvPr id="521" name="Google Shape;521;p36"/>
+          <p:cNvSpPr/>
+          <p:nvPr/>
+        </p:nvSpPr>
+        <p:spPr>
+          <a:xfrm>
+            <a:off x="0" y="4557200"/>
+            <a:ext cx="9153000" cy="586200"/>
+          </a:xfrm>
+          <a:prstGeom prst="rect">
+            <a:avLst/>
+          </a:prstGeom>
+          <a:solidFill>
+            <a:schemeClr val="lt1"/>
+          </a:solidFill>
+          <a:ln>
+            <a:noFill/>
+          </a:ln>
+        </p:spPr>
+        <p:txBody>
+          <a:bodyPr spcFirstLastPara="1" wrap="square" lIns="91425" tIns="91425" rIns="91425" bIns="91425" anchor="ctr" anchorCtr="0">
+            <a:noAutofit/>
+          </a:bodyPr>
+          <a:lstStyle/>
+          <a:p>
+            <a:pPr marL="0" lvl="0" indent="0" algn="l" rtl="0">
+              <a:spcBef>
+                <a:spcPts val="0"/>
+              </a:spcBef>
+              <a:spcAft>
+                <a:spcPts val="0"/>
+              </a:spcAft>
+              <a:buNone/>
+            </a:pPr>
+          </a:p>
+        </p:txBody>
+      </p:sp>
+      <p:pic>
+        <p:nvPicPr>
+          <p:cNvPr id="522" name="Google Shape;522;p36"/>
+          <p:cNvPicPr preferRelativeResize="0"/>
+          <p:nvPr/>
+        </p:nvPicPr>
+        <p:blipFill>
+          <a:blip r:embed="rId2"/>
+          <a:stretch>
+            <a:fillRect/>
+          </a:stretch>
+        </p:blipFill>
+        <p:spPr>
+          <a:xfrm>
+            <a:off x="114300" y="4689483"/>
+            <a:ext cx="1518224" cy="383150"/>
+          </a:xfrm>
+          <a:prstGeom prst="rect">
+            <a:avLst/>
+          </a:prstGeom>
+          <a:noFill/>
+          <a:ln>
+            <a:noFill/>
+          </a:ln>
+        </p:spPr>
+      </p:pic>
+      <p:sp>
+        <p:nvSpPr>
+          <p:cNvPr id="523" name="Google Shape;523;p36"/>
+          <p:cNvSpPr/>
+          <p:nvPr/>
+        </p:nvSpPr>
+        <p:spPr>
+          <a:xfrm>
+            <a:off x="1760625" y="4964175"/>
+            <a:ext cx="7269000" cy="30600"/>
+          </a:xfrm>
+          <a:prstGeom prst="rect">
+            <a:avLst/>
+          </a:prstGeom>
+          <a:solidFill>
+            <a:schemeClr val="lt2"/>
+          </a:solidFill>
+          <a:ln>
+            <a:noFill/>
+          </a:ln>
+        </p:spPr>
+        <p:txBody>
+          <a:bodyPr spcFirstLastPara="1" wrap="square" lIns="91425" tIns="91425" rIns="91425" bIns="91425" anchor="ctr" anchorCtr="0">
+            <a:noAutofit/>
+          </a:bodyPr>
+          <a:lstStyle/>
+          <a:p>
+            <a:pPr marL="0" lvl="0" indent="0" algn="l" rtl="0">
+              <a:spcBef>
+                <a:spcPts val="0"/>
+              </a:spcBef>
+              <a:spcAft>
+                <a:spcPts val="0"/>
+              </a:spcAft>
+              <a:buNone/>
+            </a:pPr>
+          </a:p>
+        </p:txBody>
+      </p:sp>
+      <p:sp>
+        <p:nvSpPr>
+          <p:cNvPr id="2" name="Slide Number Placeholder 1"/>
+          <p:cNvSpPr>
+            <a:spLocks noGrp="1"/>
+          </p:cNvSpPr>
+          <p:nvPr>
+            <p:ph type="sldNum" idx="12"/>
+          </p:nvPr>
+        </p:nvSpPr>
+        <p:spPr/>
+        <p:txBody>
+          <a:bodyPr/>
+          <a:lstStyle/>
+          <a:p>
+            <a:pPr marL="0" lvl="0" indent="0" algn="r" rtl="0">
+              <a:spcBef>
+                <a:spcPts val="0"/>
+              </a:spcBef>
+              <a:spcAft>
+                <a:spcPts val="0"/>
+              </a:spcAft>
+              <a:buNone/>
+            </a:pPr>
+            <a:fld id="{00000000-1234-1234-1234-123412341234}" type="slidenum">
+              <a:rPr lang="en-GB"/>
+            </a:fld>
+            <a:endParaRPr lang="en-GB"/>
+          </a:p>
+        </p:txBody>
+      </p:sp>
+    </p:spTree>
+  </p:cSld>
+  <p:clrMapOvr>
+    <a:masterClrMapping/>
+  </p:clrMapOvr>
+  <mc:AlternateContent xmlns:mc="http://schemas.openxmlformats.org/markup-compatibility/2006">
+    <mc:Choice xmlns:p14="http://schemas.microsoft.com/office/powerpoint/2010/main" Requires="p14">
+      <p:transition spd="med" p14:dur="699">
+        <p:fade/>
+      </p:transition>
+    </mc:Choice>
+    <mc:Fallback>
+      <p:transition spd="med">
+        <p:fade/>
+      </p:transition>
+    </mc:Fallback>
+  </mc:AlternateContent>
+</p:sld>
+</file>
+
+<file path=ppt/slides/slide31.xml><?xml version="1.0" encoding="utf-8"?>
+<p:sld xmlns:a="http://schemas.openxmlformats.org/drawingml/2006/main" xmlns:r="http://schemas.openxmlformats.org/officeDocument/2006/relationships" xmlns:p="http://schemas.openxmlformats.org/presentationml/2006/main">
+  <p:cSld>
+    <p:spTree>
+      <p:nvGrpSpPr>
+        <p:cNvPr id="1" name="Shape 91"/>
+        <p:cNvGrpSpPr/>
+        <p:nvPr/>
+      </p:nvGrpSpPr>
+      <p:grpSpPr>
+        <a:xfrm>
+          <a:off x="0" y="0"/>
+          <a:ext cx="0" cy="0"/>
+          <a:chOff x="0" y="0"/>
+          <a:chExt cx="0" cy="0"/>
+        </a:xfrm>
+      </p:grpSpPr>
+      <p:pic>
+        <p:nvPicPr>
+          <p:cNvPr id="92" name="Google Shape;92;p15"/>
+          <p:cNvPicPr preferRelativeResize="0"/>
+          <p:nvPr/>
+        </p:nvPicPr>
+        <p:blipFill rotWithShape="1">
+          <a:blip r:embed="rId1"/>
+          <a:srcRect/>
+          <a:stretch>
+            <a:fillRect/>
+          </a:stretch>
+        </p:blipFill>
+        <p:spPr>
+          <a:xfrm>
+            <a:off x="300" y="0"/>
+            <a:ext cx="9143700" cy="5143500"/>
+          </a:xfrm>
+          <a:prstGeom prst="rect">
+            <a:avLst/>
+          </a:prstGeom>
+          <a:noFill/>
+          <a:ln>
+            <a:noFill/>
+          </a:ln>
+        </p:spPr>
+      </p:pic>
+      <p:pic>
+        <p:nvPicPr>
+          <p:cNvPr id="93" name="Google Shape;93;p15"/>
+          <p:cNvPicPr preferRelativeResize="0"/>
+          <p:nvPr/>
+        </p:nvPicPr>
+        <p:blipFill>
+          <a:blip r:embed="rId2"/>
+          <a:stretch>
+            <a:fillRect/>
+          </a:stretch>
+        </p:blipFill>
+        <p:spPr>
+          <a:xfrm>
+            <a:off x="114300" y="4689483"/>
+            <a:ext cx="1518224" cy="383150"/>
+          </a:xfrm>
+          <a:prstGeom prst="rect">
+            <a:avLst/>
+          </a:prstGeom>
+          <a:noFill/>
+          <a:ln>
+            <a:noFill/>
+          </a:ln>
+        </p:spPr>
+      </p:pic>
+      <p:sp>
+        <p:nvSpPr>
+          <p:cNvPr id="94" name="Google Shape;94;p15"/>
+          <p:cNvSpPr txBox="1"/>
+          <p:nvPr/>
+        </p:nvSpPr>
+        <p:spPr>
+          <a:xfrm>
+            <a:off x="114300" y="1513205"/>
+            <a:ext cx="3986530" cy="1289050"/>
+          </a:xfrm>
+          <a:prstGeom prst="rect">
+            <a:avLst/>
+          </a:prstGeom>
+          <a:noFill/>
+          <a:ln>
+            <a:noFill/>
+          </a:ln>
+        </p:spPr>
+        <p:txBody>
+          <a:bodyPr spcFirstLastPara="1" wrap="square" lIns="91425" tIns="91425" rIns="91425" bIns="91425" anchor="t" anchorCtr="0">
+            <a:spAutoFit/>
+          </a:bodyPr>
+          <a:lstStyle/>
+          <a:p>
+            <a:pPr marL="0" lvl="0" indent="0" algn="l" rtl="0">
+              <a:spcBef>
+                <a:spcPts val="0"/>
+              </a:spcBef>
+              <a:spcAft>
+                <a:spcPts val="0"/>
+              </a:spcAft>
+              <a:buNone/>
+            </a:pPr>
+            <a:r>
+              <a:rPr lang="en-US" altLang="en-GB" sz="3600" b="1">
+                <a:solidFill>
+                  <a:srgbClr val="8DC63F"/>
+                </a:solidFill>
+                <a:latin typeface="Tahoma" panose="020B0604030504040204" charset="0"/>
+                <a:ea typeface="Roboto" panose="020B0704020202020204"/>
+                <a:cs typeface="Tahoma" panose="020B0604030504040204" charset="0"/>
+                <a:sym typeface="Roboto" panose="020B0704020202020204"/>
+              </a:rPr>
+              <a:t>BEST PRATICES &amp; SCENARIO</a:t>
+            </a:r>
+            <a:endParaRPr lang="en-US" altLang="en-GB" sz="3600" b="1">
+              <a:solidFill>
+                <a:srgbClr val="8DC63F"/>
+              </a:solidFill>
+              <a:latin typeface="Tahoma" panose="020B0604030504040204" charset="0"/>
+              <a:ea typeface="Roboto" panose="020B0704020202020204"/>
+              <a:cs typeface="Tahoma" panose="020B0604030504040204" charset="0"/>
+              <a:sym typeface="Roboto" panose="020B0704020202020204"/>
+            </a:endParaRPr>
+          </a:p>
+        </p:txBody>
+      </p:sp>
+      <p:sp>
+        <p:nvSpPr>
+          <p:cNvPr id="2" name="Slide Number Placeholder 1"/>
+          <p:cNvSpPr>
+            <a:spLocks noGrp="1"/>
+          </p:cNvSpPr>
+          <p:nvPr>
+            <p:ph type="sldNum" idx="12"/>
+          </p:nvPr>
+        </p:nvSpPr>
+        <p:spPr/>
+        <p:txBody>
+          <a:bodyPr/>
+          <a:lstStyle/>
+          <a:p>
+            <a:pPr marL="0" lvl="0" indent="0" algn="r" rtl="0">
+              <a:spcBef>
+                <a:spcPts val="0"/>
+              </a:spcBef>
+              <a:spcAft>
+                <a:spcPts val="0"/>
+              </a:spcAft>
+              <a:buNone/>
+            </a:pPr>
+            <a:fld id="{00000000-1234-1234-1234-123412341234}" type="slidenum">
+              <a:rPr lang="en-GB"/>
+            </a:fld>
+            <a:endParaRPr lang="en-GB"/>
+          </a:p>
+        </p:txBody>
+      </p:sp>
+      <p:pic>
+        <p:nvPicPr>
+          <p:cNvPr id="6" name="Picture 5"/>
+          <p:cNvPicPr>
+            <a:picLocks noChangeAspect="1"/>
+          </p:cNvPicPr>
+          <p:nvPr/>
+        </p:nvPicPr>
+        <p:blipFill>
+          <a:blip r:embed="rId3"/>
+          <a:stretch>
+            <a:fillRect/>
+          </a:stretch>
+        </p:blipFill>
+        <p:spPr>
+          <a:xfrm>
+            <a:off x="4004945" y="1347316"/>
+            <a:ext cx="1714500" cy="1714500"/>
+          </a:xfrm>
+          <a:prstGeom prst="rect">
+            <a:avLst/>
+          </a:prstGeom>
+        </p:spPr>
+      </p:pic>
+    </p:spTree>
+  </p:cSld>
+  <p:clrMapOvr>
+    <a:masterClrMapping/>
   </p:clrMapOvr>
   <mc:AlternateContent xmlns:mc="http://schemas.openxmlformats.org/markup-compatibility/2006">
     <mc:Choice xmlns:p14="http://schemas.microsoft.com/office/powerpoint/2010/main" Requires="p14">
@@ -29580,7 +29626,7 @@
                 <a:cs typeface="Tahoma" panose="020B0604030504040204" charset="0"/>
                 <a:sym typeface="Roboto" panose="020B0704020202020204"/>
               </a:rPr>
-              <a:t>Scenarios</a:t>
+              <a:t>Best practices</a:t>
             </a:r>
             <a:endParaRPr lang="en-US" altLang="en-GB" sz="2000" b="1">
               <a:solidFill>
@@ -29678,22 +29724,151 @@
           </a:p>
         </p:txBody>
       </p:sp>
-      <p:graphicFrame>
-        <p:nvGraphicFramePr>
-          <p:cNvPr id="7" name="Diagram 6"/>
-          <p:cNvGraphicFramePr/>
+      <p:sp>
+        <p:nvSpPr>
+          <p:cNvPr id="3" name="Google Shape;104;p16"/>
+          <p:cNvSpPr txBox="1"/>
           <p:nvPr/>
-        </p:nvGraphicFramePr>
-        <p:xfrm>
-          <a:off x="537210" y="831850"/>
-          <a:ext cx="8209280" cy="3857625"/>
-        </p:xfrm>
-        <a:graphic>
-          <a:graphicData uri="http://schemas.openxmlformats.org/drawingml/2006/diagram">
-            <dgm:relIds xmlns:dgm="http://schemas.openxmlformats.org/drawingml/2006/diagram" xmlns:r="http://schemas.openxmlformats.org/officeDocument/2006/relationships" r:dm="rId3" r:lo="rId4" r:qs="rId5" r:cs="rId6"/>
-          </a:graphicData>
-        </a:graphic>
-      </p:graphicFrame>
+        </p:nvSpPr>
+        <p:spPr>
+          <a:xfrm>
+            <a:off x="316799" y="552039"/>
+            <a:ext cx="8335645" cy="1658620"/>
+          </a:xfrm>
+          <a:prstGeom prst="rect">
+            <a:avLst/>
+          </a:prstGeom>
+          <a:noFill/>
+          <a:ln>
+            <a:noFill/>
+          </a:ln>
+        </p:spPr>
+        <p:txBody>
+          <a:bodyPr spcFirstLastPara="1" wrap="square" lIns="91425" tIns="91425" rIns="91425" bIns="91425" anchor="t" anchorCtr="0">
+            <a:spAutoFit/>
+          </a:bodyPr>
+          <a:p>
+            <a:pPr marL="365760" lvl="0" indent="-228600" algn="l" rtl="0">
+              <a:lnSpc>
+                <a:spcPct val="200000"/>
+              </a:lnSpc>
+              <a:spcBef>
+                <a:spcPts val="0"/>
+              </a:spcBef>
+              <a:spcAft>
+                <a:spcPts val="0"/>
+              </a:spcAft>
+              <a:buClr>
+                <a:srgbClr val="000000"/>
+              </a:buClr>
+              <a:buSzPts val="1440"/>
+              <a:buFont typeface="Arial" panose="020B0604020202020204" pitchFamily="34" charset="0"/>
+              <a:buChar char="•"/>
+            </a:pPr>
+            <a:r>
+              <a:rPr lang="en-US" sz="1600" dirty="0">
+                <a:solidFill>
+                  <a:schemeClr val="tx1"/>
+                </a:solidFill>
+                <a:latin typeface="Times New Roman" panose="02020603050405020304"/>
+                <a:ea typeface="Times New Roman" panose="02020603050405020304"/>
+                <a:cs typeface="Times New Roman" panose="02020603050405020304"/>
+                <a:sym typeface="Times New Roman" panose="02020603050405020304"/>
+              </a:rPr>
+              <a:t>Functions should "do one thing“.</a:t>
+            </a:r>
+            <a:endParaRPr lang="en-US" sz="1600" dirty="0">
+              <a:solidFill>
+                <a:schemeClr val="tx1"/>
+              </a:solidFill>
+              <a:latin typeface="Times New Roman" panose="02020603050405020304"/>
+              <a:ea typeface="Times New Roman" panose="02020603050405020304"/>
+              <a:cs typeface="Times New Roman" panose="02020603050405020304"/>
+              <a:sym typeface="Times New Roman" panose="02020603050405020304"/>
+            </a:endParaRPr>
+          </a:p>
+          <a:p>
+            <a:pPr marL="365760" lvl="0" indent="-228600" algn="l" rtl="0">
+              <a:lnSpc>
+                <a:spcPct val="200000"/>
+              </a:lnSpc>
+              <a:spcBef>
+                <a:spcPts val="0"/>
+              </a:spcBef>
+              <a:spcAft>
+                <a:spcPts val="0"/>
+              </a:spcAft>
+              <a:buClr>
+                <a:srgbClr val="000000"/>
+              </a:buClr>
+              <a:buSzPts val="1440"/>
+              <a:buFont typeface="Arial" panose="020B0604020202020204" pitchFamily="34" charset="0"/>
+              <a:buChar char="•"/>
+            </a:pPr>
+            <a:r>
+              <a:rPr lang="en-US" sz="1600" dirty="0">
+                <a:solidFill>
+                  <a:schemeClr val="tx1"/>
+                </a:solidFill>
+                <a:latin typeface="Times New Roman" panose="02020603050405020304"/>
+                <a:ea typeface="Times New Roman" panose="02020603050405020304"/>
+                <a:cs typeface="Times New Roman" panose="02020603050405020304"/>
+                <a:sym typeface="Times New Roman" panose="02020603050405020304"/>
+              </a:rPr>
+              <a:t>Functions should finish as quickly as possible.</a:t>
+            </a:r>
+            <a:endParaRPr lang="en-US" sz="1600" dirty="0">
+              <a:solidFill>
+                <a:schemeClr val="tx1"/>
+              </a:solidFill>
+              <a:latin typeface="Times New Roman" panose="02020603050405020304"/>
+              <a:ea typeface="Times New Roman" panose="02020603050405020304"/>
+              <a:cs typeface="Times New Roman" panose="02020603050405020304"/>
+              <a:sym typeface="Times New Roman" panose="02020603050405020304"/>
+            </a:endParaRPr>
+          </a:p>
+          <a:p>
+            <a:pPr marL="365760" lvl="0" indent="-228600" algn="l" rtl="0">
+              <a:lnSpc>
+                <a:spcPct val="200000"/>
+              </a:lnSpc>
+              <a:spcBef>
+                <a:spcPts val="0"/>
+              </a:spcBef>
+              <a:spcAft>
+                <a:spcPts val="0"/>
+              </a:spcAft>
+              <a:buClr>
+                <a:srgbClr val="000000"/>
+              </a:buClr>
+              <a:buSzPts val="1440"/>
+              <a:buFont typeface="Arial" panose="020B0604020202020204" pitchFamily="34" charset="0"/>
+              <a:buChar char="•"/>
+            </a:pPr>
+            <a:r>
+              <a:rPr lang="en-US" sz="1600" dirty="0">
+                <a:solidFill>
+                  <a:schemeClr val="tx1"/>
+                </a:solidFill>
+                <a:latin typeface="Times New Roman" panose="02020603050405020304"/>
+                <a:ea typeface="Times New Roman" panose="02020603050405020304"/>
+                <a:cs typeface="Times New Roman" panose="02020603050405020304"/>
+                <a:sym typeface="Times New Roman" panose="02020603050405020304"/>
+              </a:rPr>
+              <a:t>Should choose Windows host when create Function. </a:t>
+            </a:r>
+            <a:endParaRPr lang="en-US" sz="1600" dirty="0">
+              <a:solidFill>
+                <a:schemeClr val="tx1"/>
+              </a:solidFill>
+              <a:latin typeface="Times New Roman" panose="02020603050405020304"/>
+              <a:ea typeface="Times New Roman" panose="02020603050405020304"/>
+              <a:cs typeface="Times New Roman" panose="02020603050405020304"/>
+              <a:sym typeface="Times New Roman" panose="02020603050405020304"/>
+            </a:endParaRPr>
+          </a:p>
+        </p:txBody>
+      </p:sp>
     </p:spTree>
   </p:cSld>
   <p:clrMapOvr>
@@ -29851,8 +30026,8 @@
         </p:nvSpPr>
         <p:spPr>
           <a:xfrm>
-            <a:off x="392999" y="141075"/>
-            <a:ext cx="8636625" cy="488950"/>
+            <a:off x="403795" y="142345"/>
+            <a:ext cx="5636700" cy="488950"/>
           </a:xfrm>
           <a:prstGeom prst="rect">
             <a:avLst/>
@@ -29887,7 +30062,7 @@
                 <a:cs typeface="Tahoma" panose="020B0604030504040204" charset="0"/>
                 <a:sym typeface="Roboto" panose="020B0704020202020204"/>
               </a:rPr>
-              <a:t>Pricing</a:t>
+              <a:t>Scenarios</a:t>
             </a:r>
             <a:endParaRPr lang="en-US" altLang="en-GB" sz="2000" b="1">
               <a:solidFill>
@@ -29903,7 +30078,7 @@
       </p:sp>
       <p:sp>
         <p:nvSpPr>
-          <p:cNvPr id="3" name="Slide Number Placeholder 2"/>
+          <p:cNvPr id="2" name="Slide Number Placeholder 1"/>
           <p:cNvSpPr>
             <a:spLocks noGrp="1"/>
           </p:cNvSpPr>
@@ -29934,14 +30109,14 @@
       </p:sp>
       <p:sp>
         <p:nvSpPr>
-          <p:cNvPr id="2" name="Google Shape;104;p16"/>
+          <p:cNvPr id="4" name="Google Shape;104;p16"/>
           <p:cNvSpPr txBox="1"/>
           <p:nvPr/>
         </p:nvSpPr>
         <p:spPr>
           <a:xfrm>
-            <a:off x="316799" y="742539"/>
-            <a:ext cx="8335645" cy="1289050"/>
+            <a:off x="316799" y="750159"/>
+            <a:ext cx="8335645" cy="673735"/>
           </a:xfrm>
           <a:prstGeom prst="rect">
             <a:avLst/>
@@ -29956,7 +30131,7 @@
             <a:spAutoFit/>
           </a:bodyPr>
           <a:p>
-            <a:pPr marL="365760" lvl="0" indent="-228600" algn="l" rtl="0">
+            <a:pPr marL="137160" lvl="0" indent="0" algn="l" rtl="0">
               <a:lnSpc>
                 <a:spcPct val="200000"/>
               </a:lnSpc>
@@ -29971,49 +30146,9 @@
               </a:buClr>
               <a:buSzPts val="1440"/>
               <a:buFont typeface="Arial" panose="020B0604020202020204" pitchFamily="34" charset="0"/>
-              <a:buChar char="•"/>
+              <a:buNone/>
             </a:pPr>
-            <a:r>
-              <a:rPr lang="en-US" sz="1800">
-                <a:solidFill>
-                  <a:schemeClr val="tx1"/>
-                </a:solidFill>
-                <a:latin typeface="Times New Roman" panose="02020603050405020304"/>
-                <a:ea typeface="Times New Roman" panose="02020603050405020304"/>
-                <a:cs typeface="Times New Roman" panose="02020603050405020304"/>
-                <a:sym typeface="Times New Roman" panose="02020603050405020304"/>
-              </a:rPr>
-              <a:t>Only pay when your code is running.</a:t>
-            </a:r>
-            <a:endParaRPr lang="en-US" sz="1800">
-              <a:solidFill>
-                <a:schemeClr val="tx1"/>
-              </a:solidFill>
-              <a:latin typeface="Times New Roman" panose="02020603050405020304"/>
-              <a:ea typeface="Times New Roman" panose="02020603050405020304"/>
-              <a:cs typeface="Times New Roman" panose="02020603050405020304"/>
-              <a:sym typeface="Times New Roman" panose="02020603050405020304"/>
-            </a:endParaRPr>
-          </a:p>
-          <a:p>
-            <a:pPr marL="365760" lvl="0" indent="-228600" algn="l" rtl="0">
-              <a:lnSpc>
-                <a:spcPct val="200000"/>
-              </a:lnSpc>
-              <a:spcBef>
-                <a:spcPts val="0"/>
-              </a:spcBef>
-              <a:spcAft>
-                <a:spcPts val="0"/>
-              </a:spcAft>
-              <a:buClr>
-                <a:srgbClr val="000000"/>
-              </a:buClr>
-              <a:buSzPts val="1440"/>
-              <a:buFont typeface="Arial" panose="020B0604020202020204" pitchFamily="34" charset="0"/>
-              <a:buChar char="•"/>
-            </a:pPr>
-            <a:endParaRPr lang="en-US" sz="1800" dirty="0">
+            <a:endParaRPr lang="en-US" sz="1600" dirty="0">
               <a:solidFill>
                 <a:schemeClr val="tx1"/>
               </a:solidFill>
@@ -30027,13 +30162,13 @@
       </p:sp>
       <p:graphicFrame>
         <p:nvGraphicFramePr>
-          <p:cNvPr id="4" name="Diagram 3"/>
+          <p:cNvPr id="7" name="Diagram 6"/>
           <p:cNvGraphicFramePr/>
           <p:nvPr/>
         </p:nvGraphicFramePr>
         <p:xfrm>
-          <a:off x="114300" y="1868170"/>
-          <a:ext cx="8488680" cy="1095375"/>
+          <a:off x="537210" y="831850"/>
+          <a:ext cx="8209280" cy="3857625"/>
         </p:xfrm>
         <a:graphic>
           <a:graphicData uri="http://schemas.openxmlformats.org/drawingml/2006/diagram">
@@ -30044,7 +30179,7 @@
     </p:spTree>
   </p:cSld>
   <p:clrMapOvr>
-    <a:masterClrMapping/>
+    <a:overrideClrMapping bg1="lt1" tx1="dk1" bg2="dk2" tx2="lt2" accent1="accent1" accent2="accent2" accent3="accent3" accent4="accent4" accent5="accent5" accent6="accent6" hlink="hlink" folHlink="folHlink"/>
   </p:clrMapOvr>
   <mc:AlternateContent xmlns:mc="http://schemas.openxmlformats.org/markup-compatibility/2006">
     <mc:Choice xmlns:p14="http://schemas.microsoft.com/office/powerpoint/2010/main" Requires="p14">
@@ -30234,19 +30369,7 @@
                 <a:cs typeface="Tahoma" panose="020B0604030504040204" charset="0"/>
                 <a:sym typeface="Roboto" panose="020B0704020202020204"/>
               </a:rPr>
-              <a:t>Pricing - </a:t>
-            </a:r>
-            <a:r>
-              <a:rPr lang="en-US" altLang="en-GB" sz="2000" b="1">
-                <a:solidFill>
-                  <a:srgbClr val="8DC63F"/>
-                </a:solidFill>
-                <a:latin typeface="Tahoma" panose="020B0604030504040204" charset="0"/>
-                <a:ea typeface="Roboto" panose="020B0704020202020204"/>
-                <a:cs typeface="Tahoma" panose="020B0604030504040204" charset="0"/>
-                <a:sym typeface="+mn-ea"/>
-              </a:rPr>
-              <a:t>Consumption Plan</a:t>
+              <a:t>Pricing</a:t>
             </a:r>
             <a:endParaRPr lang="en-US" altLang="en-GB" sz="2000" b="1">
               <a:solidFill>
@@ -30299,8 +30422,8 @@
         </p:nvSpPr>
         <p:spPr>
           <a:xfrm>
-            <a:off x="316799" y="579344"/>
-            <a:ext cx="8335645" cy="1843405"/>
+            <a:off x="316799" y="742539"/>
+            <a:ext cx="8335645" cy="1289050"/>
           </a:xfrm>
           <a:prstGeom prst="rect">
             <a:avLst/>
@@ -30342,7 +30465,7 @@
                 <a:cs typeface="Times New Roman" panose="02020603050405020304"/>
                 <a:sym typeface="Times New Roman" panose="02020603050405020304"/>
               </a:rPr>
-              <a:t>Only pay when	 your code is running.</a:t>
+              <a:t>Only pay when your code is running.</a:t>
             </a:r>
             <a:endParaRPr lang="en-US" sz="1800">
               <a:solidFill>
@@ -30372,18 +30495,6 @@
               <a:buFont typeface="Arial" panose="020B0604020202020204" pitchFamily="34" charset="0"/>
               <a:buChar char="•"/>
             </a:pPr>
-            <a:r>
-              <a:rPr lang="en-US" sz="1800">
-                <a:solidFill>
-                  <a:schemeClr val="tx1"/>
-                </a:solidFill>
-                <a:latin typeface="Times New Roman" panose="02020603050405020304"/>
-                <a:ea typeface="Times New Roman" panose="02020603050405020304"/>
-                <a:cs typeface="Times New Roman" panose="02020603050405020304"/>
-                <a:sym typeface="Times New Roman" panose="02020603050405020304"/>
-              </a:rPr>
-              <a:t>Billing is based on the number of executions, the duration of each execution, and the amount of memory used.</a:t>
-            </a:r>
             <a:endParaRPr lang="en-US" sz="1800" dirty="0">
               <a:solidFill>
                 <a:schemeClr val="tx1"/>
@@ -30396,6 +30507,22 @@
           </a:p>
         </p:txBody>
       </p:sp>
+      <p:graphicFrame>
+        <p:nvGraphicFramePr>
+          <p:cNvPr id="4" name="Diagram 3"/>
+          <p:cNvGraphicFramePr/>
+          <p:nvPr/>
+        </p:nvGraphicFramePr>
+        <p:xfrm>
+          <a:off x="114300" y="1868170"/>
+          <a:ext cx="8488680" cy="1095375"/>
+        </p:xfrm>
+        <a:graphic>
+          <a:graphicData uri="http://schemas.openxmlformats.org/drawingml/2006/diagram">
+            <dgm:relIds xmlns:dgm="http://schemas.openxmlformats.org/drawingml/2006/diagram" xmlns:r="http://schemas.openxmlformats.org/officeDocument/2006/relationships" r:dm="rId3" r:lo="rId4" r:qs="rId5" r:cs="rId6"/>
+          </a:graphicData>
+        </a:graphic>
+      </p:graphicFrame>
     </p:spTree>
   </p:cSld>
   <p:clrMapOvr>
@@ -30601,19 +30728,7 @@
                 <a:cs typeface="Tahoma" panose="020B0604030504040204" charset="0"/>
                 <a:sym typeface="+mn-ea"/>
               </a:rPr>
-              <a:t>Premium </a:t>
-            </a:r>
-            <a:r>
-              <a:rPr lang="en-US" altLang="en-GB" sz="2000" b="1">
-                <a:solidFill>
-                  <a:srgbClr val="8DC63F"/>
-                </a:solidFill>
-                <a:latin typeface="Tahoma" panose="020B0604030504040204" charset="0"/>
-                <a:ea typeface="Roboto" panose="020B0704020202020204"/>
-                <a:cs typeface="Tahoma" panose="020B0604030504040204" charset="0"/>
-                <a:sym typeface="+mn-ea"/>
-              </a:rPr>
-              <a:t>Plan</a:t>
+              <a:t>Consumption Plan</a:t>
             </a:r>
             <a:endParaRPr lang="en-US" altLang="en-GB" sz="2000" b="1">
               <a:solidFill>
@@ -30660,14 +30775,14 @@
       </p:sp>
       <p:sp>
         <p:nvSpPr>
-          <p:cNvPr id="5" name="Google Shape;104;p16"/>
+          <p:cNvPr id="2" name="Google Shape;104;p16"/>
           <p:cNvSpPr txBox="1"/>
           <p:nvPr/>
         </p:nvSpPr>
         <p:spPr>
           <a:xfrm>
-            <a:off x="392999" y="630144"/>
-            <a:ext cx="8335645" cy="2397125"/>
+            <a:off x="316799" y="579344"/>
+            <a:ext cx="8335645" cy="1843405"/>
           </a:xfrm>
           <a:prstGeom prst="rect">
             <a:avLst/>
@@ -30700,7 +30815,7 @@
               <a:buChar char="•"/>
             </a:pPr>
             <a:r>
-              <a:rPr lang="en-US" sz="1800" dirty="0">
+              <a:rPr lang="en-US" sz="1800">
                 <a:solidFill>
                   <a:schemeClr val="tx1"/>
                 </a:solidFill>
@@ -30709,9 +30824,9 @@
                 <a:cs typeface="Times New Roman" panose="02020603050405020304"/>
                 <a:sym typeface="Times New Roman" panose="02020603050405020304"/>
               </a:rPr>
-              <a:t>Azure provides any additional computing services that are required when your function is running.</a:t>
+              <a:t>Only pay when	 your code is running.</a:t>
             </a:r>
-            <a:endParaRPr lang="en-US" sz="1800" dirty="0">
+            <a:endParaRPr lang="en-US" sz="1800">
               <a:solidFill>
                 <a:schemeClr val="tx1"/>
               </a:solidFill>
@@ -30740,7 +30855,7 @@
               <a:buChar char="•"/>
             </a:pPr>
             <a:r>
-              <a:rPr lang="en-US" sz="1800" dirty="0">
+              <a:rPr lang="en-US" sz="1800">
                 <a:solidFill>
                   <a:schemeClr val="tx1"/>
                 </a:solidFill>
@@ -30749,7 +30864,7 @@
                 <a:cs typeface="Times New Roman" panose="02020603050405020304"/>
                 <a:sym typeface="Times New Roman" panose="02020603050405020304"/>
               </a:rPr>
-              <a:t>You pay for the constantly pre-warmed instances including any additional instances needed to scale the Azure app in/out.</a:t>
+              <a:t>Billing is based on the number of executions, the duration of each execution, and the amount of memory used.</a:t>
             </a:r>
             <a:endParaRPr lang="en-US" sz="1800" dirty="0">
               <a:solidFill>
@@ -30956,7 +31071,7 @@
                 <a:cs typeface="Tahoma" panose="020B0604030504040204" charset="0"/>
                 <a:sym typeface="Roboto" panose="020B0704020202020204"/>
               </a:rPr>
-              <a:t>Pricing - Dedicated</a:t>
+              <a:t>Pricing - </a:t>
             </a:r>
             <a:r>
               <a:rPr lang="en-US" altLang="en-GB" sz="2000" b="1">
@@ -30968,7 +31083,7 @@
                 <a:cs typeface="Tahoma" panose="020B0604030504040204" charset="0"/>
                 <a:sym typeface="+mn-ea"/>
               </a:rPr>
-              <a:t> </a:t>
+              <a:t>Premium </a:t>
             </a:r>
             <a:r>
               <a:rPr lang="en-US" altLang="en-GB" sz="2000" b="1">
@@ -30980,7 +31095,7 @@
                 <a:cs typeface="Tahoma" panose="020B0604030504040204" charset="0"/>
                 <a:sym typeface="+mn-ea"/>
               </a:rPr>
-              <a:t>Plan ( VM sharing)</a:t>
+              <a:t>Plan</a:t>
             </a:r>
             <a:endParaRPr lang="en-US" altLang="en-GB" sz="2000" b="1">
               <a:solidFill>
@@ -30989,7 +31104,7 @@
               <a:latin typeface="Tahoma" panose="020B0604030504040204" charset="0"/>
               <a:ea typeface="Roboto" panose="020B0704020202020204"/>
               <a:cs typeface="Tahoma" panose="020B0604030504040204" charset="0"/>
-              <a:sym typeface="+mn-ea"/>
+              <a:sym typeface="Roboto" panose="020B0704020202020204"/>
             </a:endParaRPr>
           </a:p>
         </p:txBody>
@@ -31076,7 +31191,7 @@
                 <a:cs typeface="Times New Roman" panose="02020603050405020304"/>
                 <a:sym typeface="Times New Roman" panose="02020603050405020304"/>
               </a:rPr>
-              <a:t>When you use App Service for other apps, your functions will run on the same plan (VMs) at no extra cost.</a:t>
+              <a:t>Azure provides any additional computing services that are required when your function is running.</a:t>
             </a:r>
             <a:endParaRPr lang="en-US" sz="1800" dirty="0">
               <a:solidFill>
@@ -31116,7 +31231,7 @@
                 <a:cs typeface="Times New Roman" panose="02020603050405020304"/>
                 <a:sym typeface="Times New Roman" panose="02020603050405020304"/>
               </a:rPr>
-              <a:t>You may scale it out manually by adding more VM instances for an App Service plan.</a:t>
+              <a:t>You pay for the constantly pre-warmed instances including any additional instances needed to scale the Azure app in/out.</a:t>
             </a:r>
             <a:endParaRPr lang="en-US" sz="1800" dirty="0">
               <a:solidFill>
@@ -31323,6 +31438,373 @@
                 <a:cs typeface="Tahoma" panose="020B0604030504040204" charset="0"/>
                 <a:sym typeface="Roboto" panose="020B0704020202020204"/>
               </a:rPr>
+              <a:t>Pricing - Dedicated</a:t>
+            </a:r>
+            <a:r>
+              <a:rPr lang="en-US" altLang="en-GB" sz="2000" b="1">
+                <a:solidFill>
+                  <a:srgbClr val="8DC63F"/>
+                </a:solidFill>
+                <a:latin typeface="Tahoma" panose="020B0604030504040204" charset="0"/>
+                <a:ea typeface="Roboto" panose="020B0704020202020204"/>
+                <a:cs typeface="Tahoma" panose="020B0604030504040204" charset="0"/>
+                <a:sym typeface="+mn-ea"/>
+              </a:rPr>
+              <a:t> </a:t>
+            </a:r>
+            <a:r>
+              <a:rPr lang="en-US" altLang="en-GB" sz="2000" b="1">
+                <a:solidFill>
+                  <a:srgbClr val="8DC63F"/>
+                </a:solidFill>
+                <a:latin typeface="Tahoma" panose="020B0604030504040204" charset="0"/>
+                <a:ea typeface="Roboto" panose="020B0704020202020204"/>
+                <a:cs typeface="Tahoma" panose="020B0604030504040204" charset="0"/>
+                <a:sym typeface="+mn-ea"/>
+              </a:rPr>
+              <a:t>Plan ( VM sharing)</a:t>
+            </a:r>
+            <a:endParaRPr lang="en-US" altLang="en-GB" sz="2000" b="1">
+              <a:solidFill>
+                <a:srgbClr val="8DC63F"/>
+              </a:solidFill>
+              <a:latin typeface="Tahoma" panose="020B0604030504040204" charset="0"/>
+              <a:ea typeface="Roboto" panose="020B0704020202020204"/>
+              <a:cs typeface="Tahoma" panose="020B0604030504040204" charset="0"/>
+              <a:sym typeface="+mn-ea"/>
+            </a:endParaRPr>
+          </a:p>
+        </p:txBody>
+      </p:sp>
+      <p:sp>
+        <p:nvSpPr>
+          <p:cNvPr id="3" name="Slide Number Placeholder 2"/>
+          <p:cNvSpPr>
+            <a:spLocks noGrp="1"/>
+          </p:cNvSpPr>
+          <p:nvPr>
+            <p:ph type="sldNum" idx="12"/>
+          </p:nvPr>
+        </p:nvSpPr>
+        <p:spPr/>
+        <p:txBody>
+          <a:bodyPr/>
+          <a:lstStyle/>
+          <a:p>
+            <a:pPr marL="0" lvl="0" indent="0" algn="r" rtl="0">
+              <a:spcBef>
+                <a:spcPts val="0"/>
+              </a:spcBef>
+              <a:spcAft>
+                <a:spcPts val="0"/>
+              </a:spcAft>
+              <a:buNone/>
+            </a:pPr>
+            <a:fld id="{00000000-1234-1234-1234-123412341234}" type="slidenum">
+              <a:rPr lang="en-GB"/>
+            </a:fld>
+            <a:endParaRPr lang="en-GB"/>
+          </a:p>
+        </p:txBody>
+      </p:sp>
+      <p:sp>
+        <p:nvSpPr>
+          <p:cNvPr id="5" name="Google Shape;104;p16"/>
+          <p:cNvSpPr txBox="1"/>
+          <p:nvPr/>
+        </p:nvSpPr>
+        <p:spPr>
+          <a:xfrm>
+            <a:off x="392999" y="630144"/>
+            <a:ext cx="8335645" cy="2397125"/>
+          </a:xfrm>
+          <a:prstGeom prst="rect">
+            <a:avLst/>
+          </a:prstGeom>
+          <a:noFill/>
+          <a:ln>
+            <a:noFill/>
+          </a:ln>
+        </p:spPr>
+        <p:txBody>
+          <a:bodyPr spcFirstLastPara="1" wrap="square" lIns="91425" tIns="91425" rIns="91425" bIns="91425" anchor="t" anchorCtr="0">
+            <a:spAutoFit/>
+          </a:bodyPr>
+          <a:p>
+            <a:pPr marL="365760" lvl="0" indent="-228600" algn="l" rtl="0">
+              <a:lnSpc>
+                <a:spcPct val="200000"/>
+              </a:lnSpc>
+              <a:spcBef>
+                <a:spcPts val="0"/>
+              </a:spcBef>
+              <a:spcAft>
+                <a:spcPts val="0"/>
+              </a:spcAft>
+              <a:buClr>
+                <a:srgbClr val="000000"/>
+              </a:buClr>
+              <a:buSzPts val="1440"/>
+              <a:buFont typeface="Arial" panose="020B0604020202020204" pitchFamily="34" charset="0"/>
+              <a:buChar char="•"/>
+            </a:pPr>
+            <a:r>
+              <a:rPr lang="en-US" sz="1800" dirty="0">
+                <a:solidFill>
+                  <a:schemeClr val="tx1"/>
+                </a:solidFill>
+                <a:latin typeface="Times New Roman" panose="02020603050405020304"/>
+                <a:ea typeface="Times New Roman" panose="02020603050405020304"/>
+                <a:cs typeface="Times New Roman" panose="02020603050405020304"/>
+                <a:sym typeface="Times New Roman" panose="02020603050405020304"/>
+              </a:rPr>
+              <a:t>When you use App Service for other apps, your functions will run on the same plan (VMs) at no extra cost.</a:t>
+            </a:r>
+            <a:endParaRPr lang="en-US" sz="1800" dirty="0">
+              <a:solidFill>
+                <a:schemeClr val="tx1"/>
+              </a:solidFill>
+              <a:latin typeface="Times New Roman" panose="02020603050405020304"/>
+              <a:ea typeface="Times New Roman" panose="02020603050405020304"/>
+              <a:cs typeface="Times New Roman" panose="02020603050405020304"/>
+              <a:sym typeface="Times New Roman" panose="02020603050405020304"/>
+            </a:endParaRPr>
+          </a:p>
+          <a:p>
+            <a:pPr marL="365760" lvl="0" indent="-228600" algn="l" rtl="0">
+              <a:lnSpc>
+                <a:spcPct val="200000"/>
+              </a:lnSpc>
+              <a:spcBef>
+                <a:spcPts val="0"/>
+              </a:spcBef>
+              <a:spcAft>
+                <a:spcPts val="0"/>
+              </a:spcAft>
+              <a:buClr>
+                <a:srgbClr val="000000"/>
+              </a:buClr>
+              <a:buSzPts val="1440"/>
+              <a:buFont typeface="Arial" panose="020B0604020202020204" pitchFamily="34" charset="0"/>
+              <a:buChar char="•"/>
+            </a:pPr>
+            <a:r>
+              <a:rPr lang="en-US" sz="1800" dirty="0">
+                <a:solidFill>
+                  <a:schemeClr val="tx1"/>
+                </a:solidFill>
+                <a:latin typeface="Times New Roman" panose="02020603050405020304"/>
+                <a:ea typeface="Times New Roman" panose="02020603050405020304"/>
+                <a:cs typeface="Times New Roman" panose="02020603050405020304"/>
+                <a:sym typeface="Times New Roman" panose="02020603050405020304"/>
+              </a:rPr>
+              <a:t>You may scale it out manually by adding more VM instances for an App Service plan.</a:t>
+            </a:r>
+            <a:endParaRPr lang="en-US" sz="1800" dirty="0">
+              <a:solidFill>
+                <a:schemeClr val="tx1"/>
+              </a:solidFill>
+              <a:latin typeface="Times New Roman" panose="02020603050405020304"/>
+              <a:ea typeface="Times New Roman" panose="02020603050405020304"/>
+              <a:cs typeface="Times New Roman" panose="02020603050405020304"/>
+              <a:sym typeface="Times New Roman" panose="02020603050405020304"/>
+            </a:endParaRPr>
+          </a:p>
+        </p:txBody>
+      </p:sp>
+    </p:spTree>
+  </p:cSld>
+  <p:clrMapOvr>
+    <a:masterClrMapping/>
+  </p:clrMapOvr>
+  <mc:AlternateContent xmlns:mc="http://schemas.openxmlformats.org/markup-compatibility/2006">
+    <mc:Choice xmlns:p14="http://schemas.microsoft.com/office/powerpoint/2010/main" Requires="p14">
+      <p:transition spd="med" p14:dur="699">
+        <p:fade/>
+      </p:transition>
+    </mc:Choice>
+    <mc:Fallback>
+      <p:transition spd="med">
+        <p:fade/>
+      </p:transition>
+    </mc:Fallback>
+  </mc:AlternateContent>
+</p:sld>
+</file>
+
+<file path=ppt/slides/slide38.xml><?xml version="1.0" encoding="utf-8"?>
+<p:sld xmlns:a="http://schemas.openxmlformats.org/drawingml/2006/main" xmlns:r="http://schemas.openxmlformats.org/officeDocument/2006/relationships" xmlns:p="http://schemas.openxmlformats.org/presentationml/2006/main">
+  <p:cSld>
+    <p:bg>
+      <p:bgPr>
+        <a:noFill/>
+        <a:effectLst/>
+      </p:bgPr>
+    </p:bg>
+    <p:spTree>
+      <p:nvGrpSpPr>
+        <p:cNvPr id="1" name="Shape 98"/>
+        <p:cNvGrpSpPr/>
+        <p:nvPr/>
+      </p:nvGrpSpPr>
+      <p:grpSpPr>
+        <a:xfrm>
+          <a:off x="0" y="0"/>
+          <a:ext cx="0" cy="0"/>
+          <a:chOff x="0" y="0"/>
+          <a:chExt cx="0" cy="0"/>
+        </a:xfrm>
+      </p:grpSpPr>
+      <p:grpSp>
+        <p:nvGrpSpPr>
+          <p:cNvPr id="99" name="Google Shape;99;p16"/>
+          <p:cNvGrpSpPr/>
+          <p:nvPr/>
+        </p:nvGrpSpPr>
+        <p:grpSpPr>
+          <a:xfrm>
+            <a:off x="114300" y="4689483"/>
+            <a:ext cx="8915325" cy="383150"/>
+            <a:chOff x="114300" y="4689483"/>
+            <a:chExt cx="8915325" cy="383150"/>
+          </a:xfrm>
+        </p:grpSpPr>
+        <p:pic>
+          <p:nvPicPr>
+            <p:cNvPr id="100" name="Google Shape;100;p16"/>
+            <p:cNvPicPr preferRelativeResize="0"/>
+            <p:nvPr/>
+          </p:nvPicPr>
+          <p:blipFill>
+            <a:blip r:embed="rId1"/>
+            <a:stretch>
+              <a:fillRect/>
+            </a:stretch>
+          </p:blipFill>
+          <p:spPr>
+            <a:xfrm>
+              <a:off x="114300" y="4689483"/>
+              <a:ext cx="1518224" cy="383150"/>
+            </a:xfrm>
+            <a:prstGeom prst="rect">
+              <a:avLst/>
+            </a:prstGeom>
+            <a:noFill/>
+            <a:ln>
+              <a:noFill/>
+            </a:ln>
+          </p:spPr>
+        </p:pic>
+        <p:sp>
+          <p:nvSpPr>
+            <p:cNvPr id="101" name="Google Shape;101;p16"/>
+            <p:cNvSpPr/>
+            <p:nvPr/>
+          </p:nvSpPr>
+          <p:spPr>
+            <a:xfrm>
+              <a:off x="1760625" y="4964175"/>
+              <a:ext cx="7269000" cy="30600"/>
+            </a:xfrm>
+            <a:prstGeom prst="rect">
+              <a:avLst/>
+            </a:prstGeom>
+            <a:solidFill>
+              <a:schemeClr val="lt2"/>
+            </a:solidFill>
+            <a:ln>
+              <a:noFill/>
+            </a:ln>
+          </p:spPr>
+          <p:txBody>
+            <a:bodyPr spcFirstLastPara="1" wrap="square" lIns="91425" tIns="91425" rIns="91425" bIns="91425" anchor="ctr" anchorCtr="0">
+              <a:noAutofit/>
+            </a:bodyPr>
+            <a:lstStyle/>
+            <a:p>
+              <a:pPr marL="0" lvl="0" indent="0" algn="l" rtl="0">
+                <a:spcBef>
+                  <a:spcPts val="0"/>
+                </a:spcBef>
+                <a:spcAft>
+                  <a:spcPts val="0"/>
+                </a:spcAft>
+                <a:buNone/>
+              </a:pPr>
+            </a:p>
+          </p:txBody>
+        </p:sp>
+      </p:grpSp>
+      <p:pic>
+        <p:nvPicPr>
+          <p:cNvPr id="102" name="Google Shape;102;p16"/>
+          <p:cNvPicPr preferRelativeResize="0"/>
+          <p:nvPr/>
+        </p:nvPicPr>
+        <p:blipFill>
+          <a:blip r:embed="rId2"/>
+          <a:stretch>
+            <a:fillRect/>
+          </a:stretch>
+        </p:blipFill>
+        <p:spPr>
+          <a:xfrm>
+            <a:off x="114300" y="167250"/>
+            <a:ext cx="202499" cy="440248"/>
+          </a:xfrm>
+          <a:prstGeom prst="rect">
+            <a:avLst/>
+          </a:prstGeom>
+          <a:noFill/>
+          <a:ln>
+            <a:noFill/>
+          </a:ln>
+        </p:spPr>
+      </p:pic>
+      <p:sp>
+        <p:nvSpPr>
+          <p:cNvPr id="103" name="Google Shape;103;p16"/>
+          <p:cNvSpPr txBox="1"/>
+          <p:nvPr/>
+        </p:nvSpPr>
+        <p:spPr>
+          <a:xfrm>
+            <a:off x="392999" y="141075"/>
+            <a:ext cx="8636625" cy="488950"/>
+          </a:xfrm>
+          <a:prstGeom prst="rect">
+            <a:avLst/>
+          </a:prstGeom>
+          <a:noFill/>
+          <a:ln>
+            <a:noFill/>
+          </a:ln>
+        </p:spPr>
+        <p:txBody>
+          <a:bodyPr spcFirstLastPara="1" wrap="square" lIns="91425" tIns="91425" rIns="91425" bIns="91425" anchor="t" anchorCtr="0">
+            <a:spAutoFit/>
+          </a:bodyPr>
+          <a:lstStyle/>
+          <a:p>
+            <a:pPr marL="0" lvl="0" indent="0" algn="l" rtl="0">
+              <a:spcBef>
+                <a:spcPts val="0"/>
+              </a:spcBef>
+              <a:spcAft>
+                <a:spcPts val="0"/>
+              </a:spcAft>
+              <a:buNone/>
+            </a:pPr>
+            <a:r>
+              <a:rPr lang="en-US" altLang="en-GB" sz="2000" b="1">
+                <a:solidFill>
+                  <a:srgbClr val="8DC63F"/>
+                </a:solidFill>
+                <a:latin typeface="Tahoma" panose="020B0604030504040204" charset="0"/>
+                <a:ea typeface="Roboto" panose="020B0704020202020204"/>
+                <a:cs typeface="Tahoma" panose="020B0604030504040204" charset="0"/>
+                <a:sym typeface="Roboto" panose="020B0704020202020204"/>
+              </a:rPr>
               <a:t>SEVERLESS ARCHITECTURE</a:t>
             </a:r>
             <a:endParaRPr lang="en-US" altLang="en-GB" sz="2000" b="1">
@@ -31534,7 +32016,7 @@
 </p:sld>
 </file>
 
-<file path=ppt/slides/slide38.xml><?xml version="1.0" encoding="utf-8"?>
+<file path=ppt/slides/slide39.xml><?xml version="1.0" encoding="utf-8"?>
 <p:sld xmlns:a="http://schemas.openxmlformats.org/drawingml/2006/main" xmlns:r="http://schemas.openxmlformats.org/officeDocument/2006/relationships" xmlns:p="http://schemas.openxmlformats.org/presentationml/2006/main">
   <p:cSld>
     <p:bg>
@@ -31632,270 +32114,6 @@
               <a:t>Q&amp;A</a:t>
             </a:r>
             <a:endParaRPr lang="en-US" altLang="en-GB" sz="3600" b="1">
-              <a:solidFill>
-                <a:schemeClr val="lt1"/>
-              </a:solidFill>
-              <a:latin typeface="Roboto" panose="020B0704020202020204"/>
-              <a:ea typeface="Roboto" panose="020B0704020202020204"/>
-              <a:cs typeface="Roboto" panose="020B0704020202020204"/>
-              <a:sym typeface="Roboto" panose="020B0704020202020204"/>
-            </a:endParaRPr>
-          </a:p>
-        </p:txBody>
-      </p:sp>
-      <p:sp>
-        <p:nvSpPr>
-          <p:cNvPr id="521" name="Google Shape;521;p36"/>
-          <p:cNvSpPr/>
-          <p:nvPr/>
-        </p:nvSpPr>
-        <p:spPr>
-          <a:xfrm>
-            <a:off x="0" y="4557200"/>
-            <a:ext cx="9153000" cy="586200"/>
-          </a:xfrm>
-          <a:prstGeom prst="rect">
-            <a:avLst/>
-          </a:prstGeom>
-          <a:solidFill>
-            <a:schemeClr val="lt1"/>
-          </a:solidFill>
-          <a:ln>
-            <a:noFill/>
-          </a:ln>
-        </p:spPr>
-        <p:txBody>
-          <a:bodyPr spcFirstLastPara="1" wrap="square" lIns="91425" tIns="91425" rIns="91425" bIns="91425" anchor="ctr" anchorCtr="0">
-            <a:noAutofit/>
-          </a:bodyPr>
-          <a:lstStyle/>
-          <a:p>
-            <a:pPr marL="0" lvl="0" indent="0" algn="l" rtl="0">
-              <a:spcBef>
-                <a:spcPts val="0"/>
-              </a:spcBef>
-              <a:spcAft>
-                <a:spcPts val="0"/>
-              </a:spcAft>
-              <a:buNone/>
-            </a:pPr>
-          </a:p>
-        </p:txBody>
-      </p:sp>
-      <p:pic>
-        <p:nvPicPr>
-          <p:cNvPr id="522" name="Google Shape;522;p36"/>
-          <p:cNvPicPr preferRelativeResize="0"/>
-          <p:nvPr/>
-        </p:nvPicPr>
-        <p:blipFill>
-          <a:blip r:embed="rId2"/>
-          <a:stretch>
-            <a:fillRect/>
-          </a:stretch>
-        </p:blipFill>
-        <p:spPr>
-          <a:xfrm>
-            <a:off x="114300" y="4689483"/>
-            <a:ext cx="1518224" cy="383150"/>
-          </a:xfrm>
-          <a:prstGeom prst="rect">
-            <a:avLst/>
-          </a:prstGeom>
-          <a:noFill/>
-          <a:ln>
-            <a:noFill/>
-          </a:ln>
-        </p:spPr>
-      </p:pic>
-      <p:sp>
-        <p:nvSpPr>
-          <p:cNvPr id="523" name="Google Shape;523;p36"/>
-          <p:cNvSpPr/>
-          <p:nvPr/>
-        </p:nvSpPr>
-        <p:spPr>
-          <a:xfrm>
-            <a:off x="1760625" y="4964175"/>
-            <a:ext cx="7269000" cy="30600"/>
-          </a:xfrm>
-          <a:prstGeom prst="rect">
-            <a:avLst/>
-          </a:prstGeom>
-          <a:solidFill>
-            <a:schemeClr val="lt2"/>
-          </a:solidFill>
-          <a:ln>
-            <a:noFill/>
-          </a:ln>
-        </p:spPr>
-        <p:txBody>
-          <a:bodyPr spcFirstLastPara="1" wrap="square" lIns="91425" tIns="91425" rIns="91425" bIns="91425" anchor="ctr" anchorCtr="0">
-            <a:noAutofit/>
-          </a:bodyPr>
-          <a:lstStyle/>
-          <a:p>
-            <a:pPr marL="0" lvl="0" indent="0" algn="l" rtl="0">
-              <a:spcBef>
-                <a:spcPts val="0"/>
-              </a:spcBef>
-              <a:spcAft>
-                <a:spcPts val="0"/>
-              </a:spcAft>
-              <a:buNone/>
-            </a:pPr>
-          </a:p>
-        </p:txBody>
-      </p:sp>
-      <p:sp>
-        <p:nvSpPr>
-          <p:cNvPr id="2" name="Slide Number Placeholder 1"/>
-          <p:cNvSpPr>
-            <a:spLocks noGrp="1"/>
-          </p:cNvSpPr>
-          <p:nvPr>
-            <p:ph type="sldNum" idx="12"/>
-          </p:nvPr>
-        </p:nvSpPr>
-        <p:spPr/>
-        <p:txBody>
-          <a:bodyPr/>
-          <a:lstStyle/>
-          <a:p>
-            <a:pPr marL="0" lvl="0" indent="0" algn="r" rtl="0">
-              <a:spcBef>
-                <a:spcPts val="0"/>
-              </a:spcBef>
-              <a:spcAft>
-                <a:spcPts val="0"/>
-              </a:spcAft>
-              <a:buNone/>
-            </a:pPr>
-            <a:fld id="{00000000-1234-1234-1234-123412341234}" type="slidenum">
-              <a:rPr lang="en-GB"/>
-            </a:fld>
-            <a:endParaRPr lang="en-GB"/>
-          </a:p>
-        </p:txBody>
-      </p:sp>
-    </p:spTree>
-  </p:cSld>
-  <p:clrMapOvr>
-    <a:masterClrMapping/>
-  </p:clrMapOvr>
-  <mc:AlternateContent xmlns:mc="http://schemas.openxmlformats.org/markup-compatibility/2006">
-    <mc:Choice xmlns:p14="http://schemas.microsoft.com/office/powerpoint/2010/main" Requires="p14">
-      <p:transition spd="med" p14:dur="699">
-        <p:fade/>
-      </p:transition>
-    </mc:Choice>
-    <mc:Fallback>
-      <p:transition spd="med">
-        <p:fade/>
-      </p:transition>
-    </mc:Fallback>
-  </mc:AlternateContent>
-</p:sld>
-</file>
-
-<file path=ppt/slides/slide39.xml><?xml version="1.0" encoding="utf-8"?>
-<p:sld xmlns:a="http://schemas.openxmlformats.org/drawingml/2006/main" xmlns:r="http://schemas.openxmlformats.org/officeDocument/2006/relationships" xmlns:p="http://schemas.openxmlformats.org/presentationml/2006/main">
-  <p:cSld>
-    <p:bg>
-      <p:bgPr>
-        <a:solidFill>
-          <a:srgbClr val="151B22"/>
-        </a:solidFill>
-        <a:effectLst/>
-      </p:bgPr>
-    </p:bg>
-    <p:spTree>
-      <p:nvGrpSpPr>
-        <p:cNvPr id="1" name="Shape 518"/>
-        <p:cNvGrpSpPr/>
-        <p:nvPr/>
-      </p:nvGrpSpPr>
-      <p:grpSpPr>
-        <a:xfrm>
-          <a:off x="0" y="0"/>
-          <a:ext cx="0" cy="0"/>
-          <a:chOff x="0" y="0"/>
-          <a:chExt cx="0" cy="0"/>
-        </a:xfrm>
-      </p:grpSpPr>
-      <p:pic>
-        <p:nvPicPr>
-          <p:cNvPr id="519" name="Google Shape;519;p36"/>
-          <p:cNvPicPr preferRelativeResize="0"/>
-          <p:nvPr/>
-        </p:nvPicPr>
-        <p:blipFill>
-          <a:blip r:embed="rId1"/>
-          <a:stretch>
-            <a:fillRect/>
-          </a:stretch>
-        </p:blipFill>
-        <p:spPr>
-          <a:xfrm>
-            <a:off x="114300" y="0"/>
-            <a:ext cx="9029700" cy="4995545"/>
-          </a:xfrm>
-          <a:prstGeom prst="rect">
-            <a:avLst/>
-          </a:prstGeom>
-          <a:noFill/>
-          <a:ln>
-            <a:noFill/>
-          </a:ln>
-        </p:spPr>
-      </p:pic>
-      <p:sp>
-        <p:nvSpPr>
-          <p:cNvPr id="520" name="Google Shape;520;p36"/>
-          <p:cNvSpPr txBox="1"/>
-          <p:nvPr/>
-        </p:nvSpPr>
-        <p:spPr>
-          <a:xfrm>
-            <a:off x="1895400" y="2202308"/>
-            <a:ext cx="5353200" cy="738900"/>
-          </a:xfrm>
-          <a:prstGeom prst="rect">
-            <a:avLst/>
-          </a:prstGeom>
-          <a:noFill/>
-          <a:ln>
-            <a:noFill/>
-          </a:ln>
-        </p:spPr>
-        <p:txBody>
-          <a:bodyPr spcFirstLastPara="1" wrap="square" lIns="91425" tIns="91425" rIns="91425" bIns="91425" anchor="t" anchorCtr="0">
-            <a:spAutoFit/>
-          </a:bodyPr>
-          <a:lstStyle/>
-          <a:p>
-            <a:pPr marL="0" lvl="0" indent="0" algn="ctr" rtl="0">
-              <a:spcBef>
-                <a:spcPts val="0"/>
-              </a:spcBef>
-              <a:spcAft>
-                <a:spcPts val="0"/>
-              </a:spcAft>
-              <a:buNone/>
-            </a:pPr>
-            <a:r>
-              <a:rPr lang="en-GB" sz="3600" b="1">
-                <a:solidFill>
-                  <a:schemeClr val="lt1"/>
-                </a:solidFill>
-                <a:latin typeface="Roboto" panose="020B0704020202020204"/>
-                <a:ea typeface="Roboto" panose="020B0704020202020204"/>
-                <a:cs typeface="Roboto" panose="020B0704020202020204"/>
-                <a:sym typeface="Roboto" panose="020B0704020202020204"/>
-              </a:rPr>
-              <a:t>THANK YOU!</a:t>
-            </a:r>
-            <a:endParaRPr sz="3600" b="1">
               <a:solidFill>
                 <a:schemeClr val="lt1"/>
               </a:solidFill>
@@ -32423,6 +32641,270 @@
               <a:cs typeface="Times New Roman" panose="02020603050405020304"/>
               <a:sym typeface="Times New Roman" panose="02020603050405020304"/>
             </a:endParaRPr>
+          </a:p>
+        </p:txBody>
+      </p:sp>
+    </p:spTree>
+  </p:cSld>
+  <p:clrMapOvr>
+    <a:masterClrMapping/>
+  </p:clrMapOvr>
+  <mc:AlternateContent xmlns:mc="http://schemas.openxmlformats.org/markup-compatibility/2006">
+    <mc:Choice xmlns:p14="http://schemas.microsoft.com/office/powerpoint/2010/main" Requires="p14">
+      <p:transition spd="med" p14:dur="699">
+        <p:fade/>
+      </p:transition>
+    </mc:Choice>
+    <mc:Fallback>
+      <p:transition spd="med">
+        <p:fade/>
+      </p:transition>
+    </mc:Fallback>
+  </mc:AlternateContent>
+</p:sld>
+</file>
+
+<file path=ppt/slides/slide40.xml><?xml version="1.0" encoding="utf-8"?>
+<p:sld xmlns:a="http://schemas.openxmlformats.org/drawingml/2006/main" xmlns:r="http://schemas.openxmlformats.org/officeDocument/2006/relationships" xmlns:p="http://schemas.openxmlformats.org/presentationml/2006/main">
+  <p:cSld>
+    <p:bg>
+      <p:bgPr>
+        <a:solidFill>
+          <a:srgbClr val="151B22"/>
+        </a:solidFill>
+        <a:effectLst/>
+      </p:bgPr>
+    </p:bg>
+    <p:spTree>
+      <p:nvGrpSpPr>
+        <p:cNvPr id="1" name="Shape 518"/>
+        <p:cNvGrpSpPr/>
+        <p:nvPr/>
+      </p:nvGrpSpPr>
+      <p:grpSpPr>
+        <a:xfrm>
+          <a:off x="0" y="0"/>
+          <a:ext cx="0" cy="0"/>
+          <a:chOff x="0" y="0"/>
+          <a:chExt cx="0" cy="0"/>
+        </a:xfrm>
+      </p:grpSpPr>
+      <p:pic>
+        <p:nvPicPr>
+          <p:cNvPr id="519" name="Google Shape;519;p36"/>
+          <p:cNvPicPr preferRelativeResize="0"/>
+          <p:nvPr/>
+        </p:nvPicPr>
+        <p:blipFill>
+          <a:blip r:embed="rId1"/>
+          <a:stretch>
+            <a:fillRect/>
+          </a:stretch>
+        </p:blipFill>
+        <p:spPr>
+          <a:xfrm>
+            <a:off x="114300" y="0"/>
+            <a:ext cx="9029700" cy="4995545"/>
+          </a:xfrm>
+          <a:prstGeom prst="rect">
+            <a:avLst/>
+          </a:prstGeom>
+          <a:noFill/>
+          <a:ln>
+            <a:noFill/>
+          </a:ln>
+        </p:spPr>
+      </p:pic>
+      <p:sp>
+        <p:nvSpPr>
+          <p:cNvPr id="520" name="Google Shape;520;p36"/>
+          <p:cNvSpPr txBox="1"/>
+          <p:nvPr/>
+        </p:nvSpPr>
+        <p:spPr>
+          <a:xfrm>
+            <a:off x="1895400" y="2202308"/>
+            <a:ext cx="5353200" cy="738900"/>
+          </a:xfrm>
+          <a:prstGeom prst="rect">
+            <a:avLst/>
+          </a:prstGeom>
+          <a:noFill/>
+          <a:ln>
+            <a:noFill/>
+          </a:ln>
+        </p:spPr>
+        <p:txBody>
+          <a:bodyPr spcFirstLastPara="1" wrap="square" lIns="91425" tIns="91425" rIns="91425" bIns="91425" anchor="t" anchorCtr="0">
+            <a:spAutoFit/>
+          </a:bodyPr>
+          <a:lstStyle/>
+          <a:p>
+            <a:pPr marL="0" lvl="0" indent="0" algn="ctr" rtl="0">
+              <a:spcBef>
+                <a:spcPts val="0"/>
+              </a:spcBef>
+              <a:spcAft>
+                <a:spcPts val="0"/>
+              </a:spcAft>
+              <a:buNone/>
+            </a:pPr>
+            <a:r>
+              <a:rPr lang="en-GB" sz="3600" b="1">
+                <a:solidFill>
+                  <a:schemeClr val="lt1"/>
+                </a:solidFill>
+                <a:latin typeface="Roboto" panose="020B0704020202020204"/>
+                <a:ea typeface="Roboto" panose="020B0704020202020204"/>
+                <a:cs typeface="Roboto" panose="020B0704020202020204"/>
+                <a:sym typeface="Roboto" panose="020B0704020202020204"/>
+              </a:rPr>
+              <a:t>THANK YOU!</a:t>
+            </a:r>
+            <a:endParaRPr sz="3600" b="1">
+              <a:solidFill>
+                <a:schemeClr val="lt1"/>
+              </a:solidFill>
+              <a:latin typeface="Roboto" panose="020B0704020202020204"/>
+              <a:ea typeface="Roboto" panose="020B0704020202020204"/>
+              <a:cs typeface="Roboto" panose="020B0704020202020204"/>
+              <a:sym typeface="Roboto" panose="020B0704020202020204"/>
+            </a:endParaRPr>
+          </a:p>
+        </p:txBody>
+      </p:sp>
+      <p:sp>
+        <p:nvSpPr>
+          <p:cNvPr id="521" name="Google Shape;521;p36"/>
+          <p:cNvSpPr/>
+          <p:nvPr/>
+        </p:nvSpPr>
+        <p:spPr>
+          <a:xfrm>
+            <a:off x="0" y="4557200"/>
+            <a:ext cx="9153000" cy="586200"/>
+          </a:xfrm>
+          <a:prstGeom prst="rect">
+            <a:avLst/>
+          </a:prstGeom>
+          <a:solidFill>
+            <a:schemeClr val="lt1"/>
+          </a:solidFill>
+          <a:ln>
+            <a:noFill/>
+          </a:ln>
+        </p:spPr>
+        <p:txBody>
+          <a:bodyPr spcFirstLastPara="1" wrap="square" lIns="91425" tIns="91425" rIns="91425" bIns="91425" anchor="ctr" anchorCtr="0">
+            <a:noAutofit/>
+          </a:bodyPr>
+          <a:lstStyle/>
+          <a:p>
+            <a:pPr marL="0" lvl="0" indent="0" algn="l" rtl="0">
+              <a:spcBef>
+                <a:spcPts val="0"/>
+              </a:spcBef>
+              <a:spcAft>
+                <a:spcPts val="0"/>
+              </a:spcAft>
+              <a:buNone/>
+            </a:pPr>
+          </a:p>
+        </p:txBody>
+      </p:sp>
+      <p:pic>
+        <p:nvPicPr>
+          <p:cNvPr id="522" name="Google Shape;522;p36"/>
+          <p:cNvPicPr preferRelativeResize="0"/>
+          <p:nvPr/>
+        </p:nvPicPr>
+        <p:blipFill>
+          <a:blip r:embed="rId2"/>
+          <a:stretch>
+            <a:fillRect/>
+          </a:stretch>
+        </p:blipFill>
+        <p:spPr>
+          <a:xfrm>
+            <a:off x="114300" y="4689483"/>
+            <a:ext cx="1518224" cy="383150"/>
+          </a:xfrm>
+          <a:prstGeom prst="rect">
+            <a:avLst/>
+          </a:prstGeom>
+          <a:noFill/>
+          <a:ln>
+            <a:noFill/>
+          </a:ln>
+        </p:spPr>
+      </p:pic>
+      <p:sp>
+        <p:nvSpPr>
+          <p:cNvPr id="523" name="Google Shape;523;p36"/>
+          <p:cNvSpPr/>
+          <p:nvPr/>
+        </p:nvSpPr>
+        <p:spPr>
+          <a:xfrm>
+            <a:off x="1760625" y="4964175"/>
+            <a:ext cx="7269000" cy="30600"/>
+          </a:xfrm>
+          <a:prstGeom prst="rect">
+            <a:avLst/>
+          </a:prstGeom>
+          <a:solidFill>
+            <a:schemeClr val="lt2"/>
+          </a:solidFill>
+          <a:ln>
+            <a:noFill/>
+          </a:ln>
+        </p:spPr>
+        <p:txBody>
+          <a:bodyPr spcFirstLastPara="1" wrap="square" lIns="91425" tIns="91425" rIns="91425" bIns="91425" anchor="ctr" anchorCtr="0">
+            <a:noAutofit/>
+          </a:bodyPr>
+          <a:lstStyle/>
+          <a:p>
+            <a:pPr marL="0" lvl="0" indent="0" algn="l" rtl="0">
+              <a:spcBef>
+                <a:spcPts val="0"/>
+              </a:spcBef>
+              <a:spcAft>
+                <a:spcPts val="0"/>
+              </a:spcAft>
+              <a:buNone/>
+            </a:pPr>
+          </a:p>
+        </p:txBody>
+      </p:sp>
+      <p:sp>
+        <p:nvSpPr>
+          <p:cNvPr id="2" name="Slide Number Placeholder 1"/>
+          <p:cNvSpPr>
+            <a:spLocks noGrp="1"/>
+          </p:cNvSpPr>
+          <p:nvPr>
+            <p:ph type="sldNum" idx="12"/>
+          </p:nvPr>
+        </p:nvSpPr>
+        <p:spPr/>
+        <p:txBody>
+          <a:bodyPr/>
+          <a:lstStyle/>
+          <a:p>
+            <a:pPr marL="0" lvl="0" indent="0" algn="r" rtl="0">
+              <a:spcBef>
+                <a:spcPts val="0"/>
+              </a:spcBef>
+              <a:spcAft>
+                <a:spcPts val="0"/>
+              </a:spcAft>
+              <a:buNone/>
+            </a:pPr>
+            <a:fld id="{00000000-1234-1234-1234-123412341234}" type="slidenum">
+              <a:rPr lang="en-GB"/>
+            </a:fld>
+            <a:endParaRPr lang="en-GB"/>
           </a:p>
         </p:txBody>
       </p:sp>
@@ -32876,7 +33358,7 @@
         <p:spPr>
           <a:xfrm>
             <a:off x="316799" y="742539"/>
-            <a:ext cx="8335645" cy="3505200"/>
+            <a:ext cx="8335645" cy="2951480"/>
           </a:xfrm>
           <a:prstGeom prst="rect">
             <a:avLst/>
@@ -32959,7 +33441,7 @@
                 <a:cs typeface="Times New Roman" panose="02020603050405020304"/>
                 <a:sym typeface="Times New Roman" panose="02020603050405020304"/>
               </a:rPr>
-              <a:t>Easier to write deploy code.</a:t>
+              <a:t>Easier to write and deploy code.</a:t>
             </a:r>
             <a:endParaRPr lang="en-US" sz="1800" dirty="0">
               <a:solidFill>
@@ -32999,47 +33481,7 @@
                 <a:cs typeface="Times New Roman" panose="02020603050405020304"/>
                 <a:sym typeface="Times New Roman" panose="02020603050405020304"/>
               </a:rPr>
-              <a:t>Integration with other Azure Services</a:t>
-            </a:r>
-            <a:endParaRPr lang="en-US" sz="1800" dirty="0">
-              <a:solidFill>
-                <a:schemeClr val="tx1"/>
-              </a:solidFill>
-              <a:latin typeface="Times New Roman" panose="02020603050405020304"/>
-              <a:ea typeface="Times New Roman" panose="02020603050405020304"/>
-              <a:cs typeface="Times New Roman" panose="02020603050405020304"/>
-              <a:sym typeface="Times New Roman" panose="02020603050405020304"/>
-            </a:endParaRPr>
-          </a:p>
-          <a:p>
-            <a:pPr marL="365760" lvl="0" indent="-228600" algn="l" rtl="0">
-              <a:lnSpc>
-                <a:spcPct val="200000"/>
-              </a:lnSpc>
-              <a:spcBef>
-                <a:spcPts val="0"/>
-              </a:spcBef>
-              <a:spcAft>
-                <a:spcPts val="0"/>
-              </a:spcAft>
-              <a:buClr>
-                <a:srgbClr val="000000"/>
-              </a:buClr>
-              <a:buSzPts val="1440"/>
-              <a:buFont typeface="Arial" panose="020B0604020202020204" pitchFamily="34" charset="0"/>
-              <a:buChar char="•"/>
-            </a:pPr>
-            <a:r>
-              <a:rPr lang="en-US" sz="1800" dirty="0">
-                <a:solidFill>
-                  <a:schemeClr val="tx1"/>
-                </a:solidFill>
-                <a:latin typeface="Times New Roman" panose="02020603050405020304"/>
-                <a:ea typeface="Times New Roman" panose="02020603050405020304"/>
-                <a:cs typeface="Times New Roman" panose="02020603050405020304"/>
-                <a:sym typeface="Times New Roman" panose="02020603050405020304"/>
-              </a:rPr>
-              <a:t>Do not need to setup infrastructure .</a:t>
+              <a:t>Do not need to setup infrastructure.</a:t>
             </a:r>
             <a:endParaRPr lang="en-US" sz="1800" dirty="0">
               <a:solidFill>
@@ -33641,7 +34083,7 @@
         </p:nvSpPr>
         <p:spPr>
           <a:xfrm>
-            <a:off x="255905" y="478155"/>
+            <a:off x="256540" y="426085"/>
             <a:ext cx="8631555" cy="2397125"/>
           </a:xfrm>
           <a:prstGeom prst="rect">
@@ -33786,7 +34228,7 @@
         </p:nvSpPr>
         <p:spPr>
           <a:xfrm>
-            <a:off x="403860" y="2659380"/>
+            <a:off x="316865" y="708660"/>
             <a:ext cx="8631555" cy="2397125"/>
           </a:xfrm>
           <a:prstGeom prst="rect">
@@ -33940,6 +34382,231 @@
       </p:transition>
     </mc:Fallback>
   </mc:AlternateContent>
+  <p:timing>
+    <p:tnLst>
+      <p:par>
+        <p:cTn id="1" dur="indefinite" restart="never" nodeType="tmRoot">
+          <p:childTnLst>
+            <p:seq concurrent="1" nextAc="seek">
+              <p:cTn id="2" dur="indefinite" nodeType="mainSeq">
+                <p:childTnLst>
+                  <p:par>
+                    <p:cTn id="3" fill="hold">
+                      <p:stCondLst>
+                        <p:cond delay="indefinite"/>
+                      </p:stCondLst>
+                      <p:childTnLst>
+                        <p:par>
+                          <p:cTn id="4" fill="hold">
+                            <p:stCondLst>
+                              <p:cond delay="0"/>
+                            </p:stCondLst>
+                            <p:childTnLst>
+                              <p:par>
+                                <p:cTn id="5" presetID="7" presetClass="entr" presetSubtype="4" fill="hold" grpId="0" nodeType="clickEffect">
+                                  <p:stCondLst>
+                                    <p:cond delay="0"/>
+                                  </p:stCondLst>
+                                  <p:childTnLst>
+                                    <p:set>
+                                      <p:cBhvr>
+                                        <p:cTn id="6" dur="500" fill="hold">
+                                          <p:stCondLst>
+                                            <p:cond delay="0"/>
+                                          </p:stCondLst>
+                                        </p:cTn>
+                                        <p:tgtEl>
+                                          <p:spTgt spid="4"/>
+                                        </p:tgtEl>
+                                        <p:attrNameLst>
+                                          <p:attrName>style.visibility</p:attrName>
+                                        </p:attrNameLst>
+                                      </p:cBhvr>
+                                      <p:to>
+                                        <p:strVal val="visible"/>
+                                      </p:to>
+                                    </p:set>
+                                    <p:anim calcmode="lin" valueType="num">
+                                      <p:cBhvr additive="base">
+                                        <p:cTn id="7" dur="500" fill="hold"/>
+                                        <p:tgtEl>
+                                          <p:spTgt spid="4"/>
+                                        </p:tgtEl>
+                                        <p:attrNameLst>
+                                          <p:attrName>ppt_x</p:attrName>
+                                        </p:attrNameLst>
+                                      </p:cBhvr>
+                                      <p:tavLst>
+                                        <p:tav tm="0">
+                                          <p:val>
+                                            <p:strVal val="#ppt_x"/>
+                                          </p:val>
+                                        </p:tav>
+                                        <p:tav tm="100000">
+                                          <p:val>
+                                            <p:strVal val="#ppt_x"/>
+                                          </p:val>
+                                        </p:tav>
+                                      </p:tavLst>
+                                    </p:anim>
+                                    <p:anim calcmode="lin" valueType="num">
+                                      <p:cBhvr additive="base">
+                                        <p:cTn id="8" dur="500" fill="hold"/>
+                                        <p:tgtEl>
+                                          <p:spTgt spid="4"/>
+                                        </p:tgtEl>
+                                        <p:attrNameLst>
+                                          <p:attrName>ppt_y</p:attrName>
+                                        </p:attrNameLst>
+                                      </p:cBhvr>
+                                      <p:tavLst>
+                                        <p:tav tm="0">
+                                          <p:val>
+                                            <p:strVal val="1+#ppt_h/2"/>
+                                          </p:val>
+                                        </p:tav>
+                                        <p:tav tm="100000">
+                                          <p:val>
+                                            <p:strVal val="#ppt_y"/>
+                                          </p:val>
+                                        </p:tav>
+                                      </p:tavLst>
+                                    </p:anim>
+                                  </p:childTnLst>
+                                </p:cTn>
+                              </p:par>
+                            </p:childTnLst>
+                          </p:cTn>
+                        </p:par>
+                      </p:childTnLst>
+                    </p:cTn>
+                  </p:par>
+                  <p:par>
+                    <p:cTn id="9" fill="hold">
+                      <p:stCondLst>
+                        <p:cond delay="indefinite"/>
+                      </p:stCondLst>
+                      <p:childTnLst>
+                        <p:par>
+                          <p:cTn id="10" fill="hold">
+                            <p:stCondLst>
+                              <p:cond delay="0"/>
+                            </p:stCondLst>
+                            <p:childTnLst>
+                              <p:par>
+                                <p:cTn id="11" presetID="3" presetClass="exit" presetSubtype="10" fill="hold" grpId="2" nodeType="clickEffect">
+                                  <p:stCondLst>
+                                    <p:cond delay="0"/>
+                                  </p:stCondLst>
+                                  <p:childTnLst>
+                                    <p:animEffect transition="out" filter="blinds(horizontal)">
+                                      <p:cBhvr>
+                                        <p:cTn id="12" dur="500"/>
+                                        <p:tgtEl>
+                                          <p:spTgt spid="4"/>
+                                        </p:tgtEl>
+                                      </p:cBhvr>
+                                    </p:animEffect>
+                                    <p:set>
+                                      <p:cBhvr>
+                                        <p:cTn id="13" dur="1" fill="hold">
+                                          <p:stCondLst>
+                                            <p:cond delay="499"/>
+                                          </p:stCondLst>
+                                        </p:cTn>
+                                        <p:tgtEl>
+                                          <p:spTgt spid="4"/>
+                                        </p:tgtEl>
+                                        <p:attrNameLst>
+                                          <p:attrName>style.visibility</p:attrName>
+                                        </p:attrNameLst>
+                                      </p:cBhvr>
+                                      <p:to>
+                                        <p:strVal val="hidden"/>
+                                      </p:to>
+                                    </p:set>
+                                  </p:childTnLst>
+                                </p:cTn>
+                              </p:par>
+                            </p:childTnLst>
+                          </p:cTn>
+                        </p:par>
+                      </p:childTnLst>
+                    </p:cTn>
+                  </p:par>
+                  <p:par>
+                    <p:cTn id="14" fill="hold">
+                      <p:stCondLst>
+                        <p:cond delay="indefinite"/>
+                      </p:stCondLst>
+                      <p:childTnLst>
+                        <p:par>
+                          <p:cTn id="15" fill="hold">
+                            <p:stCondLst>
+                              <p:cond delay="0"/>
+                            </p:stCondLst>
+                            <p:childTnLst>
+                              <p:par>
+                                <p:cTn id="16" presetID="1" presetClass="entr" presetSubtype="0" fill="hold" grpId="0" nodeType="clickEffect">
+                                  <p:stCondLst>
+                                    <p:cond delay="0"/>
+                                  </p:stCondLst>
+                                  <p:childTnLst>
+                                    <p:set>
+                                      <p:cBhvr>
+                                        <p:cTn id="17" dur="1" fill="hold">
+                                          <p:stCondLst>
+                                            <p:cond delay="0"/>
+                                          </p:stCondLst>
+                                        </p:cTn>
+                                        <p:tgtEl>
+                                          <p:spTgt spid="5"/>
+                                        </p:tgtEl>
+                                        <p:attrNameLst>
+                                          <p:attrName>style.visibility</p:attrName>
+                                        </p:attrNameLst>
+                                      </p:cBhvr>
+                                      <p:to>
+                                        <p:strVal val="visible"/>
+                                      </p:to>
+                                    </p:set>
+                                  </p:childTnLst>
+                                </p:cTn>
+                              </p:par>
+                            </p:childTnLst>
+                          </p:cTn>
+                        </p:par>
+                      </p:childTnLst>
+                    </p:cTn>
+                  </p:par>
+                </p:childTnLst>
+              </p:cTn>
+              <p:prevCondLst>
+                <p:cond evt="onPrev" delay="0">
+                  <p:tgtEl>
+                    <p:sldTgt/>
+                  </p:tgtEl>
+                </p:cond>
+              </p:prevCondLst>
+              <p:nextCondLst>
+                <p:cond evt="onNext" delay="0">
+                  <p:tgtEl>
+                    <p:sldTgt/>
+                  </p:tgtEl>
+                </p:cond>
+              </p:nextCondLst>
+            </p:seq>
+          </p:childTnLst>
+        </p:cTn>
+      </p:par>
+    </p:tnLst>
+    <p:bldLst>
+      <p:bldP spid="4" grpId="0"/>
+      <p:bldP spid="4" grpId="1"/>
+      <p:bldP spid="4" grpId="2"/>
+      <p:bldP spid="5" grpId="0"/>
+    </p:bldLst>
+  </p:timing>
 </p:sld>
 </file>
 
@@ -34161,71 +34828,6 @@
           </a:p>
         </p:txBody>
       </p:sp>
-      <p:sp>
-        <p:nvSpPr>
-          <p:cNvPr id="4" name="Google Shape;104;p16"/>
-          <p:cNvSpPr txBox="1"/>
-          <p:nvPr/>
-        </p:nvSpPr>
-        <p:spPr>
-          <a:xfrm>
-            <a:off x="316865" y="607695"/>
-            <a:ext cx="8631555" cy="1289050"/>
-          </a:xfrm>
-          <a:prstGeom prst="rect">
-            <a:avLst/>
-          </a:prstGeom>
-          <a:noFill/>
-          <a:ln>
-            <a:noFill/>
-          </a:ln>
-        </p:spPr>
-        <p:txBody>
-          <a:bodyPr spcFirstLastPara="1" wrap="square" lIns="91425" tIns="91425" rIns="91425" bIns="91425" anchor="t" anchorCtr="0">
-            <a:spAutoFit/>
-          </a:bodyPr>
-          <a:p>
-            <a:pPr marL="365760" lvl="0" indent="-228600" algn="l" rtl="0">
-              <a:lnSpc>
-                <a:spcPct val="200000"/>
-              </a:lnSpc>
-              <a:spcBef>
-                <a:spcPts val="0"/>
-              </a:spcBef>
-              <a:spcAft>
-                <a:spcPts val="0"/>
-              </a:spcAft>
-              <a:buClr>
-                <a:srgbClr val="000000"/>
-              </a:buClr>
-              <a:buSzPts val="1440"/>
-              <a:buFont typeface="Arial" panose="020B0604020202020204" pitchFamily="34" charset="0"/>
-              <a:buChar char="•"/>
-            </a:pPr>
-            <a:r>
-              <a:rPr lang="en-US" sz="1800">
-                <a:solidFill>
-                  <a:schemeClr val="tx1"/>
-                </a:solidFill>
-                <a:latin typeface="Times New Roman" panose="02020603050405020304"/>
-                <a:ea typeface="Times New Roman" panose="02020603050405020304"/>
-                <a:cs typeface="Times New Roman" panose="02020603050405020304"/>
-                <a:sym typeface="Times New Roman" panose="02020603050405020304"/>
-              </a:rPr>
-              <a:t>Bindings are optional and a function might have one or multiple input and/or output bindings.</a:t>
-            </a:r>
-            <a:endParaRPr lang="en-US" sz="1800">
-              <a:solidFill>
-                <a:schemeClr val="tx1"/>
-              </a:solidFill>
-              <a:latin typeface="Times New Roman" panose="02020603050405020304"/>
-              <a:ea typeface="Times New Roman" panose="02020603050405020304"/>
-              <a:cs typeface="Times New Roman" panose="02020603050405020304"/>
-              <a:sym typeface="Times New Roman" panose="02020603050405020304"/>
-            </a:endParaRPr>
-          </a:p>
-        </p:txBody>
-      </p:sp>
       <p:graphicFrame>
         <p:nvGraphicFramePr>
           <p:cNvPr id="5" name="Table 4"/>
@@ -34233,7 +34835,7 @@
           <p:nvPr/>
         </p:nvGraphicFramePr>
         <p:xfrm>
-          <a:off x="1372870" y="1987550"/>
+          <a:off x="1207770" y="1822450"/>
           <a:ext cx="6398260" cy="2149475"/>
         </p:xfrm>
         <a:graphic>

--- a/Chien.do - Azure Functional.pptx
+++ b/Chien.do - Azure Functional.pptx
@@ -32,40 +32,41 @@
     <p:sldId id="693" r:id="rId25"/>
     <p:sldId id="725" r:id="rId26"/>
     <p:sldId id="726" r:id="rId27"/>
-    <p:sldId id="727" r:id="rId28"/>
-    <p:sldId id="728" r:id="rId29"/>
-    <p:sldId id="729" r:id="rId30"/>
-    <p:sldId id="730" r:id="rId31"/>
-    <p:sldId id="800" r:id="rId32"/>
-    <p:sldId id="812" r:id="rId33"/>
-    <p:sldId id="801" r:id="rId34"/>
-    <p:sldId id="724" r:id="rId35"/>
-    <p:sldId id="802" r:id="rId36"/>
-    <p:sldId id="731" r:id="rId37"/>
-    <p:sldId id="803" r:id="rId38"/>
-    <p:sldId id="804" r:id="rId39"/>
-    <p:sldId id="805" r:id="rId40"/>
-    <p:sldId id="707" r:id="rId41"/>
-    <p:sldId id="476" r:id="rId42"/>
-    <p:sldId id="360" r:id="rId43"/>
+    <p:sldId id="813" r:id="rId28"/>
+    <p:sldId id="727" r:id="rId29"/>
+    <p:sldId id="728" r:id="rId30"/>
+    <p:sldId id="729" r:id="rId31"/>
+    <p:sldId id="730" r:id="rId32"/>
+    <p:sldId id="800" r:id="rId33"/>
+    <p:sldId id="812" r:id="rId34"/>
+    <p:sldId id="801" r:id="rId35"/>
+    <p:sldId id="724" r:id="rId36"/>
+    <p:sldId id="802" r:id="rId37"/>
+    <p:sldId id="731" r:id="rId38"/>
+    <p:sldId id="803" r:id="rId39"/>
+    <p:sldId id="804" r:id="rId40"/>
+    <p:sldId id="805" r:id="rId41"/>
+    <p:sldId id="707" r:id="rId42"/>
+    <p:sldId id="476" r:id="rId43"/>
+    <p:sldId id="360" r:id="rId44"/>
   </p:sldIdLst>
   <p:sldSz cx="9144000" cy="5143500" type="screen16x9"/>
   <p:notesSz cx="6858000" cy="9144000"/>
   <p:embeddedFontLst>
     <p:embeddedFont>
       <p:font typeface="Tahoma" panose="020B0604030504040204" charset="0"/>
-      <p:regular r:id="rId48"/>
-      <p:bold r:id="rId49"/>
+      <p:regular r:id="rId49"/>
+      <p:bold r:id="rId50"/>
     </p:embeddedFont>
     <p:embeddedFont>
       <p:font typeface="Roboto Black" panose="020B0704020202020204"/>
-      <p:bold r:id="rId50"/>
-      <p:boldItalic r:id="rId51"/>
+      <p:bold r:id="rId51"/>
+      <p:boldItalic r:id="rId52"/>
     </p:embeddedFont>
     <p:embeddedFont>
       <p:font typeface="Roboto" panose="020B0704020202020204"/>
-      <p:bold r:id="rId52"/>
-      <p:boldItalic r:id="rId53"/>
+      <p:bold r:id="rId53"/>
+      <p:boldItalic r:id="rId54"/>
     </p:embeddedFont>
   </p:embeddedFontLst>
   <p:defaultTextStyle>
@@ -11018,6 +11019,10 @@
               </a:spcAft>
               <a:buNone/>
             </a:pPr>
+            <a:r>
+              <a:rPr lang="en-US"/>
+              <a:t>process list order</a:t>
+            </a:r>
             <a:endParaRPr lang="en-US"/>
           </a:p>
         </p:txBody>
@@ -11450,6 +11455,210 @@
   <p:cSld>
     <p:spTree>
       <p:nvGrpSpPr>
+        <p:cNvPr id="1" name="Shape 95"/>
+        <p:cNvGrpSpPr/>
+        <p:nvPr/>
+      </p:nvGrpSpPr>
+      <p:grpSpPr>
+        <a:xfrm>
+          <a:off x="0" y="0"/>
+          <a:ext cx="0" cy="0"/>
+          <a:chOff x="0" y="0"/>
+          <a:chExt cx="0" cy="0"/>
+        </a:xfrm>
+      </p:grpSpPr>
+      <p:sp>
+        <p:nvSpPr>
+          <p:cNvPr id="96" name="Google Shape;96;g12330345b61_0_1:notes"/>
+          <p:cNvSpPr>
+            <a:spLocks noGrp="1" noRot="1" noChangeAspect="1"/>
+          </p:cNvSpPr>
+          <p:nvPr>
+            <p:ph type="sldImg" idx="2"/>
+          </p:nvPr>
+        </p:nvSpPr>
+        <p:spPr>
+          <a:xfrm>
+            <a:off x="381000" y="685800"/>
+            <a:ext cx="6096000" cy="3429000"/>
+          </a:xfrm>
+          <a:custGeom>
+            <a:avLst/>
+            <a:gdLst/>
+            <a:ahLst/>
+            <a:cxnLst/>
+            <a:rect l="l" t="t" r="r" b="b"/>
+            <a:pathLst>
+              <a:path w="120000" h="120000" extrusionOk="0">
+                <a:moveTo>
+                  <a:pt x="0" y="0"/>
+                </a:moveTo>
+                <a:lnTo>
+                  <a:pt x="120000" y="0"/>
+                </a:lnTo>
+                <a:lnTo>
+                  <a:pt x="120000" y="120000"/>
+                </a:lnTo>
+                <a:lnTo>
+                  <a:pt x="0" y="120000"/>
+                </a:lnTo>
+                <a:close/>
+              </a:path>
+            </a:pathLst>
+          </a:custGeom>
+        </p:spPr>
+      </p:sp>
+      <p:sp>
+        <p:nvSpPr>
+          <p:cNvPr id="97" name="Google Shape;97;g12330345b61_0_1:notes"/>
+          <p:cNvSpPr txBox="1">
+            <a:spLocks noGrp="1"/>
+          </p:cNvSpPr>
+          <p:nvPr>
+            <p:ph type="body" idx="1"/>
+          </p:nvPr>
+        </p:nvSpPr>
+        <p:spPr>
+          <a:xfrm>
+            <a:off x="685800" y="4343400"/>
+            <a:ext cx="5486400" cy="4114800"/>
+          </a:xfrm>
+          <a:prstGeom prst="rect">
+            <a:avLst/>
+          </a:prstGeom>
+        </p:spPr>
+        <p:txBody>
+          <a:bodyPr spcFirstLastPara="1" wrap="square" lIns="91425" tIns="91425" rIns="91425" bIns="91425" anchor="t" anchorCtr="0">
+            <a:noAutofit/>
+          </a:bodyPr>
+          <a:lstStyle/>
+          <a:p>
+            <a:pPr marL="0" lvl="0" indent="0" algn="l" rtl="0">
+              <a:spcBef>
+                <a:spcPts val="0"/>
+              </a:spcBef>
+              <a:spcAft>
+                <a:spcPts val="0"/>
+              </a:spcAft>
+              <a:buNone/>
+            </a:pPr>
+            <a:r>
+              <a:rPr lang="en-US"/>
+              <a:t>dùng để aggregate data </a:t>
+            </a:r>
+            <a:endParaRPr lang="en-US"/>
+          </a:p>
+          <a:p>
+            <a:pPr marL="0" lvl="0" indent="0" algn="l" rtl="0">
+              <a:spcBef>
+                <a:spcPts val="0"/>
+              </a:spcBef>
+              <a:spcAft>
+                <a:spcPts val="0"/>
+              </a:spcAft>
+              <a:buNone/>
+            </a:pPr>
+            <a:r>
+              <a:rPr lang="en-US"/>
+              <a:t>nó có state để quản lý statefull</a:t>
+            </a:r>
+            <a:endParaRPr lang="en-US"/>
+          </a:p>
+          <a:p>
+            <a:pPr marL="0" lvl="0" indent="0" algn="l" rtl="0">
+              <a:spcBef>
+                <a:spcPts val="0"/>
+              </a:spcBef>
+              <a:spcAft>
+                <a:spcPts val="0"/>
+              </a:spcAft>
+              <a:buNone/>
+            </a:pPr>
+            <a:r>
+              <a:rPr lang="en-US"/>
+              <a:t>vd cụ thể là điếm lượt like or vote bài viết như trong fb á</a:t>
+            </a:r>
+            <a:endParaRPr lang="en-US"/>
+          </a:p>
+          <a:p>
+            <a:pPr marL="0" lvl="0" indent="0" algn="l" rtl="0">
+              <a:spcBef>
+                <a:spcPts val="0"/>
+              </a:spcBef>
+              <a:spcAft>
+                <a:spcPts val="0"/>
+              </a:spcAft>
+              <a:buNone/>
+            </a:pPr>
+            <a:r>
+              <a:rPr lang="en-US"/>
+              <a:t>bình thường thì các request là riêng lẻ, ở đây câu hỏi là làm sao aggrate nó với nhau</a:t>
+            </a:r>
+            <a:endParaRPr lang="en-US"/>
+          </a:p>
+          <a:p>
+            <a:pPr marL="0" lvl="0" indent="0" algn="l" rtl="0">
+              <a:spcBef>
+                <a:spcPts val="0"/>
+              </a:spcBef>
+              <a:spcAft>
+                <a:spcPts val="0"/>
+              </a:spcAft>
+              <a:buNone/>
+            </a:pPr>
+            <a:r>
+              <a:rPr lang="en-US"/>
+              <a:t>thì cái pattern này nó giúp mình tạo state để all request có thể reused</a:t>
+            </a:r>
+            <a:endParaRPr lang="en-US"/>
+          </a:p>
+          <a:p>
+            <a:pPr marL="0" lvl="0" indent="0" algn="l" rtl="0">
+              <a:spcBef>
+                <a:spcPts val="0"/>
+              </a:spcBef>
+              <a:spcAft>
+                <a:spcPts val="0"/>
+              </a:spcAft>
+              <a:buNone/>
+            </a:pPr>
+            <a:r>
+              <a:rPr lang="en-US"/>
+              <a:t>nhưng mà có 1 điểm yếu nó chỉ apply cho 1 instance function thôi, nếu scale out thì lại ko dc</a:t>
+            </a:r>
+            <a:endParaRPr lang="en-US"/>
+          </a:p>
+          <a:p>
+            <a:pPr marL="0" lvl="0" indent="0" algn="l" rtl="0">
+              <a:spcBef>
+                <a:spcPts val="0"/>
+              </a:spcBef>
+              <a:spcAft>
+                <a:spcPts val="0"/>
+              </a:spcAft>
+              <a:buNone/>
+            </a:pPr>
+            <a:r>
+              <a:rPr lang="en-US"/>
+              <a:t>state là dạng cache lại và tất cả các request sử dụng chung data</a:t>
+            </a:r>
+            <a:endParaRPr lang="en-US"/>
+          </a:p>
+        </p:txBody>
+      </p:sp>
+    </p:spTree>
+  </p:cSld>
+  <p:clrMapOvr>
+    <a:masterClrMapping/>
+  </p:clrMapOvr>
+</p:notes>
+</file>
+
+<file path=ppt/notesSlides/notesSlide31.xml><?xml version="1.0" encoding="utf-8"?>
+<p:notes xmlns:a="http://schemas.openxmlformats.org/drawingml/2006/main" xmlns:r="http://schemas.openxmlformats.org/officeDocument/2006/relationships" xmlns:p="http://schemas.openxmlformats.org/presentationml/2006/main" showMasterPhAnim="0" showMasterSp="0">
+  <p:cSld>
+    <p:spTree>
+      <p:nvGrpSpPr>
         <p:cNvPr id="1" name="Shape 515"/>
         <p:cNvGrpSpPr/>
         <p:nvPr/>
@@ -11548,7 +11757,7 @@
 </p:notes>
 </file>
 
-<file path=ppt/notesSlides/notesSlide31.xml><?xml version="1.0" encoding="utf-8"?>
+<file path=ppt/notesSlides/notesSlide32.xml><?xml version="1.0" encoding="utf-8"?>
 <p:notes xmlns:a="http://schemas.openxmlformats.org/drawingml/2006/main" xmlns:r="http://schemas.openxmlformats.org/officeDocument/2006/relationships" xmlns:p="http://schemas.openxmlformats.org/presentationml/2006/main" showMasterPhAnim="0" showMasterSp="0">
   <p:cSld>
     <p:spTree>
@@ -11640,142 +11849,6 @@
               </a:spcAft>
               <a:buNone/>
             </a:pPr>
-          </a:p>
-        </p:txBody>
-      </p:sp>
-    </p:spTree>
-  </p:cSld>
-  <p:clrMapOvr>
-    <a:masterClrMapping/>
-  </p:clrMapOvr>
-</p:notes>
-</file>
-
-<file path=ppt/notesSlides/notesSlide32.xml><?xml version="1.0" encoding="utf-8"?>
-<p:notes xmlns:a="http://schemas.openxmlformats.org/drawingml/2006/main" xmlns:r="http://schemas.openxmlformats.org/officeDocument/2006/relationships" xmlns:p="http://schemas.openxmlformats.org/presentationml/2006/main" showMasterPhAnim="0" showMasterSp="0">
-  <p:cSld>
-    <p:spTree>
-      <p:nvGrpSpPr>
-        <p:cNvPr id="1" name="Shape 95"/>
-        <p:cNvGrpSpPr/>
-        <p:nvPr/>
-      </p:nvGrpSpPr>
-      <p:grpSpPr>
-        <a:xfrm>
-          <a:off x="0" y="0"/>
-          <a:ext cx="0" cy="0"/>
-          <a:chOff x="0" y="0"/>
-          <a:chExt cx="0" cy="0"/>
-        </a:xfrm>
-      </p:grpSpPr>
-      <p:sp>
-        <p:nvSpPr>
-          <p:cNvPr id="96" name="Google Shape;96;g12330345b61_0_1:notes"/>
-          <p:cNvSpPr>
-            <a:spLocks noGrp="1" noRot="1" noChangeAspect="1"/>
-          </p:cNvSpPr>
-          <p:nvPr>
-            <p:ph type="sldImg" idx="2"/>
-          </p:nvPr>
-        </p:nvSpPr>
-        <p:spPr>
-          <a:xfrm>
-            <a:off x="381000" y="685800"/>
-            <a:ext cx="6096000" cy="3429000"/>
-          </a:xfrm>
-          <a:custGeom>
-            <a:avLst/>
-            <a:gdLst/>
-            <a:ahLst/>
-            <a:cxnLst/>
-            <a:rect l="l" t="t" r="r" b="b"/>
-            <a:pathLst>
-              <a:path w="120000" h="120000" extrusionOk="0">
-                <a:moveTo>
-                  <a:pt x="0" y="0"/>
-                </a:moveTo>
-                <a:lnTo>
-                  <a:pt x="120000" y="0"/>
-                </a:lnTo>
-                <a:lnTo>
-                  <a:pt x="120000" y="120000"/>
-                </a:lnTo>
-                <a:lnTo>
-                  <a:pt x="0" y="120000"/>
-                </a:lnTo>
-                <a:close/>
-              </a:path>
-            </a:pathLst>
-          </a:custGeom>
-        </p:spPr>
-      </p:sp>
-      <p:sp>
-        <p:nvSpPr>
-          <p:cNvPr id="97" name="Google Shape;97;g12330345b61_0_1:notes"/>
-          <p:cNvSpPr txBox="1">
-            <a:spLocks noGrp="1"/>
-          </p:cNvSpPr>
-          <p:nvPr>
-            <p:ph type="body" idx="1"/>
-          </p:nvPr>
-        </p:nvSpPr>
-        <p:spPr>
-          <a:xfrm>
-            <a:off x="685800" y="4343400"/>
-            <a:ext cx="5486400" cy="4114800"/>
-          </a:xfrm>
-          <a:prstGeom prst="rect">
-            <a:avLst/>
-          </a:prstGeom>
-        </p:spPr>
-        <p:txBody>
-          <a:bodyPr spcFirstLastPara="1" wrap="square" lIns="91425" tIns="91425" rIns="91425" bIns="91425" anchor="t" anchorCtr="0">
-            <a:noAutofit/>
-          </a:bodyPr>
-          <a:lstStyle/>
-          <a:p>
-            <a:pPr marL="0" lvl="0" indent="0" algn="l" rtl="0">
-              <a:spcBef>
-                <a:spcPts val="0"/>
-              </a:spcBef>
-              <a:spcAft>
-                <a:spcPts val="0"/>
-              </a:spcAft>
-              <a:buNone/>
-            </a:pPr>
-            <a:r>
-              <a:rPr lang="en-US" dirty="0">
-                <a:solidFill>
-                  <a:schemeClr val="tx1"/>
-                </a:solidFill>
-                <a:latin typeface="Times New Roman" panose="02020603050405020304"/>
-                <a:ea typeface="Times New Roman" panose="02020603050405020304"/>
-                <a:cs typeface="Times New Roman" panose="02020603050405020304"/>
-                <a:sym typeface="Times New Roman" panose="02020603050405020304"/>
-              </a:rPr>
-              <a:t>Because generally Microsoft Azure better supports compute running Windows.</a:t>
-            </a:r>
-            <a:endParaRPr lang="en-US" dirty="0">
-              <a:solidFill>
-                <a:schemeClr val="tx1"/>
-              </a:solidFill>
-              <a:latin typeface="Times New Roman" panose="02020603050405020304"/>
-              <a:ea typeface="Times New Roman" panose="02020603050405020304"/>
-              <a:cs typeface="Times New Roman" panose="02020603050405020304"/>
-              <a:sym typeface="Times New Roman" panose="02020603050405020304"/>
-            </a:endParaRPr>
-          </a:p>
-          <a:p>
-            <a:pPr marL="0" lvl="0" indent="0" algn="l" rtl="0">
-              <a:spcBef>
-                <a:spcPts val="0"/>
-              </a:spcBef>
-              <a:spcAft>
-                <a:spcPts val="0"/>
-              </a:spcAft>
-              <a:buNone/>
-            </a:pPr>
-            <a:endParaRPr lang="en-US"/>
           </a:p>
         </p:txBody>
       </p:sp>
@@ -11869,6 +11942,38 @@
             <a:noAutofit/>
           </a:bodyPr>
           <a:lstStyle/>
+          <a:p>
+            <a:pPr marL="0" lvl="0" indent="0" algn="l" rtl="0">
+              <a:spcBef>
+                <a:spcPts val="0"/>
+              </a:spcBef>
+              <a:spcAft>
+                <a:spcPts val="0"/>
+              </a:spcAft>
+              <a:buNone/>
+            </a:pPr>
+            <a:r>
+              <a:rPr lang="en-US" dirty="0">
+                <a:solidFill>
+                  <a:schemeClr val="tx1"/>
+                </a:solidFill>
+                <a:latin typeface="Times New Roman" panose="02020603050405020304"/>
+                <a:ea typeface="Times New Roman" panose="02020603050405020304"/>
+                <a:cs typeface="Times New Roman" panose="02020603050405020304"/>
+                <a:sym typeface="Times New Roman" panose="02020603050405020304"/>
+              </a:rPr>
+              <a:t>Because generally Microsoft Azure better supports compute running Windows.</a:t>
+            </a:r>
+            <a:endParaRPr lang="en-US" dirty="0">
+              <a:solidFill>
+                <a:schemeClr val="tx1"/>
+              </a:solidFill>
+              <a:latin typeface="Times New Roman" panose="02020603050405020304"/>
+              <a:ea typeface="Times New Roman" panose="02020603050405020304"/>
+              <a:cs typeface="Times New Roman" panose="02020603050405020304"/>
+              <a:sym typeface="Times New Roman" panose="02020603050405020304"/>
+            </a:endParaRPr>
+          </a:p>
           <a:p>
             <a:pPr marL="0" lvl="0" indent="0" algn="l" rtl="0">
               <a:spcBef>
@@ -11983,63 +12088,6 @@
               </a:spcAft>
               <a:buNone/>
             </a:pPr>
-            <a:endParaRPr lang="en-US"/>
-          </a:p>
-          <a:p>
-            <a:pPr marL="0" lvl="0" indent="0" algn="l" rtl="0">
-              <a:spcBef>
-                <a:spcPts val="0"/>
-              </a:spcBef>
-              <a:spcAft>
-                <a:spcPts val="0"/>
-              </a:spcAft>
-              <a:buNone/>
-            </a:pPr>
-            <a:r>
-              <a:rPr lang="en-US"/>
-              <a:t>Consumtion : disadvantage: frezze, not always start. Usage for small function</a:t>
-            </a:r>
-            <a:endParaRPr lang="en-US"/>
-          </a:p>
-          <a:p>
-            <a:pPr marL="0" lvl="0" indent="0" algn="l" rtl="0">
-              <a:spcBef>
-                <a:spcPts val="0"/>
-              </a:spcBef>
-              <a:spcAft>
-                <a:spcPts val="0"/>
-              </a:spcAft>
-              <a:buNone/>
-            </a:pPr>
-            <a:endParaRPr lang="en-US"/>
-          </a:p>
-          <a:p>
-            <a:pPr marL="0" lvl="0" indent="0" algn="l" rtl="0">
-              <a:spcBef>
-                <a:spcPts val="0"/>
-              </a:spcBef>
-              <a:spcAft>
-                <a:spcPts val="0"/>
-              </a:spcAft>
-              <a:buNone/>
-            </a:pPr>
-            <a:r>
-              <a:rPr lang="en-US"/>
-              <a:t>Premium Plan:</a:t>
-            </a:r>
-            <a:br>
-              <a:rPr lang="en-US"/>
-            </a:br>
-            <a:br>
-              <a:rPr lang="en-US"/>
-            </a:br>
-            <a:br>
-              <a:rPr lang="en-US"/>
-            </a:br>
-            <a:r>
-              <a:rPr lang="en-US"/>
-              <a:t>Dedicated Plan</a:t>
-            </a:r>
             <a:endParaRPr lang="en-US"/>
           </a:p>
         </p:txBody>
@@ -12629,6 +12677,63 @@
             </a:pPr>
             <a:endParaRPr lang="en-US"/>
           </a:p>
+          <a:p>
+            <a:pPr marL="0" lvl="0" indent="0" algn="l" rtl="0">
+              <a:spcBef>
+                <a:spcPts val="0"/>
+              </a:spcBef>
+              <a:spcAft>
+                <a:spcPts val="0"/>
+              </a:spcAft>
+              <a:buNone/>
+            </a:pPr>
+            <a:r>
+              <a:rPr lang="en-US"/>
+              <a:t>Consumtion : disadvantage: frezze, not always start. Usage for small function</a:t>
+            </a:r>
+            <a:endParaRPr lang="en-US"/>
+          </a:p>
+          <a:p>
+            <a:pPr marL="0" lvl="0" indent="0" algn="l" rtl="0">
+              <a:spcBef>
+                <a:spcPts val="0"/>
+              </a:spcBef>
+              <a:spcAft>
+                <a:spcPts val="0"/>
+              </a:spcAft>
+              <a:buNone/>
+            </a:pPr>
+            <a:endParaRPr lang="en-US"/>
+          </a:p>
+          <a:p>
+            <a:pPr marL="0" lvl="0" indent="0" algn="l" rtl="0">
+              <a:spcBef>
+                <a:spcPts val="0"/>
+              </a:spcBef>
+              <a:spcAft>
+                <a:spcPts val="0"/>
+              </a:spcAft>
+              <a:buNone/>
+            </a:pPr>
+            <a:r>
+              <a:rPr lang="en-US"/>
+              <a:t>Premium Plan:</a:t>
+            </a:r>
+            <a:br>
+              <a:rPr lang="en-US"/>
+            </a:br>
+            <a:br>
+              <a:rPr lang="en-US"/>
+            </a:br>
+            <a:br>
+              <a:rPr lang="en-US"/>
+            </a:br>
+            <a:r>
+              <a:rPr lang="en-US"/>
+              <a:t>Dedicated Plan</a:t>
+            </a:r>
+            <a:endParaRPr lang="en-US"/>
+          </a:p>
         </p:txBody>
       </p:sp>
     </p:spTree>
@@ -12644,7 +12749,7 @@
   <p:cSld>
     <p:spTree>
       <p:nvGrpSpPr>
-        <p:cNvPr id="1" name="Shape 515"/>
+        <p:cNvPr id="1" name="Shape 95"/>
         <p:cNvGrpSpPr/>
         <p:nvPr/>
       </p:nvGrpSpPr>
@@ -12658,7 +12763,7 @@
       </p:grpSpPr>
       <p:sp>
         <p:nvSpPr>
-          <p:cNvPr id="516" name="Google Shape;516;g123574bb244_0_0:notes"/>
+          <p:cNvPr id="96" name="Google Shape;96;g12330345b61_0_1:notes"/>
           <p:cNvSpPr>
             <a:spLocks noGrp="1" noRot="1" noChangeAspect="1"/>
           </p:cNvSpPr>
@@ -12668,7 +12773,7 @@
         </p:nvSpPr>
         <p:spPr>
           <a:xfrm>
-            <a:off x="381300" y="685800"/>
+            <a:off x="381000" y="685800"/>
             <a:ext cx="6096000" cy="3429000"/>
           </a:xfrm>
           <a:custGeom>
@@ -12699,7 +12804,7 @@
       </p:sp>
       <p:sp>
         <p:nvSpPr>
-          <p:cNvPr id="517" name="Google Shape;517;g123574bb244_0_0:notes"/>
+          <p:cNvPr id="97" name="Google Shape;97;g12330345b61_0_1:notes"/>
           <p:cNvSpPr txBox="1">
             <a:spLocks noGrp="1"/>
           </p:cNvSpPr>
@@ -12731,6 +12836,7 @@
               </a:spcAft>
               <a:buNone/>
             </a:pPr>
+            <a:endParaRPr lang="en-US"/>
           </a:p>
         </p:txBody>
       </p:sp>
@@ -12899,6 +13005,109 @@
 </file>
 
 <file path=ppt/notesSlides/notesSlide40.xml><?xml version="1.0" encoding="utf-8"?>
+<p:notes xmlns:a="http://schemas.openxmlformats.org/drawingml/2006/main" xmlns:r="http://schemas.openxmlformats.org/officeDocument/2006/relationships" xmlns:p="http://schemas.openxmlformats.org/presentationml/2006/main" showMasterPhAnim="0" showMasterSp="0">
+  <p:cSld>
+    <p:spTree>
+      <p:nvGrpSpPr>
+        <p:cNvPr id="1" name="Shape 515"/>
+        <p:cNvGrpSpPr/>
+        <p:nvPr/>
+      </p:nvGrpSpPr>
+      <p:grpSpPr>
+        <a:xfrm>
+          <a:off x="0" y="0"/>
+          <a:ext cx="0" cy="0"/>
+          <a:chOff x="0" y="0"/>
+          <a:chExt cx="0" cy="0"/>
+        </a:xfrm>
+      </p:grpSpPr>
+      <p:sp>
+        <p:nvSpPr>
+          <p:cNvPr id="516" name="Google Shape;516;g123574bb244_0_0:notes"/>
+          <p:cNvSpPr>
+            <a:spLocks noGrp="1" noRot="1" noChangeAspect="1"/>
+          </p:cNvSpPr>
+          <p:nvPr>
+            <p:ph type="sldImg" idx="2"/>
+          </p:nvPr>
+        </p:nvSpPr>
+        <p:spPr>
+          <a:xfrm>
+            <a:off x="381300" y="685800"/>
+            <a:ext cx="6096000" cy="3429000"/>
+          </a:xfrm>
+          <a:custGeom>
+            <a:avLst/>
+            <a:gdLst/>
+            <a:ahLst/>
+            <a:cxnLst/>
+            <a:rect l="l" t="t" r="r" b="b"/>
+            <a:pathLst>
+              <a:path w="120000" h="120000" extrusionOk="0">
+                <a:moveTo>
+                  <a:pt x="0" y="0"/>
+                </a:moveTo>
+                <a:lnTo>
+                  <a:pt x="120000" y="0"/>
+                </a:lnTo>
+                <a:lnTo>
+                  <a:pt x="120000" y="120000"/>
+                </a:lnTo>
+                <a:lnTo>
+                  <a:pt x="0" y="120000"/>
+                </a:lnTo>
+                <a:close/>
+              </a:path>
+            </a:pathLst>
+          </a:custGeom>
+        </p:spPr>
+      </p:sp>
+      <p:sp>
+        <p:nvSpPr>
+          <p:cNvPr id="517" name="Google Shape;517;g123574bb244_0_0:notes"/>
+          <p:cNvSpPr txBox="1">
+            <a:spLocks noGrp="1"/>
+          </p:cNvSpPr>
+          <p:nvPr>
+            <p:ph type="body" idx="1"/>
+          </p:nvPr>
+        </p:nvSpPr>
+        <p:spPr>
+          <a:xfrm>
+            <a:off x="685800" y="4343400"/>
+            <a:ext cx="5486400" cy="4114800"/>
+          </a:xfrm>
+          <a:prstGeom prst="rect">
+            <a:avLst/>
+          </a:prstGeom>
+        </p:spPr>
+        <p:txBody>
+          <a:bodyPr spcFirstLastPara="1" wrap="square" lIns="91425" tIns="91425" rIns="91425" bIns="91425" anchor="t" anchorCtr="0">
+            <a:noAutofit/>
+          </a:bodyPr>
+          <a:lstStyle/>
+          <a:p>
+            <a:pPr marL="0" lvl="0" indent="0" algn="l" rtl="0">
+              <a:spcBef>
+                <a:spcPts val="0"/>
+              </a:spcBef>
+              <a:spcAft>
+                <a:spcPts val="0"/>
+              </a:spcAft>
+              <a:buNone/>
+            </a:pPr>
+          </a:p>
+        </p:txBody>
+      </p:sp>
+    </p:spTree>
+  </p:cSld>
+  <p:clrMapOvr>
+    <a:masterClrMapping/>
+  </p:clrMapOvr>
+</p:notes>
+</file>
+
+<file path=ppt/notesSlides/notesSlide41.xml><?xml version="1.0" encoding="utf-8"?>
 <p:notes xmlns:a="http://schemas.openxmlformats.org/drawingml/2006/main" xmlns:r="http://schemas.openxmlformats.org/officeDocument/2006/relationships" xmlns:p="http://schemas.openxmlformats.org/presentationml/2006/main" showMasterPhAnim="0" showMasterSp="0">
   <p:cSld>
     <p:spTree>
@@ -18617,7 +18826,7 @@
                   <a:schemeClr val="bg1"/>
                 </a:solidFill>
               </a:rPr>
-              <a:t>Azure Functions</a:t>
+              <a:t>Azure Function</a:t>
             </a:r>
             <a:endParaRPr lang="en-US">
               <a:solidFill>
@@ -18661,7 +18870,7 @@
         </p:nvSpPr>
         <p:spPr>
           <a:xfrm>
-            <a:off x="6539230" y="4507865"/>
+            <a:off x="473710" y="2901950"/>
             <a:ext cx="1548130" cy="306705"/>
           </a:xfrm>
           <a:prstGeom prst="rect">
@@ -18682,6 +18891,43 @@
                 </a:solidFill>
               </a:rPr>
               <a:t>Author: Chien.Do</a:t>
+            </a:r>
+            <a:endParaRPr lang="en-US">
+              <a:solidFill>
+                <a:schemeClr val="bg1"/>
+              </a:solidFill>
+            </a:endParaRPr>
+          </a:p>
+        </p:txBody>
+      </p:sp>
+      <p:sp>
+        <p:nvSpPr>
+          <p:cNvPr id="4" name="Text Box 3"/>
+          <p:cNvSpPr txBox="1"/>
+          <p:nvPr/>
+        </p:nvSpPr>
+        <p:spPr>
+          <a:xfrm>
+            <a:off x="7284085" y="4531360"/>
+            <a:ext cx="994410" cy="306705"/>
+          </a:xfrm>
+          <a:prstGeom prst="rect">
+            <a:avLst/>
+          </a:prstGeom>
+          <a:noFill/>
+        </p:spPr>
+        <p:txBody>
+          <a:bodyPr wrap="none" rtlCol="0">
+            <a:spAutoFit/>
+          </a:bodyPr>
+          <a:p>
+            <a:r>
+              <a:rPr lang="en-US">
+                <a:solidFill>
+                  <a:schemeClr val="bg1"/>
+                </a:solidFill>
+              </a:rPr>
+              <a:t>Nov, 2022</a:t>
             </a:r>
             <a:endParaRPr lang="en-US">
               <a:solidFill>
@@ -24154,7 +24400,7 @@
         </p:nvGrpSpPr>
         <p:grpSpPr>
           <a:xfrm>
-            <a:off x="5575560" y="1962195"/>
+            <a:off x="5575560" y="2150155"/>
             <a:ext cx="3341100" cy="1218985"/>
             <a:chOff x="394875" y="1014000"/>
             <a:chExt cx="3341100" cy="1218985"/>
@@ -26238,7 +26484,7 @@
                 <a:cs typeface="Times New Roman" panose="02020603050405020304"/>
                 <a:sym typeface="Times New Roman" panose="02020603050405020304"/>
               </a:rPr>
-              <a:t>The primary use case for Durable Functions is simplifying complex, stateful coordination requirements in serverless applications. Application Pattern benefit from Durablre Function:</a:t>
+              <a:t>The primary use case for Durable Functions is simplifying complex, stateful coordination requirements in serverless applications. Application Pattern benefit from Durable Function:</a:t>
             </a:r>
             <a:endParaRPr lang="en-US" sz="1600" dirty="0">
               <a:solidFill>
@@ -26685,7 +26931,7 @@
                 <a:cs typeface="Tahoma" panose="020B0604030504040204" charset="0"/>
                 <a:sym typeface="Roboto" panose="020B0704020202020204"/>
               </a:rPr>
-              <a:t>Durable Function - #1: Function chaining  * </a:t>
+              <a:t>Durable Function - #1: Function chaining </a:t>
             </a:r>
             <a:endParaRPr lang="en-US" altLang="en-GB" sz="2000" b="1">
               <a:solidFill>
@@ -27029,8 +27275,8 @@
         </p:nvSpPr>
         <p:spPr>
           <a:xfrm>
-            <a:off x="403795" y="142345"/>
-            <a:ext cx="5636700" cy="488950"/>
+            <a:off x="403860" y="142240"/>
+            <a:ext cx="6054725" cy="488950"/>
           </a:xfrm>
           <a:prstGeom prst="rect">
             <a:avLst/>
@@ -27065,7 +27311,7 @@
                 <a:cs typeface="Tahoma" panose="020B0604030504040204" charset="0"/>
                 <a:sym typeface="Roboto" panose="020B0704020202020204"/>
               </a:rPr>
-              <a:t>Durable Function -  #2: Fan out/fan in</a:t>
+              <a:t>Durable Function - #1: Function chaining </a:t>
             </a:r>
             <a:endParaRPr lang="en-US" altLang="en-GB" sz="2000" b="1">
               <a:solidFill>
@@ -27112,14 +27358,14 @@
       </p:sp>
       <p:sp>
         <p:nvSpPr>
-          <p:cNvPr id="3" name="Google Shape;104;p16"/>
+          <p:cNvPr id="4" name="Google Shape;104;p16"/>
           <p:cNvSpPr txBox="1"/>
           <p:nvPr/>
         </p:nvSpPr>
         <p:spPr>
           <a:xfrm>
-            <a:off x="316799" y="750159"/>
-            <a:ext cx="8335645" cy="1166495"/>
+            <a:off x="316799" y="530449"/>
+            <a:ext cx="8335645" cy="673735"/>
           </a:xfrm>
           <a:prstGeom prst="rect">
             <a:avLst/>
@@ -27151,18 +27397,6 @@
               <a:buFont typeface="Arial" panose="020B0604020202020204" pitchFamily="34" charset="0"/>
               <a:buChar char="•"/>
             </a:pPr>
-            <a:r>
-              <a:rPr lang="en-US" sz="1600" dirty="0">
-                <a:solidFill>
-                  <a:schemeClr val="tx1"/>
-                </a:solidFill>
-                <a:latin typeface="Times New Roman" panose="02020603050405020304"/>
-                <a:ea typeface="Times New Roman" panose="02020603050405020304"/>
-                <a:cs typeface="Times New Roman" panose="02020603050405020304"/>
-                <a:sym typeface="Times New Roman" panose="02020603050405020304"/>
-              </a:rPr>
-              <a:t>Fan-out/fan-in: the pattern of executing multiple functions in parallel and then waiting for them all to finish.</a:t>
-            </a:r>
             <a:endParaRPr lang="en-US" sz="1600" dirty="0">
               <a:solidFill>
                 <a:schemeClr val="tx1"/>
@@ -27177,7 +27411,7 @@
       </p:sp>
       <p:pic>
         <p:nvPicPr>
-          <p:cNvPr id="4" name="Picture 3"/>
+          <p:cNvPr id="5" name="Picture 4"/>
           <p:cNvPicPr>
             <a:picLocks noChangeAspect="1"/>
           </p:cNvPicPr>
@@ -27191,8 +27425,8 @@
         </p:blipFill>
         <p:spPr>
           <a:xfrm>
-            <a:off x="1534160" y="1858645"/>
-            <a:ext cx="6713220" cy="2720340"/>
+            <a:off x="601980" y="1203960"/>
+            <a:ext cx="7416165" cy="2776855"/>
           </a:xfrm>
           <a:prstGeom prst="rect">
             <a:avLst/>
@@ -27392,7 +27626,7 @@
                 <a:cs typeface="Tahoma" panose="020B0604030504040204" charset="0"/>
                 <a:sym typeface="Roboto" panose="020B0704020202020204"/>
               </a:rPr>
-              <a:t>Durable Function - #3: Async HTTP APIs</a:t>
+              <a:t>Durable Function -  #2: Fan out/fan in</a:t>
             </a:r>
             <a:endParaRPr lang="en-US" altLang="en-GB" sz="2000" b="1">
               <a:solidFill>
@@ -27445,8 +27679,8 @@
         </p:nvSpPr>
         <p:spPr>
           <a:xfrm>
-            <a:off x="316865" y="563880"/>
-            <a:ext cx="4987290" cy="3628390"/>
+            <a:off x="316799" y="750159"/>
+            <a:ext cx="8335645" cy="1166495"/>
           </a:xfrm>
           <a:prstGeom prst="rect">
             <a:avLst/>
@@ -27488,47 +27722,7 @@
                 <a:cs typeface="Times New Roman" panose="02020603050405020304"/>
                 <a:sym typeface="Times New Roman" panose="02020603050405020304"/>
               </a:rPr>
-              <a:t>The async HTTP API pattern addresses the problem of coordinating the state of long-running operations with external clients.</a:t>
-            </a:r>
-            <a:endParaRPr lang="en-US" sz="1600" dirty="0">
-              <a:solidFill>
-                <a:schemeClr val="tx1"/>
-              </a:solidFill>
-              <a:latin typeface="Times New Roman" panose="02020603050405020304"/>
-              <a:ea typeface="Times New Roman" panose="02020603050405020304"/>
-              <a:cs typeface="Times New Roman" panose="02020603050405020304"/>
-              <a:sym typeface="Times New Roman" panose="02020603050405020304"/>
-            </a:endParaRPr>
-          </a:p>
-          <a:p>
-            <a:pPr marL="365760" lvl="0" indent="-228600" algn="l" rtl="0">
-              <a:lnSpc>
-                <a:spcPct val="200000"/>
-              </a:lnSpc>
-              <a:spcBef>
-                <a:spcPts val="0"/>
-              </a:spcBef>
-              <a:spcAft>
-                <a:spcPts val="0"/>
-              </a:spcAft>
-              <a:buClr>
-                <a:srgbClr val="000000"/>
-              </a:buClr>
-              <a:buSzPts val="1440"/>
-              <a:buFont typeface="Arial" panose="020B0604020202020204" pitchFamily="34" charset="0"/>
-              <a:buChar char="•"/>
-            </a:pPr>
-            <a:r>
-              <a:rPr lang="en-US" sz="1600" dirty="0">
-                <a:solidFill>
-                  <a:schemeClr val="tx1"/>
-                </a:solidFill>
-                <a:latin typeface="Times New Roman" panose="02020603050405020304"/>
-                <a:ea typeface="Times New Roman" panose="02020603050405020304"/>
-                <a:cs typeface="Times New Roman" panose="02020603050405020304"/>
-                <a:sym typeface="Times New Roman" panose="02020603050405020304"/>
-              </a:rPr>
-              <a:t>A common way to implement this pattern is by having an HTTP endpoint trigger the long-running action. Then, redirect the client to a status endpoint that the client polls to learn when the operation is finished.</a:t>
+              <a:t>Fan-out/fan-in: the pattern of executing multiple functions in parallel and then waiting for them all to finish.</a:t>
             </a:r>
             <a:endParaRPr lang="en-US" sz="1600" dirty="0">
               <a:solidFill>
@@ -27544,7 +27738,7 @@
       </p:sp>
       <p:pic>
         <p:nvPicPr>
-          <p:cNvPr id="5" name="Picture 4"/>
+          <p:cNvPr id="4" name="Picture 3"/>
           <p:cNvPicPr>
             <a:picLocks noChangeAspect="1"/>
           </p:cNvPicPr>
@@ -27558,8 +27752,8 @@
         </p:blipFill>
         <p:spPr>
           <a:xfrm>
-            <a:off x="5711190" y="833120"/>
-            <a:ext cx="2866390" cy="2102485"/>
+            <a:off x="1534160" y="1858645"/>
+            <a:ext cx="6713220" cy="2720340"/>
           </a:xfrm>
           <a:prstGeom prst="rect">
             <a:avLst/>
@@ -27759,7 +27953,7 @@
                 <a:cs typeface="Tahoma" panose="020B0604030504040204" charset="0"/>
                 <a:sym typeface="Roboto" panose="020B0704020202020204"/>
               </a:rPr>
-              <a:t>Durable Function - #4: Monitor</a:t>
+              <a:t>Durable Function - #3: Async HTTP APIs</a:t>
             </a:r>
             <a:endParaRPr lang="en-US" altLang="en-GB" sz="2000" b="1">
               <a:solidFill>
@@ -27812,8 +28006,8 @@
         </p:nvSpPr>
         <p:spPr>
           <a:xfrm>
-            <a:off x="316865" y="565785"/>
-            <a:ext cx="4895850" cy="2643505"/>
+            <a:off x="316865" y="563880"/>
+            <a:ext cx="4987290" cy="3628390"/>
           </a:xfrm>
           <a:prstGeom prst="rect">
             <a:avLst/>
@@ -27855,7 +28049,7 @@
                 <a:cs typeface="Times New Roman" panose="02020603050405020304"/>
                 <a:sym typeface="Times New Roman" panose="02020603050405020304"/>
               </a:rPr>
-              <a:t>The monitor pattern refers to a flexible, recurring process in a workflow. </a:t>
+              <a:t>The async HTTP API pattern addresses the problem of coordinating the state of long-running operations with external clients.</a:t>
             </a:r>
             <a:endParaRPr lang="en-US" sz="1600" dirty="0">
               <a:solidFill>
@@ -27895,7 +28089,7 @@
                 <a:cs typeface="Times New Roman" panose="02020603050405020304"/>
                 <a:sym typeface="Times New Roman" panose="02020603050405020304"/>
               </a:rPr>
-              <a:t>The Monitor pattern refers to a flexible recurring process in a workflow such as polling until certain conditions are met.</a:t>
+              <a:t>A common way to implement this pattern is by having an HTTP endpoint trigger the long-running action. Then, redirect the client to a status endpoint that the client polls to learn when the operation is finished.</a:t>
             </a:r>
             <a:endParaRPr lang="en-US" sz="1600" dirty="0">
               <a:solidFill>
@@ -27925,8 +28119,8 @@
         </p:blipFill>
         <p:spPr>
           <a:xfrm>
-            <a:off x="5547995" y="607695"/>
-            <a:ext cx="3481705" cy="2221230"/>
+            <a:off x="5711190" y="833120"/>
+            <a:ext cx="2866390" cy="2102485"/>
           </a:xfrm>
           <a:prstGeom prst="rect">
             <a:avLst/>
@@ -28090,8 +28284,8 @@
         </p:nvSpPr>
         <p:spPr>
           <a:xfrm>
-            <a:off x="403860" y="142240"/>
-            <a:ext cx="8617585" cy="488950"/>
+            <a:off x="403795" y="142345"/>
+            <a:ext cx="5636700" cy="488950"/>
           </a:xfrm>
           <a:prstGeom prst="rect">
             <a:avLst/>
@@ -28126,7 +28320,7 @@
                 <a:cs typeface="Tahoma" panose="020B0604030504040204" charset="0"/>
                 <a:sym typeface="Roboto" panose="020B0704020202020204"/>
               </a:rPr>
-              <a:t>Durable Function -  #5: Human interaction</a:t>
+              <a:t>Durable Function - #4: Monitor</a:t>
             </a:r>
             <a:endParaRPr lang="en-US" altLang="en-GB" sz="2000" b="1">
               <a:solidFill>
@@ -28171,40 +28365,16 @@
           </a:p>
         </p:txBody>
       </p:sp>
-      <p:pic>
-        <p:nvPicPr>
-          <p:cNvPr id="3" name="Picture 2"/>
-          <p:cNvPicPr>
-            <a:picLocks noChangeAspect="1"/>
-          </p:cNvPicPr>
-          <p:nvPr/>
-        </p:nvPicPr>
-        <p:blipFill>
-          <a:blip r:embed="rId3"/>
-          <a:stretch>
-            <a:fillRect/>
-          </a:stretch>
-        </p:blipFill>
-        <p:spPr>
-          <a:xfrm>
-            <a:off x="1499870" y="2395855"/>
-            <a:ext cx="6865620" cy="2293620"/>
-          </a:xfrm>
-          <a:prstGeom prst="rect">
-            <a:avLst/>
-          </a:prstGeom>
-        </p:spPr>
-      </p:pic>
       <p:sp>
         <p:nvSpPr>
-          <p:cNvPr id="5" name="Google Shape;104;p16"/>
+          <p:cNvPr id="3" name="Google Shape;104;p16"/>
           <p:cNvSpPr txBox="1"/>
           <p:nvPr/>
         </p:nvSpPr>
         <p:spPr>
           <a:xfrm>
-            <a:off x="203835" y="385445"/>
-            <a:ext cx="8435340" cy="2151380"/>
+            <a:off x="316865" y="565785"/>
+            <a:ext cx="4895850" cy="3628390"/>
           </a:xfrm>
           <a:prstGeom prst="rect">
             <a:avLst/>
@@ -28246,7 +28416,7 @@
                 <a:cs typeface="Times New Roman" panose="02020603050405020304"/>
                 <a:sym typeface="Times New Roman" panose="02020603050405020304"/>
               </a:rPr>
-              <a:t>Many automated processes involve some kind of human interaction. Involving humans in an automated process is tricky because people aren't as highly available and as responsive as cloud services</a:t>
+              <a:t>The monitor pattern refers to a flexible, recurring process in a workflow such as polling until certain conditions are met.</a:t>
             </a:r>
             <a:endParaRPr lang="en-US" sz="1600" dirty="0">
               <a:solidFill>
@@ -28286,7 +28456,7 @@
                 <a:cs typeface="Times New Roman" panose="02020603050405020304"/>
                 <a:sym typeface="Times New Roman" panose="02020603050405020304"/>
               </a:rPr>
-              <a:t>An automated process might allow for this interaction by using timeouts and compensation logic.</a:t>
+              <a:t>You can use Durable Functions to create flexible recurrence intervals, manage task lifetimes, and create multiple monitor processes from a single orchestration.</a:t>
             </a:r>
             <a:endParaRPr lang="en-US" sz="1600" dirty="0">
               <a:solidFill>
@@ -28300,6 +28470,30 @@
           </a:p>
         </p:txBody>
       </p:sp>
+      <p:pic>
+        <p:nvPicPr>
+          <p:cNvPr id="5" name="Picture 4"/>
+          <p:cNvPicPr>
+            <a:picLocks noChangeAspect="1"/>
+          </p:cNvPicPr>
+          <p:nvPr/>
+        </p:nvPicPr>
+        <p:blipFill>
+          <a:blip r:embed="rId3"/>
+          <a:stretch>
+            <a:fillRect/>
+          </a:stretch>
+        </p:blipFill>
+        <p:spPr>
+          <a:xfrm>
+            <a:off x="5547995" y="607695"/>
+            <a:ext cx="3481705" cy="2221230"/>
+          </a:xfrm>
+          <a:prstGeom prst="rect">
+            <a:avLst/>
+          </a:prstGeom>
+        </p:spPr>
+      </p:pic>
     </p:spTree>
   </p:cSld>
   <p:clrMapOvr>
@@ -28493,7 +28687,7 @@
                 <a:cs typeface="Tahoma" panose="020B0604030504040204" charset="0"/>
                 <a:sym typeface="Roboto" panose="020B0704020202020204"/>
               </a:rPr>
-              <a:t>Durable Function -  #6: Aggregator (stateful entities)</a:t>
+              <a:t>Durable Function -  #5: Human interaction</a:t>
             </a:r>
             <a:endParaRPr lang="en-US" altLang="en-GB" sz="2000" b="1">
               <a:solidFill>
@@ -28540,7 +28734,7 @@
       </p:sp>
       <p:pic>
         <p:nvPicPr>
-          <p:cNvPr id="4" name="Picture 3"/>
+          <p:cNvPr id="3" name="Picture 2"/>
           <p:cNvPicPr>
             <a:picLocks noChangeAspect="1"/>
           </p:cNvPicPr>
@@ -28554,8 +28748,8 @@
         </p:blipFill>
         <p:spPr>
           <a:xfrm>
-            <a:off x="5219065" y="1102360"/>
-            <a:ext cx="3386455" cy="1423035"/>
+            <a:off x="1499870" y="2395855"/>
+            <a:ext cx="6865620" cy="2293620"/>
           </a:xfrm>
           <a:prstGeom prst="rect">
             <a:avLst/>
@@ -28570,8 +28764,8 @@
         </p:nvSpPr>
         <p:spPr>
           <a:xfrm>
-            <a:off x="203200" y="631190"/>
-            <a:ext cx="5015865" cy="4121150"/>
+            <a:off x="203835" y="385445"/>
+            <a:ext cx="8435340" cy="2151380"/>
           </a:xfrm>
           <a:prstGeom prst="rect">
             <a:avLst/>
@@ -28613,31 +28807,7 @@
                 <a:cs typeface="Times New Roman" panose="02020603050405020304"/>
                 <a:sym typeface="Times New Roman" panose="02020603050405020304"/>
               </a:rPr>
-              <a:t>This pattern about aggregating event data over a period of time into a single, addressable </a:t>
-            </a:r>
-            <a:r>
-              <a:rPr lang="en-US" sz="1600" i="1" dirty="0">
-                <a:solidFill>
-                  <a:schemeClr val="tx1"/>
-                </a:solidFill>
-                <a:latin typeface="Times New Roman" panose="02020603050405020304"/>
-                <a:ea typeface="Times New Roman" panose="02020603050405020304"/>
-                <a:cs typeface="Times New Roman" panose="02020603050405020304"/>
-                <a:sym typeface="Times New Roman" panose="02020603050405020304"/>
-              </a:rPr>
-              <a:t>entity</a:t>
-            </a:r>
-            <a:r>
-              <a:rPr lang="en-US" sz="1600" dirty="0">
-                <a:solidFill>
-                  <a:schemeClr val="tx1"/>
-                </a:solidFill>
-                <a:latin typeface="Times New Roman" panose="02020603050405020304"/>
-                <a:ea typeface="Times New Roman" panose="02020603050405020304"/>
-                <a:cs typeface="Times New Roman" panose="02020603050405020304"/>
-                <a:sym typeface="Times New Roman" panose="02020603050405020304"/>
-              </a:rPr>
-              <a:t>.</a:t>
+              <a:t>Many automated processes involve some kind of human interaction. Involving humans in an automated process is tricky because people aren't as highly available and as responsive as cloud services</a:t>
             </a:r>
             <a:endParaRPr lang="en-US" sz="1600" dirty="0">
               <a:solidFill>
@@ -28677,47 +28847,7 @@
                 <a:cs typeface="Times New Roman" panose="02020603050405020304"/>
                 <a:sym typeface="Times New Roman" panose="02020603050405020304"/>
               </a:rPr>
-              <a:t>Data being aggregated may come from multiple sources, may be delivered in batches, or may be scattered over long-periods of time. </a:t>
-            </a:r>
-            <a:endParaRPr lang="en-US" sz="1600" dirty="0">
-              <a:solidFill>
-                <a:schemeClr val="tx1"/>
-              </a:solidFill>
-              <a:latin typeface="Times New Roman" panose="02020603050405020304"/>
-              <a:ea typeface="Times New Roman" panose="02020603050405020304"/>
-              <a:cs typeface="Times New Roman" panose="02020603050405020304"/>
-              <a:sym typeface="Times New Roman" panose="02020603050405020304"/>
-            </a:endParaRPr>
-          </a:p>
-          <a:p>
-            <a:pPr marL="365760" lvl="0" indent="-228600" algn="l" rtl="0">
-              <a:lnSpc>
-                <a:spcPct val="200000"/>
-              </a:lnSpc>
-              <a:spcBef>
-                <a:spcPts val="0"/>
-              </a:spcBef>
-              <a:spcAft>
-                <a:spcPts val="0"/>
-              </a:spcAft>
-              <a:buClr>
-                <a:srgbClr val="000000"/>
-              </a:buClr>
-              <a:buSzPts val="1440"/>
-              <a:buFont typeface="Arial" panose="020B0604020202020204" pitchFamily="34" charset="0"/>
-              <a:buChar char="•"/>
-            </a:pPr>
-            <a:r>
-              <a:rPr lang="en-US" sz="1600" dirty="0">
-                <a:solidFill>
-                  <a:schemeClr val="tx1"/>
-                </a:solidFill>
-                <a:latin typeface="Times New Roman" panose="02020603050405020304"/>
-                <a:ea typeface="Times New Roman" panose="02020603050405020304"/>
-                <a:cs typeface="Times New Roman" panose="02020603050405020304"/>
-                <a:sym typeface="Times New Roman" panose="02020603050405020304"/>
-              </a:rPr>
-              <a:t>The aggregator might need to take action on event data as it arrives, and external clients may need to query the aggregated data.</a:t>
+              <a:t>An automated process might allow for this interaction by using timeouts and compensation logic.</a:t>
             </a:r>
             <a:endParaRPr lang="en-US" sz="1600" dirty="0">
               <a:solidFill>
@@ -28987,473 +29117,6 @@
 </file>
 
 <file path=ppt/slides/slide30.xml><?xml version="1.0" encoding="utf-8"?>
-<p:sld xmlns:a="http://schemas.openxmlformats.org/drawingml/2006/main" xmlns:r="http://schemas.openxmlformats.org/officeDocument/2006/relationships" xmlns:p="http://schemas.openxmlformats.org/presentationml/2006/main">
-  <p:cSld>
-    <p:bg>
-      <p:bgPr>
-        <a:solidFill>
-          <a:srgbClr val="151B22"/>
-        </a:solidFill>
-        <a:effectLst/>
-      </p:bgPr>
-    </p:bg>
-    <p:spTree>
-      <p:nvGrpSpPr>
-        <p:cNvPr id="1" name="Shape 518"/>
-        <p:cNvGrpSpPr/>
-        <p:nvPr/>
-      </p:nvGrpSpPr>
-      <p:grpSpPr>
-        <a:xfrm>
-          <a:off x="0" y="0"/>
-          <a:ext cx="0" cy="0"/>
-          <a:chOff x="0" y="0"/>
-          <a:chExt cx="0" cy="0"/>
-        </a:xfrm>
-      </p:grpSpPr>
-      <p:pic>
-        <p:nvPicPr>
-          <p:cNvPr id="519" name="Google Shape;519;p36"/>
-          <p:cNvPicPr preferRelativeResize="0"/>
-          <p:nvPr/>
-        </p:nvPicPr>
-        <p:blipFill>
-          <a:blip r:embed="rId1"/>
-          <a:stretch>
-            <a:fillRect/>
-          </a:stretch>
-        </p:blipFill>
-        <p:spPr>
-          <a:xfrm>
-            <a:off x="0" y="0"/>
-            <a:ext cx="9144000" cy="5143500"/>
-          </a:xfrm>
-          <a:prstGeom prst="rect">
-            <a:avLst/>
-          </a:prstGeom>
-          <a:noFill/>
-          <a:ln>
-            <a:noFill/>
-          </a:ln>
-        </p:spPr>
-      </p:pic>
-      <p:sp>
-        <p:nvSpPr>
-          <p:cNvPr id="520" name="Google Shape;520;p36"/>
-          <p:cNvSpPr txBox="1"/>
-          <p:nvPr/>
-        </p:nvSpPr>
-        <p:spPr>
-          <a:xfrm>
-            <a:off x="1895400" y="2202308"/>
-            <a:ext cx="5353200" cy="735330"/>
-          </a:xfrm>
-          <a:prstGeom prst="rect">
-            <a:avLst/>
-          </a:prstGeom>
-          <a:noFill/>
-          <a:ln>
-            <a:noFill/>
-          </a:ln>
-        </p:spPr>
-        <p:txBody>
-          <a:bodyPr spcFirstLastPara="1" wrap="square" lIns="91425" tIns="91425" rIns="91425" bIns="91425" anchor="t" anchorCtr="0">
-            <a:spAutoFit/>
-          </a:bodyPr>
-          <a:lstStyle/>
-          <a:p>
-            <a:pPr marL="0" lvl="0" indent="0" algn="ctr" rtl="0">
-              <a:spcBef>
-                <a:spcPts val="0"/>
-              </a:spcBef>
-              <a:spcAft>
-                <a:spcPts val="0"/>
-              </a:spcAft>
-              <a:buNone/>
-            </a:pPr>
-            <a:r>
-              <a:rPr lang="en-US" altLang="en-GB" sz="3600" b="1">
-                <a:solidFill>
-                  <a:schemeClr val="lt1"/>
-                </a:solidFill>
-                <a:latin typeface="Times New Roman" panose="02020603050405020304" charset="0"/>
-                <a:ea typeface="Roboto" panose="020B0704020202020204"/>
-                <a:cs typeface="Times New Roman" panose="02020603050405020304" charset="0"/>
-                <a:sym typeface="Roboto" panose="020B0704020202020204"/>
-              </a:rPr>
-              <a:t>DEMO</a:t>
-            </a:r>
-            <a:endParaRPr lang="en-US" altLang="en-GB" sz="3600" b="1">
-              <a:solidFill>
-                <a:schemeClr val="lt1"/>
-              </a:solidFill>
-              <a:latin typeface="Times New Roman" panose="02020603050405020304" charset="0"/>
-              <a:ea typeface="Roboto" panose="020B0704020202020204"/>
-              <a:cs typeface="Times New Roman" panose="02020603050405020304" charset="0"/>
-              <a:sym typeface="Roboto" panose="020B0704020202020204"/>
-            </a:endParaRPr>
-          </a:p>
-        </p:txBody>
-      </p:sp>
-      <p:sp>
-        <p:nvSpPr>
-          <p:cNvPr id="521" name="Google Shape;521;p36"/>
-          <p:cNvSpPr/>
-          <p:nvPr/>
-        </p:nvSpPr>
-        <p:spPr>
-          <a:xfrm>
-            <a:off x="0" y="4557200"/>
-            <a:ext cx="9153000" cy="586200"/>
-          </a:xfrm>
-          <a:prstGeom prst="rect">
-            <a:avLst/>
-          </a:prstGeom>
-          <a:solidFill>
-            <a:schemeClr val="lt1"/>
-          </a:solidFill>
-          <a:ln>
-            <a:noFill/>
-          </a:ln>
-        </p:spPr>
-        <p:txBody>
-          <a:bodyPr spcFirstLastPara="1" wrap="square" lIns="91425" tIns="91425" rIns="91425" bIns="91425" anchor="ctr" anchorCtr="0">
-            <a:noAutofit/>
-          </a:bodyPr>
-          <a:lstStyle/>
-          <a:p>
-            <a:pPr marL="0" lvl="0" indent="0" algn="l" rtl="0">
-              <a:spcBef>
-                <a:spcPts val="0"/>
-              </a:spcBef>
-              <a:spcAft>
-                <a:spcPts val="0"/>
-              </a:spcAft>
-              <a:buNone/>
-            </a:pPr>
-          </a:p>
-        </p:txBody>
-      </p:sp>
-      <p:pic>
-        <p:nvPicPr>
-          <p:cNvPr id="522" name="Google Shape;522;p36"/>
-          <p:cNvPicPr preferRelativeResize="0"/>
-          <p:nvPr/>
-        </p:nvPicPr>
-        <p:blipFill>
-          <a:blip r:embed="rId2"/>
-          <a:stretch>
-            <a:fillRect/>
-          </a:stretch>
-        </p:blipFill>
-        <p:spPr>
-          <a:xfrm>
-            <a:off x="114300" y="4689483"/>
-            <a:ext cx="1518224" cy="383150"/>
-          </a:xfrm>
-          <a:prstGeom prst="rect">
-            <a:avLst/>
-          </a:prstGeom>
-          <a:noFill/>
-          <a:ln>
-            <a:noFill/>
-          </a:ln>
-        </p:spPr>
-      </p:pic>
-      <p:sp>
-        <p:nvSpPr>
-          <p:cNvPr id="523" name="Google Shape;523;p36"/>
-          <p:cNvSpPr/>
-          <p:nvPr/>
-        </p:nvSpPr>
-        <p:spPr>
-          <a:xfrm>
-            <a:off x="1760625" y="4964175"/>
-            <a:ext cx="7269000" cy="30600"/>
-          </a:xfrm>
-          <a:prstGeom prst="rect">
-            <a:avLst/>
-          </a:prstGeom>
-          <a:solidFill>
-            <a:schemeClr val="lt2"/>
-          </a:solidFill>
-          <a:ln>
-            <a:noFill/>
-          </a:ln>
-        </p:spPr>
-        <p:txBody>
-          <a:bodyPr spcFirstLastPara="1" wrap="square" lIns="91425" tIns="91425" rIns="91425" bIns="91425" anchor="ctr" anchorCtr="0">
-            <a:noAutofit/>
-          </a:bodyPr>
-          <a:lstStyle/>
-          <a:p>
-            <a:pPr marL="0" lvl="0" indent="0" algn="l" rtl="0">
-              <a:spcBef>
-                <a:spcPts val="0"/>
-              </a:spcBef>
-              <a:spcAft>
-                <a:spcPts val="0"/>
-              </a:spcAft>
-              <a:buNone/>
-            </a:pPr>
-          </a:p>
-        </p:txBody>
-      </p:sp>
-      <p:sp>
-        <p:nvSpPr>
-          <p:cNvPr id="2" name="Slide Number Placeholder 1"/>
-          <p:cNvSpPr>
-            <a:spLocks noGrp="1"/>
-          </p:cNvSpPr>
-          <p:nvPr>
-            <p:ph type="sldNum" idx="12"/>
-          </p:nvPr>
-        </p:nvSpPr>
-        <p:spPr/>
-        <p:txBody>
-          <a:bodyPr/>
-          <a:lstStyle/>
-          <a:p>
-            <a:pPr marL="0" lvl="0" indent="0" algn="r" rtl="0">
-              <a:spcBef>
-                <a:spcPts val="0"/>
-              </a:spcBef>
-              <a:spcAft>
-                <a:spcPts val="0"/>
-              </a:spcAft>
-              <a:buNone/>
-            </a:pPr>
-            <a:fld id="{00000000-1234-1234-1234-123412341234}" type="slidenum">
-              <a:rPr lang="en-GB"/>
-            </a:fld>
-            <a:endParaRPr lang="en-GB"/>
-          </a:p>
-        </p:txBody>
-      </p:sp>
-    </p:spTree>
-  </p:cSld>
-  <p:clrMapOvr>
-    <a:masterClrMapping/>
-  </p:clrMapOvr>
-  <mc:AlternateContent xmlns:mc="http://schemas.openxmlformats.org/markup-compatibility/2006">
-    <mc:Choice xmlns:p14="http://schemas.microsoft.com/office/powerpoint/2010/main" Requires="p14">
-      <p:transition spd="med" p14:dur="699">
-        <p:fade/>
-      </p:transition>
-    </mc:Choice>
-    <mc:Fallback>
-      <p:transition spd="med">
-        <p:fade/>
-      </p:transition>
-    </mc:Fallback>
-  </mc:AlternateContent>
-</p:sld>
-</file>
-
-<file path=ppt/slides/slide31.xml><?xml version="1.0" encoding="utf-8"?>
-<p:sld xmlns:a="http://schemas.openxmlformats.org/drawingml/2006/main" xmlns:r="http://schemas.openxmlformats.org/officeDocument/2006/relationships" xmlns:p="http://schemas.openxmlformats.org/presentationml/2006/main">
-  <p:cSld>
-    <p:spTree>
-      <p:nvGrpSpPr>
-        <p:cNvPr id="1" name="Shape 91"/>
-        <p:cNvGrpSpPr/>
-        <p:nvPr/>
-      </p:nvGrpSpPr>
-      <p:grpSpPr>
-        <a:xfrm>
-          <a:off x="0" y="0"/>
-          <a:ext cx="0" cy="0"/>
-          <a:chOff x="0" y="0"/>
-          <a:chExt cx="0" cy="0"/>
-        </a:xfrm>
-      </p:grpSpPr>
-      <p:pic>
-        <p:nvPicPr>
-          <p:cNvPr id="92" name="Google Shape;92;p15"/>
-          <p:cNvPicPr preferRelativeResize="0"/>
-          <p:nvPr/>
-        </p:nvPicPr>
-        <p:blipFill rotWithShape="1">
-          <a:blip r:embed="rId1"/>
-          <a:srcRect/>
-          <a:stretch>
-            <a:fillRect/>
-          </a:stretch>
-        </p:blipFill>
-        <p:spPr>
-          <a:xfrm>
-            <a:off x="300" y="0"/>
-            <a:ext cx="9143700" cy="5143500"/>
-          </a:xfrm>
-          <a:prstGeom prst="rect">
-            <a:avLst/>
-          </a:prstGeom>
-          <a:noFill/>
-          <a:ln>
-            <a:noFill/>
-          </a:ln>
-        </p:spPr>
-      </p:pic>
-      <p:pic>
-        <p:nvPicPr>
-          <p:cNvPr id="93" name="Google Shape;93;p15"/>
-          <p:cNvPicPr preferRelativeResize="0"/>
-          <p:nvPr/>
-        </p:nvPicPr>
-        <p:blipFill>
-          <a:blip r:embed="rId2"/>
-          <a:stretch>
-            <a:fillRect/>
-          </a:stretch>
-        </p:blipFill>
-        <p:spPr>
-          <a:xfrm>
-            <a:off x="114300" y="4689483"/>
-            <a:ext cx="1518224" cy="383150"/>
-          </a:xfrm>
-          <a:prstGeom prst="rect">
-            <a:avLst/>
-          </a:prstGeom>
-          <a:noFill/>
-          <a:ln>
-            <a:noFill/>
-          </a:ln>
-        </p:spPr>
-      </p:pic>
-      <p:sp>
-        <p:nvSpPr>
-          <p:cNvPr id="94" name="Google Shape;94;p15"/>
-          <p:cNvSpPr txBox="1"/>
-          <p:nvPr/>
-        </p:nvSpPr>
-        <p:spPr>
-          <a:xfrm>
-            <a:off x="114300" y="1513205"/>
-            <a:ext cx="3986530" cy="1289050"/>
-          </a:xfrm>
-          <a:prstGeom prst="rect">
-            <a:avLst/>
-          </a:prstGeom>
-          <a:noFill/>
-          <a:ln>
-            <a:noFill/>
-          </a:ln>
-        </p:spPr>
-        <p:txBody>
-          <a:bodyPr spcFirstLastPara="1" wrap="square" lIns="91425" tIns="91425" rIns="91425" bIns="91425" anchor="t" anchorCtr="0">
-            <a:spAutoFit/>
-          </a:bodyPr>
-          <a:lstStyle/>
-          <a:p>
-            <a:pPr marL="0" lvl="0" indent="0" algn="l" rtl="0">
-              <a:spcBef>
-                <a:spcPts val="0"/>
-              </a:spcBef>
-              <a:spcAft>
-                <a:spcPts val="0"/>
-              </a:spcAft>
-              <a:buNone/>
-            </a:pPr>
-            <a:r>
-              <a:rPr lang="en-US" altLang="en-GB" sz="3600" b="1">
-                <a:solidFill>
-                  <a:srgbClr val="8DC63F"/>
-                </a:solidFill>
-                <a:latin typeface="Tahoma" panose="020B0604030504040204" charset="0"/>
-                <a:ea typeface="Roboto" panose="020B0704020202020204"/>
-                <a:cs typeface="Tahoma" panose="020B0604030504040204" charset="0"/>
-                <a:sym typeface="Roboto" panose="020B0704020202020204"/>
-              </a:rPr>
-              <a:t>BEST PRATICES &amp; SCENARIO</a:t>
-            </a:r>
-            <a:endParaRPr lang="en-US" altLang="en-GB" sz="3600" b="1">
-              <a:solidFill>
-                <a:srgbClr val="8DC63F"/>
-              </a:solidFill>
-              <a:latin typeface="Tahoma" panose="020B0604030504040204" charset="0"/>
-              <a:ea typeface="Roboto" panose="020B0704020202020204"/>
-              <a:cs typeface="Tahoma" panose="020B0604030504040204" charset="0"/>
-              <a:sym typeface="Roboto" panose="020B0704020202020204"/>
-            </a:endParaRPr>
-          </a:p>
-        </p:txBody>
-      </p:sp>
-      <p:sp>
-        <p:nvSpPr>
-          <p:cNvPr id="2" name="Slide Number Placeholder 1"/>
-          <p:cNvSpPr>
-            <a:spLocks noGrp="1"/>
-          </p:cNvSpPr>
-          <p:nvPr>
-            <p:ph type="sldNum" idx="12"/>
-          </p:nvPr>
-        </p:nvSpPr>
-        <p:spPr/>
-        <p:txBody>
-          <a:bodyPr/>
-          <a:lstStyle/>
-          <a:p>
-            <a:pPr marL="0" lvl="0" indent="0" algn="r" rtl="0">
-              <a:spcBef>
-                <a:spcPts val="0"/>
-              </a:spcBef>
-              <a:spcAft>
-                <a:spcPts val="0"/>
-              </a:spcAft>
-              <a:buNone/>
-            </a:pPr>
-            <a:fld id="{00000000-1234-1234-1234-123412341234}" type="slidenum">
-              <a:rPr lang="en-GB"/>
-            </a:fld>
-            <a:endParaRPr lang="en-GB"/>
-          </a:p>
-        </p:txBody>
-      </p:sp>
-      <p:pic>
-        <p:nvPicPr>
-          <p:cNvPr id="6" name="Picture 5"/>
-          <p:cNvPicPr>
-            <a:picLocks noChangeAspect="1"/>
-          </p:cNvPicPr>
-          <p:nvPr/>
-        </p:nvPicPr>
-        <p:blipFill>
-          <a:blip r:embed="rId3"/>
-          <a:stretch>
-            <a:fillRect/>
-          </a:stretch>
-        </p:blipFill>
-        <p:spPr>
-          <a:xfrm>
-            <a:off x="4004945" y="1347316"/>
-            <a:ext cx="1714500" cy="1714500"/>
-          </a:xfrm>
-          <a:prstGeom prst="rect">
-            <a:avLst/>
-          </a:prstGeom>
-        </p:spPr>
-      </p:pic>
-    </p:spTree>
-  </p:cSld>
-  <p:clrMapOvr>
-    <a:masterClrMapping/>
-  </p:clrMapOvr>
-  <mc:AlternateContent xmlns:mc="http://schemas.openxmlformats.org/markup-compatibility/2006">
-    <mc:Choice xmlns:p14="http://schemas.microsoft.com/office/powerpoint/2010/main" Requires="p14">
-      <p:transition spd="med" p14:dur="699">
-        <p:fade/>
-      </p:transition>
-    </mc:Choice>
-    <mc:Fallback>
-      <p:transition spd="med">
-        <p:fade/>
-      </p:transition>
-    </mc:Fallback>
-  </mc:AlternateContent>
-</p:sld>
-</file>
-
-<file path=ppt/slides/slide32.xml><?xml version="1.0" encoding="utf-8"?>
 <p:sld xmlns:a="http://schemas.openxmlformats.org/drawingml/2006/main" xmlns:r="http://schemas.openxmlformats.org/officeDocument/2006/relationships" xmlns:p="http://schemas.openxmlformats.org/presentationml/2006/main">
   <p:cSld>
     <p:bg>
@@ -29590,8 +29253,8 @@
         </p:nvSpPr>
         <p:spPr>
           <a:xfrm>
-            <a:off x="403795" y="142345"/>
-            <a:ext cx="5636700" cy="488950"/>
+            <a:off x="403860" y="142240"/>
+            <a:ext cx="8617585" cy="488950"/>
           </a:xfrm>
           <a:prstGeom prst="rect">
             <a:avLst/>
@@ -29626,7 +29289,7 @@
                 <a:cs typeface="Tahoma" panose="020B0604030504040204" charset="0"/>
                 <a:sym typeface="Roboto" panose="020B0704020202020204"/>
               </a:rPr>
-              <a:t>Best practices</a:t>
+              <a:t>Durable Function -  #6: Aggregator (stateful entities)</a:t>
             </a:r>
             <a:endParaRPr lang="en-US" altLang="en-GB" sz="2000" b="1">
               <a:solidFill>
@@ -29671,69 +29334,40 @@
           </a:p>
         </p:txBody>
       </p:sp>
+      <p:pic>
+        <p:nvPicPr>
+          <p:cNvPr id="4" name="Picture 3"/>
+          <p:cNvPicPr>
+            <a:picLocks noChangeAspect="1"/>
+          </p:cNvPicPr>
+          <p:nvPr/>
+        </p:nvPicPr>
+        <p:blipFill>
+          <a:blip r:embed="rId3"/>
+          <a:stretch>
+            <a:fillRect/>
+          </a:stretch>
+        </p:blipFill>
+        <p:spPr>
+          <a:xfrm>
+            <a:off x="5219065" y="1102360"/>
+            <a:ext cx="3386455" cy="1423035"/>
+          </a:xfrm>
+          <a:prstGeom prst="rect">
+            <a:avLst/>
+          </a:prstGeom>
+        </p:spPr>
+      </p:pic>
       <p:sp>
         <p:nvSpPr>
-          <p:cNvPr id="4" name="Google Shape;104;p16"/>
+          <p:cNvPr id="5" name="Google Shape;104;p16"/>
           <p:cNvSpPr txBox="1"/>
           <p:nvPr/>
         </p:nvSpPr>
         <p:spPr>
           <a:xfrm>
-            <a:off x="316799" y="750159"/>
-            <a:ext cx="8335645" cy="673735"/>
-          </a:xfrm>
-          <a:prstGeom prst="rect">
-            <a:avLst/>
-          </a:prstGeom>
-          <a:noFill/>
-          <a:ln>
-            <a:noFill/>
-          </a:ln>
-        </p:spPr>
-        <p:txBody>
-          <a:bodyPr spcFirstLastPara="1" wrap="square" lIns="91425" tIns="91425" rIns="91425" bIns="91425" anchor="t" anchorCtr="0">
-            <a:spAutoFit/>
-          </a:bodyPr>
-          <a:p>
-            <a:pPr marL="137160" lvl="0" indent="0" algn="l" rtl="0">
-              <a:lnSpc>
-                <a:spcPct val="200000"/>
-              </a:lnSpc>
-              <a:spcBef>
-                <a:spcPts val="0"/>
-              </a:spcBef>
-              <a:spcAft>
-                <a:spcPts val="0"/>
-              </a:spcAft>
-              <a:buClr>
-                <a:srgbClr val="000000"/>
-              </a:buClr>
-              <a:buSzPts val="1440"/>
-              <a:buFont typeface="Arial" panose="020B0604020202020204" pitchFamily="34" charset="0"/>
-              <a:buNone/>
-            </a:pPr>
-            <a:endParaRPr lang="en-US" sz="1600" dirty="0">
-              <a:solidFill>
-                <a:schemeClr val="tx1"/>
-              </a:solidFill>
-              <a:latin typeface="Times New Roman" panose="02020603050405020304"/>
-              <a:ea typeface="Times New Roman" panose="02020603050405020304"/>
-              <a:cs typeface="Times New Roman" panose="02020603050405020304"/>
-              <a:sym typeface="Times New Roman" panose="02020603050405020304"/>
-            </a:endParaRPr>
-          </a:p>
-        </p:txBody>
-      </p:sp>
-      <p:sp>
-        <p:nvSpPr>
-          <p:cNvPr id="3" name="Google Shape;104;p16"/>
-          <p:cNvSpPr txBox="1"/>
-          <p:nvPr/>
-        </p:nvSpPr>
-        <p:spPr>
-          <a:xfrm>
-            <a:off x="316799" y="552039"/>
-            <a:ext cx="8335645" cy="1658620"/>
+            <a:off x="203200" y="631190"/>
+            <a:ext cx="5015865" cy="4121150"/>
           </a:xfrm>
           <a:prstGeom prst="rect">
             <a:avLst/>
@@ -29775,7 +29409,31 @@
                 <a:cs typeface="Times New Roman" panose="02020603050405020304"/>
                 <a:sym typeface="Times New Roman" panose="02020603050405020304"/>
               </a:rPr>
-              <a:t>Functions should "do one thing“.</a:t>
+              <a:t>This pattern about aggregating event data over a period of time into a single, addressable </a:t>
+            </a:r>
+            <a:r>
+              <a:rPr lang="en-US" sz="1600" i="1" dirty="0">
+                <a:solidFill>
+                  <a:schemeClr val="tx1"/>
+                </a:solidFill>
+                <a:latin typeface="Times New Roman" panose="02020603050405020304"/>
+                <a:ea typeface="Times New Roman" panose="02020603050405020304"/>
+                <a:cs typeface="Times New Roman" panose="02020603050405020304"/>
+                <a:sym typeface="Times New Roman" panose="02020603050405020304"/>
+              </a:rPr>
+              <a:t>entity</a:t>
+            </a:r>
+            <a:r>
+              <a:rPr lang="en-US" sz="1600" dirty="0">
+                <a:solidFill>
+                  <a:schemeClr val="tx1"/>
+                </a:solidFill>
+                <a:latin typeface="Times New Roman" panose="02020603050405020304"/>
+                <a:ea typeface="Times New Roman" panose="02020603050405020304"/>
+                <a:cs typeface="Times New Roman" panose="02020603050405020304"/>
+                <a:sym typeface="Times New Roman" panose="02020603050405020304"/>
+              </a:rPr>
+              <a:t>.</a:t>
             </a:r>
             <a:endParaRPr lang="en-US" sz="1600" dirty="0">
               <a:solidFill>
@@ -29815,7 +29473,7 @@
                 <a:cs typeface="Times New Roman" panose="02020603050405020304"/>
                 <a:sym typeface="Times New Roman" panose="02020603050405020304"/>
               </a:rPr>
-              <a:t>Functions should finish as quickly as possible.</a:t>
+              <a:t>Data being aggregated may come from multiple sources, may be delivered in batches, or may be scattered over long-periods of time. </a:t>
             </a:r>
             <a:endParaRPr lang="en-US" sz="1600" dirty="0">
               <a:solidFill>
@@ -29855,7 +29513,7 @@
                 <a:cs typeface="Times New Roman" panose="02020603050405020304"/>
                 <a:sym typeface="Times New Roman" panose="02020603050405020304"/>
               </a:rPr>
-              <a:t>Should choose Windows host when create Function. </a:t>
+              <a:t>The aggregator might need to take action on event data as it arrives, and external clients may need to query the aggregated data.</a:t>
             </a:r>
             <a:endParaRPr lang="en-US" sz="1600" dirty="0">
               <a:solidFill>
@@ -29873,6 +29531,473 @@
   </p:cSld>
   <p:clrMapOvr>
     <a:overrideClrMapping bg1="lt1" tx1="dk1" bg2="dk2" tx2="lt2" accent1="accent1" accent2="accent2" accent3="accent3" accent4="accent4" accent5="accent5" accent6="accent6" hlink="hlink" folHlink="folHlink"/>
+  </p:clrMapOvr>
+  <mc:AlternateContent xmlns:mc="http://schemas.openxmlformats.org/markup-compatibility/2006">
+    <mc:Choice xmlns:p14="http://schemas.microsoft.com/office/powerpoint/2010/main" Requires="p14">
+      <p:transition spd="med" p14:dur="699">
+        <p:fade/>
+      </p:transition>
+    </mc:Choice>
+    <mc:Fallback>
+      <p:transition spd="med">
+        <p:fade/>
+      </p:transition>
+    </mc:Fallback>
+  </mc:AlternateContent>
+</p:sld>
+</file>
+
+<file path=ppt/slides/slide31.xml><?xml version="1.0" encoding="utf-8"?>
+<p:sld xmlns:a="http://schemas.openxmlformats.org/drawingml/2006/main" xmlns:r="http://schemas.openxmlformats.org/officeDocument/2006/relationships" xmlns:p="http://schemas.openxmlformats.org/presentationml/2006/main">
+  <p:cSld>
+    <p:bg>
+      <p:bgPr>
+        <a:solidFill>
+          <a:srgbClr val="151B22"/>
+        </a:solidFill>
+        <a:effectLst/>
+      </p:bgPr>
+    </p:bg>
+    <p:spTree>
+      <p:nvGrpSpPr>
+        <p:cNvPr id="1" name="Shape 518"/>
+        <p:cNvGrpSpPr/>
+        <p:nvPr/>
+      </p:nvGrpSpPr>
+      <p:grpSpPr>
+        <a:xfrm>
+          <a:off x="0" y="0"/>
+          <a:ext cx="0" cy="0"/>
+          <a:chOff x="0" y="0"/>
+          <a:chExt cx="0" cy="0"/>
+        </a:xfrm>
+      </p:grpSpPr>
+      <p:pic>
+        <p:nvPicPr>
+          <p:cNvPr id="519" name="Google Shape;519;p36"/>
+          <p:cNvPicPr preferRelativeResize="0"/>
+          <p:nvPr/>
+        </p:nvPicPr>
+        <p:blipFill>
+          <a:blip r:embed="rId1"/>
+          <a:stretch>
+            <a:fillRect/>
+          </a:stretch>
+        </p:blipFill>
+        <p:spPr>
+          <a:xfrm>
+            <a:off x="0" y="0"/>
+            <a:ext cx="9144000" cy="5143500"/>
+          </a:xfrm>
+          <a:prstGeom prst="rect">
+            <a:avLst/>
+          </a:prstGeom>
+          <a:noFill/>
+          <a:ln>
+            <a:noFill/>
+          </a:ln>
+        </p:spPr>
+      </p:pic>
+      <p:sp>
+        <p:nvSpPr>
+          <p:cNvPr id="520" name="Google Shape;520;p36"/>
+          <p:cNvSpPr txBox="1"/>
+          <p:nvPr/>
+        </p:nvSpPr>
+        <p:spPr>
+          <a:xfrm>
+            <a:off x="1895400" y="2202308"/>
+            <a:ext cx="5353200" cy="735330"/>
+          </a:xfrm>
+          <a:prstGeom prst="rect">
+            <a:avLst/>
+          </a:prstGeom>
+          <a:noFill/>
+          <a:ln>
+            <a:noFill/>
+          </a:ln>
+        </p:spPr>
+        <p:txBody>
+          <a:bodyPr spcFirstLastPara="1" wrap="square" lIns="91425" tIns="91425" rIns="91425" bIns="91425" anchor="t" anchorCtr="0">
+            <a:spAutoFit/>
+          </a:bodyPr>
+          <a:lstStyle/>
+          <a:p>
+            <a:pPr marL="0" lvl="0" indent="0" algn="ctr" rtl="0">
+              <a:spcBef>
+                <a:spcPts val="0"/>
+              </a:spcBef>
+              <a:spcAft>
+                <a:spcPts val="0"/>
+              </a:spcAft>
+              <a:buNone/>
+            </a:pPr>
+            <a:r>
+              <a:rPr lang="en-US" altLang="en-GB" sz="3600" b="1">
+                <a:solidFill>
+                  <a:schemeClr val="lt1"/>
+                </a:solidFill>
+                <a:latin typeface="Times New Roman" panose="02020603050405020304" charset="0"/>
+                <a:ea typeface="Roboto" panose="020B0704020202020204"/>
+                <a:cs typeface="Times New Roman" panose="02020603050405020304" charset="0"/>
+                <a:sym typeface="Roboto" panose="020B0704020202020204"/>
+              </a:rPr>
+              <a:t>DEMO</a:t>
+            </a:r>
+            <a:endParaRPr lang="en-US" altLang="en-GB" sz="3600" b="1">
+              <a:solidFill>
+                <a:schemeClr val="lt1"/>
+              </a:solidFill>
+              <a:latin typeface="Times New Roman" panose="02020603050405020304" charset="0"/>
+              <a:ea typeface="Roboto" panose="020B0704020202020204"/>
+              <a:cs typeface="Times New Roman" panose="02020603050405020304" charset="0"/>
+              <a:sym typeface="Roboto" panose="020B0704020202020204"/>
+            </a:endParaRPr>
+          </a:p>
+        </p:txBody>
+      </p:sp>
+      <p:sp>
+        <p:nvSpPr>
+          <p:cNvPr id="521" name="Google Shape;521;p36"/>
+          <p:cNvSpPr/>
+          <p:nvPr/>
+        </p:nvSpPr>
+        <p:spPr>
+          <a:xfrm>
+            <a:off x="0" y="4557200"/>
+            <a:ext cx="9153000" cy="586200"/>
+          </a:xfrm>
+          <a:prstGeom prst="rect">
+            <a:avLst/>
+          </a:prstGeom>
+          <a:solidFill>
+            <a:schemeClr val="lt1"/>
+          </a:solidFill>
+          <a:ln>
+            <a:noFill/>
+          </a:ln>
+        </p:spPr>
+        <p:txBody>
+          <a:bodyPr spcFirstLastPara="1" wrap="square" lIns="91425" tIns="91425" rIns="91425" bIns="91425" anchor="ctr" anchorCtr="0">
+            <a:noAutofit/>
+          </a:bodyPr>
+          <a:lstStyle/>
+          <a:p>
+            <a:pPr marL="0" lvl="0" indent="0" algn="l" rtl="0">
+              <a:spcBef>
+                <a:spcPts val="0"/>
+              </a:spcBef>
+              <a:spcAft>
+                <a:spcPts val="0"/>
+              </a:spcAft>
+              <a:buNone/>
+            </a:pPr>
+          </a:p>
+        </p:txBody>
+      </p:sp>
+      <p:pic>
+        <p:nvPicPr>
+          <p:cNvPr id="522" name="Google Shape;522;p36"/>
+          <p:cNvPicPr preferRelativeResize="0"/>
+          <p:nvPr/>
+        </p:nvPicPr>
+        <p:blipFill>
+          <a:blip r:embed="rId2"/>
+          <a:stretch>
+            <a:fillRect/>
+          </a:stretch>
+        </p:blipFill>
+        <p:spPr>
+          <a:xfrm>
+            <a:off x="114300" y="4689483"/>
+            <a:ext cx="1518224" cy="383150"/>
+          </a:xfrm>
+          <a:prstGeom prst="rect">
+            <a:avLst/>
+          </a:prstGeom>
+          <a:noFill/>
+          <a:ln>
+            <a:noFill/>
+          </a:ln>
+        </p:spPr>
+      </p:pic>
+      <p:sp>
+        <p:nvSpPr>
+          <p:cNvPr id="523" name="Google Shape;523;p36"/>
+          <p:cNvSpPr/>
+          <p:nvPr/>
+        </p:nvSpPr>
+        <p:spPr>
+          <a:xfrm>
+            <a:off x="1760625" y="4964175"/>
+            <a:ext cx="7269000" cy="30600"/>
+          </a:xfrm>
+          <a:prstGeom prst="rect">
+            <a:avLst/>
+          </a:prstGeom>
+          <a:solidFill>
+            <a:schemeClr val="lt2"/>
+          </a:solidFill>
+          <a:ln>
+            <a:noFill/>
+          </a:ln>
+        </p:spPr>
+        <p:txBody>
+          <a:bodyPr spcFirstLastPara="1" wrap="square" lIns="91425" tIns="91425" rIns="91425" bIns="91425" anchor="ctr" anchorCtr="0">
+            <a:noAutofit/>
+          </a:bodyPr>
+          <a:lstStyle/>
+          <a:p>
+            <a:pPr marL="0" lvl="0" indent="0" algn="l" rtl="0">
+              <a:spcBef>
+                <a:spcPts val="0"/>
+              </a:spcBef>
+              <a:spcAft>
+                <a:spcPts val="0"/>
+              </a:spcAft>
+              <a:buNone/>
+            </a:pPr>
+          </a:p>
+        </p:txBody>
+      </p:sp>
+      <p:sp>
+        <p:nvSpPr>
+          <p:cNvPr id="2" name="Slide Number Placeholder 1"/>
+          <p:cNvSpPr>
+            <a:spLocks noGrp="1"/>
+          </p:cNvSpPr>
+          <p:nvPr>
+            <p:ph type="sldNum" idx="12"/>
+          </p:nvPr>
+        </p:nvSpPr>
+        <p:spPr/>
+        <p:txBody>
+          <a:bodyPr/>
+          <a:lstStyle/>
+          <a:p>
+            <a:pPr marL="0" lvl="0" indent="0" algn="r" rtl="0">
+              <a:spcBef>
+                <a:spcPts val="0"/>
+              </a:spcBef>
+              <a:spcAft>
+                <a:spcPts val="0"/>
+              </a:spcAft>
+              <a:buNone/>
+            </a:pPr>
+            <a:fld id="{00000000-1234-1234-1234-123412341234}" type="slidenum">
+              <a:rPr lang="en-GB"/>
+            </a:fld>
+            <a:endParaRPr lang="en-GB"/>
+          </a:p>
+        </p:txBody>
+      </p:sp>
+    </p:spTree>
+  </p:cSld>
+  <p:clrMapOvr>
+    <a:masterClrMapping/>
+  </p:clrMapOvr>
+  <mc:AlternateContent xmlns:mc="http://schemas.openxmlformats.org/markup-compatibility/2006">
+    <mc:Choice xmlns:p14="http://schemas.microsoft.com/office/powerpoint/2010/main" Requires="p14">
+      <p:transition spd="med" p14:dur="699">
+        <p:fade/>
+      </p:transition>
+    </mc:Choice>
+    <mc:Fallback>
+      <p:transition spd="med">
+        <p:fade/>
+      </p:transition>
+    </mc:Fallback>
+  </mc:AlternateContent>
+</p:sld>
+</file>
+
+<file path=ppt/slides/slide32.xml><?xml version="1.0" encoding="utf-8"?>
+<p:sld xmlns:a="http://schemas.openxmlformats.org/drawingml/2006/main" xmlns:r="http://schemas.openxmlformats.org/officeDocument/2006/relationships" xmlns:p="http://schemas.openxmlformats.org/presentationml/2006/main">
+  <p:cSld>
+    <p:spTree>
+      <p:nvGrpSpPr>
+        <p:cNvPr id="1" name="Shape 91"/>
+        <p:cNvGrpSpPr/>
+        <p:nvPr/>
+      </p:nvGrpSpPr>
+      <p:grpSpPr>
+        <a:xfrm>
+          <a:off x="0" y="0"/>
+          <a:ext cx="0" cy="0"/>
+          <a:chOff x="0" y="0"/>
+          <a:chExt cx="0" cy="0"/>
+        </a:xfrm>
+      </p:grpSpPr>
+      <p:pic>
+        <p:nvPicPr>
+          <p:cNvPr id="92" name="Google Shape;92;p15"/>
+          <p:cNvPicPr preferRelativeResize="0"/>
+          <p:nvPr/>
+        </p:nvPicPr>
+        <p:blipFill rotWithShape="1">
+          <a:blip r:embed="rId1"/>
+          <a:srcRect/>
+          <a:stretch>
+            <a:fillRect/>
+          </a:stretch>
+        </p:blipFill>
+        <p:spPr>
+          <a:xfrm>
+            <a:off x="300" y="0"/>
+            <a:ext cx="9143700" cy="5143500"/>
+          </a:xfrm>
+          <a:prstGeom prst="rect">
+            <a:avLst/>
+          </a:prstGeom>
+          <a:noFill/>
+          <a:ln>
+            <a:noFill/>
+          </a:ln>
+        </p:spPr>
+      </p:pic>
+      <p:pic>
+        <p:nvPicPr>
+          <p:cNvPr id="93" name="Google Shape;93;p15"/>
+          <p:cNvPicPr preferRelativeResize="0"/>
+          <p:nvPr/>
+        </p:nvPicPr>
+        <p:blipFill>
+          <a:blip r:embed="rId2"/>
+          <a:stretch>
+            <a:fillRect/>
+          </a:stretch>
+        </p:blipFill>
+        <p:spPr>
+          <a:xfrm>
+            <a:off x="114300" y="4689483"/>
+            <a:ext cx="1518224" cy="383150"/>
+          </a:xfrm>
+          <a:prstGeom prst="rect">
+            <a:avLst/>
+          </a:prstGeom>
+          <a:noFill/>
+          <a:ln>
+            <a:noFill/>
+          </a:ln>
+        </p:spPr>
+      </p:pic>
+      <p:sp>
+        <p:nvSpPr>
+          <p:cNvPr id="94" name="Google Shape;94;p15"/>
+          <p:cNvSpPr txBox="1"/>
+          <p:nvPr/>
+        </p:nvSpPr>
+        <p:spPr>
+          <a:xfrm>
+            <a:off x="114300" y="1513205"/>
+            <a:ext cx="3986530" cy="1289050"/>
+          </a:xfrm>
+          <a:prstGeom prst="rect">
+            <a:avLst/>
+          </a:prstGeom>
+          <a:noFill/>
+          <a:ln>
+            <a:noFill/>
+          </a:ln>
+        </p:spPr>
+        <p:txBody>
+          <a:bodyPr spcFirstLastPara="1" wrap="square" lIns="91425" tIns="91425" rIns="91425" bIns="91425" anchor="t" anchorCtr="0">
+            <a:spAutoFit/>
+          </a:bodyPr>
+          <a:lstStyle/>
+          <a:p>
+            <a:pPr marL="0" lvl="0" indent="0" algn="l" rtl="0">
+              <a:spcBef>
+                <a:spcPts val="0"/>
+              </a:spcBef>
+              <a:spcAft>
+                <a:spcPts val="0"/>
+              </a:spcAft>
+              <a:buNone/>
+            </a:pPr>
+            <a:r>
+              <a:rPr lang="en-US" altLang="en-GB" sz="3600" b="1">
+                <a:solidFill>
+                  <a:srgbClr val="8DC63F"/>
+                </a:solidFill>
+                <a:latin typeface="Tahoma" panose="020B0604030504040204" charset="0"/>
+                <a:ea typeface="Roboto" panose="020B0704020202020204"/>
+                <a:cs typeface="Tahoma" panose="020B0604030504040204" charset="0"/>
+                <a:sym typeface="Roboto" panose="020B0704020202020204"/>
+              </a:rPr>
+              <a:t>BEST PRATICES &amp; SCENARIO</a:t>
+            </a:r>
+            <a:endParaRPr lang="en-US" altLang="en-GB" sz="3600" b="1">
+              <a:solidFill>
+                <a:srgbClr val="8DC63F"/>
+              </a:solidFill>
+              <a:latin typeface="Tahoma" panose="020B0604030504040204" charset="0"/>
+              <a:ea typeface="Roboto" panose="020B0704020202020204"/>
+              <a:cs typeface="Tahoma" panose="020B0604030504040204" charset="0"/>
+              <a:sym typeface="Roboto" panose="020B0704020202020204"/>
+            </a:endParaRPr>
+          </a:p>
+        </p:txBody>
+      </p:sp>
+      <p:sp>
+        <p:nvSpPr>
+          <p:cNvPr id="2" name="Slide Number Placeholder 1"/>
+          <p:cNvSpPr>
+            <a:spLocks noGrp="1"/>
+          </p:cNvSpPr>
+          <p:nvPr>
+            <p:ph type="sldNum" idx="12"/>
+          </p:nvPr>
+        </p:nvSpPr>
+        <p:spPr/>
+        <p:txBody>
+          <a:bodyPr/>
+          <a:lstStyle/>
+          <a:p>
+            <a:pPr marL="0" lvl="0" indent="0" algn="r" rtl="0">
+              <a:spcBef>
+                <a:spcPts val="0"/>
+              </a:spcBef>
+              <a:spcAft>
+                <a:spcPts val="0"/>
+              </a:spcAft>
+              <a:buNone/>
+            </a:pPr>
+            <a:fld id="{00000000-1234-1234-1234-123412341234}" type="slidenum">
+              <a:rPr lang="en-GB"/>
+            </a:fld>
+            <a:endParaRPr lang="en-GB"/>
+          </a:p>
+        </p:txBody>
+      </p:sp>
+      <p:pic>
+        <p:nvPicPr>
+          <p:cNvPr id="6" name="Picture 5"/>
+          <p:cNvPicPr>
+            <a:picLocks noChangeAspect="1"/>
+          </p:cNvPicPr>
+          <p:nvPr/>
+        </p:nvPicPr>
+        <p:blipFill>
+          <a:blip r:embed="rId3"/>
+          <a:stretch>
+            <a:fillRect/>
+          </a:stretch>
+        </p:blipFill>
+        <p:spPr>
+          <a:xfrm>
+            <a:off x="4004945" y="1347316"/>
+            <a:ext cx="1714500" cy="1714500"/>
+          </a:xfrm>
+          <a:prstGeom prst="rect">
+            <a:avLst/>
+          </a:prstGeom>
+        </p:spPr>
+      </p:pic>
+    </p:spTree>
+  </p:cSld>
+  <p:clrMapOvr>
+    <a:masterClrMapping/>
   </p:clrMapOvr>
   <mc:AlternateContent xmlns:mc="http://schemas.openxmlformats.org/markup-compatibility/2006">
     <mc:Choice xmlns:p14="http://schemas.microsoft.com/office/powerpoint/2010/main" Requires="p14">
@@ -30062,7 +30187,7 @@
                 <a:cs typeface="Tahoma" panose="020B0604030504040204" charset="0"/>
                 <a:sym typeface="Roboto" panose="020B0704020202020204"/>
               </a:rPr>
-              <a:t>Scenarios</a:t>
+              <a:t>Best practices</a:t>
             </a:r>
             <a:endParaRPr lang="en-US" altLang="en-GB" sz="2000" b="1">
               <a:solidFill>
@@ -30160,22 +30285,151 @@
           </a:p>
         </p:txBody>
       </p:sp>
-      <p:graphicFrame>
-        <p:nvGraphicFramePr>
-          <p:cNvPr id="7" name="Diagram 6"/>
-          <p:cNvGraphicFramePr/>
+      <p:sp>
+        <p:nvSpPr>
+          <p:cNvPr id="3" name="Google Shape;104;p16"/>
+          <p:cNvSpPr txBox="1"/>
           <p:nvPr/>
-        </p:nvGraphicFramePr>
-        <p:xfrm>
-          <a:off x="537210" y="831850"/>
-          <a:ext cx="8209280" cy="3857625"/>
-        </p:xfrm>
-        <a:graphic>
-          <a:graphicData uri="http://schemas.openxmlformats.org/drawingml/2006/diagram">
-            <dgm:relIds xmlns:dgm="http://schemas.openxmlformats.org/drawingml/2006/diagram" xmlns:r="http://schemas.openxmlformats.org/officeDocument/2006/relationships" r:dm="rId3" r:lo="rId4" r:qs="rId5" r:cs="rId6"/>
-          </a:graphicData>
-        </a:graphic>
-      </p:graphicFrame>
+        </p:nvSpPr>
+        <p:spPr>
+          <a:xfrm>
+            <a:off x="316799" y="552039"/>
+            <a:ext cx="8335645" cy="1658620"/>
+          </a:xfrm>
+          <a:prstGeom prst="rect">
+            <a:avLst/>
+          </a:prstGeom>
+          <a:noFill/>
+          <a:ln>
+            <a:noFill/>
+          </a:ln>
+        </p:spPr>
+        <p:txBody>
+          <a:bodyPr spcFirstLastPara="1" wrap="square" lIns="91425" tIns="91425" rIns="91425" bIns="91425" anchor="t" anchorCtr="0">
+            <a:spAutoFit/>
+          </a:bodyPr>
+          <a:p>
+            <a:pPr marL="365760" lvl="0" indent="-228600" algn="l" rtl="0">
+              <a:lnSpc>
+                <a:spcPct val="200000"/>
+              </a:lnSpc>
+              <a:spcBef>
+                <a:spcPts val="0"/>
+              </a:spcBef>
+              <a:spcAft>
+                <a:spcPts val="0"/>
+              </a:spcAft>
+              <a:buClr>
+                <a:srgbClr val="000000"/>
+              </a:buClr>
+              <a:buSzPts val="1440"/>
+              <a:buFont typeface="Arial" panose="020B0604020202020204" pitchFamily="34" charset="0"/>
+              <a:buChar char="•"/>
+            </a:pPr>
+            <a:r>
+              <a:rPr lang="en-US" sz="1600" dirty="0">
+                <a:solidFill>
+                  <a:schemeClr val="tx1"/>
+                </a:solidFill>
+                <a:latin typeface="Times New Roman" panose="02020603050405020304"/>
+                <a:ea typeface="Times New Roman" panose="02020603050405020304"/>
+                <a:cs typeface="Times New Roman" panose="02020603050405020304"/>
+                <a:sym typeface="Times New Roman" panose="02020603050405020304"/>
+              </a:rPr>
+              <a:t>Functions should "do one thing“.</a:t>
+            </a:r>
+            <a:endParaRPr lang="en-US" sz="1600" dirty="0">
+              <a:solidFill>
+                <a:schemeClr val="tx1"/>
+              </a:solidFill>
+              <a:latin typeface="Times New Roman" panose="02020603050405020304"/>
+              <a:ea typeface="Times New Roman" panose="02020603050405020304"/>
+              <a:cs typeface="Times New Roman" panose="02020603050405020304"/>
+              <a:sym typeface="Times New Roman" panose="02020603050405020304"/>
+            </a:endParaRPr>
+          </a:p>
+          <a:p>
+            <a:pPr marL="365760" lvl="0" indent="-228600" algn="l" rtl="0">
+              <a:lnSpc>
+                <a:spcPct val="200000"/>
+              </a:lnSpc>
+              <a:spcBef>
+                <a:spcPts val="0"/>
+              </a:spcBef>
+              <a:spcAft>
+                <a:spcPts val="0"/>
+              </a:spcAft>
+              <a:buClr>
+                <a:srgbClr val="000000"/>
+              </a:buClr>
+              <a:buSzPts val="1440"/>
+              <a:buFont typeface="Arial" panose="020B0604020202020204" pitchFamily="34" charset="0"/>
+              <a:buChar char="•"/>
+            </a:pPr>
+            <a:r>
+              <a:rPr lang="en-US" sz="1600" dirty="0">
+                <a:solidFill>
+                  <a:schemeClr val="tx1"/>
+                </a:solidFill>
+                <a:latin typeface="Times New Roman" panose="02020603050405020304"/>
+                <a:ea typeface="Times New Roman" panose="02020603050405020304"/>
+                <a:cs typeface="Times New Roman" panose="02020603050405020304"/>
+                <a:sym typeface="Times New Roman" panose="02020603050405020304"/>
+              </a:rPr>
+              <a:t>Functions should finish as quickly as possible.</a:t>
+            </a:r>
+            <a:endParaRPr lang="en-US" sz="1600" dirty="0">
+              <a:solidFill>
+                <a:schemeClr val="tx1"/>
+              </a:solidFill>
+              <a:latin typeface="Times New Roman" panose="02020603050405020304"/>
+              <a:ea typeface="Times New Roman" panose="02020603050405020304"/>
+              <a:cs typeface="Times New Roman" panose="02020603050405020304"/>
+              <a:sym typeface="Times New Roman" panose="02020603050405020304"/>
+            </a:endParaRPr>
+          </a:p>
+          <a:p>
+            <a:pPr marL="365760" lvl="0" indent="-228600" algn="l" rtl="0">
+              <a:lnSpc>
+                <a:spcPct val="200000"/>
+              </a:lnSpc>
+              <a:spcBef>
+                <a:spcPts val="0"/>
+              </a:spcBef>
+              <a:spcAft>
+                <a:spcPts val="0"/>
+              </a:spcAft>
+              <a:buClr>
+                <a:srgbClr val="000000"/>
+              </a:buClr>
+              <a:buSzPts val="1440"/>
+              <a:buFont typeface="Arial" panose="020B0604020202020204" pitchFamily="34" charset="0"/>
+              <a:buChar char="•"/>
+            </a:pPr>
+            <a:r>
+              <a:rPr lang="en-US" sz="1600" dirty="0">
+                <a:solidFill>
+                  <a:schemeClr val="tx1"/>
+                </a:solidFill>
+                <a:latin typeface="Times New Roman" panose="02020603050405020304"/>
+                <a:ea typeface="Times New Roman" panose="02020603050405020304"/>
+                <a:cs typeface="Times New Roman" panose="02020603050405020304"/>
+                <a:sym typeface="Times New Roman" panose="02020603050405020304"/>
+              </a:rPr>
+              <a:t>Should choose Windows host when create Function. </a:t>
+            </a:r>
+            <a:endParaRPr lang="en-US" sz="1600" dirty="0">
+              <a:solidFill>
+                <a:schemeClr val="tx1"/>
+              </a:solidFill>
+              <a:latin typeface="Times New Roman" panose="02020603050405020304"/>
+              <a:ea typeface="Times New Roman" panose="02020603050405020304"/>
+              <a:cs typeface="Times New Roman" panose="02020603050405020304"/>
+              <a:sym typeface="Times New Roman" panose="02020603050405020304"/>
+            </a:endParaRPr>
+          </a:p>
+        </p:txBody>
+      </p:sp>
     </p:spTree>
   </p:cSld>
   <p:clrMapOvr>
@@ -30333,8 +30587,8 @@
         </p:nvSpPr>
         <p:spPr>
           <a:xfrm>
-            <a:off x="392999" y="141075"/>
-            <a:ext cx="8636625" cy="488950"/>
+            <a:off x="403795" y="142345"/>
+            <a:ext cx="5636700" cy="488950"/>
           </a:xfrm>
           <a:prstGeom prst="rect">
             <a:avLst/>
@@ -30369,7 +30623,7 @@
                 <a:cs typeface="Tahoma" panose="020B0604030504040204" charset="0"/>
                 <a:sym typeface="Roboto" panose="020B0704020202020204"/>
               </a:rPr>
-              <a:t>Pricing</a:t>
+              <a:t>Scenarios</a:t>
             </a:r>
             <a:endParaRPr lang="en-US" altLang="en-GB" sz="2000" b="1">
               <a:solidFill>
@@ -30385,7 +30639,7 @@
       </p:sp>
       <p:sp>
         <p:nvSpPr>
-          <p:cNvPr id="3" name="Slide Number Placeholder 2"/>
+          <p:cNvPr id="2" name="Slide Number Placeholder 1"/>
           <p:cNvSpPr>
             <a:spLocks noGrp="1"/>
           </p:cNvSpPr>
@@ -30416,14 +30670,14 @@
       </p:sp>
       <p:sp>
         <p:nvSpPr>
-          <p:cNvPr id="2" name="Google Shape;104;p16"/>
+          <p:cNvPr id="4" name="Google Shape;104;p16"/>
           <p:cNvSpPr txBox="1"/>
           <p:nvPr/>
         </p:nvSpPr>
         <p:spPr>
           <a:xfrm>
-            <a:off x="316799" y="742539"/>
-            <a:ext cx="8335645" cy="1289050"/>
+            <a:off x="316799" y="750159"/>
+            <a:ext cx="8335645" cy="673735"/>
           </a:xfrm>
           <a:prstGeom prst="rect">
             <a:avLst/>
@@ -30438,7 +30692,7 @@
             <a:spAutoFit/>
           </a:bodyPr>
           <a:p>
-            <a:pPr marL="365760" lvl="0" indent="-228600" algn="l" rtl="0">
+            <a:pPr marL="137160" lvl="0" indent="0" algn="l" rtl="0">
               <a:lnSpc>
                 <a:spcPct val="200000"/>
               </a:lnSpc>
@@ -30453,49 +30707,9 @@
               </a:buClr>
               <a:buSzPts val="1440"/>
               <a:buFont typeface="Arial" panose="020B0604020202020204" pitchFamily="34" charset="0"/>
-              <a:buChar char="•"/>
+              <a:buNone/>
             </a:pPr>
-            <a:r>
-              <a:rPr lang="en-US" sz="1800">
-                <a:solidFill>
-                  <a:schemeClr val="tx1"/>
-                </a:solidFill>
-                <a:latin typeface="Times New Roman" panose="02020603050405020304"/>
-                <a:ea typeface="Times New Roman" panose="02020603050405020304"/>
-                <a:cs typeface="Times New Roman" panose="02020603050405020304"/>
-                <a:sym typeface="Times New Roman" panose="02020603050405020304"/>
-              </a:rPr>
-              <a:t>Only pay when your code is running.</a:t>
-            </a:r>
-            <a:endParaRPr lang="en-US" sz="1800">
-              <a:solidFill>
-                <a:schemeClr val="tx1"/>
-              </a:solidFill>
-              <a:latin typeface="Times New Roman" panose="02020603050405020304"/>
-              <a:ea typeface="Times New Roman" panose="02020603050405020304"/>
-              <a:cs typeface="Times New Roman" panose="02020603050405020304"/>
-              <a:sym typeface="Times New Roman" panose="02020603050405020304"/>
-            </a:endParaRPr>
-          </a:p>
-          <a:p>
-            <a:pPr marL="365760" lvl="0" indent="-228600" algn="l" rtl="0">
-              <a:lnSpc>
-                <a:spcPct val="200000"/>
-              </a:lnSpc>
-              <a:spcBef>
-                <a:spcPts val="0"/>
-              </a:spcBef>
-              <a:spcAft>
-                <a:spcPts val="0"/>
-              </a:spcAft>
-              <a:buClr>
-                <a:srgbClr val="000000"/>
-              </a:buClr>
-              <a:buSzPts val="1440"/>
-              <a:buFont typeface="Arial" panose="020B0604020202020204" pitchFamily="34" charset="0"/>
-              <a:buChar char="•"/>
-            </a:pPr>
-            <a:endParaRPr lang="en-US" sz="1800" dirty="0">
+            <a:endParaRPr lang="en-US" sz="1600" dirty="0">
               <a:solidFill>
                 <a:schemeClr val="tx1"/>
               </a:solidFill>
@@ -30509,13 +30723,13 @@
       </p:sp>
       <p:graphicFrame>
         <p:nvGraphicFramePr>
-          <p:cNvPr id="4" name="Diagram 3"/>
+          <p:cNvPr id="7" name="Diagram 6"/>
           <p:cNvGraphicFramePr/>
           <p:nvPr/>
         </p:nvGraphicFramePr>
         <p:xfrm>
-          <a:off x="114300" y="1868170"/>
-          <a:ext cx="8488680" cy="1095375"/>
+          <a:off x="537210" y="831850"/>
+          <a:ext cx="8209280" cy="3857625"/>
         </p:xfrm>
         <a:graphic>
           <a:graphicData uri="http://schemas.openxmlformats.org/drawingml/2006/diagram">
@@ -30526,7 +30740,7 @@
     </p:spTree>
   </p:cSld>
   <p:clrMapOvr>
-    <a:masterClrMapping/>
+    <a:overrideClrMapping bg1="lt1" tx1="dk1" bg2="dk2" tx2="lt2" accent1="accent1" accent2="accent2" accent3="accent3" accent4="accent4" accent5="accent5" accent6="accent6" hlink="hlink" folHlink="folHlink"/>
   </p:clrMapOvr>
   <mc:AlternateContent xmlns:mc="http://schemas.openxmlformats.org/markup-compatibility/2006">
     <mc:Choice xmlns:p14="http://schemas.microsoft.com/office/powerpoint/2010/main" Requires="p14">
@@ -30716,19 +30930,7 @@
                 <a:cs typeface="Tahoma" panose="020B0604030504040204" charset="0"/>
                 <a:sym typeface="Roboto" panose="020B0704020202020204"/>
               </a:rPr>
-              <a:t>Pricing - </a:t>
-            </a:r>
-            <a:r>
-              <a:rPr lang="en-US" altLang="en-GB" sz="2000" b="1">
-                <a:solidFill>
-                  <a:srgbClr val="8DC63F"/>
-                </a:solidFill>
-                <a:latin typeface="Tahoma" panose="020B0604030504040204" charset="0"/>
-                <a:ea typeface="Roboto" panose="020B0704020202020204"/>
-                <a:cs typeface="Tahoma" panose="020B0604030504040204" charset="0"/>
-                <a:sym typeface="+mn-ea"/>
-              </a:rPr>
-              <a:t>Consumption Plan</a:t>
+              <a:t>Pricing</a:t>
             </a:r>
             <a:endParaRPr lang="en-US" altLang="en-GB" sz="2000" b="1">
               <a:solidFill>
@@ -30781,8 +30983,8 @@
         </p:nvSpPr>
         <p:spPr>
           <a:xfrm>
-            <a:off x="316799" y="579344"/>
-            <a:ext cx="8335645" cy="1843405"/>
+            <a:off x="316799" y="742539"/>
+            <a:ext cx="8335645" cy="735330"/>
           </a:xfrm>
           <a:prstGeom prst="rect">
             <a:avLst/>
@@ -30797,7 +30999,7 @@
             <a:spAutoFit/>
           </a:bodyPr>
           <a:p>
-            <a:pPr marL="365760" lvl="0" indent="-228600" algn="l" rtl="0">
+            <a:pPr marL="137160" lvl="0" indent="0" algn="l" rtl="0">
               <a:lnSpc>
                 <a:spcPct val="200000"/>
               </a:lnSpc>
@@ -30812,60 +31014,8 @@
               </a:buClr>
               <a:buSzPts val="1440"/>
               <a:buFont typeface="Arial" panose="020B0604020202020204" pitchFamily="34" charset="0"/>
-              <a:buChar char="•"/>
+              <a:buNone/>
             </a:pPr>
-            <a:r>
-              <a:rPr lang="en-US" sz="1800">
-                <a:solidFill>
-                  <a:schemeClr val="tx1"/>
-                </a:solidFill>
-                <a:latin typeface="Times New Roman" panose="02020603050405020304"/>
-                <a:ea typeface="Times New Roman" panose="02020603050405020304"/>
-                <a:cs typeface="Times New Roman" panose="02020603050405020304"/>
-                <a:sym typeface="Times New Roman" panose="02020603050405020304"/>
-              </a:rPr>
-              <a:t>Only pay when	 your code is running.</a:t>
-            </a:r>
-            <a:endParaRPr lang="en-US" sz="1800">
-              <a:solidFill>
-                <a:schemeClr val="tx1"/>
-              </a:solidFill>
-              <a:latin typeface="Times New Roman" panose="02020603050405020304"/>
-              <a:ea typeface="Times New Roman" panose="02020603050405020304"/>
-              <a:cs typeface="Times New Roman" panose="02020603050405020304"/>
-              <a:sym typeface="Times New Roman" panose="02020603050405020304"/>
-            </a:endParaRPr>
-          </a:p>
-          <a:p>
-            <a:pPr marL="365760" lvl="0" indent="-228600" algn="l" rtl="0">
-              <a:lnSpc>
-                <a:spcPct val="200000"/>
-              </a:lnSpc>
-              <a:spcBef>
-                <a:spcPts val="0"/>
-              </a:spcBef>
-              <a:spcAft>
-                <a:spcPts val="0"/>
-              </a:spcAft>
-              <a:buClr>
-                <a:srgbClr val="000000"/>
-              </a:buClr>
-              <a:buSzPts val="1440"/>
-              <a:buFont typeface="Arial" panose="020B0604020202020204" pitchFamily="34" charset="0"/>
-              <a:buChar char="•"/>
-            </a:pPr>
-            <a:r>
-              <a:rPr lang="en-US" sz="1800">
-                <a:solidFill>
-                  <a:schemeClr val="tx1"/>
-                </a:solidFill>
-                <a:latin typeface="Times New Roman" panose="02020603050405020304"/>
-                <a:ea typeface="Times New Roman" panose="02020603050405020304"/>
-                <a:cs typeface="Times New Roman" panose="02020603050405020304"/>
-                <a:sym typeface="Times New Roman" panose="02020603050405020304"/>
-              </a:rPr>
-              <a:t>Billing is based on the number of executions, the duration of each execution, and the amount of memory used.</a:t>
-            </a:r>
             <a:endParaRPr lang="en-US" sz="1800" dirty="0">
               <a:solidFill>
                 <a:schemeClr val="tx1"/>
@@ -30878,6 +31028,22 @@
           </a:p>
         </p:txBody>
       </p:sp>
+      <p:graphicFrame>
+        <p:nvGraphicFramePr>
+          <p:cNvPr id="4" name="Diagram 3"/>
+          <p:cNvGraphicFramePr/>
+          <p:nvPr/>
+        </p:nvGraphicFramePr>
+        <p:xfrm>
+          <a:off x="114300" y="1868170"/>
+          <a:ext cx="8488680" cy="1095375"/>
+        </p:xfrm>
+        <a:graphic>
+          <a:graphicData uri="http://schemas.openxmlformats.org/drawingml/2006/diagram">
+            <dgm:relIds xmlns:dgm="http://schemas.openxmlformats.org/drawingml/2006/diagram" xmlns:r="http://schemas.openxmlformats.org/officeDocument/2006/relationships" r:dm="rId3" r:lo="rId4" r:qs="rId5" r:cs="rId6"/>
+          </a:graphicData>
+        </a:graphic>
+      </p:graphicFrame>
     </p:spTree>
   </p:cSld>
   <p:clrMapOvr>
@@ -31083,19 +31249,7 @@
                 <a:cs typeface="Tahoma" panose="020B0604030504040204" charset="0"/>
                 <a:sym typeface="+mn-ea"/>
               </a:rPr>
-              <a:t>Premium </a:t>
-            </a:r>
-            <a:r>
-              <a:rPr lang="en-US" altLang="en-GB" sz="2000" b="1">
-                <a:solidFill>
-                  <a:srgbClr val="8DC63F"/>
-                </a:solidFill>
-                <a:latin typeface="Tahoma" panose="020B0604030504040204" charset="0"/>
-                <a:ea typeface="Roboto" panose="020B0704020202020204"/>
-                <a:cs typeface="Tahoma" panose="020B0604030504040204" charset="0"/>
-                <a:sym typeface="+mn-ea"/>
-              </a:rPr>
-              <a:t>Plan</a:t>
+              <a:t>Consumption Plan</a:t>
             </a:r>
             <a:endParaRPr lang="en-US" altLang="en-GB" sz="2000" b="1">
               <a:solidFill>
@@ -31142,14 +31296,14 @@
       </p:sp>
       <p:sp>
         <p:nvSpPr>
-          <p:cNvPr id="5" name="Google Shape;104;p16"/>
+          <p:cNvPr id="2" name="Google Shape;104;p16"/>
           <p:cNvSpPr txBox="1"/>
           <p:nvPr/>
         </p:nvSpPr>
         <p:spPr>
           <a:xfrm>
-            <a:off x="392999" y="630144"/>
-            <a:ext cx="8335645" cy="2397125"/>
+            <a:off x="316799" y="579344"/>
+            <a:ext cx="8335645" cy="1843405"/>
           </a:xfrm>
           <a:prstGeom prst="rect">
             <a:avLst/>
@@ -31182,7 +31336,7 @@
               <a:buChar char="•"/>
             </a:pPr>
             <a:r>
-              <a:rPr lang="en-US" sz="1800" dirty="0">
+              <a:rPr lang="en-US" sz="1800">
                 <a:solidFill>
                   <a:schemeClr val="tx1"/>
                 </a:solidFill>
@@ -31191,9 +31345,9 @@
                 <a:cs typeface="Times New Roman" panose="02020603050405020304"/>
                 <a:sym typeface="Times New Roman" panose="02020603050405020304"/>
               </a:rPr>
-              <a:t>Azure provides any additional computing services that are required when your function is running.</a:t>
+              <a:t>Only pay when	 your code is running.</a:t>
             </a:r>
-            <a:endParaRPr lang="en-US" sz="1800" dirty="0">
+            <a:endParaRPr lang="en-US" sz="1800">
               <a:solidFill>
                 <a:schemeClr val="tx1"/>
               </a:solidFill>
@@ -31222,7 +31376,7 @@
               <a:buChar char="•"/>
             </a:pPr>
             <a:r>
-              <a:rPr lang="en-US" sz="1800" dirty="0">
+              <a:rPr lang="en-US" sz="1800">
                 <a:solidFill>
                   <a:schemeClr val="tx1"/>
                 </a:solidFill>
@@ -31231,7 +31385,7 @@
                 <a:cs typeface="Times New Roman" panose="02020603050405020304"/>
                 <a:sym typeface="Times New Roman" panose="02020603050405020304"/>
               </a:rPr>
-              <a:t>You pay for the constantly pre-warmed instances including any additional instances needed to scale the Azure app in/out.</a:t>
+              <a:t>Billing is based on the number of executions, the duration of each execution, and the amount of memory used.</a:t>
             </a:r>
             <a:endParaRPr lang="en-US" sz="1800" dirty="0">
               <a:solidFill>
@@ -31438,7 +31592,7 @@
                 <a:cs typeface="Tahoma" panose="020B0604030504040204" charset="0"/>
                 <a:sym typeface="Roboto" panose="020B0704020202020204"/>
               </a:rPr>
-              <a:t>Pricing - Dedicated</a:t>
+              <a:t>Pricing - </a:t>
             </a:r>
             <a:r>
               <a:rPr lang="en-US" altLang="en-GB" sz="2000" b="1">
@@ -31450,7 +31604,7 @@
                 <a:cs typeface="Tahoma" panose="020B0604030504040204" charset="0"/>
                 <a:sym typeface="+mn-ea"/>
               </a:rPr>
-              <a:t> </a:t>
+              <a:t>Premium </a:t>
             </a:r>
             <a:r>
               <a:rPr lang="en-US" altLang="en-GB" sz="2000" b="1">
@@ -31462,7 +31616,7 @@
                 <a:cs typeface="Tahoma" panose="020B0604030504040204" charset="0"/>
                 <a:sym typeface="+mn-ea"/>
               </a:rPr>
-              <a:t>Plan ( VM sharing)</a:t>
+              <a:t>Plan</a:t>
             </a:r>
             <a:endParaRPr lang="en-US" altLang="en-GB" sz="2000" b="1">
               <a:solidFill>
@@ -31471,7 +31625,7 @@
               <a:latin typeface="Tahoma" panose="020B0604030504040204" charset="0"/>
               <a:ea typeface="Roboto" panose="020B0704020202020204"/>
               <a:cs typeface="Tahoma" panose="020B0604030504040204" charset="0"/>
-              <a:sym typeface="+mn-ea"/>
+              <a:sym typeface="Roboto" panose="020B0704020202020204"/>
             </a:endParaRPr>
           </a:p>
         </p:txBody>
@@ -31558,7 +31712,7 @@
                 <a:cs typeface="Times New Roman" panose="02020603050405020304"/>
                 <a:sym typeface="Times New Roman" panose="02020603050405020304"/>
               </a:rPr>
-              <a:t>When you use App Service for other apps, your functions will run on the same plan (VMs) at no extra cost.</a:t>
+              <a:t>Azure provides any additional computing services that are required when your function is running.</a:t>
             </a:r>
             <a:endParaRPr lang="en-US" sz="1800" dirty="0">
               <a:solidFill>
@@ -31598,7 +31752,7 @@
                 <a:cs typeface="Times New Roman" panose="02020603050405020304"/>
                 <a:sym typeface="Times New Roman" panose="02020603050405020304"/>
               </a:rPr>
-              <a:t>You may scale it out manually by adding more VM instances for an App Service plan.</a:t>
+              <a:t>You pay for the constantly pre-warmed instances including any additional instances needed to scale the Azure app in/out.</a:t>
             </a:r>
             <a:endParaRPr lang="en-US" sz="1800" dirty="0">
               <a:solidFill>
@@ -31805,6 +31959,373 @@
                 <a:cs typeface="Tahoma" panose="020B0604030504040204" charset="0"/>
                 <a:sym typeface="Roboto" panose="020B0704020202020204"/>
               </a:rPr>
+              <a:t>Pricing - Dedicated</a:t>
+            </a:r>
+            <a:r>
+              <a:rPr lang="en-US" altLang="en-GB" sz="2000" b="1">
+                <a:solidFill>
+                  <a:srgbClr val="8DC63F"/>
+                </a:solidFill>
+                <a:latin typeface="Tahoma" panose="020B0604030504040204" charset="0"/>
+                <a:ea typeface="Roboto" panose="020B0704020202020204"/>
+                <a:cs typeface="Tahoma" panose="020B0604030504040204" charset="0"/>
+                <a:sym typeface="+mn-ea"/>
+              </a:rPr>
+              <a:t> </a:t>
+            </a:r>
+            <a:r>
+              <a:rPr lang="en-US" altLang="en-GB" sz="2000" b="1">
+                <a:solidFill>
+                  <a:srgbClr val="8DC63F"/>
+                </a:solidFill>
+                <a:latin typeface="Tahoma" panose="020B0604030504040204" charset="0"/>
+                <a:ea typeface="Roboto" panose="020B0704020202020204"/>
+                <a:cs typeface="Tahoma" panose="020B0604030504040204" charset="0"/>
+                <a:sym typeface="+mn-ea"/>
+              </a:rPr>
+              <a:t>Plan ( VM sharing)</a:t>
+            </a:r>
+            <a:endParaRPr lang="en-US" altLang="en-GB" sz="2000" b="1">
+              <a:solidFill>
+                <a:srgbClr val="8DC63F"/>
+              </a:solidFill>
+              <a:latin typeface="Tahoma" panose="020B0604030504040204" charset="0"/>
+              <a:ea typeface="Roboto" panose="020B0704020202020204"/>
+              <a:cs typeface="Tahoma" panose="020B0604030504040204" charset="0"/>
+              <a:sym typeface="+mn-ea"/>
+            </a:endParaRPr>
+          </a:p>
+        </p:txBody>
+      </p:sp>
+      <p:sp>
+        <p:nvSpPr>
+          <p:cNvPr id="3" name="Slide Number Placeholder 2"/>
+          <p:cNvSpPr>
+            <a:spLocks noGrp="1"/>
+          </p:cNvSpPr>
+          <p:nvPr>
+            <p:ph type="sldNum" idx="12"/>
+          </p:nvPr>
+        </p:nvSpPr>
+        <p:spPr/>
+        <p:txBody>
+          <a:bodyPr/>
+          <a:lstStyle/>
+          <a:p>
+            <a:pPr marL="0" lvl="0" indent="0" algn="r" rtl="0">
+              <a:spcBef>
+                <a:spcPts val="0"/>
+              </a:spcBef>
+              <a:spcAft>
+                <a:spcPts val="0"/>
+              </a:spcAft>
+              <a:buNone/>
+            </a:pPr>
+            <a:fld id="{00000000-1234-1234-1234-123412341234}" type="slidenum">
+              <a:rPr lang="en-GB"/>
+            </a:fld>
+            <a:endParaRPr lang="en-GB"/>
+          </a:p>
+        </p:txBody>
+      </p:sp>
+      <p:sp>
+        <p:nvSpPr>
+          <p:cNvPr id="5" name="Google Shape;104;p16"/>
+          <p:cNvSpPr txBox="1"/>
+          <p:nvPr/>
+        </p:nvSpPr>
+        <p:spPr>
+          <a:xfrm>
+            <a:off x="392999" y="630144"/>
+            <a:ext cx="8335645" cy="2397125"/>
+          </a:xfrm>
+          <a:prstGeom prst="rect">
+            <a:avLst/>
+          </a:prstGeom>
+          <a:noFill/>
+          <a:ln>
+            <a:noFill/>
+          </a:ln>
+        </p:spPr>
+        <p:txBody>
+          <a:bodyPr spcFirstLastPara="1" wrap="square" lIns="91425" tIns="91425" rIns="91425" bIns="91425" anchor="t" anchorCtr="0">
+            <a:spAutoFit/>
+          </a:bodyPr>
+          <a:p>
+            <a:pPr marL="365760" lvl="0" indent="-228600" algn="l" rtl="0">
+              <a:lnSpc>
+                <a:spcPct val="200000"/>
+              </a:lnSpc>
+              <a:spcBef>
+                <a:spcPts val="0"/>
+              </a:spcBef>
+              <a:spcAft>
+                <a:spcPts val="0"/>
+              </a:spcAft>
+              <a:buClr>
+                <a:srgbClr val="000000"/>
+              </a:buClr>
+              <a:buSzPts val="1440"/>
+              <a:buFont typeface="Arial" panose="020B0604020202020204" pitchFamily="34" charset="0"/>
+              <a:buChar char="•"/>
+            </a:pPr>
+            <a:r>
+              <a:rPr lang="en-US" sz="1800" dirty="0">
+                <a:solidFill>
+                  <a:schemeClr val="tx1"/>
+                </a:solidFill>
+                <a:latin typeface="Times New Roman" panose="02020603050405020304"/>
+                <a:ea typeface="Times New Roman" panose="02020603050405020304"/>
+                <a:cs typeface="Times New Roman" panose="02020603050405020304"/>
+                <a:sym typeface="Times New Roman" panose="02020603050405020304"/>
+              </a:rPr>
+              <a:t>When you use App Service for other apps, your functions will run on the same plan (VMs) at no extra cost.</a:t>
+            </a:r>
+            <a:endParaRPr lang="en-US" sz="1800" dirty="0">
+              <a:solidFill>
+                <a:schemeClr val="tx1"/>
+              </a:solidFill>
+              <a:latin typeface="Times New Roman" panose="02020603050405020304"/>
+              <a:ea typeface="Times New Roman" panose="02020603050405020304"/>
+              <a:cs typeface="Times New Roman" panose="02020603050405020304"/>
+              <a:sym typeface="Times New Roman" panose="02020603050405020304"/>
+            </a:endParaRPr>
+          </a:p>
+          <a:p>
+            <a:pPr marL="365760" lvl="0" indent="-228600" algn="l" rtl="0">
+              <a:lnSpc>
+                <a:spcPct val="200000"/>
+              </a:lnSpc>
+              <a:spcBef>
+                <a:spcPts val="0"/>
+              </a:spcBef>
+              <a:spcAft>
+                <a:spcPts val="0"/>
+              </a:spcAft>
+              <a:buClr>
+                <a:srgbClr val="000000"/>
+              </a:buClr>
+              <a:buSzPts val="1440"/>
+              <a:buFont typeface="Arial" panose="020B0604020202020204" pitchFamily="34" charset="0"/>
+              <a:buChar char="•"/>
+            </a:pPr>
+            <a:r>
+              <a:rPr lang="en-US" sz="1800" dirty="0">
+                <a:solidFill>
+                  <a:schemeClr val="tx1"/>
+                </a:solidFill>
+                <a:latin typeface="Times New Roman" panose="02020603050405020304"/>
+                <a:ea typeface="Times New Roman" panose="02020603050405020304"/>
+                <a:cs typeface="Times New Roman" panose="02020603050405020304"/>
+                <a:sym typeface="Times New Roman" panose="02020603050405020304"/>
+              </a:rPr>
+              <a:t>You may scale it out manually by adding more VM instances for an App Service plan.</a:t>
+            </a:r>
+            <a:endParaRPr lang="en-US" sz="1800" dirty="0">
+              <a:solidFill>
+                <a:schemeClr val="tx1"/>
+              </a:solidFill>
+              <a:latin typeface="Times New Roman" panose="02020603050405020304"/>
+              <a:ea typeface="Times New Roman" panose="02020603050405020304"/>
+              <a:cs typeface="Times New Roman" panose="02020603050405020304"/>
+              <a:sym typeface="Times New Roman" panose="02020603050405020304"/>
+            </a:endParaRPr>
+          </a:p>
+        </p:txBody>
+      </p:sp>
+    </p:spTree>
+  </p:cSld>
+  <p:clrMapOvr>
+    <a:masterClrMapping/>
+  </p:clrMapOvr>
+  <mc:AlternateContent xmlns:mc="http://schemas.openxmlformats.org/markup-compatibility/2006">
+    <mc:Choice xmlns:p14="http://schemas.microsoft.com/office/powerpoint/2010/main" Requires="p14">
+      <p:transition spd="med" p14:dur="699">
+        <p:fade/>
+      </p:transition>
+    </mc:Choice>
+    <mc:Fallback>
+      <p:transition spd="med">
+        <p:fade/>
+      </p:transition>
+    </mc:Fallback>
+  </mc:AlternateContent>
+</p:sld>
+</file>
+
+<file path=ppt/slides/slide39.xml><?xml version="1.0" encoding="utf-8"?>
+<p:sld xmlns:a="http://schemas.openxmlformats.org/drawingml/2006/main" xmlns:r="http://schemas.openxmlformats.org/officeDocument/2006/relationships" xmlns:p="http://schemas.openxmlformats.org/presentationml/2006/main">
+  <p:cSld>
+    <p:bg>
+      <p:bgPr>
+        <a:noFill/>
+        <a:effectLst/>
+      </p:bgPr>
+    </p:bg>
+    <p:spTree>
+      <p:nvGrpSpPr>
+        <p:cNvPr id="1" name="Shape 98"/>
+        <p:cNvGrpSpPr/>
+        <p:nvPr/>
+      </p:nvGrpSpPr>
+      <p:grpSpPr>
+        <a:xfrm>
+          <a:off x="0" y="0"/>
+          <a:ext cx="0" cy="0"/>
+          <a:chOff x="0" y="0"/>
+          <a:chExt cx="0" cy="0"/>
+        </a:xfrm>
+      </p:grpSpPr>
+      <p:grpSp>
+        <p:nvGrpSpPr>
+          <p:cNvPr id="99" name="Google Shape;99;p16"/>
+          <p:cNvGrpSpPr/>
+          <p:nvPr/>
+        </p:nvGrpSpPr>
+        <p:grpSpPr>
+          <a:xfrm>
+            <a:off x="114300" y="4689483"/>
+            <a:ext cx="8915325" cy="383150"/>
+            <a:chOff x="114300" y="4689483"/>
+            <a:chExt cx="8915325" cy="383150"/>
+          </a:xfrm>
+        </p:grpSpPr>
+        <p:pic>
+          <p:nvPicPr>
+            <p:cNvPr id="100" name="Google Shape;100;p16"/>
+            <p:cNvPicPr preferRelativeResize="0"/>
+            <p:nvPr/>
+          </p:nvPicPr>
+          <p:blipFill>
+            <a:blip r:embed="rId1"/>
+            <a:stretch>
+              <a:fillRect/>
+            </a:stretch>
+          </p:blipFill>
+          <p:spPr>
+            <a:xfrm>
+              <a:off x="114300" y="4689483"/>
+              <a:ext cx="1518224" cy="383150"/>
+            </a:xfrm>
+            <a:prstGeom prst="rect">
+              <a:avLst/>
+            </a:prstGeom>
+            <a:noFill/>
+            <a:ln>
+              <a:noFill/>
+            </a:ln>
+          </p:spPr>
+        </p:pic>
+        <p:sp>
+          <p:nvSpPr>
+            <p:cNvPr id="101" name="Google Shape;101;p16"/>
+            <p:cNvSpPr/>
+            <p:nvPr/>
+          </p:nvSpPr>
+          <p:spPr>
+            <a:xfrm>
+              <a:off x="1760625" y="4964175"/>
+              <a:ext cx="7269000" cy="30600"/>
+            </a:xfrm>
+            <a:prstGeom prst="rect">
+              <a:avLst/>
+            </a:prstGeom>
+            <a:solidFill>
+              <a:schemeClr val="lt2"/>
+            </a:solidFill>
+            <a:ln>
+              <a:noFill/>
+            </a:ln>
+          </p:spPr>
+          <p:txBody>
+            <a:bodyPr spcFirstLastPara="1" wrap="square" lIns="91425" tIns="91425" rIns="91425" bIns="91425" anchor="ctr" anchorCtr="0">
+              <a:noAutofit/>
+            </a:bodyPr>
+            <a:lstStyle/>
+            <a:p>
+              <a:pPr marL="0" lvl="0" indent="0" algn="l" rtl="0">
+                <a:spcBef>
+                  <a:spcPts val="0"/>
+                </a:spcBef>
+                <a:spcAft>
+                  <a:spcPts val="0"/>
+                </a:spcAft>
+                <a:buNone/>
+              </a:pPr>
+            </a:p>
+          </p:txBody>
+        </p:sp>
+      </p:grpSp>
+      <p:pic>
+        <p:nvPicPr>
+          <p:cNvPr id="102" name="Google Shape;102;p16"/>
+          <p:cNvPicPr preferRelativeResize="0"/>
+          <p:nvPr/>
+        </p:nvPicPr>
+        <p:blipFill>
+          <a:blip r:embed="rId2"/>
+          <a:stretch>
+            <a:fillRect/>
+          </a:stretch>
+        </p:blipFill>
+        <p:spPr>
+          <a:xfrm>
+            <a:off x="114300" y="167250"/>
+            <a:ext cx="202499" cy="440248"/>
+          </a:xfrm>
+          <a:prstGeom prst="rect">
+            <a:avLst/>
+          </a:prstGeom>
+          <a:noFill/>
+          <a:ln>
+            <a:noFill/>
+          </a:ln>
+        </p:spPr>
+      </p:pic>
+      <p:sp>
+        <p:nvSpPr>
+          <p:cNvPr id="103" name="Google Shape;103;p16"/>
+          <p:cNvSpPr txBox="1"/>
+          <p:nvPr/>
+        </p:nvSpPr>
+        <p:spPr>
+          <a:xfrm>
+            <a:off x="392999" y="141075"/>
+            <a:ext cx="8636625" cy="488950"/>
+          </a:xfrm>
+          <a:prstGeom prst="rect">
+            <a:avLst/>
+          </a:prstGeom>
+          <a:noFill/>
+          <a:ln>
+            <a:noFill/>
+          </a:ln>
+        </p:spPr>
+        <p:txBody>
+          <a:bodyPr spcFirstLastPara="1" wrap="square" lIns="91425" tIns="91425" rIns="91425" bIns="91425" anchor="t" anchorCtr="0">
+            <a:spAutoFit/>
+          </a:bodyPr>
+          <a:lstStyle/>
+          <a:p>
+            <a:pPr marL="0" lvl="0" indent="0" algn="l" rtl="0">
+              <a:spcBef>
+                <a:spcPts val="0"/>
+              </a:spcBef>
+              <a:spcAft>
+                <a:spcPts val="0"/>
+              </a:spcAft>
+              <a:buNone/>
+            </a:pPr>
+            <a:r>
+              <a:rPr lang="en-US" altLang="en-GB" sz="2000" b="1">
+                <a:solidFill>
+                  <a:srgbClr val="8DC63F"/>
+                </a:solidFill>
+                <a:latin typeface="Tahoma" panose="020B0604030504040204" charset="0"/>
+                <a:ea typeface="Roboto" panose="020B0704020202020204"/>
+                <a:cs typeface="Tahoma" panose="020B0604030504040204" charset="0"/>
+                <a:sym typeface="Roboto" panose="020B0704020202020204"/>
+              </a:rPr>
               <a:t>SEVERLESS ARCHITECTURE</a:t>
             </a:r>
             <a:endParaRPr lang="en-US" altLang="en-GB" sz="2000" b="1">
@@ -31993,270 +32514,6 @@
               <a:cs typeface="Times New Roman" panose="02020603050405020304"/>
               <a:sym typeface="Times New Roman" panose="02020603050405020304"/>
             </a:endParaRPr>
-          </a:p>
-        </p:txBody>
-      </p:sp>
-    </p:spTree>
-  </p:cSld>
-  <p:clrMapOvr>
-    <a:masterClrMapping/>
-  </p:clrMapOvr>
-  <mc:AlternateContent xmlns:mc="http://schemas.openxmlformats.org/markup-compatibility/2006">
-    <mc:Choice xmlns:p14="http://schemas.microsoft.com/office/powerpoint/2010/main" Requires="p14">
-      <p:transition spd="med" p14:dur="699">
-        <p:fade/>
-      </p:transition>
-    </mc:Choice>
-    <mc:Fallback>
-      <p:transition spd="med">
-        <p:fade/>
-      </p:transition>
-    </mc:Fallback>
-  </mc:AlternateContent>
-</p:sld>
-</file>
-
-<file path=ppt/slides/slide39.xml><?xml version="1.0" encoding="utf-8"?>
-<p:sld xmlns:a="http://schemas.openxmlformats.org/drawingml/2006/main" xmlns:r="http://schemas.openxmlformats.org/officeDocument/2006/relationships" xmlns:p="http://schemas.openxmlformats.org/presentationml/2006/main">
-  <p:cSld>
-    <p:bg>
-      <p:bgPr>
-        <a:solidFill>
-          <a:srgbClr val="151B22"/>
-        </a:solidFill>
-        <a:effectLst/>
-      </p:bgPr>
-    </p:bg>
-    <p:spTree>
-      <p:nvGrpSpPr>
-        <p:cNvPr id="1" name="Shape 518"/>
-        <p:cNvGrpSpPr/>
-        <p:nvPr/>
-      </p:nvGrpSpPr>
-      <p:grpSpPr>
-        <a:xfrm>
-          <a:off x="0" y="0"/>
-          <a:ext cx="0" cy="0"/>
-          <a:chOff x="0" y="0"/>
-          <a:chExt cx="0" cy="0"/>
-        </a:xfrm>
-      </p:grpSpPr>
-      <p:pic>
-        <p:nvPicPr>
-          <p:cNvPr id="519" name="Google Shape;519;p36"/>
-          <p:cNvPicPr preferRelativeResize="0"/>
-          <p:nvPr/>
-        </p:nvPicPr>
-        <p:blipFill>
-          <a:blip r:embed="rId1"/>
-          <a:stretch>
-            <a:fillRect/>
-          </a:stretch>
-        </p:blipFill>
-        <p:spPr>
-          <a:xfrm>
-            <a:off x="0" y="0"/>
-            <a:ext cx="9144000" cy="5143500"/>
-          </a:xfrm>
-          <a:prstGeom prst="rect">
-            <a:avLst/>
-          </a:prstGeom>
-          <a:noFill/>
-          <a:ln>
-            <a:noFill/>
-          </a:ln>
-        </p:spPr>
-      </p:pic>
-      <p:sp>
-        <p:nvSpPr>
-          <p:cNvPr id="520" name="Google Shape;520;p36"/>
-          <p:cNvSpPr txBox="1"/>
-          <p:nvPr/>
-        </p:nvSpPr>
-        <p:spPr>
-          <a:xfrm>
-            <a:off x="1895400" y="2202308"/>
-            <a:ext cx="5353200" cy="735330"/>
-          </a:xfrm>
-          <a:prstGeom prst="rect">
-            <a:avLst/>
-          </a:prstGeom>
-          <a:noFill/>
-          <a:ln>
-            <a:noFill/>
-          </a:ln>
-        </p:spPr>
-        <p:txBody>
-          <a:bodyPr spcFirstLastPara="1" wrap="square" lIns="91425" tIns="91425" rIns="91425" bIns="91425" anchor="t" anchorCtr="0">
-            <a:spAutoFit/>
-          </a:bodyPr>
-          <a:lstStyle/>
-          <a:p>
-            <a:pPr marL="0" lvl="0" indent="0" algn="ctr" rtl="0">
-              <a:spcBef>
-                <a:spcPts val="0"/>
-              </a:spcBef>
-              <a:spcAft>
-                <a:spcPts val="0"/>
-              </a:spcAft>
-              <a:buNone/>
-            </a:pPr>
-            <a:r>
-              <a:rPr lang="en-US" altLang="en-GB" sz="3600" b="1">
-                <a:solidFill>
-                  <a:schemeClr val="lt1"/>
-                </a:solidFill>
-                <a:latin typeface="Roboto" panose="020B0704020202020204"/>
-                <a:ea typeface="Roboto" panose="020B0704020202020204"/>
-                <a:cs typeface="Roboto" panose="020B0704020202020204"/>
-                <a:sym typeface="Roboto" panose="020B0704020202020204"/>
-              </a:rPr>
-              <a:t>Q&amp;A</a:t>
-            </a:r>
-            <a:endParaRPr lang="en-US" altLang="en-GB" sz="3600" b="1">
-              <a:solidFill>
-                <a:schemeClr val="lt1"/>
-              </a:solidFill>
-              <a:latin typeface="Roboto" panose="020B0704020202020204"/>
-              <a:ea typeface="Roboto" panose="020B0704020202020204"/>
-              <a:cs typeface="Roboto" panose="020B0704020202020204"/>
-              <a:sym typeface="Roboto" panose="020B0704020202020204"/>
-            </a:endParaRPr>
-          </a:p>
-        </p:txBody>
-      </p:sp>
-      <p:sp>
-        <p:nvSpPr>
-          <p:cNvPr id="521" name="Google Shape;521;p36"/>
-          <p:cNvSpPr/>
-          <p:nvPr/>
-        </p:nvSpPr>
-        <p:spPr>
-          <a:xfrm>
-            <a:off x="0" y="4557200"/>
-            <a:ext cx="9153000" cy="586200"/>
-          </a:xfrm>
-          <a:prstGeom prst="rect">
-            <a:avLst/>
-          </a:prstGeom>
-          <a:solidFill>
-            <a:schemeClr val="lt1"/>
-          </a:solidFill>
-          <a:ln>
-            <a:noFill/>
-          </a:ln>
-        </p:spPr>
-        <p:txBody>
-          <a:bodyPr spcFirstLastPara="1" wrap="square" lIns="91425" tIns="91425" rIns="91425" bIns="91425" anchor="ctr" anchorCtr="0">
-            <a:noAutofit/>
-          </a:bodyPr>
-          <a:lstStyle/>
-          <a:p>
-            <a:pPr marL="0" lvl="0" indent="0" algn="l" rtl="0">
-              <a:spcBef>
-                <a:spcPts val="0"/>
-              </a:spcBef>
-              <a:spcAft>
-                <a:spcPts val="0"/>
-              </a:spcAft>
-              <a:buNone/>
-            </a:pPr>
-          </a:p>
-        </p:txBody>
-      </p:sp>
-      <p:pic>
-        <p:nvPicPr>
-          <p:cNvPr id="522" name="Google Shape;522;p36"/>
-          <p:cNvPicPr preferRelativeResize="0"/>
-          <p:nvPr/>
-        </p:nvPicPr>
-        <p:blipFill>
-          <a:blip r:embed="rId2"/>
-          <a:stretch>
-            <a:fillRect/>
-          </a:stretch>
-        </p:blipFill>
-        <p:spPr>
-          <a:xfrm>
-            <a:off x="114300" y="4689483"/>
-            <a:ext cx="1518224" cy="383150"/>
-          </a:xfrm>
-          <a:prstGeom prst="rect">
-            <a:avLst/>
-          </a:prstGeom>
-          <a:noFill/>
-          <a:ln>
-            <a:noFill/>
-          </a:ln>
-        </p:spPr>
-      </p:pic>
-      <p:sp>
-        <p:nvSpPr>
-          <p:cNvPr id="523" name="Google Shape;523;p36"/>
-          <p:cNvSpPr/>
-          <p:nvPr/>
-        </p:nvSpPr>
-        <p:spPr>
-          <a:xfrm>
-            <a:off x="1760625" y="4964175"/>
-            <a:ext cx="7269000" cy="30600"/>
-          </a:xfrm>
-          <a:prstGeom prst="rect">
-            <a:avLst/>
-          </a:prstGeom>
-          <a:solidFill>
-            <a:schemeClr val="lt2"/>
-          </a:solidFill>
-          <a:ln>
-            <a:noFill/>
-          </a:ln>
-        </p:spPr>
-        <p:txBody>
-          <a:bodyPr spcFirstLastPara="1" wrap="square" lIns="91425" tIns="91425" rIns="91425" bIns="91425" anchor="ctr" anchorCtr="0">
-            <a:noAutofit/>
-          </a:bodyPr>
-          <a:lstStyle/>
-          <a:p>
-            <a:pPr marL="0" lvl="0" indent="0" algn="l" rtl="0">
-              <a:spcBef>
-                <a:spcPts val="0"/>
-              </a:spcBef>
-              <a:spcAft>
-                <a:spcPts val="0"/>
-              </a:spcAft>
-              <a:buNone/>
-            </a:pPr>
-          </a:p>
-        </p:txBody>
-      </p:sp>
-      <p:sp>
-        <p:nvSpPr>
-          <p:cNvPr id="2" name="Slide Number Placeholder 1"/>
-          <p:cNvSpPr>
-            <a:spLocks noGrp="1"/>
-          </p:cNvSpPr>
-          <p:nvPr>
-            <p:ph type="sldNum" idx="12"/>
-          </p:nvPr>
-        </p:nvSpPr>
-        <p:spPr/>
-        <p:txBody>
-          <a:bodyPr/>
-          <a:lstStyle/>
-          <a:p>
-            <a:pPr marL="0" lvl="0" indent="0" algn="r" rtl="0">
-              <a:spcBef>
-                <a:spcPts val="0"/>
-              </a:spcBef>
-              <a:spcAft>
-                <a:spcPts val="0"/>
-              </a:spcAft>
-              <a:buNone/>
-            </a:pPr>
-            <a:fld id="{00000000-1234-1234-1234-123412341234}" type="slidenum">
-              <a:rPr lang="en-GB"/>
-            </a:fld>
-            <a:endParaRPr lang="en-GB"/>
           </a:p>
         </p:txBody>
       </p:sp>
@@ -32665,6 +32922,270 @@
 </file>
 
 <file path=ppt/slides/slide40.xml><?xml version="1.0" encoding="utf-8"?>
+<p:sld xmlns:a="http://schemas.openxmlformats.org/drawingml/2006/main" xmlns:r="http://schemas.openxmlformats.org/officeDocument/2006/relationships" xmlns:p="http://schemas.openxmlformats.org/presentationml/2006/main">
+  <p:cSld>
+    <p:bg>
+      <p:bgPr>
+        <a:solidFill>
+          <a:srgbClr val="151B22"/>
+        </a:solidFill>
+        <a:effectLst/>
+      </p:bgPr>
+    </p:bg>
+    <p:spTree>
+      <p:nvGrpSpPr>
+        <p:cNvPr id="1" name="Shape 518"/>
+        <p:cNvGrpSpPr/>
+        <p:nvPr/>
+      </p:nvGrpSpPr>
+      <p:grpSpPr>
+        <a:xfrm>
+          <a:off x="0" y="0"/>
+          <a:ext cx="0" cy="0"/>
+          <a:chOff x="0" y="0"/>
+          <a:chExt cx="0" cy="0"/>
+        </a:xfrm>
+      </p:grpSpPr>
+      <p:pic>
+        <p:nvPicPr>
+          <p:cNvPr id="519" name="Google Shape;519;p36"/>
+          <p:cNvPicPr preferRelativeResize="0"/>
+          <p:nvPr/>
+        </p:nvPicPr>
+        <p:blipFill>
+          <a:blip r:embed="rId1"/>
+          <a:stretch>
+            <a:fillRect/>
+          </a:stretch>
+        </p:blipFill>
+        <p:spPr>
+          <a:xfrm>
+            <a:off x="0" y="0"/>
+            <a:ext cx="9144000" cy="5143500"/>
+          </a:xfrm>
+          <a:prstGeom prst="rect">
+            <a:avLst/>
+          </a:prstGeom>
+          <a:noFill/>
+          <a:ln>
+            <a:noFill/>
+          </a:ln>
+        </p:spPr>
+      </p:pic>
+      <p:sp>
+        <p:nvSpPr>
+          <p:cNvPr id="520" name="Google Shape;520;p36"/>
+          <p:cNvSpPr txBox="1"/>
+          <p:nvPr/>
+        </p:nvSpPr>
+        <p:spPr>
+          <a:xfrm>
+            <a:off x="1895400" y="2202308"/>
+            <a:ext cx="5353200" cy="735330"/>
+          </a:xfrm>
+          <a:prstGeom prst="rect">
+            <a:avLst/>
+          </a:prstGeom>
+          <a:noFill/>
+          <a:ln>
+            <a:noFill/>
+          </a:ln>
+        </p:spPr>
+        <p:txBody>
+          <a:bodyPr spcFirstLastPara="1" wrap="square" lIns="91425" tIns="91425" rIns="91425" bIns="91425" anchor="t" anchorCtr="0">
+            <a:spAutoFit/>
+          </a:bodyPr>
+          <a:lstStyle/>
+          <a:p>
+            <a:pPr marL="0" lvl="0" indent="0" algn="ctr" rtl="0">
+              <a:spcBef>
+                <a:spcPts val="0"/>
+              </a:spcBef>
+              <a:spcAft>
+                <a:spcPts val="0"/>
+              </a:spcAft>
+              <a:buNone/>
+            </a:pPr>
+            <a:r>
+              <a:rPr lang="en-US" altLang="en-GB" sz="3600" b="1">
+                <a:solidFill>
+                  <a:schemeClr val="lt1"/>
+                </a:solidFill>
+                <a:latin typeface="Roboto" panose="020B0704020202020204"/>
+                <a:ea typeface="Roboto" panose="020B0704020202020204"/>
+                <a:cs typeface="Roboto" panose="020B0704020202020204"/>
+                <a:sym typeface="Roboto" panose="020B0704020202020204"/>
+              </a:rPr>
+              <a:t>Q&amp;A</a:t>
+            </a:r>
+            <a:endParaRPr lang="en-US" altLang="en-GB" sz="3600" b="1">
+              <a:solidFill>
+                <a:schemeClr val="lt1"/>
+              </a:solidFill>
+              <a:latin typeface="Roboto" panose="020B0704020202020204"/>
+              <a:ea typeface="Roboto" panose="020B0704020202020204"/>
+              <a:cs typeface="Roboto" panose="020B0704020202020204"/>
+              <a:sym typeface="Roboto" panose="020B0704020202020204"/>
+            </a:endParaRPr>
+          </a:p>
+        </p:txBody>
+      </p:sp>
+      <p:sp>
+        <p:nvSpPr>
+          <p:cNvPr id="521" name="Google Shape;521;p36"/>
+          <p:cNvSpPr/>
+          <p:nvPr/>
+        </p:nvSpPr>
+        <p:spPr>
+          <a:xfrm>
+            <a:off x="0" y="4557200"/>
+            <a:ext cx="9153000" cy="586200"/>
+          </a:xfrm>
+          <a:prstGeom prst="rect">
+            <a:avLst/>
+          </a:prstGeom>
+          <a:solidFill>
+            <a:schemeClr val="lt1"/>
+          </a:solidFill>
+          <a:ln>
+            <a:noFill/>
+          </a:ln>
+        </p:spPr>
+        <p:txBody>
+          <a:bodyPr spcFirstLastPara="1" wrap="square" lIns="91425" tIns="91425" rIns="91425" bIns="91425" anchor="ctr" anchorCtr="0">
+            <a:noAutofit/>
+          </a:bodyPr>
+          <a:lstStyle/>
+          <a:p>
+            <a:pPr marL="0" lvl="0" indent="0" algn="l" rtl="0">
+              <a:spcBef>
+                <a:spcPts val="0"/>
+              </a:spcBef>
+              <a:spcAft>
+                <a:spcPts val="0"/>
+              </a:spcAft>
+              <a:buNone/>
+            </a:pPr>
+          </a:p>
+        </p:txBody>
+      </p:sp>
+      <p:pic>
+        <p:nvPicPr>
+          <p:cNvPr id="522" name="Google Shape;522;p36"/>
+          <p:cNvPicPr preferRelativeResize="0"/>
+          <p:nvPr/>
+        </p:nvPicPr>
+        <p:blipFill>
+          <a:blip r:embed="rId2"/>
+          <a:stretch>
+            <a:fillRect/>
+          </a:stretch>
+        </p:blipFill>
+        <p:spPr>
+          <a:xfrm>
+            <a:off x="114300" y="4689483"/>
+            <a:ext cx="1518224" cy="383150"/>
+          </a:xfrm>
+          <a:prstGeom prst="rect">
+            <a:avLst/>
+          </a:prstGeom>
+          <a:noFill/>
+          <a:ln>
+            <a:noFill/>
+          </a:ln>
+        </p:spPr>
+      </p:pic>
+      <p:sp>
+        <p:nvSpPr>
+          <p:cNvPr id="523" name="Google Shape;523;p36"/>
+          <p:cNvSpPr/>
+          <p:nvPr/>
+        </p:nvSpPr>
+        <p:spPr>
+          <a:xfrm>
+            <a:off x="1760625" y="4964175"/>
+            <a:ext cx="7269000" cy="30600"/>
+          </a:xfrm>
+          <a:prstGeom prst="rect">
+            <a:avLst/>
+          </a:prstGeom>
+          <a:solidFill>
+            <a:schemeClr val="lt2"/>
+          </a:solidFill>
+          <a:ln>
+            <a:noFill/>
+          </a:ln>
+        </p:spPr>
+        <p:txBody>
+          <a:bodyPr spcFirstLastPara="1" wrap="square" lIns="91425" tIns="91425" rIns="91425" bIns="91425" anchor="ctr" anchorCtr="0">
+            <a:noAutofit/>
+          </a:bodyPr>
+          <a:lstStyle/>
+          <a:p>
+            <a:pPr marL="0" lvl="0" indent="0" algn="l" rtl="0">
+              <a:spcBef>
+                <a:spcPts val="0"/>
+              </a:spcBef>
+              <a:spcAft>
+                <a:spcPts val="0"/>
+              </a:spcAft>
+              <a:buNone/>
+            </a:pPr>
+          </a:p>
+        </p:txBody>
+      </p:sp>
+      <p:sp>
+        <p:nvSpPr>
+          <p:cNvPr id="2" name="Slide Number Placeholder 1"/>
+          <p:cNvSpPr>
+            <a:spLocks noGrp="1"/>
+          </p:cNvSpPr>
+          <p:nvPr>
+            <p:ph type="sldNum" idx="12"/>
+          </p:nvPr>
+        </p:nvSpPr>
+        <p:spPr/>
+        <p:txBody>
+          <a:bodyPr/>
+          <a:lstStyle/>
+          <a:p>
+            <a:pPr marL="0" lvl="0" indent="0" algn="r" rtl="0">
+              <a:spcBef>
+                <a:spcPts val="0"/>
+              </a:spcBef>
+              <a:spcAft>
+                <a:spcPts val="0"/>
+              </a:spcAft>
+              <a:buNone/>
+            </a:pPr>
+            <a:fld id="{00000000-1234-1234-1234-123412341234}" type="slidenum">
+              <a:rPr lang="en-GB"/>
+            </a:fld>
+            <a:endParaRPr lang="en-GB"/>
+          </a:p>
+        </p:txBody>
+      </p:sp>
+    </p:spTree>
+  </p:cSld>
+  <p:clrMapOvr>
+    <a:masterClrMapping/>
+  </p:clrMapOvr>
+  <mc:AlternateContent xmlns:mc="http://schemas.openxmlformats.org/markup-compatibility/2006">
+    <mc:Choice xmlns:p14="http://schemas.microsoft.com/office/powerpoint/2010/main" Requires="p14">
+      <p:transition spd="med" p14:dur="699">
+        <p:fade/>
+      </p:transition>
+    </mc:Choice>
+    <mc:Fallback>
+      <p:transition spd="med">
+        <p:fade/>
+      </p:transition>
+    </mc:Fallback>
+  </mc:AlternateContent>
+</p:sld>
+</file>
+
+<file path=ppt/slides/slide41.xml><?xml version="1.0" encoding="utf-8"?>
 <p:sld xmlns:a="http://schemas.openxmlformats.org/drawingml/2006/main" xmlns:r="http://schemas.openxmlformats.org/officeDocument/2006/relationships" xmlns:p="http://schemas.openxmlformats.org/presentationml/2006/main">
   <p:cSld>
     <p:bg>
@@ -35952,6 +36473,49 @@
 </a:themeOverride>
 </file>
 
+<file path=ppt/theme/themeOverride15.xml><?xml version="1.0" encoding="utf-8"?>
+<a:themeOverride xmlns:a="http://schemas.openxmlformats.org/drawingml/2006/main">
+  <a:clrScheme name="Simple Light">
+    <a:dk1>
+      <a:srgbClr val="000000"/>
+    </a:dk1>
+    <a:lt1>
+      <a:srgbClr val="FFFFFF"/>
+    </a:lt1>
+    <a:dk2>
+      <a:srgbClr val="595959"/>
+    </a:dk2>
+    <a:lt2>
+      <a:srgbClr val="EEEEEE"/>
+    </a:lt2>
+    <a:accent1>
+      <a:srgbClr val="4285F4"/>
+    </a:accent1>
+    <a:accent2>
+      <a:srgbClr val="212121"/>
+    </a:accent2>
+    <a:accent3>
+      <a:srgbClr val="78909C"/>
+    </a:accent3>
+    <a:accent4>
+      <a:srgbClr val="FFAB40"/>
+    </a:accent4>
+    <a:accent5>
+      <a:srgbClr val="0097A7"/>
+    </a:accent5>
+    <a:accent6>
+      <a:srgbClr val="EEFF41"/>
+    </a:accent6>
+    <a:hlink>
+      <a:srgbClr val="0097A7"/>
+    </a:hlink>
+    <a:folHlink>
+      <a:srgbClr val="0097A7"/>
+    </a:folHlink>
+  </a:clrScheme>
+</a:themeOverride>
+</file>
+
 <file path=ppt/theme/themeOverride2.xml><?xml version="1.0" encoding="utf-8"?>
 <a:themeOverride xmlns:a="http://schemas.openxmlformats.org/drawingml/2006/main">
   <a:clrScheme name="Simple Light">
